--- a/Presentation.pptx
+++ b/Presentation.pptx
@@ -2,8 +2,22 @@
 <file path=ppt/presentation.xml><?xml version="1.0" encoding="utf-8"?>
 <p:presentation xmlns:a="http://schemas.openxmlformats.org/drawingml/2006/main" xmlns:r="http://schemas.openxmlformats.org/officeDocument/2006/relationships" xmlns:p="http://schemas.openxmlformats.org/presentationml/2006/main" saveSubsetFonts="1">
   <p:sldMasterIdLst>
-    <p:sldMasterId id="2147483648" r:id="rId1"/>
+    <p:sldMasterId id="2147483792" r:id="rId1"/>
   </p:sldMasterIdLst>
+  <p:sldIdLst>
+    <p:sldId id="256" r:id="rId2"/>
+    <p:sldId id="257" r:id="rId3"/>
+    <p:sldId id="262" r:id="rId4"/>
+    <p:sldId id="258" r:id="rId5"/>
+    <p:sldId id="263" r:id="rId6"/>
+    <p:sldId id="259" r:id="rId7"/>
+    <p:sldId id="264" r:id="rId8"/>
+    <p:sldId id="260" r:id="rId9"/>
+    <p:sldId id="265" r:id="rId10"/>
+    <p:sldId id="261" r:id="rId11"/>
+    <p:sldId id="266" r:id="rId12"/>
+    <p:sldId id="267" r:id="rId13"/>
+  </p:sldIdLst>
   <p:sldSz cx="9144000" cy="6858000" type="screen4x3"/>
   <p:notesSz cx="6858000" cy="9144000"/>
   <p:defaultTextStyle>
@@ -105,8 +119,13 @@
 </file>
 
 <file path=ppt/slideLayouts/slideLayout1.xml><?xml version="1.0" encoding="utf-8"?>
-<p:sldLayout xmlns:a="http://schemas.openxmlformats.org/drawingml/2006/main" xmlns:r="http://schemas.openxmlformats.org/officeDocument/2006/relationships" xmlns:p="http://schemas.openxmlformats.org/presentationml/2006/main" type="title" preserve="1">
+<p:sldLayout xmlns:a="http://schemas.openxmlformats.org/drawingml/2006/main" xmlns:r="http://schemas.openxmlformats.org/officeDocument/2006/relationships" xmlns:p="http://schemas.openxmlformats.org/presentationml/2006/main" showMasterSp="0" type="title" preserve="1">
   <p:cSld name="Title Slide">
+    <p:bg>
+      <p:bgRef idx="1002">
+        <a:schemeClr val="bg2"/>
+      </p:bgRef>
+    </p:bg>
     <p:spTree>
       <p:nvGrpSpPr>
         <p:cNvPr id="1" name=""/>
@@ -123,7 +142,203 @@
       </p:grpSpPr>
       <p:sp>
         <p:nvSpPr>
-          <p:cNvPr id="2" name="Title 1"/>
+          <p:cNvPr id="7" name="Freeform 6"/>
+          <p:cNvSpPr>
+            <a:spLocks/>
+          </p:cNvSpPr>
+          <p:nvPr/>
+        </p:nvSpPr>
+        <p:spPr bwMode="auto">
+          <a:xfrm>
+            <a:off x="0" y="4752126"/>
+            <a:ext cx="9144000" cy="2112962"/>
+          </a:xfrm>
+          <a:custGeom>
+            <a:avLst>
+              <a:gd name="A1" fmla="val 0"/>
+              <a:gd name="A2" fmla="val 0"/>
+              <a:gd name="A3" fmla="val 0"/>
+              <a:gd name="A4" fmla="val 0"/>
+              <a:gd name="A5" fmla="val 0"/>
+              <a:gd name="A6" fmla="val 0"/>
+              <a:gd name="A7" fmla="val 0"/>
+              <a:gd name="A8" fmla="val 0"/>
+            </a:avLst>
+            <a:gdLst/>
+            <a:ahLst/>
+            <a:cxnLst>
+              <a:cxn ang="0">
+                <a:pos x="0" y="1066"/>
+              </a:cxn>
+              <a:cxn ang="0">
+                <a:pos x="0" y="1331"/>
+              </a:cxn>
+              <a:cxn ang="0">
+                <a:pos x="5760" y="1331"/>
+              </a:cxn>
+              <a:cxn ang="0">
+                <a:pos x="5760" y="0"/>
+              </a:cxn>
+              <a:cxn ang="0">
+                <a:pos x="0" y="1066"/>
+              </a:cxn>
+            </a:cxnLst>
+            <a:rect l="0" t="0" r="0" b="0"/>
+            <a:pathLst>
+              <a:path w="5760" h="1331">
+                <a:moveTo>
+                  <a:pt x="0" y="1066"/>
+                </a:moveTo>
+                <a:lnTo>
+                  <a:pt x="0" y="1331"/>
+                </a:lnTo>
+                <a:lnTo>
+                  <a:pt x="5760" y="1331"/>
+                </a:lnTo>
+                <a:lnTo>
+                  <a:pt x="5760" y="0"/>
+                </a:lnTo>
+                <a:cubicBezTo>
+                  <a:pt x="3220" y="1206"/>
+                  <a:pt x="2250" y="1146"/>
+                  <a:pt x="0" y="1066"/>
+                </a:cubicBezTo>
+                <a:close/>
+              </a:path>
+            </a:pathLst>
+          </a:custGeom>
+          <a:solidFill>
+            <a:schemeClr val="bg1">
+              <a:tint val="80000"/>
+              <a:satMod val="200000"/>
+              <a:alpha val="45000"/>
+            </a:schemeClr>
+          </a:solidFill>
+          <a:ln w="9525" cap="flat" cmpd="sng" algn="ctr">
+            <a:noFill/>
+            <a:prstDash val="solid"/>
+            <a:round/>
+            <a:headEnd type="none" w="med" len="med"/>
+            <a:tailEnd type="none" w="med" len="med"/>
+          </a:ln>
+          <a:effectLst>
+            <a:outerShdw blurRad="50800" dist="44450" dir="16200000" algn="ctr" rotWithShape="0">
+              <a:prstClr val="black">
+                <a:alpha val="35000"/>
+              </a:prstClr>
+            </a:outerShdw>
+          </a:effectLst>
+        </p:spPr>
+        <p:txBody>
+          <a:bodyPr vert="horz" wrap="square" lIns="91440" tIns="45720" rIns="91440" bIns="45720" anchor="t" compatLnSpc="1"/>
+          <a:lstStyle/>
+          <a:p>
+            <a:endParaRPr kumimoji="0" lang="en-US"/>
+          </a:p>
+        </p:txBody>
+      </p:sp>
+      <p:sp>
+        <p:nvSpPr>
+          <p:cNvPr id="8" name="Freeform 7"/>
+          <p:cNvSpPr>
+            <a:spLocks/>
+          </p:cNvSpPr>
+          <p:nvPr/>
+        </p:nvSpPr>
+        <p:spPr bwMode="auto">
+          <a:xfrm>
+            <a:off x="6105525" y="0"/>
+            <a:ext cx="3038475" cy="6858000"/>
+          </a:xfrm>
+          <a:custGeom>
+            <a:avLst/>
+            <a:gdLst>
+              <a:gd name="connsiteX0" fmla="*/ 1914 w 1914"/>
+              <a:gd name="connsiteY0" fmla="*/ 9 h 4329"/>
+              <a:gd name="connsiteX1" fmla="*/ 1914 w 1914"/>
+              <a:gd name="connsiteY1" fmla="*/ 4329 h 4329"/>
+              <a:gd name="connsiteX2" fmla="*/ 204 w 1914"/>
+              <a:gd name="connsiteY2" fmla="*/ 4327 h 4329"/>
+              <a:gd name="connsiteX3" fmla="*/ 0 w 1914"/>
+              <a:gd name="connsiteY3" fmla="*/ 0 h 4329"/>
+              <a:gd name="connsiteX4" fmla="*/ 1914 w 1914"/>
+              <a:gd name="connsiteY4" fmla="*/ 9 h 4329"/>
+            </a:gdLst>
+            <a:ahLst/>
+            <a:cxnLst>
+              <a:cxn ang="0">
+                <a:pos x="connsiteX0" y="connsiteY0"/>
+              </a:cxn>
+              <a:cxn ang="0">
+                <a:pos x="connsiteX1" y="connsiteY1"/>
+              </a:cxn>
+              <a:cxn ang="0">
+                <a:pos x="connsiteX2" y="connsiteY2"/>
+              </a:cxn>
+              <a:cxn ang="0">
+                <a:pos x="connsiteX3" y="connsiteY3"/>
+              </a:cxn>
+              <a:cxn ang="0">
+                <a:pos x="connsiteX4" y="connsiteY4"/>
+              </a:cxn>
+            </a:cxnLst>
+            <a:rect l="l" t="t" r="r" b="b"/>
+            <a:pathLst>
+              <a:path w="1914" h="4329">
+                <a:moveTo>
+                  <a:pt x="1914" y="9"/>
+                </a:moveTo>
+                <a:lnTo>
+                  <a:pt x="1914" y="4329"/>
+                </a:lnTo>
+                <a:lnTo>
+                  <a:pt x="204" y="4327"/>
+                </a:lnTo>
+                <a:cubicBezTo>
+                  <a:pt x="1288" y="3574"/>
+                  <a:pt x="1608" y="1590"/>
+                  <a:pt x="0" y="0"/>
+                </a:cubicBezTo>
+                <a:lnTo>
+                  <a:pt x="1914" y="9"/>
+                </a:lnTo>
+                <a:close/>
+              </a:path>
+            </a:pathLst>
+          </a:custGeom>
+          <a:solidFill>
+            <a:schemeClr val="bg1">
+              <a:tint val="90000"/>
+              <a:satMod val="350000"/>
+              <a:alpha val="40000"/>
+            </a:schemeClr>
+          </a:solidFill>
+          <a:ln w="9525" cap="flat" cmpd="sng" algn="ctr">
+            <a:noFill/>
+            <a:prstDash val="solid"/>
+            <a:round/>
+            <a:headEnd type="none" w="med" len="med"/>
+            <a:tailEnd type="none" w="med" len="med"/>
+          </a:ln>
+          <a:effectLst>
+            <a:outerShdw blurRad="50800" dist="50800" dir="10800000" algn="ctr" rotWithShape="0">
+              <a:prstClr val="black">
+                <a:alpha val="45000"/>
+              </a:prstClr>
+            </a:outerShdw>
+          </a:effectLst>
+        </p:spPr>
+        <p:txBody>
+          <a:bodyPr vert="horz" wrap="square" lIns="91440" tIns="45720" rIns="91440" bIns="45720" anchor="t" compatLnSpc="1"/>
+          <a:lstStyle/>
+          <a:p>
+            <a:endParaRPr kumimoji="0" lang="en-US"/>
+          </a:p>
+        </p:txBody>
+      </p:sp>
+      <p:sp>
+        <p:nvSpPr>
+          <p:cNvPr id="9" name="Title 8"/>
           <p:cNvSpPr>
             <a:spLocks noGrp="1"/>
           </p:cNvSpPr>
@@ -133,25 +348,82 @@
         </p:nvSpPr>
         <p:spPr>
           <a:xfrm>
-            <a:off x="685800" y="2130425"/>
-            <a:ext cx="7772400" cy="1470025"/>
+            <a:off x="429064" y="3337560"/>
+            <a:ext cx="6480048" cy="2301240"/>
           </a:xfrm>
         </p:spPr>
         <p:txBody>
-          <a:bodyPr/>
-          <a:lstStyle/>
-          <a:p>
-            <a:r>
-              <a:rPr lang="en-US" smtClean="0"/>
+          <a:bodyPr rIns="45720" anchor="t"/>
+          <a:lstStyle>
+            <a:lvl1pPr algn="r">
+              <a:defRPr lang="en-US" b="1" cap="all" baseline="0" dirty="0">
+                <a:ln w="5000" cmpd="sng">
+                  <a:solidFill>
+                    <a:schemeClr val="accent1">
+                      <a:tint val="80000"/>
+                      <a:shade val="99000"/>
+                      <a:satMod val="500000"/>
+                    </a:schemeClr>
+                  </a:solidFill>
+                  <a:prstDash val="solid"/>
+                </a:ln>
+                <a:gradFill>
+                  <a:gsLst>
+                    <a:gs pos="0">
+                      <a:schemeClr val="accent1">
+                        <a:tint val="63000"/>
+                        <a:satMod val="255000"/>
+                      </a:schemeClr>
+                    </a:gs>
+                    <a:gs pos="9000">
+                      <a:schemeClr val="accent1">
+                        <a:tint val="63000"/>
+                        <a:satMod val="255000"/>
+                      </a:schemeClr>
+                    </a:gs>
+                    <a:gs pos="53000">
+                      <a:schemeClr val="accent1">
+                        <a:shade val="60000"/>
+                        <a:satMod val="100000"/>
+                      </a:schemeClr>
+                    </a:gs>
+                    <a:gs pos="90000">
+                      <a:schemeClr val="accent1">
+                        <a:tint val="63000"/>
+                        <a:satMod val="255000"/>
+                      </a:schemeClr>
+                    </a:gs>
+                    <a:gs pos="100000">
+                      <a:schemeClr val="accent1">
+                        <a:tint val="63000"/>
+                        <a:satMod val="255000"/>
+                      </a:schemeClr>
+                    </a:gs>
+                  </a:gsLst>
+                  <a:lin ang="5400000"/>
+                </a:gradFill>
+                <a:effectLst>
+                  <a:outerShdw blurRad="50800" dist="38100" dir="5400000" algn="t" rotWithShape="0">
+                    <a:prstClr val="black">
+                      <a:alpha val="50000"/>
+                    </a:prstClr>
+                  </a:outerShdw>
+                </a:effectLst>
+              </a:defRPr>
+            </a:lvl1pPr>
+          </a:lstStyle>
+          <a:p>
+            <a:r>
+              <a:rPr kumimoji="0" lang="en-US" smtClean="0"/>
               <a:t>Click to edit Master title style</a:t>
             </a:r>
-            <a:endParaRPr lang="en-US"/>
-          </a:p>
-        </p:txBody>
-      </p:sp>
-      <p:sp>
-        <p:nvSpPr>
-          <p:cNvPr id="3" name="Subtitle 2"/>
+            <a:endParaRPr kumimoji="0" lang="en-US"/>
+          </a:p>
+        </p:txBody>
+      </p:sp>
+      <p:sp>
+        <p:nvSpPr>
+          <p:cNvPr id="17" name="Subtitle 16"/>
           <p:cNvSpPr>
             <a:spLocks noGrp="1"/>
           </p:cNvSpPr>
@@ -161,116 +433,61 @@
         </p:nvSpPr>
         <p:spPr>
           <a:xfrm>
-            <a:off x="1371600" y="3886200"/>
-            <a:ext cx="6400800" cy="1752600"/>
+            <a:off x="433050" y="1544812"/>
+            <a:ext cx="6480048" cy="1752600"/>
           </a:xfrm>
         </p:spPr>
         <p:txBody>
-          <a:bodyPr/>
+          <a:bodyPr tIns="0" rIns="45720" bIns="0" anchor="b">
+            <a:normAutofit/>
+          </a:bodyPr>
           <a:lstStyle>
-            <a:lvl1pPr marL="0" indent="0" algn="ctr">
+            <a:lvl1pPr marL="0" indent="0" algn="r">
               <a:buNone/>
-              <a:defRPr>
+              <a:defRPr sz="2000">
                 <a:solidFill>
-                  <a:schemeClr val="tx1">
-                    <a:tint val="75000"/>
-                  </a:schemeClr>
+                  <a:schemeClr val="tx1"/>
                 </a:solidFill>
+                <a:effectLst/>
               </a:defRPr>
             </a:lvl1pPr>
             <a:lvl2pPr marL="457200" indent="0" algn="ctr">
               <a:buNone/>
-              <a:defRPr>
-                <a:solidFill>
-                  <a:schemeClr val="tx1">
-                    <a:tint val="75000"/>
-                  </a:schemeClr>
-                </a:solidFill>
-              </a:defRPr>
             </a:lvl2pPr>
             <a:lvl3pPr marL="914400" indent="0" algn="ctr">
               <a:buNone/>
-              <a:defRPr>
-                <a:solidFill>
-                  <a:schemeClr val="tx1">
-                    <a:tint val="75000"/>
-                  </a:schemeClr>
-                </a:solidFill>
-              </a:defRPr>
             </a:lvl3pPr>
             <a:lvl4pPr marL="1371600" indent="0" algn="ctr">
               <a:buNone/>
-              <a:defRPr>
-                <a:solidFill>
-                  <a:schemeClr val="tx1">
-                    <a:tint val="75000"/>
-                  </a:schemeClr>
-                </a:solidFill>
-              </a:defRPr>
             </a:lvl4pPr>
             <a:lvl5pPr marL="1828800" indent="0" algn="ctr">
               <a:buNone/>
-              <a:defRPr>
-                <a:solidFill>
-                  <a:schemeClr val="tx1">
-                    <a:tint val="75000"/>
-                  </a:schemeClr>
-                </a:solidFill>
-              </a:defRPr>
             </a:lvl5pPr>
             <a:lvl6pPr marL="2286000" indent="0" algn="ctr">
               <a:buNone/>
-              <a:defRPr>
-                <a:solidFill>
-                  <a:schemeClr val="tx1">
-                    <a:tint val="75000"/>
-                  </a:schemeClr>
-                </a:solidFill>
-              </a:defRPr>
             </a:lvl6pPr>
             <a:lvl7pPr marL="2743200" indent="0" algn="ctr">
               <a:buNone/>
-              <a:defRPr>
-                <a:solidFill>
-                  <a:schemeClr val="tx1">
-                    <a:tint val="75000"/>
-                  </a:schemeClr>
-                </a:solidFill>
-              </a:defRPr>
             </a:lvl7pPr>
             <a:lvl8pPr marL="3200400" indent="0" algn="ctr">
               <a:buNone/>
-              <a:defRPr>
-                <a:solidFill>
-                  <a:schemeClr val="tx1">
-                    <a:tint val="75000"/>
-                  </a:schemeClr>
-                </a:solidFill>
-              </a:defRPr>
             </a:lvl8pPr>
             <a:lvl9pPr marL="3657600" indent="0" algn="ctr">
               <a:buNone/>
-              <a:defRPr>
-                <a:solidFill>
-                  <a:schemeClr val="tx1">
-                    <a:tint val="75000"/>
-                  </a:schemeClr>
-                </a:solidFill>
-              </a:defRPr>
             </a:lvl9pPr>
           </a:lstStyle>
           <a:p>
             <a:r>
-              <a:rPr lang="en-US" smtClean="0"/>
+              <a:rPr kumimoji="0" lang="en-US" smtClean="0"/>
               <a:t>Click to edit Master subtitle style</a:t>
             </a:r>
-            <a:endParaRPr lang="en-US"/>
-          </a:p>
-        </p:txBody>
-      </p:sp>
-      <p:sp>
-        <p:nvSpPr>
-          <p:cNvPr id="4" name="Date Placeholder 3"/>
+            <a:endParaRPr kumimoji="0" lang="en-US"/>
+          </a:p>
+        </p:txBody>
+      </p:sp>
+      <p:sp>
+        <p:nvSpPr>
+          <p:cNvPr id="30" name="Date Placeholder 29"/>
           <p:cNvSpPr>
             <a:spLocks noGrp="1"/>
           </p:cNvSpPr>
@@ -286,7 +503,7 @@
             <a:fld id="{1D8BD707-D9CF-40AE-B4C6-C98DA3205C09}" type="datetimeFigureOut">
               <a:rPr lang="en-US" smtClean="0"/>
               <a:pPr/>
-              <a:t>9/18/2006</a:t>
+              <a:t>12/17/2009</a:t>
             </a:fld>
             <a:endParaRPr lang="en-US"/>
           </a:p>
@@ -294,7 +511,7 @@
       </p:sp>
       <p:sp>
         <p:nvSpPr>
-          <p:cNvPr id="5" name="Footer Placeholder 4"/>
+          <p:cNvPr id="19" name="Footer Placeholder 18"/>
           <p:cNvSpPr>
             <a:spLocks noGrp="1"/>
           </p:cNvSpPr>
@@ -313,7 +530,7 @@
       </p:sp>
       <p:sp>
         <p:nvSpPr>
-          <p:cNvPr id="6" name="Slide Number Placeholder 5"/>
+          <p:cNvPr id="27" name="Slide Number Placeholder 26"/>
           <p:cNvSpPr>
             <a:spLocks noGrp="1"/>
           </p:cNvSpPr>
@@ -338,7 +555,7 @@
     </p:spTree>
   </p:cSld>
   <p:clrMapOvr>
-    <a:masterClrMapping/>
+    <a:overrideClrMapping bg1="dk1" tx1="lt1" bg2="dk2" tx2="lt2" accent1="accent1" accent2="accent2" accent3="accent3" accent4="accent4" accent5="accent5" accent6="accent6" hlink="hlink" folHlink="folHlink"/>
   </p:clrMapOvr>
 </p:sldLayout>
 </file>
@@ -376,10 +593,10 @@
           <a:lstStyle/>
           <a:p>
             <a:r>
-              <a:rPr lang="en-US" smtClean="0"/>
+              <a:rPr kumimoji="0" lang="en-US" smtClean="0"/>
               <a:t>Click to edit Master title style</a:t>
             </a:r>
-            <a:endParaRPr lang="en-US"/>
+            <a:endParaRPr kumimoji="0" lang="en-US"/>
           </a:p>
         </p:txBody>
       </p:sp>
@@ -398,40 +615,40 @@
           <a:bodyPr vert="eaVert"/>
           <a:lstStyle/>
           <a:p>
-            <a:pPr lvl="0"/>
+            <a:pPr lvl="0" eaLnBrk="1" latinLnBrk="0" hangingPunct="1"/>
             <a:r>
               <a:rPr lang="en-US" smtClean="0"/>
               <a:t>Click to edit Master text styles</a:t>
             </a:r>
           </a:p>
           <a:p>
-            <a:pPr lvl="1"/>
+            <a:pPr lvl="1" eaLnBrk="1" latinLnBrk="0" hangingPunct="1"/>
             <a:r>
               <a:rPr lang="en-US" smtClean="0"/>
               <a:t>Second level</a:t>
             </a:r>
           </a:p>
           <a:p>
-            <a:pPr lvl="2"/>
+            <a:pPr lvl="2" eaLnBrk="1" latinLnBrk="0" hangingPunct="1"/>
             <a:r>
               <a:rPr lang="en-US" smtClean="0"/>
               <a:t>Third level</a:t>
             </a:r>
           </a:p>
           <a:p>
-            <a:pPr lvl="3"/>
+            <a:pPr lvl="3" eaLnBrk="1" latinLnBrk="0" hangingPunct="1"/>
             <a:r>
               <a:rPr lang="en-US" smtClean="0"/>
               <a:t>Fourth level</a:t>
             </a:r>
           </a:p>
           <a:p>
-            <a:pPr lvl="4"/>
+            <a:pPr lvl="4" eaLnBrk="1" latinLnBrk="0" hangingPunct="1"/>
             <a:r>
               <a:rPr lang="en-US" smtClean="0"/>
               <a:t>Fifth level</a:t>
             </a:r>
-            <a:endParaRPr lang="en-US"/>
+            <a:endParaRPr kumimoji="0" lang="en-US"/>
           </a:p>
         </p:txBody>
       </p:sp>
@@ -453,7 +670,7 @@
             <a:fld id="{1D8BD707-D9CF-40AE-B4C6-C98DA3205C09}" type="datetimeFigureOut">
               <a:rPr lang="en-US" smtClean="0"/>
               <a:pPr/>
-              <a:t>9/18/2006</a:t>
+              <a:t>12/17/2009</a:t>
             </a:fld>
             <a:endParaRPr lang="en-US"/>
           </a:p>
@@ -548,10 +765,10 @@
           <a:lstStyle/>
           <a:p>
             <a:r>
-              <a:rPr lang="en-US" smtClean="0"/>
+              <a:rPr kumimoji="0" lang="en-US" smtClean="0"/>
               <a:t>Click to edit Master title style</a:t>
             </a:r>
-            <a:endParaRPr lang="en-US"/>
+            <a:endParaRPr kumimoji="0" lang="en-US"/>
           </a:p>
         </p:txBody>
       </p:sp>
@@ -575,40 +792,40 @@
           <a:bodyPr vert="eaVert"/>
           <a:lstStyle/>
           <a:p>
-            <a:pPr lvl="0"/>
+            <a:pPr lvl="0" eaLnBrk="1" latinLnBrk="0" hangingPunct="1"/>
             <a:r>
               <a:rPr lang="en-US" smtClean="0"/>
               <a:t>Click to edit Master text styles</a:t>
             </a:r>
           </a:p>
           <a:p>
-            <a:pPr lvl="1"/>
+            <a:pPr lvl="1" eaLnBrk="1" latinLnBrk="0" hangingPunct="1"/>
             <a:r>
               <a:rPr lang="en-US" smtClean="0"/>
               <a:t>Second level</a:t>
             </a:r>
           </a:p>
           <a:p>
-            <a:pPr lvl="2"/>
+            <a:pPr lvl="2" eaLnBrk="1" latinLnBrk="0" hangingPunct="1"/>
             <a:r>
               <a:rPr lang="en-US" smtClean="0"/>
               <a:t>Third level</a:t>
             </a:r>
           </a:p>
           <a:p>
-            <a:pPr lvl="3"/>
+            <a:pPr lvl="3" eaLnBrk="1" latinLnBrk="0" hangingPunct="1"/>
             <a:r>
               <a:rPr lang="en-US" smtClean="0"/>
               <a:t>Fourth level</a:t>
             </a:r>
           </a:p>
           <a:p>
-            <a:pPr lvl="4"/>
+            <a:pPr lvl="4" eaLnBrk="1" latinLnBrk="0" hangingPunct="1"/>
             <a:r>
               <a:rPr lang="en-US" smtClean="0"/>
               <a:t>Fifth level</a:t>
             </a:r>
-            <a:endParaRPr lang="en-US"/>
+            <a:endParaRPr kumimoji="0" lang="en-US"/>
           </a:p>
         </p:txBody>
       </p:sp>
@@ -630,7 +847,7 @@
             <a:fld id="{1D8BD707-D9CF-40AE-B4C6-C98DA3205C09}" type="datetimeFigureOut">
               <a:rPr lang="en-US" smtClean="0"/>
               <a:pPr/>
-              <a:t>9/18/2006</a:t>
+              <a:t>12/17/2009</a:t>
             </a:fld>
             <a:endParaRPr lang="en-US"/>
           </a:p>
@@ -717,13 +934,17 @@
         <p:spPr/>
         <p:txBody>
           <a:bodyPr/>
-          <a:lstStyle/>
-          <a:p>
-            <a:r>
-              <a:rPr lang="en-US" smtClean="0"/>
+          <a:lstStyle>
+            <a:lvl1pPr algn="l">
+              <a:defRPr/>
+            </a:lvl1pPr>
+          </a:lstStyle>
+          <a:p>
+            <a:r>
+              <a:rPr kumimoji="0" lang="en-US" smtClean="0"/>
               <a:t>Click to edit Master title style</a:t>
             </a:r>
-            <a:endParaRPr lang="en-US"/>
+            <a:endParaRPr kumimoji="0" lang="en-US"/>
           </a:p>
         </p:txBody>
       </p:sp>
@@ -742,40 +963,40 @@
           <a:bodyPr/>
           <a:lstStyle/>
           <a:p>
-            <a:pPr lvl="0"/>
+            <a:pPr lvl="0" eaLnBrk="1" latinLnBrk="0" hangingPunct="1"/>
             <a:r>
               <a:rPr lang="en-US" smtClean="0"/>
               <a:t>Click to edit Master text styles</a:t>
             </a:r>
           </a:p>
           <a:p>
-            <a:pPr lvl="1"/>
+            <a:pPr lvl="1" eaLnBrk="1" latinLnBrk="0" hangingPunct="1"/>
             <a:r>
               <a:rPr lang="en-US" smtClean="0"/>
               <a:t>Second level</a:t>
             </a:r>
           </a:p>
           <a:p>
-            <a:pPr lvl="2"/>
+            <a:pPr lvl="2" eaLnBrk="1" latinLnBrk="0" hangingPunct="1"/>
             <a:r>
               <a:rPr lang="en-US" smtClean="0"/>
               <a:t>Third level</a:t>
             </a:r>
           </a:p>
           <a:p>
-            <a:pPr lvl="3"/>
+            <a:pPr lvl="3" eaLnBrk="1" latinLnBrk="0" hangingPunct="1"/>
             <a:r>
               <a:rPr lang="en-US" smtClean="0"/>
               <a:t>Fourth level</a:t>
             </a:r>
           </a:p>
           <a:p>
-            <a:pPr lvl="4"/>
+            <a:pPr lvl="4" eaLnBrk="1" latinLnBrk="0" hangingPunct="1"/>
             <a:r>
               <a:rPr lang="en-US" smtClean="0"/>
               <a:t>Fifth level</a:t>
             </a:r>
-            <a:endParaRPr lang="en-US"/>
+            <a:endParaRPr kumimoji="0" lang="en-US"/>
           </a:p>
         </p:txBody>
       </p:sp>
@@ -797,7 +1018,7 @@
             <a:fld id="{1D8BD707-D9CF-40AE-B4C6-C98DA3205C09}" type="datetimeFigureOut">
               <a:rPr lang="en-US" smtClean="0"/>
               <a:pPr/>
-              <a:t>9/18/2006</a:t>
+              <a:t>12/17/2009</a:t>
             </a:fld>
             <a:endParaRPr lang="en-US"/>
           </a:p>
@@ -855,8 +1076,13 @@
 </file>
 
 <file path=ppt/slideLayouts/slideLayout3.xml><?xml version="1.0" encoding="utf-8"?>
-<p:sldLayout xmlns:a="http://schemas.openxmlformats.org/drawingml/2006/main" xmlns:r="http://schemas.openxmlformats.org/officeDocument/2006/relationships" xmlns:p="http://schemas.openxmlformats.org/presentationml/2006/main" type="secHead" preserve="1">
+<p:sldLayout xmlns:a="http://schemas.openxmlformats.org/drawingml/2006/main" xmlns:r="http://schemas.openxmlformats.org/officeDocument/2006/relationships" xmlns:p="http://schemas.openxmlformats.org/presentationml/2006/main" showMasterSp="0" type="secHead" preserve="1">
   <p:cSld name="Section Header">
+    <p:bg>
+      <p:bgRef idx="1002">
+        <a:schemeClr val="bg2"/>
+      </p:bgRef>
+    </p:bg>
     <p:spTree>
       <p:nvGrpSpPr>
         <p:cNvPr id="1" name=""/>
@@ -873,6 +1099,202 @@
       </p:grpSpPr>
       <p:sp>
         <p:nvSpPr>
+          <p:cNvPr id="7" name="Freeform 6"/>
+          <p:cNvSpPr>
+            <a:spLocks/>
+          </p:cNvSpPr>
+          <p:nvPr/>
+        </p:nvSpPr>
+        <p:spPr bwMode="auto">
+          <a:xfrm>
+            <a:off x="0" y="4752126"/>
+            <a:ext cx="9144000" cy="2112962"/>
+          </a:xfrm>
+          <a:custGeom>
+            <a:avLst>
+              <a:gd name="A1" fmla="val 0"/>
+              <a:gd name="A2" fmla="val 0"/>
+              <a:gd name="A3" fmla="val 0"/>
+              <a:gd name="A4" fmla="val 0"/>
+              <a:gd name="A5" fmla="val 0"/>
+              <a:gd name="A6" fmla="val 0"/>
+              <a:gd name="A7" fmla="val 0"/>
+              <a:gd name="A8" fmla="val 0"/>
+            </a:avLst>
+            <a:gdLst/>
+            <a:ahLst/>
+            <a:cxnLst>
+              <a:cxn ang="0">
+                <a:pos x="0" y="1066"/>
+              </a:cxn>
+              <a:cxn ang="0">
+                <a:pos x="0" y="1331"/>
+              </a:cxn>
+              <a:cxn ang="0">
+                <a:pos x="5760" y="1331"/>
+              </a:cxn>
+              <a:cxn ang="0">
+                <a:pos x="5760" y="0"/>
+              </a:cxn>
+              <a:cxn ang="0">
+                <a:pos x="0" y="1066"/>
+              </a:cxn>
+            </a:cxnLst>
+            <a:rect l="0" t="0" r="0" b="0"/>
+            <a:pathLst>
+              <a:path w="5760" h="1331">
+                <a:moveTo>
+                  <a:pt x="0" y="1066"/>
+                </a:moveTo>
+                <a:lnTo>
+                  <a:pt x="0" y="1331"/>
+                </a:lnTo>
+                <a:lnTo>
+                  <a:pt x="5760" y="1331"/>
+                </a:lnTo>
+                <a:lnTo>
+                  <a:pt x="5760" y="0"/>
+                </a:lnTo>
+                <a:cubicBezTo>
+                  <a:pt x="3220" y="1206"/>
+                  <a:pt x="2250" y="1146"/>
+                  <a:pt x="0" y="1066"/>
+                </a:cubicBezTo>
+                <a:close/>
+              </a:path>
+            </a:pathLst>
+          </a:custGeom>
+          <a:solidFill>
+            <a:schemeClr val="bg1">
+              <a:tint val="80000"/>
+              <a:satMod val="200000"/>
+              <a:alpha val="45000"/>
+            </a:schemeClr>
+          </a:solidFill>
+          <a:ln w="9525" cap="flat" cmpd="sng" algn="ctr">
+            <a:noFill/>
+            <a:prstDash val="solid"/>
+            <a:round/>
+            <a:headEnd type="none" w="med" len="med"/>
+            <a:tailEnd type="none" w="med" len="med"/>
+          </a:ln>
+          <a:effectLst>
+            <a:outerShdw blurRad="50800" dist="44450" dir="16200000" algn="ctr" rotWithShape="0">
+              <a:prstClr val="black">
+                <a:alpha val="35000"/>
+              </a:prstClr>
+            </a:outerShdw>
+          </a:effectLst>
+        </p:spPr>
+        <p:txBody>
+          <a:bodyPr vert="horz" wrap="square" lIns="91440" tIns="45720" rIns="91440" bIns="45720" anchor="t" compatLnSpc="1"/>
+          <a:lstStyle/>
+          <a:p>
+            <a:endParaRPr kumimoji="0" lang="en-US"/>
+          </a:p>
+        </p:txBody>
+      </p:sp>
+      <p:sp>
+        <p:nvSpPr>
+          <p:cNvPr id="9" name="Freeform 8"/>
+          <p:cNvSpPr>
+            <a:spLocks/>
+          </p:cNvSpPr>
+          <p:nvPr/>
+        </p:nvSpPr>
+        <p:spPr bwMode="auto">
+          <a:xfrm>
+            <a:off x="6105525" y="0"/>
+            <a:ext cx="3038475" cy="6858000"/>
+          </a:xfrm>
+          <a:custGeom>
+            <a:avLst/>
+            <a:gdLst>
+              <a:gd name="connsiteX0" fmla="*/ 1914 w 1914"/>
+              <a:gd name="connsiteY0" fmla="*/ 9 h 4329"/>
+              <a:gd name="connsiteX1" fmla="*/ 1914 w 1914"/>
+              <a:gd name="connsiteY1" fmla="*/ 4329 h 4329"/>
+              <a:gd name="connsiteX2" fmla="*/ 204 w 1914"/>
+              <a:gd name="connsiteY2" fmla="*/ 4327 h 4329"/>
+              <a:gd name="connsiteX3" fmla="*/ 0 w 1914"/>
+              <a:gd name="connsiteY3" fmla="*/ 0 h 4329"/>
+              <a:gd name="connsiteX4" fmla="*/ 1914 w 1914"/>
+              <a:gd name="connsiteY4" fmla="*/ 9 h 4329"/>
+            </a:gdLst>
+            <a:ahLst/>
+            <a:cxnLst>
+              <a:cxn ang="0">
+                <a:pos x="connsiteX0" y="connsiteY0"/>
+              </a:cxn>
+              <a:cxn ang="0">
+                <a:pos x="connsiteX1" y="connsiteY1"/>
+              </a:cxn>
+              <a:cxn ang="0">
+                <a:pos x="connsiteX2" y="connsiteY2"/>
+              </a:cxn>
+              <a:cxn ang="0">
+                <a:pos x="connsiteX3" y="connsiteY3"/>
+              </a:cxn>
+              <a:cxn ang="0">
+                <a:pos x="connsiteX4" y="connsiteY4"/>
+              </a:cxn>
+            </a:cxnLst>
+            <a:rect l="l" t="t" r="r" b="b"/>
+            <a:pathLst>
+              <a:path w="1914" h="4329">
+                <a:moveTo>
+                  <a:pt x="1914" y="9"/>
+                </a:moveTo>
+                <a:lnTo>
+                  <a:pt x="1914" y="4329"/>
+                </a:lnTo>
+                <a:lnTo>
+                  <a:pt x="204" y="4327"/>
+                </a:lnTo>
+                <a:cubicBezTo>
+                  <a:pt x="1288" y="3574"/>
+                  <a:pt x="1608" y="1590"/>
+                  <a:pt x="0" y="0"/>
+                </a:cubicBezTo>
+                <a:lnTo>
+                  <a:pt x="1914" y="9"/>
+                </a:lnTo>
+                <a:close/>
+              </a:path>
+            </a:pathLst>
+          </a:custGeom>
+          <a:solidFill>
+            <a:schemeClr val="bg1">
+              <a:tint val="90000"/>
+              <a:satMod val="350000"/>
+              <a:alpha val="40000"/>
+            </a:schemeClr>
+          </a:solidFill>
+          <a:ln w="9525" cap="flat" cmpd="sng" algn="ctr">
+            <a:noFill/>
+            <a:prstDash val="solid"/>
+            <a:round/>
+            <a:headEnd type="none" w="med" len="med"/>
+            <a:tailEnd type="none" w="med" len="med"/>
+          </a:ln>
+          <a:effectLst>
+            <a:outerShdw blurRad="50800" dist="50800" dir="10800000" algn="ctr" rotWithShape="0">
+              <a:prstClr val="black">
+                <a:alpha val="45000"/>
+              </a:prstClr>
+            </a:outerShdw>
+          </a:effectLst>
+        </p:spPr>
+        <p:txBody>
+          <a:bodyPr vert="horz" wrap="square" lIns="91440" tIns="45720" rIns="91440" bIns="45720" anchor="t" compatLnSpc="1"/>
+          <a:lstStyle/>
+          <a:p>
+            <a:endParaRPr kumimoji="0" lang="en-US"/>
+          </a:p>
+        </p:txBody>
+      </p:sp>
+      <p:sp>
+        <p:nvSpPr>
           <p:cNvPr id="2" name="Title 1"/>
           <p:cNvSpPr>
             <a:spLocks noGrp="1"/>
@@ -883,23 +1305,77 @@
         </p:nvSpPr>
         <p:spPr>
           <a:xfrm>
-            <a:off x="722313" y="4406900"/>
-            <a:ext cx="7772400" cy="1362075"/>
+            <a:off x="685800" y="3583837"/>
+            <a:ext cx="6629400" cy="1826363"/>
           </a:xfrm>
         </p:spPr>
         <p:txBody>
-          <a:bodyPr anchor="t"/>
+          <a:bodyPr tIns="0" bIns="0" anchor="t"/>
           <a:lstStyle>
             <a:lvl1pPr algn="l">
-              <a:defRPr sz="4000" b="1" cap="all"/>
+              <a:buNone/>
+              <a:defRPr sz="4200" b="1" cap="none" baseline="0">
+                <a:ln w="5000" cmpd="sng">
+                  <a:solidFill>
+                    <a:schemeClr val="accent1">
+                      <a:tint val="80000"/>
+                      <a:shade val="99000"/>
+                      <a:satMod val="500000"/>
+                    </a:schemeClr>
+                  </a:solidFill>
+                  <a:prstDash val="solid"/>
+                </a:ln>
+                <a:gradFill>
+                  <a:gsLst>
+                    <a:gs pos="0">
+                      <a:schemeClr val="accent1">
+                        <a:tint val="63000"/>
+                        <a:satMod val="255000"/>
+                      </a:schemeClr>
+                    </a:gs>
+                    <a:gs pos="9000">
+                      <a:schemeClr val="accent1">
+                        <a:tint val="63000"/>
+                        <a:satMod val="255000"/>
+                      </a:schemeClr>
+                    </a:gs>
+                    <a:gs pos="53000">
+                      <a:schemeClr val="accent1">
+                        <a:shade val="60000"/>
+                        <a:satMod val="100000"/>
+                      </a:schemeClr>
+                    </a:gs>
+                    <a:gs pos="90000">
+                      <a:schemeClr val="accent1">
+                        <a:tint val="63000"/>
+                        <a:satMod val="255000"/>
+                      </a:schemeClr>
+                    </a:gs>
+                    <a:gs pos="100000">
+                      <a:schemeClr val="accent1">
+                        <a:tint val="63000"/>
+                        <a:satMod val="255000"/>
+                      </a:schemeClr>
+                    </a:gs>
+                  </a:gsLst>
+                  <a:lin ang="5400000"/>
+                </a:gradFill>
+                <a:effectLst>
+                  <a:outerShdw blurRad="50800" dist="38100" dir="5400000" algn="t" rotWithShape="0">
+                    <a:prstClr val="black">
+                      <a:alpha val="50000"/>
+                    </a:prstClr>
+                  </a:outerShdw>
+                </a:effectLst>
+              </a:defRPr>
             </a:lvl1pPr>
           </a:lstStyle>
           <a:p>
             <a:r>
-              <a:rPr lang="en-US" smtClean="0"/>
+              <a:rPr kumimoji="0" lang="en-US" smtClean="0"/>
               <a:t>Click to edit Master title style</a:t>
             </a:r>
-            <a:endParaRPr lang="en-US"/>
+            <a:endParaRPr kumimoji="0" lang="en-US"/>
           </a:p>
         </p:txBody>
       </p:sp>
@@ -915,24 +1391,23 @@
         </p:nvSpPr>
         <p:spPr>
           <a:xfrm>
-            <a:off x="722313" y="2906713"/>
-            <a:ext cx="7772400" cy="1500187"/>
+            <a:off x="685800" y="2485800"/>
+            <a:ext cx="6629400" cy="1066688"/>
           </a:xfrm>
         </p:spPr>
         <p:txBody>
-          <a:bodyPr anchor="b"/>
+          <a:bodyPr lIns="45720" tIns="0" rIns="45720" bIns="0" anchor="b"/>
           <a:lstStyle>
-            <a:lvl1pPr marL="0" indent="0">
+            <a:lvl1pPr marL="0" indent="0" algn="l">
               <a:buNone/>
               <a:defRPr sz="2000">
                 <a:solidFill>
-                  <a:schemeClr val="tx1">
-                    <a:tint val="75000"/>
-                  </a:schemeClr>
+                  <a:schemeClr val="tx1"/>
                 </a:solidFill>
+                <a:effectLst/>
               </a:defRPr>
             </a:lvl1pPr>
-            <a:lvl2pPr marL="457200" indent="0">
+            <a:lvl2pPr>
               <a:buNone/>
               <a:defRPr sz="1800">
                 <a:solidFill>
@@ -942,7 +1417,7 @@
                 </a:solidFill>
               </a:defRPr>
             </a:lvl2pPr>
-            <a:lvl3pPr marL="914400" indent="0">
+            <a:lvl3pPr>
               <a:buNone/>
               <a:defRPr sz="1600">
                 <a:solidFill>
@@ -952,7 +1427,7 @@
                 </a:solidFill>
               </a:defRPr>
             </a:lvl3pPr>
-            <a:lvl4pPr marL="1371600" indent="0">
+            <a:lvl4pPr>
               <a:buNone/>
               <a:defRPr sz="1400">
                 <a:solidFill>
@@ -962,7 +1437,7 @@
                 </a:solidFill>
               </a:defRPr>
             </a:lvl4pPr>
-            <a:lvl5pPr marL="1828800" indent="0">
+            <a:lvl5pPr>
               <a:buNone/>
               <a:defRPr sz="1400">
                 <a:solidFill>
@@ -972,51 +1447,11 @@
                 </a:solidFill>
               </a:defRPr>
             </a:lvl5pPr>
-            <a:lvl6pPr marL="2286000" indent="0">
-              <a:buNone/>
-              <a:defRPr sz="1400">
-                <a:solidFill>
-                  <a:schemeClr val="tx1">
-                    <a:tint val="75000"/>
-                  </a:schemeClr>
-                </a:solidFill>
-              </a:defRPr>
-            </a:lvl6pPr>
-            <a:lvl7pPr marL="2743200" indent="0">
-              <a:buNone/>
-              <a:defRPr sz="1400">
-                <a:solidFill>
-                  <a:schemeClr val="tx1">
-                    <a:tint val="75000"/>
-                  </a:schemeClr>
-                </a:solidFill>
-              </a:defRPr>
-            </a:lvl7pPr>
-            <a:lvl8pPr marL="3200400" indent="0">
-              <a:buNone/>
-              <a:defRPr sz="1400">
-                <a:solidFill>
-                  <a:schemeClr val="tx1">
-                    <a:tint val="75000"/>
-                  </a:schemeClr>
-                </a:solidFill>
-              </a:defRPr>
-            </a:lvl8pPr>
-            <a:lvl9pPr marL="3657600" indent="0">
-              <a:buNone/>
-              <a:defRPr sz="1400">
-                <a:solidFill>
-                  <a:schemeClr val="tx1">
-                    <a:tint val="75000"/>
-                  </a:schemeClr>
-                </a:solidFill>
-              </a:defRPr>
-            </a:lvl9pPr>
           </a:lstStyle>
           <a:p>
-            <a:pPr lvl="0"/>
-            <a:r>
-              <a:rPr lang="en-US" smtClean="0"/>
+            <a:pPr lvl="0" eaLnBrk="1" latinLnBrk="0" hangingPunct="1"/>
+            <a:r>
+              <a:rPr kumimoji="0" lang="en-US" smtClean="0"/>
               <a:t>Click to edit Master text styles</a:t>
             </a:r>
           </a:p>
@@ -1040,7 +1475,7 @@
             <a:fld id="{1D8BD707-D9CF-40AE-B4C6-C98DA3205C09}" type="datetimeFigureOut">
               <a:rPr lang="en-US" smtClean="0"/>
               <a:pPr/>
-              <a:t>9/18/2006</a:t>
+              <a:t>12/17/2009</a:t>
             </a:fld>
             <a:endParaRPr lang="en-US"/>
           </a:p>
@@ -1092,7 +1527,7 @@
     </p:spTree>
   </p:cSld>
   <p:clrMapOvr>
-    <a:masterClrMapping/>
+    <a:overrideClrMapping bg1="dk1" tx1="lt1" bg2="dk2" tx2="lt2" accent1="accent1" accent2="accent2" accent3="accent3" accent4="accent4" accent5="accent5" accent6="accent6" hlink="hlink" folHlink="folHlink"/>
   </p:clrMapOvr>
 </p:sldLayout>
 </file>
@@ -1124,16 +1559,21 @@
             <p:ph type="title"/>
           </p:nvPr>
         </p:nvSpPr>
-        <p:spPr/>
-        <p:txBody>
-          <a:bodyPr/>
-          <a:lstStyle/>
-          <a:p>
-            <a:r>
-              <a:rPr lang="en-US" smtClean="0"/>
+        <p:spPr>
+          <a:xfrm>
+            <a:off x="457200" y="274638"/>
+            <a:ext cx="7467600" cy="1143000"/>
+          </a:xfrm>
+        </p:spPr>
+        <p:txBody>
+          <a:bodyPr/>
+          <a:lstStyle/>
+          <a:p>
+            <a:r>
+              <a:rPr kumimoji="0" lang="en-US" smtClean="0"/>
               <a:t>Click to edit Master title style</a:t>
             </a:r>
-            <a:endParaRPr lang="en-US"/>
+            <a:endParaRPr kumimoji="0" lang="en-US"/>
           </a:p>
         </p:txBody>
       </p:sp>
@@ -1150,17 +1590,17 @@
         <p:spPr>
           <a:xfrm>
             <a:off x="457200" y="1600200"/>
-            <a:ext cx="4038600" cy="4525963"/>
+            <a:ext cx="3657600" cy="4525963"/>
           </a:xfrm>
         </p:spPr>
         <p:txBody>
           <a:bodyPr/>
           <a:lstStyle>
             <a:lvl1pPr>
-              <a:defRPr sz="2800"/>
+              <a:defRPr sz="2600"/>
             </a:lvl1pPr>
             <a:lvl2pPr>
-              <a:defRPr sz="2400"/>
+              <a:defRPr sz="2200"/>
             </a:lvl2pPr>
             <a:lvl3pPr>
               <a:defRPr sz="2000"/>
@@ -1171,54 +1611,42 @@
             <a:lvl5pPr>
               <a:defRPr sz="1800"/>
             </a:lvl5pPr>
-            <a:lvl6pPr>
-              <a:defRPr sz="1800"/>
-            </a:lvl6pPr>
-            <a:lvl7pPr>
-              <a:defRPr sz="1800"/>
-            </a:lvl7pPr>
-            <a:lvl8pPr>
-              <a:defRPr sz="1800"/>
-            </a:lvl8pPr>
-            <a:lvl9pPr>
-              <a:defRPr sz="1800"/>
-            </a:lvl9pPr>
           </a:lstStyle>
           <a:p>
-            <a:pPr lvl="0"/>
+            <a:pPr lvl="0" eaLnBrk="1" latinLnBrk="0" hangingPunct="1"/>
             <a:r>
               <a:rPr lang="en-US" smtClean="0"/>
               <a:t>Click to edit Master text styles</a:t>
             </a:r>
           </a:p>
           <a:p>
-            <a:pPr lvl="1"/>
+            <a:pPr lvl="1" eaLnBrk="1" latinLnBrk="0" hangingPunct="1"/>
             <a:r>
               <a:rPr lang="en-US" smtClean="0"/>
               <a:t>Second level</a:t>
             </a:r>
           </a:p>
           <a:p>
-            <a:pPr lvl="2"/>
+            <a:pPr lvl="2" eaLnBrk="1" latinLnBrk="0" hangingPunct="1"/>
             <a:r>
               <a:rPr lang="en-US" smtClean="0"/>
               <a:t>Third level</a:t>
             </a:r>
           </a:p>
           <a:p>
-            <a:pPr lvl="3"/>
+            <a:pPr lvl="3" eaLnBrk="1" latinLnBrk="0" hangingPunct="1"/>
             <a:r>
               <a:rPr lang="en-US" smtClean="0"/>
               <a:t>Fourth level</a:t>
             </a:r>
           </a:p>
           <a:p>
-            <a:pPr lvl="4"/>
+            <a:pPr lvl="4" eaLnBrk="1" latinLnBrk="0" hangingPunct="1"/>
             <a:r>
               <a:rPr lang="en-US" smtClean="0"/>
               <a:t>Fifth level</a:t>
             </a:r>
-            <a:endParaRPr lang="en-US"/>
+            <a:endParaRPr kumimoji="0" lang="en-US"/>
           </a:p>
         </p:txBody>
       </p:sp>
@@ -1234,18 +1662,18 @@
         </p:nvSpPr>
         <p:spPr>
           <a:xfrm>
-            <a:off x="4648200" y="1600200"/>
-            <a:ext cx="4038600" cy="4525963"/>
+            <a:off x="4267200" y="1600200"/>
+            <a:ext cx="3657600" cy="4525963"/>
           </a:xfrm>
         </p:spPr>
         <p:txBody>
           <a:bodyPr/>
           <a:lstStyle>
             <a:lvl1pPr>
-              <a:defRPr sz="2800"/>
+              <a:defRPr sz="2600"/>
             </a:lvl1pPr>
             <a:lvl2pPr>
-              <a:defRPr sz="2400"/>
+              <a:defRPr sz="2200"/>
             </a:lvl2pPr>
             <a:lvl3pPr>
               <a:defRPr sz="2000"/>
@@ -1256,54 +1684,42 @@
             <a:lvl5pPr>
               <a:defRPr sz="1800"/>
             </a:lvl5pPr>
-            <a:lvl6pPr>
-              <a:defRPr sz="1800"/>
-            </a:lvl6pPr>
-            <a:lvl7pPr>
-              <a:defRPr sz="1800"/>
-            </a:lvl7pPr>
-            <a:lvl8pPr>
-              <a:defRPr sz="1800"/>
-            </a:lvl8pPr>
-            <a:lvl9pPr>
-              <a:defRPr sz="1800"/>
-            </a:lvl9pPr>
           </a:lstStyle>
           <a:p>
-            <a:pPr lvl="0"/>
+            <a:pPr lvl="0" eaLnBrk="1" latinLnBrk="0" hangingPunct="1"/>
             <a:r>
               <a:rPr lang="en-US" smtClean="0"/>
               <a:t>Click to edit Master text styles</a:t>
             </a:r>
           </a:p>
           <a:p>
-            <a:pPr lvl="1"/>
+            <a:pPr lvl="1" eaLnBrk="1" latinLnBrk="0" hangingPunct="1"/>
             <a:r>
               <a:rPr lang="en-US" smtClean="0"/>
               <a:t>Second level</a:t>
             </a:r>
           </a:p>
           <a:p>
-            <a:pPr lvl="2"/>
+            <a:pPr lvl="2" eaLnBrk="1" latinLnBrk="0" hangingPunct="1"/>
             <a:r>
               <a:rPr lang="en-US" smtClean="0"/>
               <a:t>Third level</a:t>
             </a:r>
           </a:p>
           <a:p>
-            <a:pPr lvl="3"/>
+            <a:pPr lvl="3" eaLnBrk="1" latinLnBrk="0" hangingPunct="1"/>
             <a:r>
               <a:rPr lang="en-US" smtClean="0"/>
               <a:t>Fourth level</a:t>
             </a:r>
           </a:p>
           <a:p>
-            <a:pPr lvl="4"/>
+            <a:pPr lvl="4" eaLnBrk="1" latinLnBrk="0" hangingPunct="1"/>
             <a:r>
               <a:rPr lang="en-US" smtClean="0"/>
               <a:t>Fifth level</a:t>
             </a:r>
-            <a:endParaRPr lang="en-US"/>
+            <a:endParaRPr kumimoji="0" lang="en-US"/>
           </a:p>
         </p:txBody>
       </p:sp>
@@ -1325,7 +1741,7 @@
             <a:fld id="{1D8BD707-D9CF-40AE-B4C6-C98DA3205C09}" type="datetimeFigureOut">
               <a:rPr lang="en-US" smtClean="0"/>
               <a:pPr/>
-              <a:t>9/18/2006</a:t>
+              <a:t>12/17/2009</a:t>
             </a:fld>
             <a:endParaRPr lang="en-US"/>
           </a:p>
@@ -1383,7 +1799,7 @@
 </file>
 
 <file path=ppt/slideLayouts/slideLayout5.xml><?xml version="1.0" encoding="utf-8"?>
-<p:sldLayout xmlns:a="http://schemas.openxmlformats.org/drawingml/2006/main" xmlns:r="http://schemas.openxmlformats.org/officeDocument/2006/relationships" xmlns:p="http://schemas.openxmlformats.org/presentationml/2006/main" type="twoTxTwoObj" preserve="1">
+<p:sldLayout xmlns:a="http://schemas.openxmlformats.org/drawingml/2006/main" xmlns:r="http://schemas.openxmlformats.org/officeDocument/2006/relationships" xmlns:p="http://schemas.openxmlformats.org/presentationml/2006/main" showMasterSp="0" type="twoTxTwoObj" preserve="1">
   <p:cSld name="Comparison">
     <p:spTree>
       <p:nvGrpSpPr>
@@ -1409,9 +1825,14 @@
             <p:ph type="title"/>
           </p:nvPr>
         </p:nvSpPr>
-        <p:spPr/>
-        <p:txBody>
-          <a:bodyPr/>
+        <p:spPr>
+          <a:xfrm>
+            <a:off x="457200" y="273050"/>
+            <a:ext cx="8229600" cy="1143000"/>
+          </a:xfrm>
+        </p:spPr>
+        <p:txBody>
+          <a:bodyPr anchor="ctr"/>
           <a:lstStyle>
             <a:lvl1pPr>
               <a:defRPr/>
@@ -1419,10 +1840,10 @@
           </a:lstStyle>
           <a:p>
             <a:r>
-              <a:rPr lang="en-US" smtClean="0"/>
+              <a:rPr kumimoji="0" lang="en-US" smtClean="0"/>
               <a:t>Click to edit Master title style</a:t>
             </a:r>
-            <a:endParaRPr lang="en-US"/>
+            <a:endParaRPr kumimoji="0" lang="en-US"/>
           </a:p>
         </p:txBody>
       </p:sp>
@@ -1438,54 +1859,95 @@
         </p:nvSpPr>
         <p:spPr>
           <a:xfrm>
-            <a:off x="457200" y="1535113"/>
-            <a:ext cx="4040188" cy="639762"/>
+            <a:off x="457200" y="5486400"/>
+            <a:ext cx="4040188" cy="838200"/>
           </a:xfrm>
         </p:spPr>
         <p:txBody>
-          <a:bodyPr anchor="b"/>
+          <a:bodyPr anchor="t"/>
           <a:lstStyle>
             <a:lvl1pPr marL="0" indent="0">
               <a:buNone/>
-              <a:defRPr sz="2400" b="1"/>
+              <a:defRPr sz="2400" b="1">
+                <a:solidFill>
+                  <a:schemeClr val="accent1"/>
+                </a:solidFill>
+              </a:defRPr>
             </a:lvl1pPr>
-            <a:lvl2pPr marL="457200" indent="0">
+            <a:lvl2pPr>
               <a:buNone/>
               <a:defRPr sz="2000" b="1"/>
             </a:lvl2pPr>
-            <a:lvl3pPr marL="914400" indent="0">
+            <a:lvl3pPr>
               <a:buNone/>
               <a:defRPr sz="1800" b="1"/>
             </a:lvl3pPr>
-            <a:lvl4pPr marL="1371600" indent="0">
+            <a:lvl4pPr>
               <a:buNone/>
               <a:defRPr sz="1600" b="1"/>
             </a:lvl4pPr>
-            <a:lvl5pPr marL="1828800" indent="0">
+            <a:lvl5pPr>
               <a:buNone/>
               <a:defRPr sz="1600" b="1"/>
             </a:lvl5pPr>
-            <a:lvl6pPr marL="2286000" indent="0">
+          </a:lstStyle>
+          <a:p>
+            <a:pPr lvl="0" eaLnBrk="1" latinLnBrk="0" hangingPunct="1"/>
+            <a:r>
+              <a:rPr kumimoji="0" lang="en-US" smtClean="0"/>
+              <a:t>Click to edit Master text styles</a:t>
+            </a:r>
+          </a:p>
+        </p:txBody>
+      </p:sp>
+      <p:sp>
+        <p:nvSpPr>
+          <p:cNvPr id="4" name="Text Placeholder 3"/>
+          <p:cNvSpPr>
+            <a:spLocks noGrp="1"/>
+          </p:cNvSpPr>
+          <p:nvPr>
+            <p:ph type="body" sz="half" idx="3"/>
+          </p:nvPr>
+        </p:nvSpPr>
+        <p:spPr>
+          <a:xfrm>
+            <a:off x="4645025" y="5486400"/>
+            <a:ext cx="4041775" cy="838200"/>
+          </a:xfrm>
+        </p:spPr>
+        <p:txBody>
+          <a:bodyPr anchor="t"/>
+          <a:lstStyle>
+            <a:lvl1pPr marL="0" indent="0">
+              <a:buNone/>
+              <a:defRPr sz="2400" b="1">
+                <a:solidFill>
+                  <a:schemeClr val="accent1"/>
+                </a:solidFill>
+              </a:defRPr>
+            </a:lvl1pPr>
+            <a:lvl2pPr>
+              <a:buNone/>
+              <a:defRPr sz="2000" b="1"/>
+            </a:lvl2pPr>
+            <a:lvl3pPr>
+              <a:buNone/>
+              <a:defRPr sz="1800" b="1"/>
+            </a:lvl3pPr>
+            <a:lvl4pPr>
               <a:buNone/>
               <a:defRPr sz="1600" b="1"/>
-            </a:lvl6pPr>
-            <a:lvl7pPr marL="2743200" indent="0">
+            </a:lvl4pPr>
+            <a:lvl5pPr>
               <a:buNone/>
               <a:defRPr sz="1600" b="1"/>
-            </a:lvl7pPr>
-            <a:lvl8pPr marL="3200400" indent="0">
-              <a:buNone/>
-              <a:defRPr sz="1600" b="1"/>
-            </a:lvl8pPr>
-            <a:lvl9pPr marL="3657600" indent="0">
-              <a:buNone/>
-              <a:defRPr sz="1600" b="1"/>
-            </a:lvl9pPr>
+            </a:lvl5pPr>
           </a:lstStyle>
           <a:p>
-            <a:pPr lvl="0"/>
-            <a:r>
-              <a:rPr lang="en-US" smtClean="0"/>
+            <a:pPr lvl="0" eaLnBrk="1" latinLnBrk="0" hangingPunct="1"/>
+            <a:r>
+              <a:rPr kumimoji="0" lang="en-US" smtClean="0"/>
               <a:t>Click to edit Master text styles</a:t>
             </a:r>
           </a:p>
@@ -1493,18 +1955,18 @@
       </p:sp>
       <p:sp>
         <p:nvSpPr>
-          <p:cNvPr id="4" name="Content Placeholder 3"/>
-          <p:cNvSpPr>
-            <a:spLocks noGrp="1"/>
-          </p:cNvSpPr>
-          <p:nvPr>
-            <p:ph sz="half" idx="2"/>
+          <p:cNvPr id="5" name="Content Placeholder 4"/>
+          <p:cNvSpPr>
+            <a:spLocks noGrp="1"/>
+          </p:cNvSpPr>
+          <p:nvPr>
+            <p:ph sz="quarter" idx="2"/>
           </p:nvPr>
         </p:nvSpPr>
         <p:spPr>
           <a:xfrm>
-            <a:off x="457200" y="2174875"/>
-            <a:ext cx="4040188" cy="3951288"/>
+            <a:off x="457200" y="1516912"/>
+            <a:ext cx="4040188" cy="3941763"/>
           </a:xfrm>
         </p:spPr>
         <p:txBody>
@@ -1525,136 +1987,59 @@
             <a:lvl5pPr>
               <a:defRPr sz="1600"/>
             </a:lvl5pPr>
-            <a:lvl6pPr>
-              <a:defRPr sz="1600"/>
-            </a:lvl6pPr>
-            <a:lvl7pPr>
-              <a:defRPr sz="1600"/>
-            </a:lvl7pPr>
-            <a:lvl8pPr>
-              <a:defRPr sz="1600"/>
-            </a:lvl8pPr>
-            <a:lvl9pPr>
-              <a:defRPr sz="1600"/>
-            </a:lvl9pPr>
           </a:lstStyle>
           <a:p>
-            <a:pPr lvl="0"/>
+            <a:pPr lvl="0" eaLnBrk="1" latinLnBrk="0" hangingPunct="1"/>
             <a:r>
               <a:rPr lang="en-US" smtClean="0"/>
               <a:t>Click to edit Master text styles</a:t>
             </a:r>
           </a:p>
           <a:p>
-            <a:pPr lvl="1"/>
+            <a:pPr lvl="1" eaLnBrk="1" latinLnBrk="0" hangingPunct="1"/>
             <a:r>
               <a:rPr lang="en-US" smtClean="0"/>
               <a:t>Second level</a:t>
             </a:r>
           </a:p>
           <a:p>
-            <a:pPr lvl="2"/>
+            <a:pPr lvl="2" eaLnBrk="1" latinLnBrk="0" hangingPunct="1"/>
             <a:r>
               <a:rPr lang="en-US" smtClean="0"/>
               <a:t>Third level</a:t>
             </a:r>
           </a:p>
           <a:p>
-            <a:pPr lvl="3"/>
+            <a:pPr lvl="3" eaLnBrk="1" latinLnBrk="0" hangingPunct="1"/>
             <a:r>
               <a:rPr lang="en-US" smtClean="0"/>
               <a:t>Fourth level</a:t>
             </a:r>
           </a:p>
           <a:p>
-            <a:pPr lvl="4"/>
+            <a:pPr lvl="4" eaLnBrk="1" latinLnBrk="0" hangingPunct="1"/>
             <a:r>
               <a:rPr lang="en-US" smtClean="0"/>
               <a:t>Fifth level</a:t>
             </a:r>
-            <a:endParaRPr lang="en-US"/>
-          </a:p>
-        </p:txBody>
-      </p:sp>
-      <p:sp>
-        <p:nvSpPr>
-          <p:cNvPr id="5" name="Text Placeholder 4"/>
-          <p:cNvSpPr>
-            <a:spLocks noGrp="1"/>
-          </p:cNvSpPr>
-          <p:nvPr>
-            <p:ph type="body" sz="quarter" idx="3"/>
+            <a:endParaRPr kumimoji="0" lang="en-US"/>
+          </a:p>
+        </p:txBody>
+      </p:sp>
+      <p:sp>
+        <p:nvSpPr>
+          <p:cNvPr id="6" name="Content Placeholder 5"/>
+          <p:cNvSpPr>
+            <a:spLocks noGrp="1"/>
+          </p:cNvSpPr>
+          <p:nvPr>
+            <p:ph sz="quarter" idx="4"/>
           </p:nvPr>
         </p:nvSpPr>
         <p:spPr>
           <a:xfrm>
-            <a:off x="4645025" y="1535113"/>
-            <a:ext cx="4041775" cy="639762"/>
-          </a:xfrm>
-        </p:spPr>
-        <p:txBody>
-          <a:bodyPr anchor="b"/>
-          <a:lstStyle>
-            <a:lvl1pPr marL="0" indent="0">
-              <a:buNone/>
-              <a:defRPr sz="2400" b="1"/>
-            </a:lvl1pPr>
-            <a:lvl2pPr marL="457200" indent="0">
-              <a:buNone/>
-              <a:defRPr sz="2000" b="1"/>
-            </a:lvl2pPr>
-            <a:lvl3pPr marL="914400" indent="0">
-              <a:buNone/>
-              <a:defRPr sz="1800" b="1"/>
-            </a:lvl3pPr>
-            <a:lvl4pPr marL="1371600" indent="0">
-              <a:buNone/>
-              <a:defRPr sz="1600" b="1"/>
-            </a:lvl4pPr>
-            <a:lvl5pPr marL="1828800" indent="0">
-              <a:buNone/>
-              <a:defRPr sz="1600" b="1"/>
-            </a:lvl5pPr>
-            <a:lvl6pPr marL="2286000" indent="0">
-              <a:buNone/>
-              <a:defRPr sz="1600" b="1"/>
-            </a:lvl6pPr>
-            <a:lvl7pPr marL="2743200" indent="0">
-              <a:buNone/>
-              <a:defRPr sz="1600" b="1"/>
-            </a:lvl7pPr>
-            <a:lvl8pPr marL="3200400" indent="0">
-              <a:buNone/>
-              <a:defRPr sz="1600" b="1"/>
-            </a:lvl8pPr>
-            <a:lvl9pPr marL="3657600" indent="0">
-              <a:buNone/>
-              <a:defRPr sz="1600" b="1"/>
-            </a:lvl9pPr>
-          </a:lstStyle>
-          <a:p>
-            <a:pPr lvl="0"/>
-            <a:r>
-              <a:rPr lang="en-US" smtClean="0"/>
-              <a:t>Click to edit Master text styles</a:t>
-            </a:r>
-          </a:p>
-        </p:txBody>
-      </p:sp>
-      <p:sp>
-        <p:nvSpPr>
-          <p:cNvPr id="6" name="Content Placeholder 5"/>
-          <p:cNvSpPr>
-            <a:spLocks noGrp="1"/>
-          </p:cNvSpPr>
-          <p:nvPr>
-            <p:ph sz="quarter" idx="4"/>
-          </p:nvPr>
-        </p:nvSpPr>
-        <p:spPr>
-          <a:xfrm>
-            <a:off x="4645025" y="2174875"/>
-            <a:ext cx="4041775" cy="3951288"/>
+            <a:off x="4645025" y="1516912"/>
+            <a:ext cx="4041775" cy="3941763"/>
           </a:xfrm>
         </p:spPr>
         <p:txBody>
@@ -1675,54 +2060,42 @@
             <a:lvl5pPr>
               <a:defRPr sz="1600"/>
             </a:lvl5pPr>
-            <a:lvl6pPr>
-              <a:defRPr sz="1600"/>
-            </a:lvl6pPr>
-            <a:lvl7pPr>
-              <a:defRPr sz="1600"/>
-            </a:lvl7pPr>
-            <a:lvl8pPr>
-              <a:defRPr sz="1600"/>
-            </a:lvl8pPr>
-            <a:lvl9pPr>
-              <a:defRPr sz="1600"/>
-            </a:lvl9pPr>
           </a:lstStyle>
           <a:p>
-            <a:pPr lvl="0"/>
+            <a:pPr lvl="0" eaLnBrk="1" latinLnBrk="0" hangingPunct="1"/>
             <a:r>
               <a:rPr lang="en-US" smtClean="0"/>
               <a:t>Click to edit Master text styles</a:t>
             </a:r>
           </a:p>
           <a:p>
-            <a:pPr lvl="1"/>
+            <a:pPr lvl="1" eaLnBrk="1" latinLnBrk="0" hangingPunct="1"/>
             <a:r>
               <a:rPr lang="en-US" smtClean="0"/>
               <a:t>Second level</a:t>
             </a:r>
           </a:p>
           <a:p>
-            <a:pPr lvl="2"/>
+            <a:pPr lvl="2" eaLnBrk="1" latinLnBrk="0" hangingPunct="1"/>
             <a:r>
               <a:rPr lang="en-US" smtClean="0"/>
               <a:t>Third level</a:t>
             </a:r>
           </a:p>
           <a:p>
-            <a:pPr lvl="3"/>
+            <a:pPr lvl="3" eaLnBrk="1" latinLnBrk="0" hangingPunct="1"/>
             <a:r>
               <a:rPr lang="en-US" smtClean="0"/>
               <a:t>Fourth level</a:t>
             </a:r>
           </a:p>
           <a:p>
-            <a:pPr lvl="4"/>
+            <a:pPr lvl="4" eaLnBrk="1" latinLnBrk="0" hangingPunct="1"/>
             <a:r>
               <a:rPr lang="en-US" smtClean="0"/>
               <a:t>Fifth level</a:t>
             </a:r>
-            <a:endParaRPr lang="en-US"/>
+            <a:endParaRPr kumimoji="0" lang="en-US"/>
           </a:p>
         </p:txBody>
       </p:sp>
@@ -1744,7 +2117,7 @@
             <a:fld id="{1D8BD707-D9CF-40AE-B4C6-C98DA3205C09}" type="datetimeFigureOut">
               <a:rPr lang="en-US" smtClean="0"/>
               <a:pPr/>
-              <a:t>9/18/2006</a:t>
+              <a:t>12/17/2009</a:t>
             </a:fld>
             <a:endParaRPr lang="en-US"/>
           </a:p>
@@ -1828,22 +2201,31 @@
             <p:ph type="title"/>
           </p:nvPr>
         </p:nvSpPr>
-        <p:spPr/>
-        <p:txBody>
-          <a:bodyPr/>
-          <a:lstStyle/>
-          <a:p>
-            <a:r>
-              <a:rPr lang="en-US" smtClean="0"/>
+        <p:spPr>
+          <a:xfrm>
+            <a:off x="457200" y="274320"/>
+            <a:ext cx="7470648" cy="1143000"/>
+          </a:xfrm>
+        </p:spPr>
+        <p:txBody>
+          <a:bodyPr anchor="ctr"/>
+          <a:lstStyle>
+            <a:lvl1pPr algn="l">
+              <a:defRPr sz="4600"/>
+            </a:lvl1pPr>
+          </a:lstStyle>
+          <a:p>
+            <a:r>
+              <a:rPr kumimoji="0" lang="en-US" smtClean="0"/>
               <a:t>Click to edit Master title style</a:t>
             </a:r>
-            <a:endParaRPr lang="en-US"/>
-          </a:p>
-        </p:txBody>
-      </p:sp>
-      <p:sp>
-        <p:nvSpPr>
-          <p:cNvPr id="3" name="Date Placeholder 2"/>
+            <a:endParaRPr kumimoji="0" lang="en-US"/>
+          </a:p>
+        </p:txBody>
+      </p:sp>
+      <p:sp>
+        <p:nvSpPr>
+          <p:cNvPr id="7" name="Date Placeholder 6"/>
           <p:cNvSpPr>
             <a:spLocks noGrp="1"/>
           </p:cNvSpPr>
@@ -1859,7 +2241,7 @@
             <a:fld id="{1D8BD707-D9CF-40AE-B4C6-C98DA3205C09}" type="datetimeFigureOut">
               <a:rPr lang="en-US" smtClean="0"/>
               <a:pPr/>
-              <a:t>9/18/2006</a:t>
+              <a:t>12/17/2009</a:t>
             </a:fld>
             <a:endParaRPr lang="en-US"/>
           </a:p>
@@ -1867,31 +2249,12 @@
       </p:sp>
       <p:sp>
         <p:nvSpPr>
-          <p:cNvPr id="4" name="Footer Placeholder 3"/>
-          <p:cNvSpPr>
-            <a:spLocks noGrp="1"/>
-          </p:cNvSpPr>
-          <p:nvPr>
-            <p:ph type="ftr" sz="quarter" idx="11"/>
-          </p:nvPr>
-        </p:nvSpPr>
-        <p:spPr/>
-        <p:txBody>
-          <a:bodyPr/>
-          <a:lstStyle/>
-          <a:p>
-            <a:endParaRPr lang="en-US"/>
-          </a:p>
-        </p:txBody>
-      </p:sp>
-      <p:sp>
-        <p:nvSpPr>
-          <p:cNvPr id="5" name="Slide Number Placeholder 4"/>
-          <p:cNvSpPr>
-            <a:spLocks noGrp="1"/>
-          </p:cNvSpPr>
-          <p:nvPr>
-            <p:ph type="sldNum" sz="quarter" idx="12"/>
+          <p:cNvPr id="8" name="Slide Number Placeholder 7"/>
+          <p:cNvSpPr>
+            <a:spLocks noGrp="1"/>
+          </p:cNvSpPr>
+          <p:nvPr>
+            <p:ph type="sldNum" sz="quarter" idx="11"/>
           </p:nvPr>
         </p:nvSpPr>
         <p:spPr/>
@@ -1904,6 +2267,25 @@
               <a:pPr/>
               <a:t>‹#›</a:t>
             </a:fld>
+            <a:endParaRPr lang="en-US"/>
+          </a:p>
+        </p:txBody>
+      </p:sp>
+      <p:sp>
+        <p:nvSpPr>
+          <p:cNvPr id="9" name="Footer Placeholder 8"/>
+          <p:cNvSpPr>
+            <a:spLocks noGrp="1"/>
+          </p:cNvSpPr>
+          <p:nvPr>
+            <p:ph type="ftr" sz="quarter" idx="12"/>
+          </p:nvPr>
+        </p:nvSpPr>
+        <p:spPr/>
+        <p:txBody>
+          <a:bodyPr/>
+          <a:lstStyle/>
+          <a:p>
             <a:endParaRPr lang="en-US"/>
           </a:p>
         </p:txBody>
@@ -1951,7 +2333,7 @@
             <a:fld id="{1D8BD707-D9CF-40AE-B4C6-C98DA3205C09}" type="datetimeFigureOut">
               <a:rPr lang="en-US" smtClean="0"/>
               <a:pPr/>
-              <a:t>9/18/2006</a:t>
+              <a:t>12/17/2009</a:t>
             </a:fld>
             <a:endParaRPr lang="en-US"/>
           </a:p>
@@ -2037,53 +2419,107 @@
         </p:nvSpPr>
         <p:spPr>
           <a:xfrm>
-            <a:off x="457200" y="273050"/>
-            <a:ext cx="3008313" cy="1162050"/>
+            <a:off x="457200" y="1185528"/>
+            <a:ext cx="3200400" cy="730250"/>
           </a:xfrm>
         </p:spPr>
         <p:txBody>
-          <a:bodyPr anchor="b"/>
+          <a:bodyPr tIns="0" bIns="0" anchor="t"/>
           <a:lstStyle>
             <a:lvl1pPr algn="l">
-              <a:defRPr sz="2000" b="1"/>
+              <a:buNone/>
+              <a:defRPr sz="1800" b="1">
+                <a:solidFill>
+                  <a:schemeClr val="accent1"/>
+                </a:solidFill>
+              </a:defRPr>
             </a:lvl1pPr>
           </a:lstStyle>
           <a:p>
             <a:r>
-              <a:rPr lang="en-US" smtClean="0"/>
+              <a:rPr kumimoji="0" lang="en-US" smtClean="0"/>
               <a:t>Click to edit Master title style</a:t>
             </a:r>
-            <a:endParaRPr lang="en-US"/>
-          </a:p>
-        </p:txBody>
-      </p:sp>
-      <p:sp>
-        <p:nvSpPr>
-          <p:cNvPr id="3" name="Content Placeholder 2"/>
-          <p:cNvSpPr>
-            <a:spLocks noGrp="1"/>
-          </p:cNvSpPr>
-          <p:nvPr>
-            <p:ph idx="1"/>
+            <a:endParaRPr kumimoji="0" lang="en-US"/>
+          </a:p>
+        </p:txBody>
+      </p:sp>
+      <p:sp>
+        <p:nvSpPr>
+          <p:cNvPr id="3" name="Text Placeholder 2"/>
+          <p:cNvSpPr>
+            <a:spLocks noGrp="1"/>
+          </p:cNvSpPr>
+          <p:nvPr>
+            <p:ph type="body" idx="2"/>
           </p:nvPr>
         </p:nvSpPr>
         <p:spPr>
           <a:xfrm>
-            <a:off x="3575050" y="273050"/>
-            <a:ext cx="5111750" cy="5853113"/>
+            <a:off x="457200" y="214424"/>
+            <a:ext cx="2743200" cy="914400"/>
           </a:xfrm>
         </p:spPr>
         <p:txBody>
+          <a:bodyPr lIns="45720" tIns="0" rIns="45720" bIns="0" anchor="b"/>
+          <a:lstStyle>
+            <a:lvl1pPr marL="0" indent="0" algn="l">
+              <a:buNone/>
+              <a:defRPr sz="1400"/>
+            </a:lvl1pPr>
+            <a:lvl2pPr>
+              <a:buNone/>
+              <a:defRPr sz="1200"/>
+            </a:lvl2pPr>
+            <a:lvl3pPr>
+              <a:buNone/>
+              <a:defRPr sz="1000"/>
+            </a:lvl3pPr>
+            <a:lvl4pPr>
+              <a:buNone/>
+              <a:defRPr sz="900"/>
+            </a:lvl4pPr>
+            <a:lvl5pPr>
+              <a:buNone/>
+              <a:defRPr sz="900"/>
+            </a:lvl5pPr>
+          </a:lstStyle>
+          <a:p>
+            <a:pPr lvl="0" eaLnBrk="1" latinLnBrk="0" hangingPunct="1"/>
+            <a:r>
+              <a:rPr kumimoji="0" lang="en-US" smtClean="0"/>
+              <a:t>Click to edit Master text styles</a:t>
+            </a:r>
+          </a:p>
+        </p:txBody>
+      </p:sp>
+      <p:sp>
+        <p:nvSpPr>
+          <p:cNvPr id="4" name="Content Placeholder 3"/>
+          <p:cNvSpPr>
+            <a:spLocks noGrp="1"/>
+          </p:cNvSpPr>
+          <p:nvPr>
+            <p:ph sz="half" idx="1"/>
+          </p:nvPr>
+        </p:nvSpPr>
+        <p:spPr>
+          <a:xfrm>
+            <a:off x="457200" y="1981200"/>
+            <a:ext cx="7086600" cy="3810000"/>
+          </a:xfrm>
+        </p:spPr>
+        <p:txBody>
           <a:bodyPr/>
           <a:lstStyle>
             <a:lvl1pPr>
-              <a:defRPr sz="3200"/>
+              <a:defRPr sz="2800"/>
             </a:lvl1pPr>
             <a:lvl2pPr>
-              <a:defRPr sz="2800"/>
+              <a:defRPr sz="2400"/>
             </a:lvl2pPr>
             <a:lvl3pPr>
-              <a:defRPr sz="2400"/>
+              <a:defRPr sz="2200"/>
             </a:lvl3pPr>
             <a:lvl4pPr>
               <a:defRPr sz="2000"/>
@@ -2091,176 +2527,104 @@
             <a:lvl5pPr>
               <a:defRPr sz="2000"/>
             </a:lvl5pPr>
-            <a:lvl6pPr>
-              <a:defRPr sz="2000"/>
-            </a:lvl6pPr>
-            <a:lvl7pPr>
-              <a:defRPr sz="2000"/>
-            </a:lvl7pPr>
-            <a:lvl8pPr>
-              <a:defRPr sz="2000"/>
-            </a:lvl8pPr>
-            <a:lvl9pPr>
-              <a:defRPr sz="2000"/>
-            </a:lvl9pPr>
           </a:lstStyle>
           <a:p>
-            <a:pPr lvl="0"/>
+            <a:pPr lvl="0" eaLnBrk="1" latinLnBrk="0" hangingPunct="1"/>
             <a:r>
               <a:rPr lang="en-US" smtClean="0"/>
               <a:t>Click to edit Master text styles</a:t>
             </a:r>
           </a:p>
           <a:p>
-            <a:pPr lvl="1"/>
+            <a:pPr lvl="1" eaLnBrk="1" latinLnBrk="0" hangingPunct="1"/>
             <a:r>
               <a:rPr lang="en-US" smtClean="0"/>
               <a:t>Second level</a:t>
             </a:r>
           </a:p>
           <a:p>
-            <a:pPr lvl="2"/>
+            <a:pPr lvl="2" eaLnBrk="1" latinLnBrk="0" hangingPunct="1"/>
             <a:r>
               <a:rPr lang="en-US" smtClean="0"/>
               <a:t>Third level</a:t>
             </a:r>
           </a:p>
           <a:p>
-            <a:pPr lvl="3"/>
+            <a:pPr lvl="3" eaLnBrk="1" latinLnBrk="0" hangingPunct="1"/>
             <a:r>
               <a:rPr lang="en-US" smtClean="0"/>
               <a:t>Fourth level</a:t>
             </a:r>
           </a:p>
           <a:p>
-            <a:pPr lvl="4"/>
+            <a:pPr lvl="4" eaLnBrk="1" latinLnBrk="0" hangingPunct="1"/>
             <a:r>
               <a:rPr lang="en-US" smtClean="0"/>
               <a:t>Fifth level</a:t>
             </a:r>
+            <a:endParaRPr kumimoji="0" lang="en-US"/>
+          </a:p>
+        </p:txBody>
+      </p:sp>
+      <p:sp>
+        <p:nvSpPr>
+          <p:cNvPr id="5" name="Date Placeholder 4"/>
+          <p:cNvSpPr>
+            <a:spLocks noGrp="1"/>
+          </p:cNvSpPr>
+          <p:nvPr>
+            <p:ph type="dt" sz="half" idx="10"/>
+          </p:nvPr>
+        </p:nvSpPr>
+        <p:spPr/>
+        <p:txBody>
+          <a:bodyPr/>
+          <a:lstStyle/>
+          <a:p>
+            <a:fld id="{1D8BD707-D9CF-40AE-B4C6-C98DA3205C09}" type="datetimeFigureOut">
+              <a:rPr lang="en-US" smtClean="0"/>
+              <a:pPr/>
+              <a:t>12/17/2009</a:t>
+            </a:fld>
             <a:endParaRPr lang="en-US"/>
           </a:p>
         </p:txBody>
       </p:sp>
       <p:sp>
         <p:nvSpPr>
-          <p:cNvPr id="4" name="Text Placeholder 3"/>
-          <p:cNvSpPr>
-            <a:spLocks noGrp="1"/>
-          </p:cNvSpPr>
-          <p:nvPr>
-            <p:ph type="body" sz="half" idx="2"/>
+          <p:cNvPr id="6" name="Footer Placeholder 5"/>
+          <p:cNvSpPr>
+            <a:spLocks noGrp="1"/>
+          </p:cNvSpPr>
+          <p:nvPr>
+            <p:ph type="ftr" sz="quarter" idx="11"/>
+          </p:nvPr>
+        </p:nvSpPr>
+        <p:spPr/>
+        <p:txBody>
+          <a:bodyPr/>
+          <a:lstStyle/>
+          <a:p>
+            <a:endParaRPr lang="en-US"/>
+          </a:p>
+        </p:txBody>
+      </p:sp>
+      <p:sp>
+        <p:nvSpPr>
+          <p:cNvPr id="7" name="Slide Number Placeholder 6"/>
+          <p:cNvSpPr>
+            <a:spLocks noGrp="1"/>
+          </p:cNvSpPr>
+          <p:nvPr>
+            <p:ph type="sldNum" sz="quarter" idx="12"/>
           </p:nvPr>
         </p:nvSpPr>
         <p:spPr>
           <a:xfrm>
-            <a:off x="457200" y="1435100"/>
-            <a:ext cx="3008313" cy="4691063"/>
+            <a:off x="8156448" y="6422064"/>
+            <a:ext cx="762000" cy="365125"/>
           </a:xfrm>
         </p:spPr>
-        <p:txBody>
-          <a:bodyPr/>
-          <a:lstStyle>
-            <a:lvl1pPr marL="0" indent="0">
-              <a:buNone/>
-              <a:defRPr sz="1400"/>
-            </a:lvl1pPr>
-            <a:lvl2pPr marL="457200" indent="0">
-              <a:buNone/>
-              <a:defRPr sz="1200"/>
-            </a:lvl2pPr>
-            <a:lvl3pPr marL="914400" indent="0">
-              <a:buNone/>
-              <a:defRPr sz="1000"/>
-            </a:lvl3pPr>
-            <a:lvl4pPr marL="1371600" indent="0">
-              <a:buNone/>
-              <a:defRPr sz="900"/>
-            </a:lvl4pPr>
-            <a:lvl5pPr marL="1828800" indent="0">
-              <a:buNone/>
-              <a:defRPr sz="900"/>
-            </a:lvl5pPr>
-            <a:lvl6pPr marL="2286000" indent="0">
-              <a:buNone/>
-              <a:defRPr sz="900"/>
-            </a:lvl6pPr>
-            <a:lvl7pPr marL="2743200" indent="0">
-              <a:buNone/>
-              <a:defRPr sz="900"/>
-            </a:lvl7pPr>
-            <a:lvl8pPr marL="3200400" indent="0">
-              <a:buNone/>
-              <a:defRPr sz="900"/>
-            </a:lvl8pPr>
-            <a:lvl9pPr marL="3657600" indent="0">
-              <a:buNone/>
-              <a:defRPr sz="900"/>
-            </a:lvl9pPr>
-          </a:lstStyle>
-          <a:p>
-            <a:pPr lvl="0"/>
-            <a:r>
-              <a:rPr lang="en-US" smtClean="0"/>
-              <a:t>Click to edit Master text styles</a:t>
-            </a:r>
-          </a:p>
-        </p:txBody>
-      </p:sp>
-      <p:sp>
-        <p:nvSpPr>
-          <p:cNvPr id="5" name="Date Placeholder 4"/>
-          <p:cNvSpPr>
-            <a:spLocks noGrp="1"/>
-          </p:cNvSpPr>
-          <p:nvPr>
-            <p:ph type="dt" sz="half" idx="10"/>
-          </p:nvPr>
-        </p:nvSpPr>
-        <p:spPr/>
-        <p:txBody>
-          <a:bodyPr/>
-          <a:lstStyle/>
-          <a:p>
-            <a:fld id="{1D8BD707-D9CF-40AE-B4C6-C98DA3205C09}" type="datetimeFigureOut">
-              <a:rPr lang="en-US" smtClean="0"/>
-              <a:pPr/>
-              <a:t>9/18/2006</a:t>
-            </a:fld>
-            <a:endParaRPr lang="en-US"/>
-          </a:p>
-        </p:txBody>
-      </p:sp>
-      <p:sp>
-        <p:nvSpPr>
-          <p:cNvPr id="6" name="Footer Placeholder 5"/>
-          <p:cNvSpPr>
-            <a:spLocks noGrp="1"/>
-          </p:cNvSpPr>
-          <p:nvPr>
-            <p:ph type="ftr" sz="quarter" idx="11"/>
-          </p:nvPr>
-        </p:nvSpPr>
-        <p:spPr/>
-        <p:txBody>
-          <a:bodyPr/>
-          <a:lstStyle/>
-          <a:p>
-            <a:endParaRPr lang="en-US"/>
-          </a:p>
-        </p:txBody>
-      </p:sp>
-      <p:sp>
-        <p:nvSpPr>
-          <p:cNvPr id="7" name="Slide Number Placeholder 6"/>
-          <p:cNvSpPr>
-            <a:spLocks noGrp="1"/>
-          </p:cNvSpPr>
-          <p:nvPr>
-            <p:ph type="sldNum" sz="quarter" idx="12"/>
-          </p:nvPr>
-        </p:nvSpPr>
-        <p:spPr/>
         <p:txBody>
           <a:bodyPr/>
           <a:lstStyle/>
@@ -2283,7 +2647,7 @@
 </file>
 
 <file path=ppt/slideLayouts/slideLayout9.xml><?xml version="1.0" encoding="utf-8"?>
-<p:sldLayout xmlns:a="http://schemas.openxmlformats.org/drawingml/2006/main" xmlns:r="http://schemas.openxmlformats.org/officeDocument/2006/relationships" xmlns:p="http://schemas.openxmlformats.org/presentationml/2006/main" type="picTx" preserve="1">
+<p:sldLayout xmlns:a="http://schemas.openxmlformats.org/drawingml/2006/main" xmlns:r="http://schemas.openxmlformats.org/officeDocument/2006/relationships" xmlns:p="http://schemas.openxmlformats.org/presentationml/2006/main" showMasterSp="0" type="picTx" preserve="1">
   <p:cSld name="Picture with Caption">
     <p:spTree>
       <p:nvGrpSpPr>
@@ -2311,23 +2675,28 @@
         </p:nvSpPr>
         <p:spPr>
           <a:xfrm>
-            <a:off x="1792288" y="4800600"/>
-            <a:ext cx="5486400" cy="566738"/>
+            <a:off x="5556732" y="1705709"/>
+            <a:ext cx="3053868" cy="1253808"/>
           </a:xfrm>
         </p:spPr>
         <p:txBody>
           <a:bodyPr anchor="b"/>
           <a:lstStyle>
             <a:lvl1pPr algn="l">
-              <a:defRPr sz="2000" b="1"/>
+              <a:buNone/>
+              <a:defRPr sz="2200" b="1">
+                <a:solidFill>
+                  <a:schemeClr val="accent1"/>
+                </a:solidFill>
+              </a:defRPr>
             </a:lvl1pPr>
           </a:lstStyle>
           <a:p>
             <a:r>
-              <a:rPr lang="en-US" smtClean="0"/>
+              <a:rPr kumimoji="0" lang="en-US" smtClean="0"/>
               <a:t>Click to edit Master title style</a:t>
             </a:r>
-            <a:endParaRPr lang="en-US"/>
+            <a:endParaRPr kumimoji="0" lang="en-US"/>
           </a:p>
         </p:txBody>
       </p:sp>
@@ -2343,9 +2712,44 @@
         </p:nvSpPr>
         <p:spPr>
           <a:xfrm>
-            <a:off x="1792288" y="612775"/>
-            <a:ext cx="5486400" cy="4114800"/>
+            <a:off x="1065628" y="1019907"/>
+            <a:ext cx="4114800" cy="4114800"/>
           </a:xfrm>
+          <a:prstGeom prst="ellipse">
+            <a:avLst/>
+          </a:prstGeom>
+          <a:solidFill>
+            <a:schemeClr val="bg2">
+              <a:shade val="50000"/>
+            </a:schemeClr>
+          </a:solidFill>
+          <a:ln w="50800" cap="flat">
+            <a:solidFill>
+              <a:schemeClr val="bg2"/>
+            </a:solidFill>
+            <a:miter lim="800000"/>
+          </a:ln>
+          <a:effectLst>
+            <a:outerShdw blurRad="152000" dist="345000" dir="5400000" sx="-80000" sy="-18000" rotWithShape="0">
+              <a:srgbClr val="000000">
+                <a:alpha val="25000"/>
+              </a:srgbClr>
+            </a:outerShdw>
+          </a:effectLst>
+          <a:scene3d>
+            <a:camera prst="orthographicFront"/>
+            <a:lightRig rig="contrasting" dir="t">
+              <a:rot lat="0" lon="0" rev="2400000"/>
+            </a:lightRig>
+          </a:scene3d>
+          <a:sp3d contourW="7620">
+            <a:bevelT w="63500" h="63500"/>
+            <a:contourClr>
+              <a:schemeClr val="bg2">
+                <a:shade val="50000"/>
+              </a:schemeClr>
+            </a:contourClr>
+          </a:sp3d>
         </p:spPr>
         <p:txBody>
           <a:bodyPr/>
@@ -2354,41 +2758,13 @@
               <a:buNone/>
               <a:defRPr sz="3200"/>
             </a:lvl1pPr>
-            <a:lvl2pPr marL="457200" indent="0">
-              <a:buNone/>
-              <a:defRPr sz="2800"/>
-            </a:lvl2pPr>
-            <a:lvl3pPr marL="914400" indent="0">
-              <a:buNone/>
-              <a:defRPr sz="2400"/>
-            </a:lvl3pPr>
-            <a:lvl4pPr marL="1371600" indent="0">
-              <a:buNone/>
-              <a:defRPr sz="2000"/>
-            </a:lvl4pPr>
-            <a:lvl5pPr marL="1828800" indent="0">
-              <a:buNone/>
-              <a:defRPr sz="2000"/>
-            </a:lvl5pPr>
-            <a:lvl6pPr marL="2286000" indent="0">
-              <a:buNone/>
-              <a:defRPr sz="2000"/>
-            </a:lvl6pPr>
-            <a:lvl7pPr marL="2743200" indent="0">
-              <a:buNone/>
-              <a:defRPr sz="2000"/>
-            </a:lvl7pPr>
-            <a:lvl8pPr marL="3200400" indent="0">
-              <a:buNone/>
-              <a:defRPr sz="2000"/>
-            </a:lvl8pPr>
-            <a:lvl9pPr marL="3657600" indent="0">
-              <a:buNone/>
-              <a:defRPr sz="2000"/>
-            </a:lvl9pPr>
           </a:lstStyle>
           <a:p>
-            <a:endParaRPr lang="en-US"/>
+            <a:r>
+              <a:rPr kumimoji="0" lang="en-US" smtClean="0"/>
+              <a:t>Click icon to add picture</a:t>
+            </a:r>
+            <a:endParaRPr kumimoji="0" lang="en-US" dirty="0"/>
           </a:p>
         </p:txBody>
       </p:sp>
@@ -2404,54 +2780,43 @@
         </p:nvSpPr>
         <p:spPr>
           <a:xfrm>
-            <a:off x="1792288" y="5367338"/>
-            <a:ext cx="5486400" cy="804862"/>
+            <a:off x="5556734" y="2998765"/>
+            <a:ext cx="3053866" cy="2663482"/>
           </a:xfrm>
         </p:spPr>
         <p:txBody>
-          <a:bodyPr/>
+          <a:bodyPr lIns="45720" rIns="45720"/>
           <a:lstStyle>
             <a:lvl1pPr marL="0" indent="0">
+              <a:buFontTx/>
               <a:buNone/>
-              <a:defRPr sz="1400"/>
+              <a:defRPr sz="1200"/>
             </a:lvl1pPr>
-            <a:lvl2pPr marL="457200" indent="0">
+            <a:lvl2pPr>
+              <a:buFontTx/>
               <a:buNone/>
               <a:defRPr sz="1200"/>
             </a:lvl2pPr>
-            <a:lvl3pPr marL="914400" indent="0">
+            <a:lvl3pPr>
+              <a:buFontTx/>
               <a:buNone/>
               <a:defRPr sz="1000"/>
             </a:lvl3pPr>
-            <a:lvl4pPr marL="1371600" indent="0">
+            <a:lvl4pPr>
+              <a:buFontTx/>
               <a:buNone/>
               <a:defRPr sz="900"/>
             </a:lvl4pPr>
-            <a:lvl5pPr marL="1828800" indent="0">
+            <a:lvl5pPr>
+              <a:buFontTx/>
               <a:buNone/>
               <a:defRPr sz="900"/>
             </a:lvl5pPr>
-            <a:lvl6pPr marL="2286000" indent="0">
-              <a:buNone/>
-              <a:defRPr sz="900"/>
-            </a:lvl6pPr>
-            <a:lvl7pPr marL="2743200" indent="0">
-              <a:buNone/>
-              <a:defRPr sz="900"/>
-            </a:lvl7pPr>
-            <a:lvl8pPr marL="3200400" indent="0">
-              <a:buNone/>
-              <a:defRPr sz="900"/>
-            </a:lvl8pPr>
-            <a:lvl9pPr marL="3657600" indent="0">
-              <a:buNone/>
-              <a:defRPr sz="900"/>
-            </a:lvl9pPr>
           </a:lstStyle>
           <a:p>
-            <a:pPr lvl="0"/>
-            <a:r>
-              <a:rPr lang="en-US" smtClean="0"/>
+            <a:pPr lvl="0" eaLnBrk="1" latinLnBrk="0" hangingPunct="1"/>
+            <a:r>
+              <a:rPr kumimoji="0" lang="en-US" smtClean="0"/>
               <a:t>Click to edit Master text styles</a:t>
             </a:r>
           </a:p>
@@ -2467,7 +2832,12 @@
             <p:ph type="dt" sz="half" idx="10"/>
           </p:nvPr>
         </p:nvSpPr>
-        <p:spPr/>
+        <p:spPr>
+          <a:xfrm>
+            <a:off x="457200" y="6422064"/>
+            <a:ext cx="2133600" cy="365125"/>
+          </a:xfrm>
+        </p:spPr>
         <p:txBody>
           <a:bodyPr/>
           <a:lstStyle/>
@@ -2475,7 +2845,7 @@
             <a:fld id="{1D8BD707-D9CF-40AE-B4C6-C98DA3205C09}" type="datetimeFigureOut">
               <a:rPr lang="en-US" smtClean="0"/>
               <a:pPr/>
-              <a:t>9/18/2006</a:t>
+              <a:t>12/17/2009</a:t>
             </a:fld>
             <a:endParaRPr lang="en-US"/>
           </a:p>
@@ -2537,7 +2907,7 @@
   <p:cSld>
     <p:bg>
       <p:bgRef idx="1001">
-        <a:schemeClr val="bg1"/>
+        <a:schemeClr val="bg2"/>
       </p:bgRef>
     </p:bg>
     <p:spTree>
@@ -2556,7 +2926,203 @@
       </p:grpSpPr>
       <p:sp>
         <p:nvSpPr>
-          <p:cNvPr id="2" name="Title Placeholder 1"/>
+          <p:cNvPr id="12" name="Freeform 11"/>
+          <p:cNvSpPr>
+            <a:spLocks/>
+          </p:cNvSpPr>
+          <p:nvPr/>
+        </p:nvSpPr>
+        <p:spPr bwMode="auto">
+          <a:xfrm>
+            <a:off x="0" y="4752126"/>
+            <a:ext cx="9144000" cy="2112962"/>
+          </a:xfrm>
+          <a:custGeom>
+            <a:avLst>
+              <a:gd name="A1" fmla="val 0"/>
+              <a:gd name="A2" fmla="val 0"/>
+              <a:gd name="A3" fmla="val 0"/>
+              <a:gd name="A4" fmla="val 0"/>
+              <a:gd name="A5" fmla="val 0"/>
+              <a:gd name="A6" fmla="val 0"/>
+              <a:gd name="A7" fmla="val 0"/>
+              <a:gd name="A8" fmla="val 0"/>
+            </a:avLst>
+            <a:gdLst/>
+            <a:ahLst/>
+            <a:cxnLst>
+              <a:cxn ang="0">
+                <a:pos x="0" y="1066"/>
+              </a:cxn>
+              <a:cxn ang="0">
+                <a:pos x="0" y="1331"/>
+              </a:cxn>
+              <a:cxn ang="0">
+                <a:pos x="5760" y="1331"/>
+              </a:cxn>
+              <a:cxn ang="0">
+                <a:pos x="5760" y="0"/>
+              </a:cxn>
+              <a:cxn ang="0">
+                <a:pos x="0" y="1066"/>
+              </a:cxn>
+            </a:cxnLst>
+            <a:rect l="0" t="0" r="0" b="0"/>
+            <a:pathLst>
+              <a:path w="5760" h="1331">
+                <a:moveTo>
+                  <a:pt x="0" y="1066"/>
+                </a:moveTo>
+                <a:lnTo>
+                  <a:pt x="0" y="1331"/>
+                </a:lnTo>
+                <a:lnTo>
+                  <a:pt x="5760" y="1331"/>
+                </a:lnTo>
+                <a:lnTo>
+                  <a:pt x="5760" y="0"/>
+                </a:lnTo>
+                <a:cubicBezTo>
+                  <a:pt x="3220" y="1206"/>
+                  <a:pt x="2250" y="1146"/>
+                  <a:pt x="0" y="1066"/>
+                </a:cubicBezTo>
+                <a:close/>
+              </a:path>
+            </a:pathLst>
+          </a:custGeom>
+          <a:solidFill>
+            <a:schemeClr val="bg1">
+              <a:tint val="80000"/>
+              <a:satMod val="200000"/>
+              <a:alpha val="45000"/>
+            </a:schemeClr>
+          </a:solidFill>
+          <a:ln w="9525" cap="flat" cmpd="sng" algn="ctr">
+            <a:noFill/>
+            <a:prstDash val="solid"/>
+            <a:round/>
+            <a:headEnd type="none" w="med" len="med"/>
+            <a:tailEnd type="none" w="med" len="med"/>
+          </a:ln>
+          <a:effectLst>
+            <a:outerShdw blurRad="50800" dist="44450" dir="16200000" algn="ctr" rotWithShape="0">
+              <a:prstClr val="black">
+                <a:alpha val="35000"/>
+              </a:prstClr>
+            </a:outerShdw>
+          </a:effectLst>
+        </p:spPr>
+        <p:txBody>
+          <a:bodyPr vert="horz" wrap="square" lIns="91440" tIns="45720" rIns="91440" bIns="45720" anchor="t" compatLnSpc="1"/>
+          <a:lstStyle/>
+          <a:p>
+            <a:endParaRPr kumimoji="0" lang="en-US"/>
+          </a:p>
+        </p:txBody>
+      </p:sp>
+      <p:sp>
+        <p:nvSpPr>
+          <p:cNvPr id="16" name="Freeform 15"/>
+          <p:cNvSpPr>
+            <a:spLocks/>
+          </p:cNvSpPr>
+          <p:nvPr/>
+        </p:nvSpPr>
+        <p:spPr bwMode="auto">
+          <a:xfrm>
+            <a:off x="7315200" y="0"/>
+            <a:ext cx="1828800" cy="6858000"/>
+          </a:xfrm>
+          <a:custGeom>
+            <a:avLst/>
+            <a:gdLst>
+              <a:gd name="connsiteX0" fmla="*/ 1914 w 1914"/>
+              <a:gd name="connsiteY0" fmla="*/ 9 h 4329"/>
+              <a:gd name="connsiteX1" fmla="*/ 1914 w 1914"/>
+              <a:gd name="connsiteY1" fmla="*/ 4329 h 4329"/>
+              <a:gd name="connsiteX2" fmla="*/ 204 w 1914"/>
+              <a:gd name="connsiteY2" fmla="*/ 4327 h 4329"/>
+              <a:gd name="connsiteX3" fmla="*/ 0 w 1914"/>
+              <a:gd name="connsiteY3" fmla="*/ 0 h 4329"/>
+              <a:gd name="connsiteX4" fmla="*/ 1914 w 1914"/>
+              <a:gd name="connsiteY4" fmla="*/ 9 h 4329"/>
+            </a:gdLst>
+            <a:ahLst/>
+            <a:cxnLst>
+              <a:cxn ang="0">
+                <a:pos x="connsiteX0" y="connsiteY0"/>
+              </a:cxn>
+              <a:cxn ang="0">
+                <a:pos x="connsiteX1" y="connsiteY1"/>
+              </a:cxn>
+              <a:cxn ang="0">
+                <a:pos x="connsiteX2" y="connsiteY2"/>
+              </a:cxn>
+              <a:cxn ang="0">
+                <a:pos x="connsiteX3" y="connsiteY3"/>
+              </a:cxn>
+              <a:cxn ang="0">
+                <a:pos x="connsiteX4" y="connsiteY4"/>
+              </a:cxn>
+            </a:cxnLst>
+            <a:rect l="l" t="t" r="r" b="b"/>
+            <a:pathLst>
+              <a:path w="1914" h="4329">
+                <a:moveTo>
+                  <a:pt x="1914" y="9"/>
+                </a:moveTo>
+                <a:lnTo>
+                  <a:pt x="1914" y="4329"/>
+                </a:lnTo>
+                <a:lnTo>
+                  <a:pt x="204" y="4327"/>
+                </a:lnTo>
+                <a:cubicBezTo>
+                  <a:pt x="1288" y="3574"/>
+                  <a:pt x="2082" y="1734"/>
+                  <a:pt x="0" y="0"/>
+                </a:cubicBezTo>
+                <a:lnTo>
+                  <a:pt x="1914" y="9"/>
+                </a:lnTo>
+                <a:close/>
+              </a:path>
+            </a:pathLst>
+          </a:custGeom>
+          <a:solidFill>
+            <a:schemeClr val="bg1">
+              <a:tint val="90000"/>
+              <a:satMod val="350000"/>
+              <a:alpha val="40000"/>
+            </a:schemeClr>
+          </a:solidFill>
+          <a:ln w="9525" cap="flat" cmpd="sng" algn="ctr">
+            <a:noFill/>
+            <a:prstDash val="solid"/>
+            <a:round/>
+            <a:headEnd type="none" w="med" len="med"/>
+            <a:tailEnd type="none" w="med" len="med"/>
+          </a:ln>
+          <a:effectLst>
+            <a:outerShdw blurRad="50800" dist="50800" dir="10800000" algn="ctr" rotWithShape="0">
+              <a:prstClr val="black">
+                <a:alpha val="45000"/>
+              </a:prstClr>
+            </a:outerShdw>
+          </a:effectLst>
+        </p:spPr>
+        <p:txBody>
+          <a:bodyPr vert="horz" wrap="square" lIns="91440" tIns="45720" rIns="91440" bIns="45720" anchor="t" compatLnSpc="1"/>
+          <a:lstStyle/>
+          <a:p>
+            <a:endParaRPr kumimoji="0" lang="en-US"/>
+          </a:p>
+        </p:txBody>
+      </p:sp>
+      <p:sp>
+        <p:nvSpPr>
+          <p:cNvPr id="9" name="Title Placeholder 8"/>
           <p:cNvSpPr>
             <a:spLocks noGrp="1"/>
           </p:cNvSpPr>
@@ -2567,29 +3133,29 @@
         <p:spPr>
           <a:xfrm>
             <a:off x="457200" y="274638"/>
-            <a:ext cx="8229600" cy="1143000"/>
+            <a:ext cx="7467600" cy="1143000"/>
           </a:xfrm>
           <a:prstGeom prst="rect">
             <a:avLst/>
           </a:prstGeom>
         </p:spPr>
         <p:txBody>
-          <a:bodyPr vert="horz" lIns="91440" tIns="45720" rIns="91440" bIns="45720" rtlCol="0" anchor="ctr">
+          <a:bodyPr vert="horz" lIns="45720" rIns="45720" anchor="ctr">
             <a:normAutofit/>
           </a:bodyPr>
           <a:lstStyle/>
           <a:p>
             <a:r>
-              <a:rPr lang="en-US" smtClean="0"/>
+              <a:rPr kumimoji="0" lang="en-US" smtClean="0"/>
               <a:t>Click to edit Master title style</a:t>
             </a:r>
-            <a:endParaRPr lang="en-US"/>
-          </a:p>
-        </p:txBody>
-      </p:sp>
-      <p:sp>
-        <p:nvSpPr>
-          <p:cNvPr id="3" name="Text Placeholder 2"/>
+            <a:endParaRPr kumimoji="0" lang="en-US"/>
+          </a:p>
+        </p:txBody>
+      </p:sp>
+      <p:sp>
+        <p:nvSpPr>
+          <p:cNvPr id="30" name="Text Placeholder 29"/>
           <p:cNvSpPr>
             <a:spLocks noGrp="1"/>
           </p:cNvSpPr>
@@ -2600,58 +3166,58 @@
         <p:spPr>
           <a:xfrm>
             <a:off x="457200" y="1600200"/>
-            <a:ext cx="8229600" cy="4525963"/>
+            <a:ext cx="7467600" cy="4525963"/>
           </a:xfrm>
           <a:prstGeom prst="rect">
             <a:avLst/>
           </a:prstGeom>
         </p:spPr>
         <p:txBody>
-          <a:bodyPr vert="horz" lIns="91440" tIns="45720" rIns="91440" bIns="45720" rtlCol="0">
+          <a:bodyPr vert="horz">
             <a:normAutofit/>
           </a:bodyPr>
           <a:lstStyle/>
           <a:p>
-            <a:pPr lvl="0"/>
-            <a:r>
-              <a:rPr lang="en-US" smtClean="0"/>
+            <a:pPr lvl="0" eaLnBrk="1" latinLnBrk="0" hangingPunct="1"/>
+            <a:r>
+              <a:rPr kumimoji="0" lang="en-US" smtClean="0"/>
               <a:t>Click to edit Master text styles</a:t>
             </a:r>
           </a:p>
           <a:p>
-            <a:pPr lvl="1"/>
-            <a:r>
-              <a:rPr lang="en-US" smtClean="0"/>
+            <a:pPr lvl="1" eaLnBrk="1" latinLnBrk="0" hangingPunct="1"/>
+            <a:r>
+              <a:rPr kumimoji="0" lang="en-US" smtClean="0"/>
               <a:t>Second level</a:t>
             </a:r>
           </a:p>
           <a:p>
-            <a:pPr lvl="2"/>
-            <a:r>
-              <a:rPr lang="en-US" smtClean="0"/>
+            <a:pPr lvl="2" eaLnBrk="1" latinLnBrk="0" hangingPunct="1"/>
+            <a:r>
+              <a:rPr kumimoji="0" lang="en-US" smtClean="0"/>
               <a:t>Third level</a:t>
             </a:r>
           </a:p>
           <a:p>
-            <a:pPr lvl="3"/>
-            <a:r>
-              <a:rPr lang="en-US" smtClean="0"/>
+            <a:pPr lvl="3" eaLnBrk="1" latinLnBrk="0" hangingPunct="1"/>
+            <a:r>
+              <a:rPr kumimoji="0" lang="en-US" smtClean="0"/>
               <a:t>Fourth level</a:t>
             </a:r>
           </a:p>
           <a:p>
-            <a:pPr lvl="4"/>
-            <a:r>
-              <a:rPr lang="en-US" smtClean="0"/>
+            <a:pPr lvl="4" eaLnBrk="1" latinLnBrk="0" hangingPunct="1"/>
+            <a:r>
+              <a:rPr kumimoji="0" lang="en-US" smtClean="0"/>
               <a:t>Fifth level</a:t>
             </a:r>
-            <a:endParaRPr lang="en-US"/>
-          </a:p>
-        </p:txBody>
-      </p:sp>
-      <p:sp>
-        <p:nvSpPr>
-          <p:cNvPr id="4" name="Date Placeholder 3"/>
+            <a:endParaRPr kumimoji="0" lang="en-US"/>
+          </a:p>
+        </p:txBody>
+      </p:sp>
+      <p:sp>
+        <p:nvSpPr>
+          <p:cNvPr id="10" name="Date Placeholder 9"/>
           <p:cNvSpPr>
             <a:spLocks noGrp="1"/>
           </p:cNvSpPr>
@@ -2661,7 +3227,7 @@
         </p:nvSpPr>
         <p:spPr>
           <a:xfrm>
-            <a:off x="457200" y="6356350"/>
+            <a:off x="457200" y="6422064"/>
             <a:ext cx="2133600" cy="365125"/>
           </a:xfrm>
           <a:prstGeom prst="rect">
@@ -2669,13 +3235,13 @@
           </a:prstGeom>
         </p:spPr>
         <p:txBody>
-          <a:bodyPr vert="horz" lIns="91440" tIns="45720" rIns="91440" bIns="45720" rtlCol="0" anchor="ctr"/>
+          <a:bodyPr vert="horz" bIns="0" anchor="b"/>
           <a:lstStyle>
-            <a:lvl1pPr algn="l">
-              <a:defRPr sz="1200">
+            <a:lvl1pPr algn="l" eaLnBrk="1" latinLnBrk="0" hangingPunct="1">
+              <a:defRPr kumimoji="0" sz="1000">
                 <a:solidFill>
-                  <a:schemeClr val="tx1">
-                    <a:tint val="75000"/>
+                  <a:schemeClr val="tx2">
+                    <a:shade val="50000"/>
                   </a:schemeClr>
                 </a:solidFill>
               </a:defRPr>
@@ -2685,7 +3251,7 @@
             <a:fld id="{1D8BD707-D9CF-40AE-B4C6-C98DA3205C09}" type="datetimeFigureOut">
               <a:rPr lang="en-US" smtClean="0"/>
               <a:pPr/>
-              <a:t>9/18/2006</a:t>
+              <a:t>12/17/2009</a:t>
             </a:fld>
             <a:endParaRPr lang="en-US"/>
           </a:p>
@@ -2693,7 +3259,7 @@
       </p:sp>
       <p:sp>
         <p:nvSpPr>
-          <p:cNvPr id="5" name="Footer Placeholder 4"/>
+          <p:cNvPr id="22" name="Footer Placeholder 21"/>
           <p:cNvSpPr>
             <a:spLocks noGrp="1"/>
           </p:cNvSpPr>
@@ -2703,7 +3269,7 @@
         </p:nvSpPr>
         <p:spPr>
           <a:xfrm>
-            <a:off x="3124200" y="6356350"/>
+            <a:off x="3124200" y="6422064"/>
             <a:ext cx="2895600" cy="365125"/>
           </a:xfrm>
           <a:prstGeom prst="rect">
@@ -2711,13 +3277,13 @@
           </a:prstGeom>
         </p:spPr>
         <p:txBody>
-          <a:bodyPr vert="horz" lIns="91440" tIns="45720" rIns="91440" bIns="45720" rtlCol="0" anchor="ctr"/>
+          <a:bodyPr vert="horz" lIns="0" rIns="0" bIns="0" anchor="b"/>
           <a:lstStyle>
-            <a:lvl1pPr algn="ctr">
-              <a:defRPr sz="1200">
+            <a:lvl1pPr algn="ctr" eaLnBrk="1" latinLnBrk="0" hangingPunct="1">
+              <a:defRPr kumimoji="0" sz="1000">
                 <a:solidFill>
-                  <a:schemeClr val="tx1">
-                    <a:tint val="75000"/>
+                  <a:schemeClr val="tx2">
+                    <a:shade val="50000"/>
                   </a:schemeClr>
                 </a:solidFill>
               </a:defRPr>
@@ -2730,7 +3296,7 @@
       </p:sp>
       <p:sp>
         <p:nvSpPr>
-          <p:cNvPr id="6" name="Slide Number Placeholder 5"/>
+          <p:cNvPr id="18" name="Slide Number Placeholder 17"/>
           <p:cNvSpPr>
             <a:spLocks noGrp="1"/>
           </p:cNvSpPr>
@@ -2740,21 +3306,21 @@
         </p:nvSpPr>
         <p:spPr>
           <a:xfrm>
-            <a:off x="6553200" y="6356350"/>
-            <a:ext cx="2133600" cy="365125"/>
+            <a:off x="8153400" y="6422064"/>
+            <a:ext cx="762000" cy="365125"/>
           </a:xfrm>
           <a:prstGeom prst="rect">
             <a:avLst/>
           </a:prstGeom>
         </p:spPr>
         <p:txBody>
-          <a:bodyPr vert="horz" lIns="91440" tIns="45720" rIns="91440" bIns="45720" rtlCol="0" anchor="ctr"/>
+          <a:bodyPr vert="horz" lIns="0" tIns="0" rIns="0" bIns="0" anchor="b"/>
           <a:lstStyle>
-            <a:lvl1pPr algn="r">
-              <a:defRPr sz="1200">
+            <a:lvl1pPr algn="r" eaLnBrk="1" latinLnBrk="0" hangingPunct="1">
+              <a:defRPr kumimoji="0" sz="1000">
                 <a:solidFill>
-                  <a:schemeClr val="tx1">
-                    <a:tint val="75000"/>
+                  <a:schemeClr val="tx2">
+                    <a:shade val="50000"/>
                   </a:schemeClr>
                 </a:solidFill>
               </a:defRPr>
@@ -2772,28 +3338,28 @@
       </p:sp>
     </p:spTree>
   </p:cSld>
-  <p:clrMap bg1="lt1" tx1="dk1" bg2="lt2" tx2="dk2" accent1="accent1" accent2="accent2" accent3="accent3" accent4="accent4" accent5="accent5" accent6="accent6" hlink="hlink" folHlink="folHlink"/>
+  <p:clrMap bg1="dk1" tx1="lt1" bg2="dk2" tx2="lt2" accent1="accent1" accent2="accent2" accent3="accent3" accent4="accent4" accent5="accent5" accent6="accent6" hlink="hlink" folHlink="folHlink"/>
   <p:sldLayoutIdLst>
-    <p:sldLayoutId id="2147483649" r:id="rId1"/>
-    <p:sldLayoutId id="2147483650" r:id="rId2"/>
-    <p:sldLayoutId id="2147483651" r:id="rId3"/>
-    <p:sldLayoutId id="2147483652" r:id="rId4"/>
-    <p:sldLayoutId id="2147483653" r:id="rId5"/>
-    <p:sldLayoutId id="2147483654" r:id="rId6"/>
-    <p:sldLayoutId id="2147483655" r:id="rId7"/>
-    <p:sldLayoutId id="2147483656" r:id="rId8"/>
-    <p:sldLayoutId id="2147483657" r:id="rId9"/>
-    <p:sldLayoutId id="2147483658" r:id="rId10"/>
-    <p:sldLayoutId id="2147483659" r:id="rId11"/>
+    <p:sldLayoutId id="2147483793" r:id="rId1"/>
+    <p:sldLayoutId id="2147483794" r:id="rId2"/>
+    <p:sldLayoutId id="2147483795" r:id="rId3"/>
+    <p:sldLayoutId id="2147483796" r:id="rId4"/>
+    <p:sldLayoutId id="2147483797" r:id="rId5"/>
+    <p:sldLayoutId id="2147483798" r:id="rId6"/>
+    <p:sldLayoutId id="2147483799" r:id="rId7"/>
+    <p:sldLayoutId id="2147483800" r:id="rId8"/>
+    <p:sldLayoutId id="2147483801" r:id="rId9"/>
+    <p:sldLayoutId id="2147483802" r:id="rId10"/>
+    <p:sldLayoutId id="2147483803" r:id="rId11"/>
   </p:sldLayoutIdLst>
   <p:txStyles>
     <p:titleStyle>
-      <a:lvl1pPr algn="ctr" defTabSz="914400" rtl="0" eaLnBrk="1" latinLnBrk="0" hangingPunct="1">
+      <a:lvl1pPr algn="l" rtl="0" eaLnBrk="1" latinLnBrk="0" hangingPunct="1">
         <a:spcBef>
           <a:spcPct val="0"/>
         </a:spcBef>
         <a:buNone/>
-        <a:defRPr sz="4400" kern="1200">
+        <a:defRPr kumimoji="0" sz="4600" kern="1200">
           <a:solidFill>
             <a:schemeClr val="tx1"/>
           </a:solidFill>
@@ -2804,13 +3370,17 @@
       </a:lvl1pPr>
     </p:titleStyle>
     <p:bodyStyle>
-      <a:lvl1pPr marL="342900" indent="-342900" algn="l" defTabSz="914400" rtl="0" eaLnBrk="1" latinLnBrk="0" hangingPunct="1">
+      <a:lvl1pPr marL="420624" indent="-384048" algn="l" rtl="0" eaLnBrk="1" latinLnBrk="0" hangingPunct="1">
         <a:spcBef>
           <a:spcPct val="20000"/>
         </a:spcBef>
-        <a:buFont typeface="Arial" pitchFamily="34" charset="0"/>
-        <a:buChar char="•"/>
-        <a:defRPr sz="3200" kern="1200">
+        <a:buClr>
+          <a:schemeClr val="accent1"/>
+        </a:buClr>
+        <a:buSzPct val="80000"/>
+        <a:buFont typeface="Wingdings 2"/>
+        <a:buChar char=""/>
+        <a:defRPr kumimoji="0" sz="3000" kern="1200">
           <a:solidFill>
             <a:schemeClr val="tx1"/>
           </a:solidFill>
@@ -2819,13 +3389,17 @@
           <a:cs typeface="+mn-cs"/>
         </a:defRPr>
       </a:lvl1pPr>
-      <a:lvl2pPr marL="742950" indent="-285750" algn="l" defTabSz="914400" rtl="0" eaLnBrk="1" latinLnBrk="0" hangingPunct="1">
+      <a:lvl2pPr marL="722376" indent="-274320" algn="l" rtl="0" eaLnBrk="1" latinLnBrk="0" hangingPunct="1">
         <a:spcBef>
           <a:spcPct val="20000"/>
         </a:spcBef>
-        <a:buFont typeface="Arial" pitchFamily="34" charset="0"/>
-        <a:buChar char="–"/>
-        <a:defRPr sz="2800" kern="1200">
+        <a:buClr>
+          <a:schemeClr val="accent1"/>
+        </a:buClr>
+        <a:buSzPct val="90000"/>
+        <a:buFont typeface="Wingdings 2"/>
+        <a:buChar char=""/>
+        <a:defRPr kumimoji="0" sz="2600" kern="1200">
           <a:solidFill>
             <a:schemeClr val="tx1"/>
           </a:solidFill>
@@ -2834,13 +3408,17 @@
           <a:cs typeface="+mn-cs"/>
         </a:defRPr>
       </a:lvl2pPr>
-      <a:lvl3pPr marL="1143000" indent="-228600" algn="l" defTabSz="914400" rtl="0" eaLnBrk="1" latinLnBrk="0" hangingPunct="1">
+      <a:lvl3pPr marL="1005840" indent="-256032" algn="l" rtl="0" eaLnBrk="1" latinLnBrk="0" hangingPunct="1">
         <a:spcBef>
           <a:spcPct val="20000"/>
         </a:spcBef>
-        <a:buFont typeface="Arial" pitchFamily="34" charset="0"/>
-        <a:buChar char="•"/>
-        <a:defRPr sz="2400" kern="1200">
+        <a:buClr>
+          <a:schemeClr val="accent2"/>
+        </a:buClr>
+        <a:buSzPct val="85000"/>
+        <a:buFont typeface="Arial"/>
+        <a:buChar char="○"/>
+        <a:defRPr kumimoji="0" sz="2400" kern="1200">
           <a:solidFill>
             <a:schemeClr val="tx1"/>
           </a:solidFill>
@@ -2849,13 +3427,17 @@
           <a:cs typeface="+mn-cs"/>
         </a:defRPr>
       </a:lvl3pPr>
-      <a:lvl4pPr marL="1600200" indent="-228600" algn="l" defTabSz="914400" rtl="0" eaLnBrk="1" latinLnBrk="0" hangingPunct="1">
+      <a:lvl4pPr marL="1280160" indent="-237744" algn="l" rtl="0" eaLnBrk="1" latinLnBrk="0" hangingPunct="1">
         <a:spcBef>
           <a:spcPct val="20000"/>
         </a:spcBef>
-        <a:buFont typeface="Arial" pitchFamily="34" charset="0"/>
-        <a:buChar char="–"/>
-        <a:defRPr sz="2000" kern="1200">
+        <a:buClr>
+          <a:schemeClr val="accent3"/>
+        </a:buClr>
+        <a:buSzPct val="90000"/>
+        <a:buFont typeface="Wingdings 2"/>
+        <a:buChar char=""/>
+        <a:defRPr kumimoji="0" sz="2000" kern="1200">
           <a:solidFill>
             <a:schemeClr val="tx1"/>
           </a:solidFill>
@@ -2864,13 +3446,17 @@
           <a:cs typeface="+mn-cs"/>
         </a:defRPr>
       </a:lvl4pPr>
-      <a:lvl5pPr marL="2057400" indent="-228600" algn="l" defTabSz="914400" rtl="0" eaLnBrk="1" latinLnBrk="0" hangingPunct="1">
+      <a:lvl5pPr marL="1490472" indent="-182880" algn="l" rtl="0" eaLnBrk="1" latinLnBrk="0" hangingPunct="1">
         <a:spcBef>
           <a:spcPct val="20000"/>
         </a:spcBef>
-        <a:buFont typeface="Arial" pitchFamily="34" charset="0"/>
-        <a:buChar char="»"/>
-        <a:defRPr sz="2000" kern="1200">
+        <a:buClr>
+          <a:schemeClr val="accent4"/>
+        </a:buClr>
+        <a:buSzPct val="100000"/>
+        <a:buFont typeface="Arial"/>
+        <a:buChar char="-"/>
+        <a:defRPr kumimoji="0" sz="2000" kern="1200">
           <a:solidFill>
             <a:schemeClr val="tx1"/>
           </a:solidFill>
@@ -2879,13 +3465,16 @@
           <a:cs typeface="+mn-cs"/>
         </a:defRPr>
       </a:lvl5pPr>
-      <a:lvl6pPr marL="2514600" indent="-228600" algn="l" defTabSz="914400" rtl="0" eaLnBrk="1" latinLnBrk="0" hangingPunct="1">
+      <a:lvl6pPr marL="1700784" indent="-182880" algn="l" rtl="0" eaLnBrk="1" latinLnBrk="0" hangingPunct="1">
         <a:spcBef>
           <a:spcPct val="20000"/>
         </a:spcBef>
-        <a:buFont typeface="Arial" pitchFamily="34" charset="0"/>
-        <a:buChar char="•"/>
-        <a:defRPr sz="2000" kern="1200">
+        <a:buClr>
+          <a:schemeClr val="accent5"/>
+        </a:buClr>
+        <a:buFont typeface="Arial"/>
+        <a:buChar char="-"/>
+        <a:defRPr kumimoji="0" sz="2000" kern="1200" baseline="0">
           <a:solidFill>
             <a:schemeClr val="tx1"/>
           </a:solidFill>
@@ -2894,13 +3483,17 @@
           <a:cs typeface="+mn-cs"/>
         </a:defRPr>
       </a:lvl6pPr>
-      <a:lvl7pPr marL="2971800" indent="-228600" algn="l" defTabSz="914400" rtl="0" eaLnBrk="1" latinLnBrk="0" hangingPunct="1">
+      <a:lvl7pPr marL="1920240" indent="-182880" algn="l" rtl="0" eaLnBrk="1" latinLnBrk="0" hangingPunct="1">
         <a:spcBef>
           <a:spcPct val="20000"/>
         </a:spcBef>
-        <a:buFont typeface="Arial" pitchFamily="34" charset="0"/>
+        <a:buClr>
+          <a:schemeClr val="accent6"/>
+        </a:buClr>
+        <a:buSzPct val="100000"/>
+        <a:buFont typeface="Arial"/>
         <a:buChar char="•"/>
-        <a:defRPr sz="2000" kern="1200">
+        <a:defRPr kumimoji="0" sz="1800" kern="1200" baseline="0">
           <a:solidFill>
             <a:schemeClr val="tx1"/>
           </a:solidFill>
@@ -2909,13 +3502,16 @@
           <a:cs typeface="+mn-cs"/>
         </a:defRPr>
       </a:lvl7pPr>
-      <a:lvl8pPr marL="3429000" indent="-228600" algn="l" defTabSz="914400" rtl="0" eaLnBrk="1" latinLnBrk="0" hangingPunct="1">
+      <a:lvl8pPr marL="2139696" indent="-182880" algn="l" rtl="0" eaLnBrk="1" latinLnBrk="0" hangingPunct="1">
         <a:spcBef>
           <a:spcPct val="20000"/>
         </a:spcBef>
-        <a:buFont typeface="Arial" pitchFamily="34" charset="0"/>
-        <a:buChar char="•"/>
-        <a:defRPr sz="2000" kern="1200">
+        <a:buClr>
+          <a:schemeClr val="accent6"/>
+        </a:buClr>
+        <a:buFont typeface="Arial"/>
+        <a:buChar char="▪"/>
+        <a:defRPr kumimoji="0" sz="1600" kern="1200">
           <a:solidFill>
             <a:schemeClr val="tx1"/>
           </a:solidFill>
@@ -2924,13 +3520,16 @@
           <a:cs typeface="+mn-cs"/>
         </a:defRPr>
       </a:lvl8pPr>
-      <a:lvl9pPr marL="3886200" indent="-228600" algn="l" defTabSz="914400" rtl="0" eaLnBrk="1" latinLnBrk="0" hangingPunct="1">
+      <a:lvl9pPr marL="2331720" indent="-182880" algn="l" rtl="0" eaLnBrk="1" latinLnBrk="0" hangingPunct="1">
         <a:spcBef>
           <a:spcPct val="20000"/>
         </a:spcBef>
-        <a:buFont typeface="Arial" pitchFamily="34" charset="0"/>
+        <a:buClr>
+          <a:schemeClr val="accent6"/>
+        </a:buClr>
+        <a:buFont typeface="Arial"/>
         <a:buChar char="•"/>
-        <a:defRPr sz="2000" kern="1200">
+        <a:defRPr kumimoji="0" sz="1600" kern="1200">
           <a:solidFill>
             <a:schemeClr val="tx1"/>
           </a:solidFill>
@@ -2941,11 +3540,8 @@
       </a:lvl9pPr>
     </p:bodyStyle>
     <p:otherStyle>
-      <a:defPPr>
-        <a:defRPr lang="en-US"/>
-      </a:defPPr>
-      <a:lvl1pPr marL="0" algn="l" defTabSz="914400" rtl="0" eaLnBrk="1" latinLnBrk="0" hangingPunct="1">
-        <a:defRPr sz="1800" kern="1200">
+      <a:lvl1pPr marL="0" algn="l" rtl="0" eaLnBrk="1" latinLnBrk="0" hangingPunct="1">
+        <a:defRPr kumimoji="0" kern="1200">
           <a:solidFill>
             <a:schemeClr val="tx1"/>
           </a:solidFill>
@@ -2954,8 +3550,8 @@
           <a:cs typeface="+mn-cs"/>
         </a:defRPr>
       </a:lvl1pPr>
-      <a:lvl2pPr marL="457200" algn="l" defTabSz="914400" rtl="0" eaLnBrk="1" latinLnBrk="0" hangingPunct="1">
-        <a:defRPr sz="1800" kern="1200">
+      <a:lvl2pPr marL="457200" algn="l" rtl="0" eaLnBrk="1" latinLnBrk="0" hangingPunct="1">
+        <a:defRPr kumimoji="0" kern="1200">
           <a:solidFill>
             <a:schemeClr val="tx1"/>
           </a:solidFill>
@@ -2964,8 +3560,8 @@
           <a:cs typeface="+mn-cs"/>
         </a:defRPr>
       </a:lvl2pPr>
-      <a:lvl3pPr marL="914400" algn="l" defTabSz="914400" rtl="0" eaLnBrk="1" latinLnBrk="0" hangingPunct="1">
-        <a:defRPr sz="1800" kern="1200">
+      <a:lvl3pPr marL="914400" algn="l" rtl="0" eaLnBrk="1" latinLnBrk="0" hangingPunct="1">
+        <a:defRPr kumimoji="0" kern="1200">
           <a:solidFill>
             <a:schemeClr val="tx1"/>
           </a:solidFill>
@@ -2974,8 +3570,8 @@
           <a:cs typeface="+mn-cs"/>
         </a:defRPr>
       </a:lvl3pPr>
-      <a:lvl4pPr marL="1371600" algn="l" defTabSz="914400" rtl="0" eaLnBrk="1" latinLnBrk="0" hangingPunct="1">
-        <a:defRPr sz="1800" kern="1200">
+      <a:lvl4pPr marL="1371600" algn="l" rtl="0" eaLnBrk="1" latinLnBrk="0" hangingPunct="1">
+        <a:defRPr kumimoji="0" kern="1200">
           <a:solidFill>
             <a:schemeClr val="tx1"/>
           </a:solidFill>
@@ -2984,8 +3580,8 @@
           <a:cs typeface="+mn-cs"/>
         </a:defRPr>
       </a:lvl4pPr>
-      <a:lvl5pPr marL="1828800" algn="l" defTabSz="914400" rtl="0" eaLnBrk="1" latinLnBrk="0" hangingPunct="1">
-        <a:defRPr sz="1800" kern="1200">
+      <a:lvl5pPr marL="1828800" algn="l" rtl="0" eaLnBrk="1" latinLnBrk="0" hangingPunct="1">
+        <a:defRPr kumimoji="0" kern="1200">
           <a:solidFill>
             <a:schemeClr val="tx1"/>
           </a:solidFill>
@@ -2994,8 +3590,8 @@
           <a:cs typeface="+mn-cs"/>
         </a:defRPr>
       </a:lvl5pPr>
-      <a:lvl6pPr marL="2286000" algn="l" defTabSz="914400" rtl="0" eaLnBrk="1" latinLnBrk="0" hangingPunct="1">
-        <a:defRPr sz="1800" kern="1200">
+      <a:lvl6pPr marL="2286000" algn="l" rtl="0" eaLnBrk="1" latinLnBrk="0" hangingPunct="1">
+        <a:defRPr kumimoji="0" kern="1200">
           <a:solidFill>
             <a:schemeClr val="tx1"/>
           </a:solidFill>
@@ -3004,8 +3600,8 @@
           <a:cs typeface="+mn-cs"/>
         </a:defRPr>
       </a:lvl6pPr>
-      <a:lvl7pPr marL="2743200" algn="l" defTabSz="914400" rtl="0" eaLnBrk="1" latinLnBrk="0" hangingPunct="1">
-        <a:defRPr sz="1800" kern="1200">
+      <a:lvl7pPr marL="2743200" algn="l" rtl="0" eaLnBrk="1" latinLnBrk="0" hangingPunct="1">
+        <a:defRPr kumimoji="0" kern="1200">
           <a:solidFill>
             <a:schemeClr val="tx1"/>
           </a:solidFill>
@@ -3014,8 +3610,8 @@
           <a:cs typeface="+mn-cs"/>
         </a:defRPr>
       </a:lvl7pPr>
-      <a:lvl8pPr marL="3200400" algn="l" defTabSz="914400" rtl="0" eaLnBrk="1" latinLnBrk="0" hangingPunct="1">
-        <a:defRPr sz="1800" kern="1200">
+      <a:lvl8pPr marL="3200400" algn="l" rtl="0" eaLnBrk="1" latinLnBrk="0" hangingPunct="1">
+        <a:defRPr kumimoji="0" kern="1200">
           <a:solidFill>
             <a:schemeClr val="tx1"/>
           </a:solidFill>
@@ -3024,8 +3620,8 @@
           <a:cs typeface="+mn-cs"/>
         </a:defRPr>
       </a:lvl8pPr>
-      <a:lvl9pPr marL="3657600" algn="l" defTabSz="914400" rtl="0" eaLnBrk="1" latinLnBrk="0" hangingPunct="1">
-        <a:defRPr sz="1800" kern="1200">
+      <a:lvl9pPr marL="3657600" algn="l" rtl="0" eaLnBrk="1" latinLnBrk="0" hangingPunct="1">
+        <a:defRPr kumimoji="0" kern="1200">
           <a:solidFill>
             <a:schemeClr val="tx1"/>
           </a:solidFill>
@@ -3039,10 +3635,829 @@
 </p:sldMaster>
 </file>
 
+<file path=ppt/slides/slide1.xml><?xml version="1.0" encoding="utf-8"?>
+<p:sld xmlns:a="http://schemas.openxmlformats.org/drawingml/2006/main" xmlns:r="http://schemas.openxmlformats.org/officeDocument/2006/relationships" xmlns:p="http://schemas.openxmlformats.org/presentationml/2006/main">
+  <p:cSld>
+    <p:spTree>
+      <p:nvGrpSpPr>
+        <p:cNvPr id="1" name=""/>
+        <p:cNvGrpSpPr/>
+        <p:nvPr/>
+      </p:nvGrpSpPr>
+      <p:grpSpPr>
+        <a:xfrm>
+          <a:off x="0" y="0"/>
+          <a:ext cx="0" cy="0"/>
+          <a:chOff x="0" y="0"/>
+          <a:chExt cx="0" cy="0"/>
+        </a:xfrm>
+      </p:grpSpPr>
+      <p:sp>
+        <p:nvSpPr>
+          <p:cNvPr id="2" name="Title 1"/>
+          <p:cNvSpPr>
+            <a:spLocks noGrp="1"/>
+          </p:cNvSpPr>
+          <p:nvPr>
+            <p:ph type="ctrTitle"/>
+          </p:nvPr>
+        </p:nvSpPr>
+        <p:spPr/>
+        <p:txBody>
+          <a:bodyPr/>
+          <a:lstStyle/>
+          <a:p>
+            <a:r>
+              <a:rPr lang="sv-SE" dirty="0" smtClean="0"/>
+              <a:t>Group 2</a:t>
+            </a:r>
+            <a:endParaRPr lang="sv-SE" dirty="0"/>
+          </a:p>
+        </p:txBody>
+      </p:sp>
+      <p:sp>
+        <p:nvSpPr>
+          <p:cNvPr id="3" name="Subtitle 2"/>
+          <p:cNvSpPr>
+            <a:spLocks noGrp="1"/>
+          </p:cNvSpPr>
+          <p:nvPr>
+            <p:ph type="subTitle" idx="1"/>
+          </p:nvPr>
+        </p:nvSpPr>
+        <p:spPr/>
+        <p:txBody>
+          <a:bodyPr/>
+          <a:lstStyle/>
+          <a:p>
+            <a:r>
+              <a:rPr lang="sv-SE" dirty="0" smtClean="0"/>
+              <a:t>A wierd engine</a:t>
+            </a:r>
+            <a:endParaRPr lang="sv-SE" dirty="0"/>
+          </a:p>
+        </p:txBody>
+      </p:sp>
+    </p:spTree>
+  </p:cSld>
+  <p:clrMapOvr>
+    <a:masterClrMapping/>
+  </p:clrMapOvr>
+</p:sld>
+</file>
+
+<file path=ppt/slides/slide10.xml><?xml version="1.0" encoding="utf-8"?>
+<p:sld xmlns:a="http://schemas.openxmlformats.org/drawingml/2006/main" xmlns:r="http://schemas.openxmlformats.org/officeDocument/2006/relationships" xmlns:p="http://schemas.openxmlformats.org/presentationml/2006/main">
+  <p:cSld>
+    <p:spTree>
+      <p:nvGrpSpPr>
+        <p:cNvPr id="1" name=""/>
+        <p:cNvGrpSpPr/>
+        <p:nvPr/>
+      </p:nvGrpSpPr>
+      <p:grpSpPr>
+        <a:xfrm>
+          <a:off x="0" y="0"/>
+          <a:ext cx="0" cy="0"/>
+          <a:chOff x="0" y="0"/>
+          <a:chExt cx="0" cy="0"/>
+        </a:xfrm>
+      </p:grpSpPr>
+      <p:sp>
+        <p:nvSpPr>
+          <p:cNvPr id="2" name="Title 1"/>
+          <p:cNvSpPr>
+            <a:spLocks noGrp="1"/>
+          </p:cNvSpPr>
+          <p:nvPr>
+            <p:ph type="title"/>
+          </p:nvPr>
+        </p:nvSpPr>
+        <p:spPr/>
+        <p:txBody>
+          <a:bodyPr/>
+          <a:lstStyle/>
+          <a:p>
+            <a:r>
+              <a:rPr lang="sv-SE" dirty="0" smtClean="0"/>
+              <a:t>Physics</a:t>
+            </a:r>
+            <a:endParaRPr lang="sv-SE" dirty="0"/>
+          </a:p>
+        </p:txBody>
+      </p:sp>
+      <p:sp>
+        <p:nvSpPr>
+          <p:cNvPr id="3" name="Content Placeholder 2"/>
+          <p:cNvSpPr>
+            <a:spLocks noGrp="1"/>
+          </p:cNvSpPr>
+          <p:nvPr>
+            <p:ph idx="1"/>
+          </p:nvPr>
+        </p:nvSpPr>
+        <p:spPr/>
+        <p:txBody>
+          <a:bodyPr/>
+          <a:lstStyle/>
+          <a:p>
+            <a:endParaRPr lang="sv-SE"/>
+          </a:p>
+        </p:txBody>
+      </p:sp>
+    </p:spTree>
+  </p:cSld>
+  <p:clrMapOvr>
+    <a:masterClrMapping/>
+  </p:clrMapOvr>
+</p:sld>
+</file>
+
+<file path=ppt/slides/slide11.xml><?xml version="1.0" encoding="utf-8"?>
+<p:sld xmlns:a="http://schemas.openxmlformats.org/drawingml/2006/main" xmlns:r="http://schemas.openxmlformats.org/officeDocument/2006/relationships" xmlns:p="http://schemas.openxmlformats.org/presentationml/2006/main">
+  <p:cSld>
+    <p:spTree>
+      <p:nvGrpSpPr>
+        <p:cNvPr id="1" name=""/>
+        <p:cNvGrpSpPr/>
+        <p:nvPr/>
+      </p:nvGrpSpPr>
+      <p:grpSpPr>
+        <a:xfrm>
+          <a:off x="0" y="0"/>
+          <a:ext cx="0" cy="0"/>
+          <a:chOff x="0" y="0"/>
+          <a:chExt cx="0" cy="0"/>
+        </a:xfrm>
+      </p:grpSpPr>
+      <p:sp>
+        <p:nvSpPr>
+          <p:cNvPr id="2" name="Title 1"/>
+          <p:cNvSpPr>
+            <a:spLocks noGrp="1"/>
+          </p:cNvSpPr>
+          <p:nvPr>
+            <p:ph type="title"/>
+          </p:nvPr>
+        </p:nvSpPr>
+        <p:spPr/>
+        <p:txBody>
+          <a:bodyPr/>
+          <a:lstStyle/>
+          <a:p>
+            <a:r>
+              <a:rPr lang="sv-SE" dirty="0" smtClean="0"/>
+              <a:t>Bullets and grenades</a:t>
+            </a:r>
+            <a:endParaRPr lang="sv-SE" dirty="0"/>
+          </a:p>
+        </p:txBody>
+      </p:sp>
+      <p:sp>
+        <p:nvSpPr>
+          <p:cNvPr id="3" name="Content Placeholder 2"/>
+          <p:cNvSpPr>
+            <a:spLocks noGrp="1"/>
+          </p:cNvSpPr>
+          <p:nvPr>
+            <p:ph idx="1"/>
+          </p:nvPr>
+        </p:nvSpPr>
+        <p:spPr/>
+        <p:txBody>
+          <a:bodyPr/>
+          <a:lstStyle/>
+          <a:p>
+            <a:endParaRPr lang="sv-SE"/>
+          </a:p>
+        </p:txBody>
+      </p:sp>
+    </p:spTree>
+  </p:cSld>
+  <p:clrMapOvr>
+    <a:masterClrMapping/>
+  </p:clrMapOvr>
+</p:sld>
+</file>
+
+<file path=ppt/slides/slide12.xml><?xml version="1.0" encoding="utf-8"?>
+<p:sld xmlns:a="http://schemas.openxmlformats.org/drawingml/2006/main" xmlns:r="http://schemas.openxmlformats.org/officeDocument/2006/relationships" xmlns:p="http://schemas.openxmlformats.org/presentationml/2006/main">
+  <p:cSld>
+    <p:spTree>
+      <p:nvGrpSpPr>
+        <p:cNvPr id="1" name=""/>
+        <p:cNvGrpSpPr/>
+        <p:nvPr/>
+      </p:nvGrpSpPr>
+      <p:grpSpPr>
+        <a:xfrm>
+          <a:off x="0" y="0"/>
+          <a:ext cx="0" cy="0"/>
+          <a:chOff x="0" y="0"/>
+          <a:chExt cx="0" cy="0"/>
+        </a:xfrm>
+      </p:grpSpPr>
+      <p:sp>
+        <p:nvSpPr>
+          <p:cNvPr id="2" name="Title 1"/>
+          <p:cNvSpPr>
+            <a:spLocks noGrp="1"/>
+          </p:cNvSpPr>
+          <p:nvPr>
+            <p:ph type="title"/>
+          </p:nvPr>
+        </p:nvSpPr>
+        <p:spPr/>
+        <p:txBody>
+          <a:bodyPr/>
+          <a:lstStyle/>
+          <a:p>
+            <a:r>
+              <a:rPr lang="sv-SE" dirty="0" smtClean="0"/>
+              <a:t>Demo</a:t>
+            </a:r>
+            <a:endParaRPr lang="sv-SE" dirty="0"/>
+          </a:p>
+        </p:txBody>
+      </p:sp>
+      <p:sp>
+        <p:nvSpPr>
+          <p:cNvPr id="3" name="Content Placeholder 2"/>
+          <p:cNvSpPr>
+            <a:spLocks noGrp="1"/>
+          </p:cNvSpPr>
+          <p:nvPr>
+            <p:ph idx="1"/>
+          </p:nvPr>
+        </p:nvSpPr>
+        <p:spPr/>
+        <p:txBody>
+          <a:bodyPr/>
+          <a:lstStyle/>
+          <a:p>
+            <a:endParaRPr lang="sv-SE"/>
+          </a:p>
+        </p:txBody>
+      </p:sp>
+    </p:spTree>
+  </p:cSld>
+  <p:clrMapOvr>
+    <a:masterClrMapping/>
+  </p:clrMapOvr>
+</p:sld>
+</file>
+
+<file path=ppt/slides/slide2.xml><?xml version="1.0" encoding="utf-8"?>
+<p:sld xmlns:a="http://schemas.openxmlformats.org/drawingml/2006/main" xmlns:r="http://schemas.openxmlformats.org/officeDocument/2006/relationships" xmlns:p="http://schemas.openxmlformats.org/presentationml/2006/main">
+  <p:cSld>
+    <p:spTree>
+      <p:nvGrpSpPr>
+        <p:cNvPr id="1" name=""/>
+        <p:cNvGrpSpPr/>
+        <p:nvPr/>
+      </p:nvGrpSpPr>
+      <p:grpSpPr>
+        <a:xfrm>
+          <a:off x="0" y="0"/>
+          <a:ext cx="0" cy="0"/>
+          <a:chOff x="0" y="0"/>
+          <a:chExt cx="0" cy="0"/>
+        </a:xfrm>
+      </p:grpSpPr>
+      <p:sp>
+        <p:nvSpPr>
+          <p:cNvPr id="2" name="Title 1"/>
+          <p:cNvSpPr>
+            <a:spLocks noGrp="1"/>
+          </p:cNvSpPr>
+          <p:nvPr>
+            <p:ph type="title"/>
+          </p:nvPr>
+        </p:nvSpPr>
+        <p:spPr/>
+        <p:txBody>
+          <a:bodyPr/>
+          <a:lstStyle/>
+          <a:p>
+            <a:r>
+              <a:rPr lang="sv-SE" dirty="0" smtClean="0"/>
+              <a:t>Software Engineerer</a:t>
+            </a:r>
+            <a:endParaRPr lang="sv-SE" dirty="0"/>
+          </a:p>
+        </p:txBody>
+      </p:sp>
+      <p:sp>
+        <p:nvSpPr>
+          <p:cNvPr id="3" name="Content Placeholder 2"/>
+          <p:cNvSpPr>
+            <a:spLocks noGrp="1"/>
+          </p:cNvSpPr>
+          <p:nvPr>
+            <p:ph idx="1"/>
+          </p:nvPr>
+        </p:nvSpPr>
+        <p:spPr/>
+        <p:txBody>
+          <a:bodyPr/>
+          <a:lstStyle/>
+          <a:p>
+            <a:r>
+              <a:rPr lang="sv-SE" dirty="0" smtClean="0"/>
+              <a:t>Hello</a:t>
+            </a:r>
+          </a:p>
+          <a:p>
+            <a:pPr lvl="1"/>
+            <a:r>
+              <a:rPr lang="sv-SE" smtClean="0"/>
+              <a:t>Hi</a:t>
+            </a:r>
+            <a:endParaRPr lang="sv-SE"/>
+          </a:p>
+        </p:txBody>
+      </p:sp>
+    </p:spTree>
+  </p:cSld>
+  <p:clrMapOvr>
+    <a:masterClrMapping/>
+  </p:clrMapOvr>
+</p:sld>
+</file>
+
+<file path=ppt/slides/slide3.xml><?xml version="1.0" encoding="utf-8"?>
+<p:sld xmlns:a="http://schemas.openxmlformats.org/drawingml/2006/main" xmlns:r="http://schemas.openxmlformats.org/officeDocument/2006/relationships" xmlns:p="http://schemas.openxmlformats.org/presentationml/2006/main">
+  <p:cSld>
+    <p:spTree>
+      <p:nvGrpSpPr>
+        <p:cNvPr id="1" name=""/>
+        <p:cNvGrpSpPr/>
+        <p:nvPr/>
+      </p:nvGrpSpPr>
+      <p:grpSpPr>
+        <a:xfrm>
+          <a:off x="0" y="0"/>
+          <a:ext cx="0" cy="0"/>
+          <a:chOff x="0" y="0"/>
+          <a:chExt cx="0" cy="0"/>
+        </a:xfrm>
+      </p:grpSpPr>
+      <p:sp>
+        <p:nvSpPr>
+          <p:cNvPr id="2" name="Title 1"/>
+          <p:cNvSpPr>
+            <a:spLocks noGrp="1"/>
+          </p:cNvSpPr>
+          <p:nvPr>
+            <p:ph type="title"/>
+          </p:nvPr>
+        </p:nvSpPr>
+        <p:spPr/>
+        <p:txBody>
+          <a:bodyPr/>
+          <a:lstStyle/>
+          <a:p>
+            <a:r>
+              <a:rPr lang="sv-SE" dirty="0" smtClean="0"/>
+              <a:t>The structure</a:t>
+            </a:r>
+            <a:endParaRPr lang="sv-SE" dirty="0"/>
+          </a:p>
+        </p:txBody>
+      </p:sp>
+      <p:sp>
+        <p:nvSpPr>
+          <p:cNvPr id="3" name="Content Placeholder 2"/>
+          <p:cNvSpPr>
+            <a:spLocks noGrp="1"/>
+          </p:cNvSpPr>
+          <p:nvPr>
+            <p:ph idx="1"/>
+          </p:nvPr>
+        </p:nvSpPr>
+        <p:spPr/>
+        <p:txBody>
+          <a:bodyPr/>
+          <a:lstStyle/>
+          <a:p>
+            <a:endParaRPr lang="sv-SE"/>
+          </a:p>
+        </p:txBody>
+      </p:sp>
+    </p:spTree>
+  </p:cSld>
+  <p:clrMapOvr>
+    <a:masterClrMapping/>
+  </p:clrMapOvr>
+</p:sld>
+</file>
+
+<file path=ppt/slides/slide4.xml><?xml version="1.0" encoding="utf-8"?>
+<p:sld xmlns:a="http://schemas.openxmlformats.org/drawingml/2006/main" xmlns:r="http://schemas.openxmlformats.org/officeDocument/2006/relationships" xmlns:p="http://schemas.openxmlformats.org/presentationml/2006/main">
+  <p:cSld>
+    <p:spTree>
+      <p:nvGrpSpPr>
+        <p:cNvPr id="1" name=""/>
+        <p:cNvGrpSpPr/>
+        <p:nvPr/>
+      </p:nvGrpSpPr>
+      <p:grpSpPr>
+        <a:xfrm>
+          <a:off x="0" y="0"/>
+          <a:ext cx="0" cy="0"/>
+          <a:chOff x="0" y="0"/>
+          <a:chExt cx="0" cy="0"/>
+        </a:xfrm>
+      </p:grpSpPr>
+      <p:sp>
+        <p:nvSpPr>
+          <p:cNvPr id="2" name="Title 1"/>
+          <p:cNvSpPr>
+            <a:spLocks noGrp="1"/>
+          </p:cNvSpPr>
+          <p:nvPr>
+            <p:ph type="title"/>
+          </p:nvPr>
+        </p:nvSpPr>
+        <p:spPr/>
+        <p:txBody>
+          <a:bodyPr/>
+          <a:lstStyle/>
+          <a:p>
+            <a:r>
+              <a:rPr lang="sv-SE" dirty="0" smtClean="0"/>
+              <a:t>Multimedia</a:t>
+            </a:r>
+            <a:endParaRPr lang="sv-SE" dirty="0"/>
+          </a:p>
+        </p:txBody>
+      </p:sp>
+      <p:sp>
+        <p:nvSpPr>
+          <p:cNvPr id="3" name="Content Placeholder 2"/>
+          <p:cNvSpPr>
+            <a:spLocks noGrp="1"/>
+          </p:cNvSpPr>
+          <p:nvPr>
+            <p:ph idx="1"/>
+          </p:nvPr>
+        </p:nvSpPr>
+        <p:spPr/>
+        <p:txBody>
+          <a:bodyPr/>
+          <a:lstStyle/>
+          <a:p>
+            <a:endParaRPr lang="sv-SE"/>
+          </a:p>
+        </p:txBody>
+      </p:sp>
+    </p:spTree>
+  </p:cSld>
+  <p:clrMapOvr>
+    <a:masterClrMapping/>
+  </p:clrMapOvr>
+</p:sld>
+</file>
+
+<file path=ppt/slides/slide5.xml><?xml version="1.0" encoding="utf-8"?>
+<p:sld xmlns:a="http://schemas.openxmlformats.org/drawingml/2006/main" xmlns:r="http://schemas.openxmlformats.org/officeDocument/2006/relationships" xmlns:p="http://schemas.openxmlformats.org/presentationml/2006/main">
+  <p:cSld>
+    <p:spTree>
+      <p:nvGrpSpPr>
+        <p:cNvPr id="1" name=""/>
+        <p:cNvGrpSpPr/>
+        <p:nvPr/>
+      </p:nvGrpSpPr>
+      <p:grpSpPr>
+        <a:xfrm>
+          <a:off x="0" y="0"/>
+          <a:ext cx="0" cy="0"/>
+          <a:chOff x="0" y="0"/>
+          <a:chExt cx="0" cy="0"/>
+        </a:xfrm>
+      </p:grpSpPr>
+      <p:sp>
+        <p:nvSpPr>
+          <p:cNvPr id="2" name="Title 1"/>
+          <p:cNvSpPr>
+            <a:spLocks noGrp="1"/>
+          </p:cNvSpPr>
+          <p:nvPr>
+            <p:ph type="title"/>
+          </p:nvPr>
+        </p:nvSpPr>
+        <p:spPr/>
+        <p:txBody>
+          <a:bodyPr/>
+          <a:lstStyle/>
+          <a:p>
+            <a:r>
+              <a:rPr lang="sv-SE" dirty="0" smtClean="0"/>
+              <a:t>Dynamic echos</a:t>
+            </a:r>
+            <a:endParaRPr lang="sv-SE" dirty="0"/>
+          </a:p>
+        </p:txBody>
+      </p:sp>
+      <p:sp>
+        <p:nvSpPr>
+          <p:cNvPr id="3" name="Content Placeholder 2"/>
+          <p:cNvSpPr>
+            <a:spLocks noGrp="1"/>
+          </p:cNvSpPr>
+          <p:nvPr>
+            <p:ph idx="1"/>
+          </p:nvPr>
+        </p:nvSpPr>
+        <p:spPr/>
+        <p:txBody>
+          <a:bodyPr/>
+          <a:lstStyle/>
+          <a:p>
+            <a:endParaRPr lang="sv-SE"/>
+          </a:p>
+        </p:txBody>
+      </p:sp>
+    </p:spTree>
+  </p:cSld>
+  <p:clrMapOvr>
+    <a:masterClrMapping/>
+  </p:clrMapOvr>
+</p:sld>
+</file>
+
+<file path=ppt/slides/slide6.xml><?xml version="1.0" encoding="utf-8"?>
+<p:sld xmlns:a="http://schemas.openxmlformats.org/drawingml/2006/main" xmlns:r="http://schemas.openxmlformats.org/officeDocument/2006/relationships" xmlns:p="http://schemas.openxmlformats.org/presentationml/2006/main">
+  <p:cSld>
+    <p:spTree>
+      <p:nvGrpSpPr>
+        <p:cNvPr id="1" name=""/>
+        <p:cNvGrpSpPr/>
+        <p:nvPr/>
+      </p:nvGrpSpPr>
+      <p:grpSpPr>
+        <a:xfrm>
+          <a:off x="0" y="0"/>
+          <a:ext cx="0" cy="0"/>
+          <a:chOff x="0" y="0"/>
+          <a:chExt cx="0" cy="0"/>
+        </a:xfrm>
+      </p:grpSpPr>
+      <p:sp>
+        <p:nvSpPr>
+          <p:cNvPr id="2" name="Title 1"/>
+          <p:cNvSpPr>
+            <a:spLocks noGrp="1"/>
+          </p:cNvSpPr>
+          <p:nvPr>
+            <p:ph type="title"/>
+          </p:nvPr>
+        </p:nvSpPr>
+        <p:spPr/>
+        <p:txBody>
+          <a:bodyPr/>
+          <a:lstStyle/>
+          <a:p>
+            <a:r>
+              <a:rPr lang="sv-SE" dirty="0" smtClean="0"/>
+              <a:t>Graphics</a:t>
+            </a:r>
+            <a:endParaRPr lang="sv-SE" dirty="0"/>
+          </a:p>
+        </p:txBody>
+      </p:sp>
+      <p:sp>
+        <p:nvSpPr>
+          <p:cNvPr id="3" name="Content Placeholder 2"/>
+          <p:cNvSpPr>
+            <a:spLocks noGrp="1"/>
+          </p:cNvSpPr>
+          <p:nvPr>
+            <p:ph idx="1"/>
+          </p:nvPr>
+        </p:nvSpPr>
+        <p:spPr/>
+        <p:txBody>
+          <a:bodyPr/>
+          <a:lstStyle/>
+          <a:p>
+            <a:endParaRPr lang="sv-SE"/>
+          </a:p>
+        </p:txBody>
+      </p:sp>
+    </p:spTree>
+  </p:cSld>
+  <p:clrMapOvr>
+    <a:masterClrMapping/>
+  </p:clrMapOvr>
+</p:sld>
+</file>
+
+<file path=ppt/slides/slide7.xml><?xml version="1.0" encoding="utf-8"?>
+<p:sld xmlns:a="http://schemas.openxmlformats.org/drawingml/2006/main" xmlns:r="http://schemas.openxmlformats.org/officeDocument/2006/relationships" xmlns:p="http://schemas.openxmlformats.org/presentationml/2006/main">
+  <p:cSld>
+    <p:spTree>
+      <p:nvGrpSpPr>
+        <p:cNvPr id="1" name=""/>
+        <p:cNvGrpSpPr/>
+        <p:nvPr/>
+      </p:nvGrpSpPr>
+      <p:grpSpPr>
+        <a:xfrm>
+          <a:off x="0" y="0"/>
+          <a:ext cx="0" cy="0"/>
+          <a:chOff x="0" y="0"/>
+          <a:chExt cx="0" cy="0"/>
+        </a:xfrm>
+      </p:grpSpPr>
+      <p:sp>
+        <p:nvSpPr>
+          <p:cNvPr id="2" name="Title 1"/>
+          <p:cNvSpPr>
+            <a:spLocks noGrp="1"/>
+          </p:cNvSpPr>
+          <p:nvPr>
+            <p:ph type="title"/>
+          </p:nvPr>
+        </p:nvSpPr>
+        <p:spPr/>
+        <p:txBody>
+          <a:bodyPr/>
+          <a:lstStyle/>
+          <a:p>
+            <a:r>
+              <a:rPr lang="sv-SE" dirty="0" smtClean="0"/>
+              <a:t>Cartoon filter</a:t>
+            </a:r>
+            <a:endParaRPr lang="sv-SE" dirty="0"/>
+          </a:p>
+        </p:txBody>
+      </p:sp>
+      <p:sp>
+        <p:nvSpPr>
+          <p:cNvPr id="3" name="Content Placeholder 2"/>
+          <p:cNvSpPr>
+            <a:spLocks noGrp="1"/>
+          </p:cNvSpPr>
+          <p:nvPr>
+            <p:ph idx="1"/>
+          </p:nvPr>
+        </p:nvSpPr>
+        <p:spPr/>
+        <p:txBody>
+          <a:bodyPr/>
+          <a:lstStyle/>
+          <a:p>
+            <a:endParaRPr lang="sv-SE"/>
+          </a:p>
+        </p:txBody>
+      </p:sp>
+    </p:spTree>
+  </p:cSld>
+  <p:clrMapOvr>
+    <a:masterClrMapping/>
+  </p:clrMapOvr>
+</p:sld>
+</file>
+
+<file path=ppt/slides/slide8.xml><?xml version="1.0" encoding="utf-8"?>
+<p:sld xmlns:a="http://schemas.openxmlformats.org/drawingml/2006/main" xmlns:r="http://schemas.openxmlformats.org/officeDocument/2006/relationships" xmlns:p="http://schemas.openxmlformats.org/presentationml/2006/main">
+  <p:cSld>
+    <p:spTree>
+      <p:nvGrpSpPr>
+        <p:cNvPr id="1" name=""/>
+        <p:cNvGrpSpPr/>
+        <p:nvPr/>
+      </p:nvGrpSpPr>
+      <p:grpSpPr>
+        <a:xfrm>
+          <a:off x="0" y="0"/>
+          <a:ext cx="0" cy="0"/>
+          <a:chOff x="0" y="0"/>
+          <a:chExt cx="0" cy="0"/>
+        </a:xfrm>
+      </p:grpSpPr>
+      <p:sp>
+        <p:nvSpPr>
+          <p:cNvPr id="2" name="Title 1"/>
+          <p:cNvSpPr>
+            <a:spLocks noGrp="1"/>
+          </p:cNvSpPr>
+          <p:nvPr>
+            <p:ph type="title"/>
+          </p:nvPr>
+        </p:nvSpPr>
+        <p:spPr/>
+        <p:txBody>
+          <a:bodyPr/>
+          <a:lstStyle/>
+          <a:p>
+            <a:r>
+              <a:rPr lang="sv-SE" dirty="0" smtClean="0"/>
+              <a:t>AI</a:t>
+            </a:r>
+            <a:endParaRPr lang="sv-SE" dirty="0"/>
+          </a:p>
+        </p:txBody>
+      </p:sp>
+      <p:sp>
+        <p:nvSpPr>
+          <p:cNvPr id="3" name="Content Placeholder 2"/>
+          <p:cNvSpPr>
+            <a:spLocks noGrp="1"/>
+          </p:cNvSpPr>
+          <p:nvPr>
+            <p:ph idx="1"/>
+          </p:nvPr>
+        </p:nvSpPr>
+        <p:spPr/>
+        <p:txBody>
+          <a:bodyPr/>
+          <a:lstStyle/>
+          <a:p>
+            <a:endParaRPr lang="sv-SE"/>
+          </a:p>
+        </p:txBody>
+      </p:sp>
+    </p:spTree>
+  </p:cSld>
+  <p:clrMapOvr>
+    <a:masterClrMapping/>
+  </p:clrMapOvr>
+</p:sld>
+</file>
+
+<file path=ppt/slides/slide9.xml><?xml version="1.0" encoding="utf-8"?>
+<p:sld xmlns:a="http://schemas.openxmlformats.org/drawingml/2006/main" xmlns:r="http://schemas.openxmlformats.org/officeDocument/2006/relationships" xmlns:p="http://schemas.openxmlformats.org/presentationml/2006/main">
+  <p:cSld>
+    <p:spTree>
+      <p:nvGrpSpPr>
+        <p:cNvPr id="1" name=""/>
+        <p:cNvGrpSpPr/>
+        <p:nvPr/>
+      </p:nvGrpSpPr>
+      <p:grpSpPr>
+        <a:xfrm>
+          <a:off x="0" y="0"/>
+          <a:ext cx="0" cy="0"/>
+          <a:chOff x="0" y="0"/>
+          <a:chExt cx="0" cy="0"/>
+        </a:xfrm>
+      </p:grpSpPr>
+      <p:sp>
+        <p:nvSpPr>
+          <p:cNvPr id="2" name="Title 1"/>
+          <p:cNvSpPr>
+            <a:spLocks noGrp="1"/>
+          </p:cNvSpPr>
+          <p:nvPr>
+            <p:ph type="title"/>
+          </p:nvPr>
+        </p:nvSpPr>
+        <p:spPr/>
+        <p:txBody>
+          <a:bodyPr/>
+          <a:lstStyle/>
+          <a:p>
+            <a:r>
+              <a:rPr lang="sv-SE" dirty="0" smtClean="0"/>
+              <a:t>Astar</a:t>
+            </a:r>
+            <a:endParaRPr lang="sv-SE" dirty="0"/>
+          </a:p>
+        </p:txBody>
+      </p:sp>
+      <p:sp>
+        <p:nvSpPr>
+          <p:cNvPr id="3" name="Content Placeholder 2"/>
+          <p:cNvSpPr>
+            <a:spLocks noGrp="1"/>
+          </p:cNvSpPr>
+          <p:nvPr>
+            <p:ph idx="1"/>
+          </p:nvPr>
+        </p:nvSpPr>
+        <p:spPr/>
+        <p:txBody>
+          <a:bodyPr/>
+          <a:lstStyle/>
+          <a:p>
+            <a:endParaRPr lang="sv-SE"/>
+          </a:p>
+        </p:txBody>
+      </p:sp>
+    </p:spTree>
+  </p:cSld>
+  <p:clrMapOvr>
+    <a:masterClrMapping/>
+  </p:clrMapOvr>
+</p:sld>
+</file>
+
 <file path=ppt/theme/theme1.xml><?xml version="1.0" encoding="utf-8"?>
-<a:theme xmlns:a="http://schemas.openxmlformats.org/drawingml/2006/main" name="Office Theme">
+<a:theme xmlns:a="http://schemas.openxmlformats.org/drawingml/2006/main" name="Technic">
   <a:themeElements>
-    <a:clrScheme name="Office">
+    <a:clrScheme name="Technic">
       <a:dk1>
         <a:sysClr val="windowText" lastClr="000000"/>
       </a:dk1>
@@ -3050,80 +4465,46 @@
         <a:sysClr val="window" lastClr="FFFFFF"/>
       </a:lt1>
       <a:dk2>
-        <a:srgbClr val="1F497D"/>
+        <a:srgbClr val="3B3B3B"/>
       </a:dk2>
       <a:lt2>
-        <a:srgbClr val="EEECE1"/>
+        <a:srgbClr val="D4D2D0"/>
       </a:lt2>
       <a:accent1>
-        <a:srgbClr val="4F81BD"/>
+        <a:srgbClr val="6EA0B0"/>
       </a:accent1>
       <a:accent2>
-        <a:srgbClr val="C0504D"/>
+        <a:srgbClr val="CCAF0A"/>
       </a:accent2>
       <a:accent3>
-        <a:srgbClr val="9BBB59"/>
+        <a:srgbClr val="8D89A4"/>
       </a:accent3>
       <a:accent4>
-        <a:srgbClr val="8064A2"/>
+        <a:srgbClr val="748560"/>
       </a:accent4>
       <a:accent5>
-        <a:srgbClr val="4BACC6"/>
+        <a:srgbClr val="9E9273"/>
       </a:accent5>
       <a:accent6>
-        <a:srgbClr val="F79646"/>
+        <a:srgbClr val="7E848D"/>
       </a:accent6>
       <a:hlink>
-        <a:srgbClr val="0000FF"/>
+        <a:srgbClr val="00C8C3"/>
       </a:hlink>
       <a:folHlink>
-        <a:srgbClr val="800080"/>
+        <a:srgbClr val="A116E0"/>
       </a:folHlink>
     </a:clrScheme>
-    <a:fontScheme name="Office">
+    <a:fontScheme name="Technic">
       <a:majorFont>
-        <a:latin typeface="Calibri"/>
+        <a:latin typeface="Franklin Gothic Book"/>
         <a:ea typeface=""/>
         <a:cs typeface=""/>
         <a:font script="Jpan" typeface="ＭＳ Ｐゴシック"/>
-        <a:font script="Hang" typeface="맑은 고딕"/>
+        <a:font script="Hang" typeface="HY견고딕"/>
         <a:font script="Hans" typeface="宋体"/>
-        <a:font script="Hant" typeface="新細明體"/>
-        <a:font script="Arab" typeface="Times New Roman"/>
-        <a:font script="Hebr" typeface="Times New Roman"/>
-        <a:font script="Thai" typeface="Angsana New"/>
-        <a:font script="Ethi" typeface="Nyala"/>
-        <a:font script="Beng" typeface="Vrinda"/>
-        <a:font script="Gujr" typeface="Shruti"/>
-        <a:font script="Khmr" typeface="MoolBoran"/>
-        <a:font script="Knda" typeface="Tunga"/>
-        <a:font script="Guru" typeface="Raavi"/>
-        <a:font script="Cans" typeface="Euphemia"/>
-        <a:font script="Cher" typeface="Plantagenet Cherokee"/>
-        <a:font script="Yiii" typeface="Microsoft Yi Baiti"/>
-        <a:font script="Tibt" typeface="Microsoft Himalaya"/>
-        <a:font script="Thaa" typeface="MV Boli"/>
-        <a:font script="Deva" typeface="Mangal"/>
-        <a:font script="Telu" typeface="Gautami"/>
-        <a:font script="Taml" typeface="Latha"/>
-        <a:font script="Syrc" typeface="Estrangelo Edessa"/>
-        <a:font script="Orya" typeface="Kalinga"/>
-        <a:font script="Mlym" typeface="Kartika"/>
-        <a:font script="Laoo" typeface="DokChampa"/>
-        <a:font script="Sinh" typeface="Iskoola Pota"/>
-        <a:font script="Mong" typeface="Mongolian Baiti"/>
-        <a:font script="Viet" typeface="Times New Roman"/>
-        <a:font script="Uigh" typeface="Microsoft Uighur"/>
-      </a:majorFont>
-      <a:minorFont>
-        <a:latin typeface="Calibri"/>
-        <a:ea typeface=""/>
-        <a:cs typeface=""/>
-        <a:font script="Jpan" typeface="ＭＳ Ｐゴシック"/>
-        <a:font script="Hang" typeface="맑은 고딕"/>
-        <a:font script="Hans" typeface="宋体"/>
-        <a:font script="Hant" typeface="新細明體"/>
-        <a:font script="Arab" typeface="Arial"/>
+        <a:font script="Hant" typeface="微軟正黑體"/>
+        <a:font script="Arab" typeface="Tahoma"/>
         <a:font script="Hebr" typeface="Arial"/>
         <a:font script="Thai" typeface="Cordia New"/>
         <a:font script="Ethi" typeface="Nyala"/>
@@ -3148,9 +4529,43 @@
         <a:font script="Mong" typeface="Mongolian Baiti"/>
         <a:font script="Viet" typeface="Arial"/>
         <a:font script="Uigh" typeface="Microsoft Uighur"/>
+      </a:majorFont>
+      <a:minorFont>
+        <a:latin typeface="Arial"/>
+        <a:ea typeface=""/>
+        <a:cs typeface=""/>
+        <a:font script="Jpan" typeface="HGｺﾞｼｯｸM"/>
+        <a:font script="Hang" typeface="HY중고딕"/>
+        <a:font script="Hans" typeface="黑体"/>
+        <a:font script="Hant" typeface="微軟正黑體"/>
+        <a:font script="Arab" typeface="Tahoma"/>
+        <a:font script="Hebr" typeface="Levenim MT"/>
+        <a:font script="Thai" typeface="LilyUPC"/>
+        <a:font script="Ethi" typeface="Nyala"/>
+        <a:font script="Beng" typeface="Vrinda"/>
+        <a:font script="Gujr" typeface="Shruti"/>
+        <a:font script="Khmr" typeface="DaunPenh"/>
+        <a:font script="Knda" typeface="Tunga"/>
+        <a:font script="Guru" typeface="Raavi"/>
+        <a:font script="Cans" typeface="Euphemia"/>
+        <a:font script="Cher" typeface="Plantagenet Cherokee"/>
+        <a:font script="Yiii" typeface="Microsoft Yi Baiti"/>
+        <a:font script="Tibt" typeface="Microsoft Himalaya"/>
+        <a:font script="Thaa" typeface="MV Boli"/>
+        <a:font script="Deva" typeface="Mangal"/>
+        <a:font script="Telu" typeface="Gautami"/>
+        <a:font script="Taml" typeface="Latha"/>
+        <a:font script="Syrc" typeface="Estrangelo Edessa"/>
+        <a:font script="Orya" typeface="Kalinga"/>
+        <a:font script="Mlym" typeface="Kartika"/>
+        <a:font script="Laoo" typeface="DokChampa"/>
+        <a:font script="Sinh" typeface="Iskoola Pota"/>
+        <a:font script="Mong" typeface="Mongolian Baiti"/>
+        <a:font script="Viet" typeface="Arial"/>
+        <a:font script="Uigh" typeface="Microsoft Uighur"/>
       </a:minorFont>
     </a:fontScheme>
-    <a:fmtScheme name="Office">
+    <a:fmtScheme name="Technic">
       <a:fillStyleLst>
         <a:solidFill>
           <a:schemeClr val="phClr"/>
@@ -3159,66 +4574,99 @@
           <a:gsLst>
             <a:gs pos="0">
               <a:schemeClr val="phClr">
-                <a:tint val="50000"/>
-                <a:satMod val="300000"/>
+                <a:tint val="1000"/>
               </a:schemeClr>
             </a:gs>
-            <a:gs pos="35000">
+            <a:gs pos="68000">
               <a:schemeClr val="phClr">
-                <a:tint val="37000"/>
-                <a:satMod val="300000"/>
+                <a:tint val="77000"/>
+              </a:schemeClr>
+            </a:gs>
+            <a:gs pos="81000">
+              <a:schemeClr val="phClr">
+                <a:tint val="79000"/>
+              </a:schemeClr>
+            </a:gs>
+            <a:gs pos="86000">
+              <a:schemeClr val="phClr">
+                <a:tint val="73000"/>
               </a:schemeClr>
             </a:gs>
             <a:gs pos="100000">
               <a:schemeClr val="phClr">
-                <a:tint val="15000"/>
-                <a:satMod val="350000"/>
+                <a:tint val="35000"/>
               </a:schemeClr>
             </a:gs>
           </a:gsLst>
-          <a:lin ang="16200000" scaled="1"/>
+          <a:lin ang="5400000" scaled="1"/>
         </a:gradFill>
         <a:gradFill rotWithShape="1">
           <a:gsLst>
             <a:gs pos="0">
               <a:schemeClr val="phClr">
-                <a:shade val="51000"/>
-                <a:satMod val="130000"/>
+                <a:tint val="73000"/>
+                <a:satMod val="150000"/>
+              </a:schemeClr>
+            </a:gs>
+            <a:gs pos="25000">
+              <a:schemeClr val="phClr">
+                <a:tint val="96000"/>
+                <a:shade val="80000"/>
+                <a:satMod val="105000"/>
+              </a:schemeClr>
+            </a:gs>
+            <a:gs pos="38000">
+              <a:schemeClr val="phClr">
+                <a:tint val="96000"/>
+                <a:shade val="59000"/>
+                <a:satMod val="120000"/>
+              </a:schemeClr>
+            </a:gs>
+            <a:gs pos="55000">
+              <a:schemeClr val="phClr">
+                <a:shade val="57000"/>
+                <a:satMod val="120000"/>
               </a:schemeClr>
             </a:gs>
             <a:gs pos="80000">
               <a:schemeClr val="phClr">
-                <a:shade val="93000"/>
-                <a:satMod val="130000"/>
+                <a:shade val="56000"/>
+                <a:satMod val="145000"/>
+              </a:schemeClr>
+            </a:gs>
+            <a:gs pos="88000">
+              <a:schemeClr val="phClr">
+                <a:shade val="63000"/>
+                <a:satMod val="160000"/>
               </a:schemeClr>
             </a:gs>
             <a:gs pos="100000">
               <a:schemeClr val="phClr">
-                <a:shade val="94000"/>
-                <a:satMod val="135000"/>
+                <a:tint val="99555"/>
+                <a:satMod val="155000"/>
               </a:schemeClr>
             </a:gs>
           </a:gsLst>
-          <a:lin ang="16200000" scaled="0"/>
+          <a:lin ang="5400000" scaled="1"/>
         </a:gradFill>
       </a:fillStyleLst>
       <a:lnStyleLst>
         <a:ln w="9525" cap="flat" cmpd="sng" algn="ctr">
           <a:solidFill>
             <a:schemeClr val="phClr">
-              <a:shade val="95000"/>
-              <a:satMod val="105000"/>
+              <a:shade val="60000"/>
+              <a:satMod val="300000"/>
             </a:schemeClr>
           </a:solidFill>
           <a:prstDash val="solid"/>
         </a:ln>
-        <a:ln w="25400" cap="flat" cmpd="sng" algn="ctr">
+        <a:ln w="19050" cap="flat" cmpd="sng" algn="ctr">
           <a:solidFill>
             <a:schemeClr val="phClr"/>
           </a:solidFill>
           <a:prstDash val="solid"/>
         </a:ln>
-        <a:ln w="38100" cap="flat" cmpd="sng" algn="ctr">
+        <a:ln w="19050" cap="flat" cmpd="sng" algn="ctr">
           <a:solidFill>
             <a:schemeClr val="phClr"/>
           </a:solidFill>
@@ -3228,40 +4676,55 @@
       <a:effectStyleLst>
         <a:effectStyle>
           <a:effectLst>
-            <a:outerShdw blurRad="40000" dist="20000" dir="5400000" rotWithShape="0">
-              <a:srgbClr val="000000">
-                <a:alpha val="38000"/>
-              </a:srgbClr>
-            </a:outerShdw>
+            <a:glow rad="63500">
+              <a:schemeClr val="phClr">
+                <a:tint val="30000"/>
+                <a:shade val="95000"/>
+                <a:satMod val="300000"/>
+                <a:alpha val="50000"/>
+              </a:schemeClr>
+            </a:glow>
           </a:effectLst>
         </a:effectStyle>
         <a:effectStyle>
           <a:effectLst>
-            <a:outerShdw blurRad="40000" dist="23000" dir="5400000" rotWithShape="0">
-              <a:srgbClr val="000000">
-                <a:alpha val="35000"/>
-              </a:srgbClr>
-            </a:outerShdw>
+            <a:glow rad="70000">
+              <a:schemeClr val="phClr">
+                <a:tint val="30000"/>
+                <a:shade val="95000"/>
+                <a:satMod val="300000"/>
+                <a:alpha val="50000"/>
+              </a:schemeClr>
+            </a:glow>
           </a:effectLst>
         </a:effectStyle>
         <a:effectStyle>
           <a:effectLst>
-            <a:outerShdw blurRad="40000" dist="23000" dir="5400000" rotWithShape="0">
-              <a:srgbClr val="000000">
-                <a:alpha val="35000"/>
-              </a:srgbClr>
-            </a:outerShdw>
+            <a:glow rad="76200">
+              <a:schemeClr val="phClr">
+                <a:tint val="30000"/>
+                <a:shade val="95000"/>
+                <a:satMod val="300000"/>
+                <a:alpha val="50000"/>
+              </a:schemeClr>
+            </a:glow>
           </a:effectLst>
           <a:scene3d>
-            <a:camera prst="orthographicFront">
+            <a:camera prst="orthographicFront" fov="0">
               <a:rot lat="0" lon="0" rev="0"/>
             </a:camera>
-            <a:lightRig rig="threePt" dir="t">
-              <a:rot lat="0" lon="0" rev="1200000"/>
+            <a:lightRig rig="harsh" dir="t">
+              <a:rot lat="6000000" lon="6000000" rev="0"/>
             </a:lightRig>
           </a:scene3d>
-          <a:sp3d>
-            <a:bevelT w="63500" h="25400"/>
+          <a:sp3d contourW="10000" prstMaterial="metal">
+            <a:bevelT w="20000" h="9000" prst="softRound"/>
+            <a:contourClr>
+              <a:schemeClr val="phClr">
+                <a:shade val="30000"/>
+                <a:satMod val="200000"/>
+              </a:schemeClr>
+            </a:contourClr>
           </a:sp3d>
         </a:effectStyle>
       </a:effectStyleLst>
@@ -3273,45 +4736,42 @@
           <a:gsLst>
             <a:gs pos="0">
               <a:schemeClr val="phClr">
-                <a:tint val="40000"/>
-                <a:satMod val="350000"/>
+                <a:shade val="40000"/>
+                <a:satMod val="150000"/>
               </a:schemeClr>
             </a:gs>
-            <a:gs pos="40000">
+            <a:gs pos="30000">
               <a:schemeClr val="phClr">
-                <a:tint val="45000"/>
-                <a:shade val="99000"/>
-                <a:satMod val="350000"/>
+                <a:shade val="60000"/>
+                <a:satMod val="150000"/>
               </a:schemeClr>
             </a:gs>
             <a:gs pos="100000">
               <a:schemeClr val="phClr">
-                <a:shade val="20000"/>
-                <a:satMod val="255000"/>
+                <a:tint val="83000"/>
+                <a:satMod val="200000"/>
               </a:schemeClr>
             </a:gs>
           </a:gsLst>
-          <a:path path="circle">
-            <a:fillToRect l="50000" t="-80000" r="50000" b="180000"/>
-          </a:path>
+          <a:lin ang="13000000" scaled="0"/>
         </a:gradFill>
         <a:gradFill rotWithShape="1">
           <a:gsLst>
             <a:gs pos="0">
               <a:schemeClr val="phClr">
-                <a:tint val="80000"/>
-                <a:satMod val="300000"/>
+                <a:tint val="78000"/>
+                <a:satMod val="220000"/>
               </a:schemeClr>
             </a:gs>
             <a:gs pos="100000">
               <a:schemeClr val="phClr">
-                <a:shade val="30000"/>
-                <a:satMod val="200000"/>
+                <a:shade val="35000"/>
+                <a:satMod val="155000"/>
               </a:schemeClr>
             </a:gs>
           </a:gsLst>
           <a:path path="circle">
-            <a:fillToRect l="50000" t="50000" r="50000" b="50000"/>
+            <a:fillToRect l="60000" t="50000" r="40000" b="50000"/>
           </a:path>
         </a:gradFill>
       </a:bgFillStyleLst>

--- a/Presentation.pptx
+++ b/Presentation.pptx
@@ -4107,7 +4107,26 @@
           <a:bodyPr/>
           <a:lstStyle/>
           <a:p>
-            <a:endParaRPr lang="sv-SE"/>
+            <a:r>
+              <a:rPr lang="sv-SE" dirty="0" smtClean="0"/>
+              <a:t>Sound extension</a:t>
+            </a:r>
+          </a:p>
+          <a:p>
+            <a:r>
+              <a:rPr lang="sv-SE" dirty="0" err="1" smtClean="0"/>
+              <a:t>OpenAl</a:t>
+            </a:r>
+            <a:endParaRPr lang="sv-SE" dirty="0" smtClean="0"/>
+          </a:p>
+          <a:p>
+            <a:endParaRPr lang="sv-SE" dirty="0" smtClean="0"/>
+          </a:p>
+          <a:p>
+            <a:endParaRPr lang="sv-SE" dirty="0" smtClean="0"/>
+          </a:p>
+          <a:p>
+            <a:endParaRPr lang="sv-SE" dirty="0"/>
           </a:p>
         </p:txBody>
       </p:sp>
@@ -4174,7 +4193,75 @@
           <a:bodyPr/>
           <a:lstStyle/>
           <a:p>
-            <a:endParaRPr lang="sv-SE"/>
+            <a:r>
+              <a:rPr lang="sv-SE" dirty="0" err="1" smtClean="0"/>
+              <a:t>Depends</a:t>
+            </a:r>
+            <a:r>
+              <a:rPr lang="sv-SE" dirty="0" smtClean="0"/>
+              <a:t> on </a:t>
+            </a:r>
+            <a:r>
+              <a:rPr lang="sv-SE" dirty="0" err="1" smtClean="0"/>
+              <a:t>surroundings</a:t>
+            </a:r>
+            <a:endParaRPr lang="sv-SE" dirty="0" smtClean="0"/>
+          </a:p>
+          <a:p>
+            <a:r>
+              <a:rPr lang="sv-SE" dirty="0" err="1" smtClean="0"/>
+              <a:t>Implementation</a:t>
+            </a:r>
+            <a:endParaRPr lang="sv-SE" dirty="0" smtClean="0"/>
+          </a:p>
+          <a:p>
+            <a:pPr lvl="1"/>
+            <a:r>
+              <a:rPr lang="sv-SE" dirty="0" err="1" smtClean="0"/>
+              <a:t>Soundplayer</a:t>
+            </a:r>
+            <a:r>
+              <a:rPr lang="sv-SE" dirty="0" smtClean="0"/>
+              <a:t>, </a:t>
+            </a:r>
+            <a:r>
+              <a:rPr lang="sv-SE" dirty="0" err="1" smtClean="0"/>
+              <a:t>Echo</a:t>
+            </a:r>
+            <a:endParaRPr lang="sv-SE" dirty="0" smtClean="0"/>
+          </a:p>
+          <a:p>
+            <a:r>
+              <a:rPr lang="sv-SE" dirty="0" err="1" smtClean="0"/>
+              <a:t>Calculation</a:t>
+            </a:r>
+            <a:endParaRPr lang="sv-SE" dirty="0" smtClean="0"/>
+          </a:p>
+          <a:p>
+            <a:pPr lvl="1"/>
+            <a:r>
+              <a:rPr lang="sv-SE" dirty="0" err="1" smtClean="0"/>
+              <a:t>Delay</a:t>
+            </a:r>
+            <a:endParaRPr lang="sv-SE" dirty="0" smtClean="0"/>
+          </a:p>
+          <a:p>
+            <a:pPr lvl="1"/>
+            <a:r>
+              <a:rPr lang="sv-SE" smtClean="0"/>
+              <a:t>Volume</a:t>
+            </a:r>
+            <a:endParaRPr lang="sv-SE" dirty="0" smtClean="0"/>
+          </a:p>
+          <a:p>
+            <a:pPr lvl="1"/>
+            <a:endParaRPr lang="sv-SE" dirty="0" smtClean="0"/>
+          </a:p>
+          <a:p>
+            <a:endParaRPr lang="sv-SE" dirty="0" smtClean="0"/>
+          </a:p>
+          <a:p>
+            <a:endParaRPr lang="sv-SE" dirty="0"/>
           </a:p>
         </p:txBody>
       </p:sp>

--- a/Presentation.pptx
+++ b/Presentation.pptx
@@ -3964,16 +3964,30 @@
           <a:p>
             <a:r>
               <a:rPr lang="sv-SE" dirty="0" smtClean="0"/>
-              <a:t>Hello</a:t>
-            </a:r>
-          </a:p>
-          <a:p>
-            <a:pPr lvl="1"/>
-            <a:r>
-              <a:rPr lang="sv-SE" smtClean="0"/>
-              <a:t>Hi</a:t>
-            </a:r>
-            <a:endParaRPr lang="sv-SE"/>
+              <a:t>Setting up SVN/Enviroment</a:t>
+            </a:r>
+          </a:p>
+          <a:p>
+            <a:r>
+              <a:rPr lang="sv-SE" dirty="0" smtClean="0"/>
+              <a:t>Battling the Ogre</a:t>
+            </a:r>
+          </a:p>
+          <a:p>
+            <a:r>
+              <a:rPr lang="sv-SE" dirty="0" smtClean="0"/>
+              <a:t>Creating the framework</a:t>
+            </a:r>
+          </a:p>
+          <a:p>
+            <a:r>
+              <a:rPr lang="sv-SE" dirty="0" smtClean="0"/>
+              <a:t>Integrating everything into it</a:t>
+            </a:r>
+            <a:endParaRPr lang="sv-SE" dirty="0" smtClean="0"/>
+          </a:p>
+          <a:p>
+            <a:endParaRPr lang="sv-SE" dirty="0" smtClean="0"/>
           </a:p>
         </p:txBody>
       </p:sp>
@@ -4462,7 +4476,7 @@
           <a:bodyPr/>
           <a:lstStyle/>
           <a:p>
-            <a:endParaRPr lang="sv-SE"/>
+            <a:endParaRPr lang="sv-SE" dirty="0" smtClean="0"/>
           </a:p>
         </p:txBody>
       </p:sp>

--- a/Presentation.pptx
+++ b/Presentation.pptx
@@ -3984,7 +3984,6 @@
               <a:rPr lang="sv-SE" dirty="0" smtClean="0"/>
               <a:t>Integrating everything into it</a:t>
             </a:r>
-            <a:endParaRPr lang="sv-SE" dirty="0" smtClean="0"/>
           </a:p>
           <a:p>
             <a:endParaRPr lang="sv-SE" dirty="0" smtClean="0"/>
@@ -4118,19 +4117,131 @@
         </p:nvSpPr>
         <p:spPr/>
         <p:txBody>
-          <a:bodyPr/>
+          <a:bodyPr>
+            <a:normAutofit fontScale="92500" lnSpcReduction="10000"/>
+          </a:bodyPr>
           <a:lstStyle/>
           <a:p>
             <a:r>
               <a:rPr lang="sv-SE" dirty="0" smtClean="0"/>
-              <a:t>Sound extension</a:t>
-            </a:r>
-          </a:p>
-          <a:p>
+              <a:t>General</a:t>
+            </a:r>
+            <a:endParaRPr lang="sv-SE" dirty="0" smtClean="0"/>
+          </a:p>
+          <a:p>
+            <a:pPr lvl="1"/>
+            <a:r>
+              <a:rPr lang="sv-SE" dirty="0" smtClean="0"/>
+              <a:t>Sound </a:t>
+            </a:r>
+            <a:r>
+              <a:rPr lang="sv-SE" dirty="0" smtClean="0"/>
+              <a:t>extension</a:t>
+            </a:r>
+          </a:p>
+          <a:p>
+            <a:pPr lvl="1"/>
             <a:r>
               <a:rPr lang="sv-SE" dirty="0" err="1" smtClean="0"/>
               <a:t>OpenAl</a:t>
             </a:r>
+            <a:r>
+              <a:rPr lang="sv-SE" dirty="0" smtClean="0"/>
+              <a:t> and </a:t>
+            </a:r>
+            <a:r>
+              <a:rPr lang="sv-SE" dirty="0" err="1" smtClean="0"/>
+              <a:t>Alut</a:t>
+            </a:r>
+            <a:endParaRPr lang="sv-SE" dirty="0" smtClean="0"/>
+          </a:p>
+          <a:p>
+            <a:r>
+              <a:rPr lang="sv-SE" dirty="0" smtClean="0"/>
+              <a:t>Extension</a:t>
+            </a:r>
+          </a:p>
+          <a:p>
+            <a:pPr lvl="1"/>
+            <a:r>
+              <a:rPr lang="sv-SE" dirty="0" err="1" smtClean="0"/>
+              <a:t>Dynamic</a:t>
+            </a:r>
+            <a:r>
+              <a:rPr lang="sv-SE" dirty="0" smtClean="0"/>
+              <a:t> </a:t>
+            </a:r>
+            <a:r>
+              <a:rPr lang="sv-SE" dirty="0" err="1" smtClean="0"/>
+              <a:t>echoes</a:t>
+            </a:r>
+            <a:endParaRPr lang="sv-SE" dirty="0" smtClean="0"/>
+          </a:p>
+          <a:p>
+            <a:pPr lvl="1"/>
+            <a:r>
+              <a:rPr lang="sv-SE" dirty="0" err="1" smtClean="0"/>
+              <a:t>Depends</a:t>
+            </a:r>
+            <a:r>
+              <a:rPr lang="sv-SE" dirty="0" smtClean="0"/>
+              <a:t> on </a:t>
+            </a:r>
+            <a:r>
+              <a:rPr lang="sv-SE" dirty="0" err="1" smtClean="0"/>
+              <a:t>surroundings</a:t>
+            </a:r>
+            <a:endParaRPr lang="sv-SE" dirty="0" smtClean="0"/>
+          </a:p>
+          <a:p>
+            <a:pPr lvl="1"/>
+            <a:r>
+              <a:rPr lang="sv-SE" dirty="0" err="1" smtClean="0"/>
+              <a:t>Implementation</a:t>
+            </a:r>
+            <a:endParaRPr lang="sv-SE" dirty="0" smtClean="0"/>
+          </a:p>
+          <a:p>
+            <a:pPr lvl="2"/>
+            <a:r>
+              <a:rPr lang="sv-SE" dirty="0" err="1" smtClean="0"/>
+              <a:t>Soundplayer</a:t>
+            </a:r>
+            <a:r>
+              <a:rPr lang="sv-SE" dirty="0" smtClean="0"/>
+              <a:t>, </a:t>
+            </a:r>
+            <a:r>
+              <a:rPr lang="sv-SE" dirty="0" err="1" smtClean="0"/>
+              <a:t>Echo</a:t>
+            </a:r>
+            <a:endParaRPr lang="sv-SE" dirty="0" smtClean="0"/>
+          </a:p>
+          <a:p>
+            <a:pPr lvl="1"/>
+            <a:r>
+              <a:rPr lang="sv-SE" dirty="0" err="1" smtClean="0"/>
+              <a:t>Calculation</a:t>
+            </a:r>
+            <a:endParaRPr lang="sv-SE" dirty="0" smtClean="0"/>
+          </a:p>
+          <a:p>
+            <a:pPr lvl="2"/>
+            <a:r>
+              <a:rPr lang="sv-SE" dirty="0" err="1" smtClean="0"/>
+              <a:t>Delay</a:t>
+            </a:r>
+            <a:endParaRPr lang="sv-SE" dirty="0" smtClean="0"/>
+          </a:p>
+          <a:p>
+            <a:pPr lvl="2"/>
+            <a:r>
+              <a:rPr lang="sv-SE" dirty="0" err="1" smtClean="0"/>
+              <a:t>Volume</a:t>
+            </a:r>
+            <a:endParaRPr lang="sv-SE" dirty="0" smtClean="0"/>
+          </a:p>
+          <a:p>
             <a:endParaRPr lang="sv-SE" dirty="0" smtClean="0"/>
           </a:p>
           <a:p>
@@ -4206,67 +4317,6 @@
         <p:txBody>
           <a:bodyPr/>
           <a:lstStyle/>
-          <a:p>
-            <a:r>
-              <a:rPr lang="sv-SE" dirty="0" err="1" smtClean="0"/>
-              <a:t>Depends</a:t>
-            </a:r>
-            <a:r>
-              <a:rPr lang="sv-SE" dirty="0" smtClean="0"/>
-              <a:t> on </a:t>
-            </a:r>
-            <a:r>
-              <a:rPr lang="sv-SE" dirty="0" err="1" smtClean="0"/>
-              <a:t>surroundings</a:t>
-            </a:r>
-            <a:endParaRPr lang="sv-SE" dirty="0" smtClean="0"/>
-          </a:p>
-          <a:p>
-            <a:r>
-              <a:rPr lang="sv-SE" dirty="0" err="1" smtClean="0"/>
-              <a:t>Implementation</a:t>
-            </a:r>
-            <a:endParaRPr lang="sv-SE" dirty="0" smtClean="0"/>
-          </a:p>
-          <a:p>
-            <a:pPr lvl="1"/>
-            <a:r>
-              <a:rPr lang="sv-SE" dirty="0" err="1" smtClean="0"/>
-              <a:t>Soundplayer</a:t>
-            </a:r>
-            <a:r>
-              <a:rPr lang="sv-SE" dirty="0" smtClean="0"/>
-              <a:t>, </a:t>
-            </a:r>
-            <a:r>
-              <a:rPr lang="sv-SE" dirty="0" err="1" smtClean="0"/>
-              <a:t>Echo</a:t>
-            </a:r>
-            <a:endParaRPr lang="sv-SE" dirty="0" smtClean="0"/>
-          </a:p>
-          <a:p>
-            <a:r>
-              <a:rPr lang="sv-SE" dirty="0" err="1" smtClean="0"/>
-              <a:t>Calculation</a:t>
-            </a:r>
-            <a:endParaRPr lang="sv-SE" dirty="0" smtClean="0"/>
-          </a:p>
-          <a:p>
-            <a:pPr lvl="1"/>
-            <a:r>
-              <a:rPr lang="sv-SE" dirty="0" err="1" smtClean="0"/>
-              <a:t>Delay</a:t>
-            </a:r>
-            <a:endParaRPr lang="sv-SE" dirty="0" smtClean="0"/>
-          </a:p>
-          <a:p>
-            <a:pPr lvl="1"/>
-            <a:r>
-              <a:rPr lang="sv-SE" smtClean="0"/>
-              <a:t>Volume</a:t>
-            </a:r>
-            <a:endParaRPr lang="sv-SE" dirty="0" smtClean="0"/>
-          </a:p>
           <a:p>
             <a:pPr lvl="1"/>
             <a:endParaRPr lang="sv-SE" dirty="0" smtClean="0"/>

--- a/Presentation.pptx
+++ b/Presentation.pptx
@@ -3761,7 +3761,24 @@
           <a:bodyPr/>
           <a:lstStyle/>
           <a:p>
-            <a:endParaRPr lang="sv-SE"/>
+            <a:r>
+              <a:rPr lang="sv-SE" dirty="0" smtClean="0"/>
+              <a:t>NxOgre wrapper</a:t>
+            </a:r>
+          </a:p>
+          <a:p>
+            <a:r>
+              <a:rPr lang="sv-SE" dirty="0" smtClean="0"/>
+              <a:t>Help </a:t>
+            </a:r>
+            <a:r>
+              <a:rPr lang="sv-SE" smtClean="0"/>
+              <a:t>from PhysX </a:t>
+            </a:r>
+            <a:endParaRPr lang="sv-SE" dirty="0" smtClean="0"/>
+          </a:p>
+          <a:p>
+            <a:endParaRPr lang="sv-SE" dirty="0"/>
           </a:p>
         </p:txBody>
       </p:sp>
@@ -3828,7 +3845,42 @@
           <a:bodyPr/>
           <a:lstStyle/>
           <a:p>
-            <a:endParaRPr lang="sv-SE"/>
+            <a:r>
+              <a:rPr lang="sv-SE" dirty="0" smtClean="0"/>
+              <a:t>Four projectiles </a:t>
+            </a:r>
+          </a:p>
+          <a:p>
+            <a:r>
+              <a:rPr lang="sv-SE" dirty="0" smtClean="0"/>
+              <a:t>FastShell (raycast a location, spawn explosion)</a:t>
+            </a:r>
+          </a:p>
+          <a:p>
+            <a:r>
+              <a:rPr lang="sv-SE" dirty="0" smtClean="0"/>
+              <a:t>Shell (spawn explosion, no raycasting)</a:t>
+            </a:r>
+            <a:endParaRPr lang="sv-SE" dirty="0" smtClean="0"/>
+          </a:p>
+          <a:p>
+            <a:r>
+              <a:rPr lang="sv-SE" dirty="0" smtClean="0"/>
+              <a:t>Bullet (return the hit)</a:t>
+            </a:r>
+          </a:p>
+          <a:p>
+            <a:r>
+              <a:rPr lang="sv-SE" dirty="0" smtClean="0"/>
+              <a:t>Grenade (explode after a certain amount of time)</a:t>
+            </a:r>
+          </a:p>
+          <a:p>
+            <a:r>
+              <a:rPr lang="sv-SE" dirty="0" smtClean="0"/>
+              <a:t>A single class, manages all cannons.</a:t>
+            </a:r>
+            <a:endParaRPr lang="sv-SE" dirty="0"/>
           </a:p>
         </p:txBody>
       </p:sp>
@@ -4126,17 +4178,12 @@
               <a:rPr lang="sv-SE" dirty="0" smtClean="0"/>
               <a:t>General</a:t>
             </a:r>
-            <a:endParaRPr lang="sv-SE" dirty="0" smtClean="0"/>
           </a:p>
           <a:p>
             <a:pPr lvl="1"/>
             <a:r>
               <a:rPr lang="sv-SE" dirty="0" smtClean="0"/>
-              <a:t>Sound </a:t>
-            </a:r>
-            <a:r>
-              <a:rPr lang="sv-SE" dirty="0" smtClean="0"/>
-              <a:t>extension</a:t>
+              <a:t>Sound extension</a:t>
             </a:r>
           </a:p>
           <a:p>

--- a/Presentation.pptx
+++ b/Presentation.pptx
@@ -9,14 +9,13 @@
     <p:sldId id="257" r:id="rId3"/>
     <p:sldId id="262" r:id="rId4"/>
     <p:sldId id="258" r:id="rId5"/>
-    <p:sldId id="263" r:id="rId6"/>
-    <p:sldId id="259" r:id="rId7"/>
-    <p:sldId id="264" r:id="rId8"/>
-    <p:sldId id="260" r:id="rId9"/>
-    <p:sldId id="265" r:id="rId10"/>
-    <p:sldId id="261" r:id="rId11"/>
-    <p:sldId id="266" r:id="rId12"/>
-    <p:sldId id="267" r:id="rId13"/>
+    <p:sldId id="259" r:id="rId6"/>
+    <p:sldId id="264" r:id="rId7"/>
+    <p:sldId id="260" r:id="rId8"/>
+    <p:sldId id="265" r:id="rId9"/>
+    <p:sldId id="261" r:id="rId10"/>
+    <p:sldId id="266" r:id="rId11"/>
+    <p:sldId id="267" r:id="rId12"/>
   </p:sldIdLst>
   <p:sldSz cx="9144000" cy="6858000" type="screen4x3"/>
   <p:notesSz cx="6858000" cy="9144000"/>
@@ -3703,6 +3702,13 @@
   <p:clrMapOvr>
     <a:masterClrMapping/>
   </p:clrMapOvr>
+  <p:timing>
+    <p:tnLst>
+      <p:par>
+        <p:cTn id="1" dur="indefinite" restart="never" nodeType="tmRoot"/>
+      </p:par>
+    </p:tnLst>
+  </p:timing>
 </p:sld>
 </file>
 
@@ -3740,7 +3746,7 @@
           <a:p>
             <a:r>
               <a:rPr lang="sv-SE" dirty="0" smtClean="0"/>
-              <a:t>Physics</a:t>
+              <a:t>Bullets and grenades</a:t>
             </a:r>
             <a:endParaRPr lang="sv-SE" dirty="0"/>
           </a:p>
@@ -3763,21 +3769,38 @@
           <a:p>
             <a:r>
               <a:rPr lang="sv-SE" dirty="0" smtClean="0"/>
-              <a:t>NxOgre wrapper</a:t>
+              <a:t>Four projectiles </a:t>
             </a:r>
           </a:p>
           <a:p>
             <a:r>
               <a:rPr lang="sv-SE" dirty="0" smtClean="0"/>
-              <a:t>Help </a:t>
-            </a:r>
-            <a:r>
-              <a:rPr lang="sv-SE" smtClean="0"/>
-              <a:t>from PhysX </a:t>
-            </a:r>
-            <a:endParaRPr lang="sv-SE" dirty="0" smtClean="0"/>
-          </a:p>
-          <a:p>
+              <a:t>FastShell (raycast a location, spawn explosion)</a:t>
+            </a:r>
+          </a:p>
+          <a:p>
+            <a:r>
+              <a:rPr lang="sv-SE" dirty="0" smtClean="0"/>
+              <a:t>Shell (spawn explosion, no raycasting)</a:t>
+            </a:r>
+          </a:p>
+          <a:p>
+            <a:r>
+              <a:rPr lang="sv-SE" dirty="0" smtClean="0"/>
+              <a:t>Bullet (return the hit)</a:t>
+            </a:r>
+          </a:p>
+          <a:p>
+            <a:r>
+              <a:rPr lang="sv-SE" dirty="0" smtClean="0"/>
+              <a:t>Grenade (explode after a certain amount of time)</a:t>
+            </a:r>
+          </a:p>
+          <a:p>
+            <a:r>
+              <a:rPr lang="sv-SE" dirty="0" smtClean="0"/>
+              <a:t>A single class, manages all cannons.</a:t>
+            </a:r>
             <a:endParaRPr lang="sv-SE" dirty="0"/>
           </a:p>
         </p:txBody>
@@ -3824,108 +3847,6 @@
           <a:p>
             <a:r>
               <a:rPr lang="sv-SE" dirty="0" smtClean="0"/>
-              <a:t>Bullets and grenades</a:t>
-            </a:r>
-            <a:endParaRPr lang="sv-SE" dirty="0"/>
-          </a:p>
-        </p:txBody>
-      </p:sp>
-      <p:sp>
-        <p:nvSpPr>
-          <p:cNvPr id="3" name="Content Placeholder 2"/>
-          <p:cNvSpPr>
-            <a:spLocks noGrp="1"/>
-          </p:cNvSpPr>
-          <p:nvPr>
-            <p:ph idx="1"/>
-          </p:nvPr>
-        </p:nvSpPr>
-        <p:spPr/>
-        <p:txBody>
-          <a:bodyPr/>
-          <a:lstStyle/>
-          <a:p>
-            <a:r>
-              <a:rPr lang="sv-SE" dirty="0" smtClean="0"/>
-              <a:t>Four projectiles </a:t>
-            </a:r>
-          </a:p>
-          <a:p>
-            <a:r>
-              <a:rPr lang="sv-SE" dirty="0" smtClean="0"/>
-              <a:t>FastShell (raycast a location, spawn explosion)</a:t>
-            </a:r>
-          </a:p>
-          <a:p>
-            <a:r>
-              <a:rPr lang="sv-SE" dirty="0" smtClean="0"/>
-              <a:t>Shell (spawn explosion, no raycasting)</a:t>
-            </a:r>
-            <a:endParaRPr lang="sv-SE" dirty="0" smtClean="0"/>
-          </a:p>
-          <a:p>
-            <a:r>
-              <a:rPr lang="sv-SE" dirty="0" smtClean="0"/>
-              <a:t>Bullet (return the hit)</a:t>
-            </a:r>
-          </a:p>
-          <a:p>
-            <a:r>
-              <a:rPr lang="sv-SE" dirty="0" smtClean="0"/>
-              <a:t>Grenade (explode after a certain amount of time)</a:t>
-            </a:r>
-          </a:p>
-          <a:p>
-            <a:r>
-              <a:rPr lang="sv-SE" dirty="0" smtClean="0"/>
-              <a:t>A single class, manages all cannons.</a:t>
-            </a:r>
-            <a:endParaRPr lang="sv-SE" dirty="0"/>
-          </a:p>
-        </p:txBody>
-      </p:sp>
-    </p:spTree>
-  </p:cSld>
-  <p:clrMapOvr>
-    <a:masterClrMapping/>
-  </p:clrMapOvr>
-</p:sld>
-</file>
-
-<file path=ppt/slides/slide12.xml><?xml version="1.0" encoding="utf-8"?>
-<p:sld xmlns:a="http://schemas.openxmlformats.org/drawingml/2006/main" xmlns:r="http://schemas.openxmlformats.org/officeDocument/2006/relationships" xmlns:p="http://schemas.openxmlformats.org/presentationml/2006/main">
-  <p:cSld>
-    <p:spTree>
-      <p:nvGrpSpPr>
-        <p:cNvPr id="1" name=""/>
-        <p:cNvGrpSpPr/>
-        <p:nvPr/>
-      </p:nvGrpSpPr>
-      <p:grpSpPr>
-        <a:xfrm>
-          <a:off x="0" y="0"/>
-          <a:ext cx="0" cy="0"/>
-          <a:chOff x="0" y="0"/>
-          <a:chExt cx="0" cy="0"/>
-        </a:xfrm>
-      </p:grpSpPr>
-      <p:sp>
-        <p:nvSpPr>
-          <p:cNvPr id="2" name="Title 1"/>
-          <p:cNvSpPr>
-            <a:spLocks noGrp="1"/>
-          </p:cNvSpPr>
-          <p:nvPr>
-            <p:ph type="title"/>
-          </p:nvPr>
-        </p:nvSpPr>
-        <p:spPr/>
-        <p:txBody>
-          <a:bodyPr/>
-          <a:lstStyle/>
-          <a:p>
-            <a:r>
-              <a:rPr lang="sv-SE" dirty="0" smtClean="0"/>
               <a:t>Demo</a:t>
             </a:r>
             <a:endParaRPr lang="sv-SE" dirty="0"/>
@@ -4047,6 +3968,13 @@
   <p:clrMapOvr>
     <a:masterClrMapping/>
   </p:clrMapOvr>
+  <p:timing>
+    <p:tnLst>
+      <p:par>
+        <p:cTn id="1" dur="indefinite" restart="never" nodeType="tmRoot"/>
+      </p:par>
+    </p:tnLst>
+  </p:timing>
 </p:sld>
 </file>
 
@@ -4084,7 +4012,11 @@
           <a:p>
             <a:r>
               <a:rPr lang="sv-SE" dirty="0" smtClean="0"/>
-              <a:t>The structure</a:t>
+              <a:t>The </a:t>
+            </a:r>
+            <a:r>
+              <a:rPr lang="sv-SE" dirty="0" smtClean="0"/>
+              <a:t>basic structure</a:t>
             </a:r>
             <a:endParaRPr lang="sv-SE" dirty="0"/>
           </a:p>
@@ -4109,11 +4041,44 @@
           </a:p>
         </p:txBody>
       </p:sp>
+      <p:pic>
+        <p:nvPicPr>
+          <p:cNvPr id="1026" name="Picture 2" descr="C:\Users\Jocke\Desktop\Untitled-1.png"/>
+          <p:cNvPicPr>
+            <a:picLocks noChangeAspect="1" noChangeArrowheads="1"/>
+          </p:cNvPicPr>
+          <p:nvPr/>
+        </p:nvPicPr>
+        <p:blipFill>
+          <a:blip r:embed="rId2" cstate="print"/>
+          <a:srcRect/>
+          <a:stretch>
+            <a:fillRect/>
+          </a:stretch>
+        </p:blipFill>
+        <p:spPr bwMode="auto">
+          <a:xfrm>
+            <a:off x="1447800" y="1600200"/>
+            <a:ext cx="5405425" cy="4419600"/>
+          </a:xfrm>
+          <a:prstGeom prst="rect">
+            <a:avLst/>
+          </a:prstGeom>
+          <a:noFill/>
+        </p:spPr>
+      </p:pic>
     </p:spTree>
   </p:cSld>
   <p:clrMapOvr>
     <a:masterClrMapping/>
   </p:clrMapOvr>
+  <p:timing>
+    <p:tnLst>
+      <p:par>
+        <p:cTn id="1" dur="indefinite" restart="never" nodeType="tmRoot"/>
+      </p:par>
+    </p:tnLst>
+  </p:timing>
 </p:sld>
 </file>
 
@@ -4307,6 +4272,13 @@
   <p:clrMapOvr>
     <a:masterClrMapping/>
   </p:clrMapOvr>
+  <p:timing>
+    <p:tnLst>
+      <p:par>
+        <p:cTn id="1" dur="indefinite" restart="never" nodeType="tmRoot"/>
+      </p:par>
+    </p:tnLst>
+  </p:timing>
 </p:sld>
 </file>
 
@@ -4344,7 +4316,7 @@
           <a:p>
             <a:r>
               <a:rPr lang="sv-SE" dirty="0" smtClean="0"/>
-              <a:t>Dynamic echos</a:t>
+              <a:t>Graphics</a:t>
             </a:r>
             <a:endParaRPr lang="sv-SE" dirty="0"/>
           </a:p>
@@ -4365,14 +4337,7 @@
           <a:bodyPr/>
           <a:lstStyle/>
           <a:p>
-            <a:pPr lvl="1"/>
-            <a:endParaRPr lang="sv-SE" dirty="0" smtClean="0"/>
-          </a:p>
-          <a:p>
-            <a:endParaRPr lang="sv-SE" dirty="0" smtClean="0"/>
-          </a:p>
-          <a:p>
-            <a:endParaRPr lang="sv-SE" dirty="0"/>
+            <a:endParaRPr lang="sv-SE"/>
           </a:p>
         </p:txBody>
       </p:sp>
@@ -4418,7 +4383,7 @@
           <a:p>
             <a:r>
               <a:rPr lang="sv-SE" dirty="0" smtClean="0"/>
-              <a:t>Graphics</a:t>
+              <a:t>Cartoon filter</a:t>
             </a:r>
             <a:endParaRPr lang="sv-SE" dirty="0"/>
           </a:p>
@@ -4485,7 +4450,7 @@
           <a:p>
             <a:r>
               <a:rPr lang="sv-SE" dirty="0" smtClean="0"/>
-              <a:t>Cartoon filter</a:t>
+              <a:t>AI</a:t>
             </a:r>
             <a:endParaRPr lang="sv-SE" dirty="0"/>
           </a:p>
@@ -4506,7 +4471,7 @@
           <a:bodyPr/>
           <a:lstStyle/>
           <a:p>
-            <a:endParaRPr lang="sv-SE"/>
+            <a:endParaRPr lang="sv-SE" dirty="0" smtClean="0"/>
           </a:p>
         </p:txBody>
       </p:sp>
@@ -4552,7 +4517,7 @@
           <a:p>
             <a:r>
               <a:rPr lang="sv-SE" dirty="0" smtClean="0"/>
-              <a:t>AI</a:t>
+              <a:t>Astar</a:t>
             </a:r>
             <a:endParaRPr lang="sv-SE" dirty="0"/>
           </a:p>
@@ -4573,7 +4538,7 @@
           <a:bodyPr/>
           <a:lstStyle/>
           <a:p>
-            <a:endParaRPr lang="sv-SE" dirty="0" smtClean="0"/>
+            <a:endParaRPr lang="sv-SE"/>
           </a:p>
         </p:txBody>
       </p:sp>
@@ -4619,7 +4584,7 @@
           <a:p>
             <a:r>
               <a:rPr lang="sv-SE" dirty="0" smtClean="0"/>
-              <a:t>Astar</a:t>
+              <a:t>Physics</a:t>
             </a:r>
             <a:endParaRPr lang="sv-SE" dirty="0"/>
           </a:p>
@@ -4640,7 +4605,24 @@
           <a:bodyPr/>
           <a:lstStyle/>
           <a:p>
-            <a:endParaRPr lang="sv-SE"/>
+            <a:r>
+              <a:rPr lang="sv-SE" dirty="0" smtClean="0"/>
+              <a:t>NxOgre wrapper</a:t>
+            </a:r>
+          </a:p>
+          <a:p>
+            <a:r>
+              <a:rPr lang="sv-SE" dirty="0" smtClean="0"/>
+              <a:t>Help </a:t>
+            </a:r>
+            <a:r>
+              <a:rPr lang="sv-SE" smtClean="0"/>
+              <a:t>from PhysX </a:t>
+            </a:r>
+            <a:endParaRPr lang="sv-SE" dirty="0" smtClean="0"/>
+          </a:p>
+          <a:p>
+            <a:endParaRPr lang="sv-SE" dirty="0"/>
           </a:p>
         </p:txBody>
       </p:sp>

--- a/Presentation.pptx
+++ b/Presentation.pptx
@@ -9,13 +9,14 @@
     <p:sldId id="257" r:id="rId3"/>
     <p:sldId id="262" r:id="rId4"/>
     <p:sldId id="258" r:id="rId5"/>
-    <p:sldId id="259" r:id="rId6"/>
-    <p:sldId id="264" r:id="rId7"/>
-    <p:sldId id="260" r:id="rId8"/>
-    <p:sldId id="265" r:id="rId9"/>
-    <p:sldId id="261" r:id="rId10"/>
-    <p:sldId id="266" r:id="rId11"/>
-    <p:sldId id="267" r:id="rId12"/>
+    <p:sldId id="268" r:id="rId6"/>
+    <p:sldId id="259" r:id="rId7"/>
+    <p:sldId id="264" r:id="rId8"/>
+    <p:sldId id="260" r:id="rId9"/>
+    <p:sldId id="265" r:id="rId10"/>
+    <p:sldId id="261" r:id="rId11"/>
+    <p:sldId id="266" r:id="rId12"/>
+    <p:sldId id="267" r:id="rId13"/>
   </p:sldIdLst>
   <p:sldSz cx="9144000" cy="6858000" type="screen4x3"/>
   <p:notesSz cx="6858000" cy="9144000"/>
@@ -3746,7 +3747,7 @@
           <a:p>
             <a:r>
               <a:rPr lang="sv-SE" dirty="0" smtClean="0"/>
-              <a:t>Bullets and grenades</a:t>
+              <a:t>Physics</a:t>
             </a:r>
             <a:endParaRPr lang="sv-SE" dirty="0"/>
           </a:p>
@@ -3769,38 +3770,21 @@
           <a:p>
             <a:r>
               <a:rPr lang="sv-SE" dirty="0" smtClean="0"/>
-              <a:t>Four projectiles </a:t>
+              <a:t>NxOgre wrapper</a:t>
             </a:r>
           </a:p>
           <a:p>
             <a:r>
               <a:rPr lang="sv-SE" dirty="0" smtClean="0"/>
-              <a:t>FastShell (raycast a location, spawn explosion)</a:t>
-            </a:r>
-          </a:p>
-          <a:p>
-            <a:r>
-              <a:rPr lang="sv-SE" dirty="0" smtClean="0"/>
-              <a:t>Shell (spawn explosion, no raycasting)</a:t>
-            </a:r>
-          </a:p>
-          <a:p>
-            <a:r>
-              <a:rPr lang="sv-SE" dirty="0" smtClean="0"/>
-              <a:t>Bullet (return the hit)</a:t>
-            </a:r>
-          </a:p>
-          <a:p>
-            <a:r>
-              <a:rPr lang="sv-SE" dirty="0" smtClean="0"/>
-              <a:t>Grenade (explode after a certain amount of time)</a:t>
-            </a:r>
-          </a:p>
-          <a:p>
-            <a:r>
-              <a:rPr lang="sv-SE" dirty="0" smtClean="0"/>
-              <a:t>A single class, manages all cannons.</a:t>
-            </a:r>
+              <a:t>Help </a:t>
+            </a:r>
+            <a:r>
+              <a:rPr lang="sv-SE" smtClean="0"/>
+              <a:t>from PhysX </a:t>
+            </a:r>
+            <a:endParaRPr lang="sv-SE" dirty="0" smtClean="0"/>
+          </a:p>
+          <a:p>
             <a:endParaRPr lang="sv-SE" dirty="0"/>
           </a:p>
         </p:txBody>
@@ -3814,6 +3798,107 @@
 </file>
 
 <file path=ppt/slides/slide11.xml><?xml version="1.0" encoding="utf-8"?>
+<p:sld xmlns:a="http://schemas.openxmlformats.org/drawingml/2006/main" xmlns:r="http://schemas.openxmlformats.org/officeDocument/2006/relationships" xmlns:p="http://schemas.openxmlformats.org/presentationml/2006/main">
+  <p:cSld>
+    <p:spTree>
+      <p:nvGrpSpPr>
+        <p:cNvPr id="1" name=""/>
+        <p:cNvGrpSpPr/>
+        <p:nvPr/>
+      </p:nvGrpSpPr>
+      <p:grpSpPr>
+        <a:xfrm>
+          <a:off x="0" y="0"/>
+          <a:ext cx="0" cy="0"/>
+          <a:chOff x="0" y="0"/>
+          <a:chExt cx="0" cy="0"/>
+        </a:xfrm>
+      </p:grpSpPr>
+      <p:sp>
+        <p:nvSpPr>
+          <p:cNvPr id="2" name="Title 1"/>
+          <p:cNvSpPr>
+            <a:spLocks noGrp="1"/>
+          </p:cNvSpPr>
+          <p:nvPr>
+            <p:ph type="title"/>
+          </p:nvPr>
+        </p:nvSpPr>
+        <p:spPr/>
+        <p:txBody>
+          <a:bodyPr/>
+          <a:lstStyle/>
+          <a:p>
+            <a:r>
+              <a:rPr lang="sv-SE" dirty="0" smtClean="0"/>
+              <a:t>Bullets and grenades</a:t>
+            </a:r>
+            <a:endParaRPr lang="sv-SE" dirty="0"/>
+          </a:p>
+        </p:txBody>
+      </p:sp>
+      <p:sp>
+        <p:nvSpPr>
+          <p:cNvPr id="3" name="Content Placeholder 2"/>
+          <p:cNvSpPr>
+            <a:spLocks noGrp="1"/>
+          </p:cNvSpPr>
+          <p:nvPr>
+            <p:ph idx="1"/>
+          </p:nvPr>
+        </p:nvSpPr>
+        <p:spPr/>
+        <p:txBody>
+          <a:bodyPr/>
+          <a:lstStyle/>
+          <a:p>
+            <a:r>
+              <a:rPr lang="sv-SE" dirty="0" smtClean="0"/>
+              <a:t>Four projectiles </a:t>
+            </a:r>
+          </a:p>
+          <a:p>
+            <a:r>
+              <a:rPr lang="sv-SE" dirty="0" smtClean="0"/>
+              <a:t>FastShell (raycast a location, spawn explosion)</a:t>
+            </a:r>
+          </a:p>
+          <a:p>
+            <a:r>
+              <a:rPr lang="sv-SE" dirty="0" smtClean="0"/>
+              <a:t>Shell (spawn explosion, no raycasting)</a:t>
+            </a:r>
+          </a:p>
+          <a:p>
+            <a:r>
+              <a:rPr lang="sv-SE" dirty="0" smtClean="0"/>
+              <a:t>Bullet (return the hit)</a:t>
+            </a:r>
+          </a:p>
+          <a:p>
+            <a:r>
+              <a:rPr lang="sv-SE" dirty="0" smtClean="0"/>
+              <a:t>Grenade (explode after a certain amount of time)</a:t>
+            </a:r>
+          </a:p>
+          <a:p>
+            <a:r>
+              <a:rPr lang="sv-SE" dirty="0" smtClean="0"/>
+              <a:t>A single class, manages all cannons.</a:t>
+            </a:r>
+            <a:endParaRPr lang="sv-SE" dirty="0"/>
+          </a:p>
+        </p:txBody>
+      </p:sp>
+    </p:spTree>
+  </p:cSld>
+  <p:clrMapOvr>
+    <a:masterClrMapping/>
+  </p:clrMapOvr>
+</p:sld>
+</file>
+
+<file path=ppt/slides/slide12.xml><?xml version="1.0" encoding="utf-8"?>
 <p:sld xmlns:a="http://schemas.openxmlformats.org/drawingml/2006/main" xmlns:r="http://schemas.openxmlformats.org/officeDocument/2006/relationships" xmlns:p="http://schemas.openxmlformats.org/presentationml/2006/main">
   <p:cSld>
     <p:spTree>
@@ -4012,11 +4097,7 @@
           <a:p>
             <a:r>
               <a:rPr lang="sv-SE" dirty="0" smtClean="0"/>
-              <a:t>The </a:t>
-            </a:r>
-            <a:r>
-              <a:rPr lang="sv-SE" dirty="0" smtClean="0"/>
-              <a:t>basic structure</a:t>
+              <a:t>The basic structure</a:t>
             </a:r>
             <a:endParaRPr lang="sv-SE" dirty="0"/>
           </a:p>
@@ -4135,7 +4216,7 @@
         <p:spPr/>
         <p:txBody>
           <a:bodyPr>
-            <a:normAutofit fontScale="92500" lnSpcReduction="10000"/>
+            <a:normAutofit/>
           </a:bodyPr>
           <a:lstStyle/>
           <a:p>
@@ -4206,7 +4287,6 @@
             <a:endParaRPr lang="sv-SE" dirty="0" smtClean="0"/>
           </a:p>
           <a:p>
-            <a:pPr lvl="1"/>
             <a:r>
               <a:rPr lang="sv-SE" dirty="0" err="1" smtClean="0"/>
               <a:t>Implementation</a:t>
@@ -4214,46 +4294,23 @@
             <a:endParaRPr lang="sv-SE" dirty="0" smtClean="0"/>
           </a:p>
           <a:p>
-            <a:pPr lvl="2"/>
+            <a:pPr lvl="1"/>
             <a:r>
               <a:rPr lang="sv-SE" dirty="0" err="1" smtClean="0"/>
               <a:t>Soundplayer</a:t>
             </a:r>
-            <a:r>
-              <a:rPr lang="sv-SE" dirty="0" smtClean="0"/>
-              <a:t>, </a:t>
-            </a:r>
+            <a:endParaRPr lang="sv-SE" dirty="0" smtClean="0"/>
+          </a:p>
+          <a:p>
+            <a:pPr lvl="1"/>
             <a:r>
               <a:rPr lang="sv-SE" dirty="0" err="1" smtClean="0"/>
-              <a:t>Echo</a:t>
-            </a:r>
-            <a:endParaRPr lang="sv-SE" dirty="0" smtClean="0"/>
-          </a:p>
-          <a:p>
-            <a:pPr lvl="1"/>
+              <a:t>E</a:t>
+            </a:r>
             <a:r>
               <a:rPr lang="sv-SE" dirty="0" err="1" smtClean="0"/>
-              <a:t>Calculation</a:t>
-            </a:r>
-            <a:endParaRPr lang="sv-SE" dirty="0" smtClean="0"/>
-          </a:p>
-          <a:p>
-            <a:pPr lvl="2"/>
-            <a:r>
-              <a:rPr lang="sv-SE" dirty="0" err="1" smtClean="0"/>
-              <a:t>Delay</a:t>
-            </a:r>
-            <a:endParaRPr lang="sv-SE" dirty="0" smtClean="0"/>
-          </a:p>
-          <a:p>
-            <a:pPr lvl="2"/>
-            <a:r>
-              <a:rPr lang="sv-SE" dirty="0" err="1" smtClean="0"/>
-              <a:t>Volume</a:t>
-            </a:r>
-            <a:endParaRPr lang="sv-SE" dirty="0" smtClean="0"/>
-          </a:p>
-          <a:p>
+              <a:t>cho</a:t>
+            </a:r>
             <a:endParaRPr lang="sv-SE" dirty="0" smtClean="0"/>
           </a:p>
           <a:p>
@@ -4301,7 +4358,7 @@
       </p:grpSpPr>
       <p:sp>
         <p:nvSpPr>
-          <p:cNvPr id="2" name="Title 1"/>
+          <p:cNvPr id="2" name="Rubrik 1"/>
           <p:cNvSpPr>
             <a:spLocks noGrp="1"/>
           </p:cNvSpPr>
@@ -4315,8 +4372,12 @@
           <a:lstStyle/>
           <a:p>
             <a:r>
+              <a:rPr lang="sv-SE" dirty="0" err="1" smtClean="0"/>
+              <a:t>More</a:t>
+            </a:r>
+            <a:r>
               <a:rPr lang="sv-SE" dirty="0" smtClean="0"/>
-              <a:t>Graphics</a:t>
+              <a:t> multimedia</a:t>
             </a:r>
             <a:endParaRPr lang="sv-SE" dirty="0"/>
           </a:p>
@@ -4324,7 +4385,7 @@
       </p:sp>
       <p:sp>
         <p:nvSpPr>
-          <p:cNvPr id="3" name="Content Placeholder 2"/>
+          <p:cNvPr id="3" name="Platshållare för innehåll 2"/>
           <p:cNvSpPr>
             <a:spLocks noGrp="1"/>
           </p:cNvSpPr>
@@ -4337,7 +4398,147 @@
           <a:bodyPr/>
           <a:lstStyle/>
           <a:p>
-            <a:endParaRPr lang="sv-SE"/>
+            <a:r>
+              <a:rPr lang="sv-SE" dirty="0" err="1" smtClean="0"/>
+              <a:t>Calculation</a:t>
+            </a:r>
+            <a:endParaRPr lang="sv-SE" dirty="0" smtClean="0"/>
+          </a:p>
+          <a:p>
+            <a:pPr lvl="1"/>
+            <a:r>
+              <a:rPr lang="sv-SE" dirty="0" err="1" smtClean="0"/>
+              <a:t>Volume</a:t>
+            </a:r>
+            <a:r>
+              <a:rPr lang="sv-SE" dirty="0" smtClean="0"/>
+              <a:t>, </a:t>
+            </a:r>
+            <a:r>
+              <a:rPr lang="sv-SE" dirty="0" err="1" smtClean="0"/>
+              <a:t>calculated</a:t>
+            </a:r>
+            <a:r>
+              <a:rPr lang="sv-SE" dirty="0" smtClean="0"/>
+              <a:t> </a:t>
+            </a:r>
+            <a:r>
+              <a:rPr lang="sv-SE" dirty="0" err="1" smtClean="0"/>
+              <a:t>through</a:t>
+            </a:r>
+            <a:r>
+              <a:rPr lang="sv-SE" dirty="0" smtClean="0"/>
+              <a:t> </a:t>
+            </a:r>
+            <a:r>
+              <a:rPr lang="sv-SE" dirty="0" err="1" smtClean="0"/>
+              <a:t>surrounding</a:t>
+            </a:r>
+            <a:r>
+              <a:rPr lang="sv-SE" dirty="0" smtClean="0"/>
+              <a:t> </a:t>
+            </a:r>
+            <a:r>
+              <a:rPr lang="sv-SE" dirty="0" err="1" smtClean="0"/>
+              <a:t>objects</a:t>
+            </a:r>
+            <a:r>
+              <a:rPr lang="sv-SE" dirty="0" smtClean="0"/>
+              <a:t>’ </a:t>
+            </a:r>
+            <a:r>
+              <a:rPr lang="sv-SE" dirty="0" err="1" smtClean="0"/>
+              <a:t>reflection</a:t>
+            </a:r>
+            <a:r>
+              <a:rPr lang="sv-SE" dirty="0" smtClean="0"/>
+              <a:t> </a:t>
+            </a:r>
+            <a:r>
+              <a:rPr lang="sv-SE" dirty="0" err="1" smtClean="0"/>
+              <a:t>values</a:t>
+            </a:r>
+            <a:endParaRPr lang="sv-SE" dirty="0" smtClean="0"/>
+          </a:p>
+          <a:p>
+            <a:pPr lvl="1"/>
+            <a:r>
+              <a:rPr lang="sv-SE" dirty="0" err="1" smtClean="0"/>
+              <a:t>Delay</a:t>
+            </a:r>
+            <a:r>
+              <a:rPr lang="sv-SE" dirty="0" smtClean="0"/>
+              <a:t>, </a:t>
+            </a:r>
+            <a:r>
+              <a:rPr lang="sv-SE" dirty="0" err="1" smtClean="0"/>
+              <a:t>calculated</a:t>
+            </a:r>
+            <a:r>
+              <a:rPr lang="sv-SE" dirty="0" smtClean="0"/>
+              <a:t> </a:t>
+            </a:r>
+            <a:r>
+              <a:rPr lang="sv-SE" dirty="0" err="1" smtClean="0"/>
+              <a:t>through</a:t>
+            </a:r>
+            <a:r>
+              <a:rPr lang="sv-SE" dirty="0" smtClean="0"/>
+              <a:t> an </a:t>
+            </a:r>
+            <a:r>
+              <a:rPr lang="sv-SE" dirty="0" err="1" smtClean="0"/>
+              <a:t>approximate</a:t>
+            </a:r>
+            <a:r>
+              <a:rPr lang="sv-SE" dirty="0" smtClean="0"/>
+              <a:t> </a:t>
+            </a:r>
+            <a:r>
+              <a:rPr lang="sv-SE" dirty="0" err="1" smtClean="0"/>
+              <a:t>distance</a:t>
+            </a:r>
+            <a:r>
+              <a:rPr lang="sv-SE" dirty="0" smtClean="0"/>
+              <a:t> on </a:t>
+            </a:r>
+            <a:r>
+              <a:rPr lang="sv-SE" dirty="0" err="1" smtClean="0"/>
+              <a:t>objects</a:t>
+            </a:r>
+            <a:r>
+              <a:rPr lang="sv-SE" dirty="0" smtClean="0"/>
+              <a:t>, </a:t>
+            </a:r>
+            <a:r>
+              <a:rPr lang="sv-SE" dirty="0" err="1" smtClean="0"/>
+              <a:t>taking</a:t>
+            </a:r>
+            <a:r>
+              <a:rPr lang="sv-SE" dirty="0" smtClean="0"/>
+              <a:t> </a:t>
+            </a:r>
+            <a:r>
+              <a:rPr lang="sv-SE" dirty="0" err="1" smtClean="0"/>
+              <a:t>weight</a:t>
+            </a:r>
+            <a:r>
+              <a:rPr lang="sv-SE" dirty="0" smtClean="0"/>
+              <a:t> of </a:t>
+            </a:r>
+            <a:r>
+              <a:rPr lang="sv-SE" dirty="0" err="1" smtClean="0"/>
+              <a:t>values</a:t>
+            </a:r>
+            <a:r>
+              <a:rPr lang="sv-SE" dirty="0" smtClean="0"/>
+              <a:t> in </a:t>
+            </a:r>
+            <a:r>
+              <a:rPr lang="sv-SE" smtClean="0"/>
+              <a:t>consideration</a:t>
+            </a:r>
+            <a:endParaRPr lang="sv-SE" dirty="0" smtClean="0"/>
           </a:p>
         </p:txBody>
       </p:sp>
@@ -4383,7 +4584,7 @@
           <a:p>
             <a:r>
               <a:rPr lang="sv-SE" dirty="0" smtClean="0"/>
-              <a:t>Cartoon filter</a:t>
+              <a:t>Graphics</a:t>
             </a:r>
             <a:endParaRPr lang="sv-SE" dirty="0"/>
           </a:p>
@@ -4450,7 +4651,7 @@
           <a:p>
             <a:r>
               <a:rPr lang="sv-SE" dirty="0" smtClean="0"/>
-              <a:t>AI</a:t>
+              <a:t>Cartoon filter</a:t>
             </a:r>
             <a:endParaRPr lang="sv-SE" dirty="0"/>
           </a:p>
@@ -4471,7 +4672,7 @@
           <a:bodyPr/>
           <a:lstStyle/>
           <a:p>
-            <a:endParaRPr lang="sv-SE" dirty="0" smtClean="0"/>
+            <a:endParaRPr lang="sv-SE"/>
           </a:p>
         </p:txBody>
       </p:sp>
@@ -4517,7 +4718,7 @@
           <a:p>
             <a:r>
               <a:rPr lang="sv-SE" dirty="0" smtClean="0"/>
-              <a:t>Astar</a:t>
+              <a:t>AI</a:t>
             </a:r>
             <a:endParaRPr lang="sv-SE" dirty="0"/>
           </a:p>
@@ -4538,7 +4739,7 @@
           <a:bodyPr/>
           <a:lstStyle/>
           <a:p>
-            <a:endParaRPr lang="sv-SE"/>
+            <a:endParaRPr lang="sv-SE" dirty="0" smtClean="0"/>
           </a:p>
         </p:txBody>
       </p:sp>
@@ -4584,7 +4785,7 @@
           <a:p>
             <a:r>
               <a:rPr lang="sv-SE" dirty="0" smtClean="0"/>
-              <a:t>Physics</a:t>
+              <a:t>Astar</a:t>
             </a:r>
             <a:endParaRPr lang="sv-SE" dirty="0"/>
           </a:p>
@@ -4605,24 +4806,7 @@
           <a:bodyPr/>
           <a:lstStyle/>
           <a:p>
-            <a:r>
-              <a:rPr lang="sv-SE" dirty="0" smtClean="0"/>
-              <a:t>NxOgre wrapper</a:t>
-            </a:r>
-          </a:p>
-          <a:p>
-            <a:r>
-              <a:rPr lang="sv-SE" dirty="0" smtClean="0"/>
-              <a:t>Help </a:t>
-            </a:r>
-            <a:r>
-              <a:rPr lang="sv-SE" smtClean="0"/>
-              <a:t>from PhysX </a:t>
-            </a:r>
-            <a:endParaRPr lang="sv-SE" dirty="0" smtClean="0"/>
-          </a:p>
-          <a:p>
-            <a:endParaRPr lang="sv-SE" dirty="0"/>
+            <a:endParaRPr lang="sv-SE"/>
           </a:p>
         </p:txBody>
       </p:sp>

--- a/Presentation.pptx
+++ b/Presentation.pptx
@@ -3692,7 +3692,7 @@
           <a:p>
             <a:r>
               <a:rPr lang="sv-SE" dirty="0" smtClean="0"/>
-              <a:t>A wierd engine</a:t>
+              <a:t>Mr.roboto VS Ogrezilla 2</a:t>
             </a:r>
             <a:endParaRPr lang="sv-SE" dirty="0"/>
           </a:p>
@@ -4216,7 +4216,7 @@
         <p:spPr/>
         <p:txBody>
           <a:bodyPr>
-            <a:normAutofit/>
+            <a:normAutofit fontScale="92500" lnSpcReduction="10000"/>
           </a:bodyPr>
           <a:lstStyle/>
           <a:p>
@@ -4296,20 +4296,23 @@
           <a:p>
             <a:pPr lvl="1"/>
             <a:r>
+              <a:rPr lang="sv-SE" dirty="0" smtClean="0"/>
+              <a:t>Soundplayer</a:t>
+            </a:r>
+          </a:p>
+          <a:p>
+            <a:pPr lvl="1"/>
+            <a:r>
+              <a:rPr lang="sv-SE" dirty="0" smtClean="0"/>
+              <a:t>Extended soundplayer</a:t>
+            </a:r>
+            <a:endParaRPr lang="sv-SE" dirty="0" smtClean="0"/>
+          </a:p>
+          <a:p>
+            <a:pPr lvl="1"/>
+            <a:r>
               <a:rPr lang="sv-SE" dirty="0" err="1" smtClean="0"/>
-              <a:t>Soundplayer</a:t>
-            </a:r>
-            <a:endParaRPr lang="sv-SE" dirty="0" smtClean="0"/>
-          </a:p>
-          <a:p>
-            <a:pPr lvl="1"/>
-            <a:r>
-              <a:rPr lang="sv-SE" dirty="0" err="1" smtClean="0"/>
-              <a:t>E</a:t>
-            </a:r>
-            <a:r>
-              <a:rPr lang="sv-SE" dirty="0" err="1" smtClean="0"/>
-              <a:t>cho</a:t>
+              <a:t>Echo</a:t>
             </a:r>
             <a:endParaRPr lang="sv-SE" dirty="0" smtClean="0"/>
           </a:p>
@@ -4407,138 +4410,29 @@
           <a:p>
             <a:pPr lvl="1"/>
             <a:r>
-              <a:rPr lang="sv-SE" dirty="0" err="1" smtClean="0"/>
-              <a:t>Volume</a:t>
-            </a:r>
-            <a:r>
               <a:rPr lang="sv-SE" dirty="0" smtClean="0"/>
-              <a:t>, </a:t>
-            </a:r>
-            <a:r>
-              <a:rPr lang="sv-SE" dirty="0" err="1" smtClean="0"/>
-              <a:t>calculated</a:t>
+              <a:t>Volume, calculated through surrounding objects’ reflection </a:t>
             </a:r>
             <a:r>
               <a:rPr lang="sv-SE" dirty="0" smtClean="0"/>
-              <a:t> </a:t>
-            </a:r>
-            <a:r>
-              <a:rPr lang="sv-SE" dirty="0" err="1" smtClean="0"/>
-              <a:t>through</a:t>
-            </a:r>
+              <a:t>values, and reduced with distance</a:t>
+            </a:r>
+            <a:endParaRPr lang="sv-SE" dirty="0" smtClean="0"/>
+          </a:p>
+          <a:p>
+            <a:pPr lvl="1"/>
             <a:r>
               <a:rPr lang="sv-SE" dirty="0" smtClean="0"/>
-              <a:t> </a:t>
-            </a:r>
-            <a:r>
-              <a:rPr lang="sv-SE" dirty="0" err="1" smtClean="0"/>
-              <a:t>surrounding</a:t>
+              <a:t>Delay, calculated through an approximate distance </a:t>
             </a:r>
             <a:r>
               <a:rPr lang="sv-SE" dirty="0" smtClean="0"/>
-              <a:t> </a:t>
-            </a:r>
-            <a:r>
-              <a:rPr lang="sv-SE" dirty="0" err="1" smtClean="0"/>
-              <a:t>objects</a:t>
+              <a:t>of surrounding objects</a:t>
             </a:r>
             <a:r>
               <a:rPr lang="sv-SE" dirty="0" smtClean="0"/>
-              <a:t>’ </a:t>
-            </a:r>
-            <a:r>
-              <a:rPr lang="sv-SE" dirty="0" err="1" smtClean="0"/>
-              <a:t>reflection</a:t>
-            </a:r>
-            <a:r>
-              <a:rPr lang="sv-SE" dirty="0" smtClean="0"/>
-              <a:t> </a:t>
-            </a:r>
-            <a:r>
-              <a:rPr lang="sv-SE" dirty="0" err="1" smtClean="0"/>
-              <a:t>values</a:t>
-            </a:r>
-            <a:endParaRPr lang="sv-SE" dirty="0" smtClean="0"/>
-          </a:p>
-          <a:p>
-            <a:pPr lvl="1"/>
-            <a:r>
-              <a:rPr lang="sv-SE" dirty="0" err="1" smtClean="0"/>
-              <a:t>Delay</a:t>
-            </a:r>
-            <a:r>
-              <a:rPr lang="sv-SE" dirty="0" smtClean="0"/>
-              <a:t>, </a:t>
-            </a:r>
-            <a:r>
-              <a:rPr lang="sv-SE" dirty="0" err="1" smtClean="0"/>
-              <a:t>calculated</a:t>
-            </a:r>
-            <a:r>
-              <a:rPr lang="sv-SE" dirty="0" smtClean="0"/>
-              <a:t> </a:t>
-            </a:r>
-            <a:r>
-              <a:rPr lang="sv-SE" dirty="0" err="1" smtClean="0"/>
-              <a:t>through</a:t>
-            </a:r>
-            <a:r>
-              <a:rPr lang="sv-SE" dirty="0" smtClean="0"/>
-              <a:t> an </a:t>
-            </a:r>
-            <a:r>
-              <a:rPr lang="sv-SE" dirty="0" err="1" smtClean="0"/>
-              <a:t>approximate</a:t>
-            </a:r>
-            <a:r>
-              <a:rPr lang="sv-SE" dirty="0" smtClean="0"/>
-              <a:t> </a:t>
-            </a:r>
-            <a:r>
-              <a:rPr lang="sv-SE" dirty="0" err="1" smtClean="0"/>
-              <a:t>distance</a:t>
-            </a:r>
-            <a:r>
-              <a:rPr lang="sv-SE" dirty="0" smtClean="0"/>
-              <a:t> on </a:t>
-            </a:r>
-            <a:r>
-              <a:rPr lang="sv-SE" dirty="0" err="1" smtClean="0"/>
-              <a:t>objects</a:t>
-            </a:r>
-            <a:r>
-              <a:rPr lang="sv-SE" dirty="0" smtClean="0"/>
-              <a:t>, </a:t>
-            </a:r>
-            <a:r>
-              <a:rPr lang="sv-SE" dirty="0" err="1" smtClean="0"/>
-              <a:t>taking</a:t>
-            </a:r>
-            <a:r>
-              <a:rPr lang="sv-SE" dirty="0" smtClean="0"/>
-              <a:t> </a:t>
-            </a:r>
-            <a:r>
-              <a:rPr lang="sv-SE" dirty="0" err="1" smtClean="0"/>
-              <a:t>weight</a:t>
-            </a:r>
-            <a:r>
-              <a:rPr lang="sv-SE" dirty="0" smtClean="0"/>
-              <a:t> of </a:t>
-            </a:r>
-            <a:r>
-              <a:rPr lang="sv-SE" dirty="0" err="1" smtClean="0"/>
-              <a:t>values</a:t>
-            </a:r>
-            <a:r>
-              <a:rPr lang="sv-SE" dirty="0" smtClean="0"/>
-              <a:t> in </a:t>
-            </a:r>
-            <a:r>
-              <a:rPr lang="sv-SE" smtClean="0"/>
-              <a:t>consideration</a:t>
-            </a:r>
-            <a:endParaRPr lang="sv-SE" dirty="0" smtClean="0"/>
+              <a:t>, taking weight of values in consideration</a:t>
+            </a:r>
           </a:p>
         </p:txBody>
       </p:sp>
@@ -4718,28 +4612,141 @@
           <a:p>
             <a:r>
               <a:rPr lang="sv-SE" dirty="0" smtClean="0"/>
-              <a:t>AI</a:t>
+              <a:t>AI-Astar</a:t>
             </a:r>
             <a:endParaRPr lang="sv-SE" dirty="0"/>
           </a:p>
         </p:txBody>
       </p:sp>
-      <p:sp>
-        <p:nvSpPr>
-          <p:cNvPr id="3" name="Content Placeholder 2"/>
-          <p:cNvSpPr>
-            <a:spLocks noGrp="1"/>
-          </p:cNvSpPr>
-          <p:nvPr>
-            <p:ph idx="1"/>
-          </p:nvPr>
-        </p:nvSpPr>
-        <p:spPr/>
-        <p:txBody>
-          <a:bodyPr/>
-          <a:lstStyle/>
-          <a:p>
+      <p:pic>
+        <p:nvPicPr>
+          <p:cNvPr id="4" name="Picture 2"/>
+          <p:cNvPicPr>
+            <a:picLocks noGrp="1" noChangeAspect="1" noChangeArrowheads="1"/>
+          </p:cNvPicPr>
+          <p:nvPr>
+            <p:ph sz="half" idx="1"/>
+          </p:nvPr>
+        </p:nvPicPr>
+        <p:blipFill>
+          <a:blip r:embed="rId2" cstate="print">
+            <a:extLst>
+              <a:ext uri="{28A0092B-C50C-407E-A947-70E740481C1C}">
+                <a14:useLocalDpi xmlns:a14="http://schemas.microsoft.com/office/drawing/2010/main" xmlns="" val="0"/>
+              </a:ext>
+            </a:extLst>
+          </a:blip>
+          <a:stretch>
+            <a:fillRect/>
+          </a:stretch>
+        </p:blipFill>
+        <p:spPr bwMode="auto">
+          <a:xfrm>
+            <a:off x="4648200" y="914400"/>
+            <a:ext cx="3657600" cy="2614558"/>
+          </a:xfrm>
+          <a:prstGeom prst="rect">
+            <a:avLst/>
+          </a:prstGeom>
+          <a:noFill/>
+          <a:ln>
+            <a:noFill/>
+          </a:ln>
+          <a:effectLst/>
+          <a:extLst>
+            <a:ext uri="{909E8E84-426E-40DD-AFC4-6F175D3DCCD1}">
+              <a14:hiddenFill xmlns:a14="http://schemas.microsoft.com/office/drawing/2010/main" xmlns="">
+                <a:solidFill>
+                  <a:schemeClr val="accent1"/>
+                </a:solidFill>
+              </a14:hiddenFill>
+            </a:ext>
+            <a:ext uri="{91240B29-F687-4F45-9708-019B960494DF}">
+              <a14:hiddenLine xmlns:a14="http://schemas.microsoft.com/office/drawing/2010/main" xmlns="" w="9525">
+                <a:solidFill>
+                  <a:schemeClr val="tx1"/>
+                </a:solidFill>
+                <a:miter lim="800000"/>
+                <a:headEnd/>
+                <a:tailEnd/>
+              </a14:hiddenLine>
+            </a:ext>
+            <a:ext uri="{AF507438-7753-43E0-B8FC-AC1667EBCBE1}">
+              <a14:hiddenEffects xmlns:a14="http://schemas.microsoft.com/office/drawing/2010/main" xmlns="">
+                <a:effectLst>
+                  <a:outerShdw dist="35921" dir="2700000" algn="ctr" rotWithShape="0">
+                    <a:schemeClr val="bg2"/>
+                  </a:outerShdw>
+                </a:effectLst>
+              </a14:hiddenEffects>
+            </a:ext>
+          </a:extLst>
+        </p:spPr>
+      </p:pic>
+      <p:sp>
+        <p:nvSpPr>
+          <p:cNvPr id="5" name="Content Placeholder 4"/>
+          <p:cNvSpPr>
+            <a:spLocks noGrp="1"/>
+          </p:cNvSpPr>
+          <p:nvPr>
+            <p:ph sz="half" idx="2"/>
+          </p:nvPr>
+        </p:nvSpPr>
+        <p:spPr>
+          <a:xfrm>
+            <a:off x="533400" y="1371600"/>
+            <a:ext cx="3657600" cy="4525963"/>
+          </a:xfrm>
+        </p:spPr>
+        <p:txBody>
+          <a:bodyPr/>
+          <a:lstStyle/>
+          <a:p>
+            <a:r>
+              <a:rPr lang="sv-SE" dirty="0" smtClean="0"/>
+              <a:t>Pathfinding</a:t>
+            </a:r>
+          </a:p>
+          <a:p>
+            <a:pPr lvl="1"/>
+            <a:r>
+              <a:rPr lang="sv-SE" dirty="0" smtClean="0"/>
+              <a:t>Astar</a:t>
+            </a:r>
+          </a:p>
+          <a:p>
+            <a:pPr lvl="2"/>
+            <a:r>
+              <a:rPr lang="sv-SE" dirty="0" smtClean="0"/>
+              <a:t>Combination</a:t>
+            </a:r>
+          </a:p>
+          <a:p>
+            <a:pPr lvl="3"/>
+            <a:r>
+              <a:rPr lang="sv-SE" dirty="0" smtClean="0"/>
+              <a:t>Shortest path</a:t>
+            </a:r>
+          </a:p>
+          <a:p>
+            <a:pPr lvl="3"/>
+            <a:r>
+              <a:rPr lang="sv-SE" dirty="0" smtClean="0"/>
+              <a:t>Heuristic algorithm</a:t>
+            </a:r>
+          </a:p>
+          <a:p>
+            <a:pPr lvl="4"/>
+            <a:r>
+              <a:rPr lang="sv-SE" dirty="0" smtClean="0"/>
+              <a:t>Manhattan</a:t>
+            </a:r>
             <a:endParaRPr lang="sv-SE" dirty="0" smtClean="0"/>
+          </a:p>
+          <a:p>
+            <a:pPr lvl="1"/>
+            <a:endParaRPr lang="sv-SE" dirty="0"/>
           </a:p>
         </p:txBody>
       </p:sp>
@@ -4785,7 +4792,7 @@
           <a:p>
             <a:r>
               <a:rPr lang="sv-SE" dirty="0" smtClean="0"/>
-              <a:t>Astar</a:t>
+              <a:t>AI-Astar-Extension</a:t>
             </a:r>
             <a:endParaRPr lang="sv-SE" dirty="0"/>
           </a:p>
@@ -4806,7 +4813,23 @@
           <a:bodyPr/>
           <a:lstStyle/>
           <a:p>
-            <a:endParaRPr lang="sv-SE"/>
+            <a:r>
+              <a:rPr lang="sv-SE" dirty="0" smtClean="0"/>
+              <a:t>Generate an Astar path</a:t>
+            </a:r>
+          </a:p>
+          <a:p>
+            <a:r>
+              <a:rPr lang="sv-SE" dirty="0" smtClean="0"/>
+              <a:t>Generate an NxN graph with AstarNodes</a:t>
+            </a:r>
+          </a:p>
+          <a:p>
+            <a:r>
+              <a:rPr lang="sv-SE" dirty="0" smtClean="0"/>
+              <a:t>Convert Astar node number to ogre coordinates</a:t>
+            </a:r>
+            <a:endParaRPr lang="sv-SE" dirty="0"/>
           </a:p>
         </p:txBody>
       </p:sp>

--- a/Presentation.pptx
+++ b/Presentation.pptx
@@ -503,7 +503,7 @@
             <a:fld id="{1D8BD707-D9CF-40AE-B4C6-C98DA3205C09}" type="datetimeFigureOut">
               <a:rPr lang="en-US" smtClean="0"/>
               <a:pPr/>
-              <a:t>12/17/2009</a:t>
+              <a:t>12/18/2009</a:t>
             </a:fld>
             <a:endParaRPr lang="en-US"/>
           </a:p>
@@ -670,7 +670,7 @@
             <a:fld id="{1D8BD707-D9CF-40AE-B4C6-C98DA3205C09}" type="datetimeFigureOut">
               <a:rPr lang="en-US" smtClean="0"/>
               <a:pPr/>
-              <a:t>12/17/2009</a:t>
+              <a:t>12/18/2009</a:t>
             </a:fld>
             <a:endParaRPr lang="en-US"/>
           </a:p>
@@ -847,7 +847,7 @@
             <a:fld id="{1D8BD707-D9CF-40AE-B4C6-C98DA3205C09}" type="datetimeFigureOut">
               <a:rPr lang="en-US" smtClean="0"/>
               <a:pPr/>
-              <a:t>12/17/2009</a:t>
+              <a:t>12/18/2009</a:t>
             </a:fld>
             <a:endParaRPr lang="en-US"/>
           </a:p>
@@ -1018,7 +1018,7 @@
             <a:fld id="{1D8BD707-D9CF-40AE-B4C6-C98DA3205C09}" type="datetimeFigureOut">
               <a:rPr lang="en-US" smtClean="0"/>
               <a:pPr/>
-              <a:t>12/17/2009</a:t>
+              <a:t>12/18/2009</a:t>
             </a:fld>
             <a:endParaRPr lang="en-US"/>
           </a:p>
@@ -1475,7 +1475,7 @@
             <a:fld id="{1D8BD707-D9CF-40AE-B4C6-C98DA3205C09}" type="datetimeFigureOut">
               <a:rPr lang="en-US" smtClean="0"/>
               <a:pPr/>
-              <a:t>12/17/2009</a:t>
+              <a:t>12/18/2009</a:t>
             </a:fld>
             <a:endParaRPr lang="en-US"/>
           </a:p>
@@ -1741,7 +1741,7 @@
             <a:fld id="{1D8BD707-D9CF-40AE-B4C6-C98DA3205C09}" type="datetimeFigureOut">
               <a:rPr lang="en-US" smtClean="0"/>
               <a:pPr/>
-              <a:t>12/17/2009</a:t>
+              <a:t>12/18/2009</a:t>
             </a:fld>
             <a:endParaRPr lang="en-US"/>
           </a:p>
@@ -2117,7 +2117,7 @@
             <a:fld id="{1D8BD707-D9CF-40AE-B4C6-C98DA3205C09}" type="datetimeFigureOut">
               <a:rPr lang="en-US" smtClean="0"/>
               <a:pPr/>
-              <a:t>12/17/2009</a:t>
+              <a:t>12/18/2009</a:t>
             </a:fld>
             <a:endParaRPr lang="en-US"/>
           </a:p>
@@ -2241,7 +2241,7 @@
             <a:fld id="{1D8BD707-D9CF-40AE-B4C6-C98DA3205C09}" type="datetimeFigureOut">
               <a:rPr lang="en-US" smtClean="0"/>
               <a:pPr/>
-              <a:t>12/17/2009</a:t>
+              <a:t>12/18/2009</a:t>
             </a:fld>
             <a:endParaRPr lang="en-US"/>
           </a:p>
@@ -2333,7 +2333,7 @@
             <a:fld id="{1D8BD707-D9CF-40AE-B4C6-C98DA3205C09}" type="datetimeFigureOut">
               <a:rPr lang="en-US" smtClean="0"/>
               <a:pPr/>
-              <a:t>12/17/2009</a:t>
+              <a:t>12/18/2009</a:t>
             </a:fld>
             <a:endParaRPr lang="en-US"/>
           </a:p>
@@ -2584,7 +2584,7 @@
             <a:fld id="{1D8BD707-D9CF-40AE-B4C6-C98DA3205C09}" type="datetimeFigureOut">
               <a:rPr lang="en-US" smtClean="0"/>
               <a:pPr/>
-              <a:t>12/17/2009</a:t>
+              <a:t>12/18/2009</a:t>
             </a:fld>
             <a:endParaRPr lang="en-US"/>
           </a:p>
@@ -2845,7 +2845,7 @@
             <a:fld id="{1D8BD707-D9CF-40AE-B4C6-C98DA3205C09}" type="datetimeFigureOut">
               <a:rPr lang="en-US" smtClean="0"/>
               <a:pPr/>
-              <a:t>12/17/2009</a:t>
+              <a:t>12/18/2009</a:t>
             </a:fld>
             <a:endParaRPr lang="en-US"/>
           </a:p>
@@ -3251,7 +3251,7 @@
             <a:fld id="{1D8BD707-D9CF-40AE-B4C6-C98DA3205C09}" type="datetimeFigureOut">
               <a:rPr lang="en-US" smtClean="0"/>
               <a:pPr/>
-              <a:t>12/17/2009</a:t>
+              <a:t>12/18/2009</a:t>
             </a:fld>
             <a:endParaRPr lang="en-US"/>
           </a:p>
@@ -4306,7 +4306,6 @@
               <a:rPr lang="sv-SE" dirty="0" smtClean="0"/>
               <a:t>Extended soundplayer</a:t>
             </a:r>
-            <a:endParaRPr lang="sv-SE" dirty="0" smtClean="0"/>
           </a:p>
           <a:p>
             <a:pPr lvl="1"/>
@@ -4398,7 +4397,9 @@
         </p:nvSpPr>
         <p:spPr/>
         <p:txBody>
-          <a:bodyPr/>
+          <a:bodyPr>
+            <a:normAutofit lnSpcReduction="10000"/>
+          </a:bodyPr>
           <a:lstStyle/>
           <a:p>
             <a:r>
@@ -4411,31 +4412,104 @@
             <a:pPr lvl="1"/>
             <a:r>
               <a:rPr lang="sv-SE" dirty="0" smtClean="0"/>
-              <a:t>Volume, calculated through surrounding objects’ reflection </a:t>
-            </a:r>
+              <a:t>Volume, calculated through surrounding objects’ reflection values, and reduced with </a:t>
+            </a:r>
+            <a:r>
+              <a:rPr lang="sv-SE" dirty="0" err="1" smtClean="0"/>
+              <a:t>distance</a:t>
+            </a:r>
+            <a:endParaRPr lang="sv-SE" dirty="0" smtClean="0"/>
+          </a:p>
+          <a:p>
+            <a:pPr lvl="1"/>
             <a:r>
               <a:rPr lang="sv-SE" dirty="0" smtClean="0"/>
-              <a:t>values, and reduced with distance</a:t>
+              <a:t>Delay, calculated through an approximate distance of surrounding objects, taking weight of values in </a:t>
+            </a:r>
+            <a:r>
+              <a:rPr lang="sv-SE" dirty="0" err="1" smtClean="0"/>
+              <a:t>consideration</a:t>
             </a:r>
             <a:endParaRPr lang="sv-SE" dirty="0" smtClean="0"/>
           </a:p>
           <a:p>
+            <a:r>
+              <a:rPr lang="sv-SE" dirty="0" smtClean="0"/>
+              <a:t>The </a:t>
+            </a:r>
+            <a:r>
+              <a:rPr lang="sv-SE" dirty="0" err="1" smtClean="0"/>
+              <a:t>delay</a:t>
+            </a:r>
+            <a:r>
+              <a:rPr lang="sv-SE" dirty="0" smtClean="0"/>
+              <a:t> </a:t>
+            </a:r>
+            <a:r>
+              <a:rPr lang="sv-SE" dirty="0" err="1" smtClean="0"/>
+              <a:t>calculation</a:t>
+            </a:r>
+            <a:endParaRPr lang="sv-SE" dirty="0" smtClean="0"/>
+          </a:p>
+          <a:p>
+            <a:pPr>
+              <a:buNone/>
+            </a:pPr>
+            <a:r>
+              <a:rPr lang="sv-SE" dirty="0" smtClean="0"/>
+              <a:t>	</a:t>
+            </a:r>
+            <a:r>
+              <a:rPr lang="sv-SE" dirty="0" smtClean="0"/>
+              <a:t/>
+            </a:r>
+            <a:br>
+              <a:rPr lang="sv-SE" dirty="0" smtClean="0"/>
+            </a:br>
+            <a:endParaRPr lang="sv-SE" dirty="0" smtClean="0"/>
+          </a:p>
+          <a:p>
             <a:pPr lvl="1"/>
-            <a:r>
-              <a:rPr lang="sv-SE" dirty="0" smtClean="0"/>
-              <a:t>Delay, calculated through an approximate distance </a:t>
-            </a:r>
-            <a:r>
-              <a:rPr lang="sv-SE" dirty="0" smtClean="0"/>
-              <a:t>of surrounding objects</a:t>
-            </a:r>
-            <a:r>
-              <a:rPr lang="sv-SE" dirty="0" smtClean="0"/>
-              <a:t>, taking weight of values in consideration</a:t>
-            </a:r>
-          </a:p>
-        </p:txBody>
-      </p:sp>
+            <a:endParaRPr lang="sv-SE" dirty="0" smtClean="0"/>
+          </a:p>
+          <a:p>
+            <a:pPr lvl="1"/>
+            <a:endParaRPr lang="sv-SE" dirty="0" smtClean="0"/>
+          </a:p>
+        </p:txBody>
+      </p:sp>
+      <p:pic>
+        <p:nvPicPr>
+          <p:cNvPr id="1028" name="Picture 4"/>
+          <p:cNvPicPr>
+            <a:picLocks noChangeAspect="1" noChangeArrowheads="1"/>
+          </p:cNvPicPr>
+          <p:nvPr/>
+        </p:nvPicPr>
+        <p:blipFill>
+          <a:blip r:embed="rId2" cstate="print"/>
+          <a:srcRect/>
+          <a:stretch>
+            <a:fillRect/>
+          </a:stretch>
+        </p:blipFill>
+        <p:spPr bwMode="auto">
+          <a:xfrm>
+            <a:off x="609600" y="4953000"/>
+            <a:ext cx="4581525" cy="1771650"/>
+          </a:xfrm>
+          <a:prstGeom prst="rect">
+            <a:avLst/>
+          </a:prstGeom>
+          <a:noFill/>
+          <a:ln w="9525">
+            <a:noFill/>
+            <a:miter lim="800000"/>
+            <a:headEnd/>
+            <a:tailEnd/>
+          </a:ln>
+        </p:spPr>
+      </p:pic>
     </p:spTree>
   </p:cSld>
   <p:clrMapOvr>
@@ -4632,7 +4706,7 @@
           <a:blip r:embed="rId2" cstate="print">
             <a:extLst>
               <a:ext uri="{28A0092B-C50C-407E-A947-70E740481C1C}">
-                <a14:useLocalDpi xmlns:a14="http://schemas.microsoft.com/office/drawing/2010/main" xmlns="" val="0"/>
+                <a14:useLocalDpi xmlns="" xmlns:a14="http://schemas.microsoft.com/office/drawing/2010/main" val="0"/>
               </a:ext>
             </a:extLst>
           </a:blip>
@@ -4655,14 +4729,14 @@
           <a:effectLst/>
           <a:extLst>
             <a:ext uri="{909E8E84-426E-40DD-AFC4-6F175D3DCCD1}">
-              <a14:hiddenFill xmlns:a14="http://schemas.microsoft.com/office/drawing/2010/main" xmlns="">
+              <a14:hiddenFill xmlns="" xmlns:a14="http://schemas.microsoft.com/office/drawing/2010/main">
                 <a:solidFill>
                   <a:schemeClr val="accent1"/>
                 </a:solidFill>
               </a14:hiddenFill>
             </a:ext>
             <a:ext uri="{91240B29-F687-4F45-9708-019B960494DF}">
-              <a14:hiddenLine xmlns:a14="http://schemas.microsoft.com/office/drawing/2010/main" xmlns="" w="9525">
+              <a14:hiddenLine xmlns="" xmlns:a14="http://schemas.microsoft.com/office/drawing/2010/main" w="9525">
                 <a:solidFill>
                   <a:schemeClr val="tx1"/>
                 </a:solidFill>
@@ -4672,7 +4746,7 @@
               </a14:hiddenLine>
             </a:ext>
             <a:ext uri="{AF507438-7753-43E0-B8FC-AC1667EBCBE1}">
-              <a14:hiddenEffects xmlns:a14="http://schemas.microsoft.com/office/drawing/2010/main" xmlns="">
+              <a14:hiddenEffects xmlns="" xmlns:a14="http://schemas.microsoft.com/office/drawing/2010/main">
                 <a:effectLst>
                   <a:outerShdw dist="35921" dir="2700000" algn="ctr" rotWithShape="0">
                     <a:schemeClr val="bg2"/>
@@ -4742,7 +4816,6 @@
               <a:rPr lang="sv-SE" dirty="0" smtClean="0"/>
               <a:t>Manhattan</a:t>
             </a:r>
-            <a:endParaRPr lang="sv-SE" dirty="0" smtClean="0"/>
           </a:p>
           <a:p>
             <a:pPr lvl="1"/>

--- a/Presentation.pptx
+++ b/Presentation.pptx
@@ -24,92 +24,122 @@
     <a:defPPr>
       <a:defRPr lang="en-US"/>
     </a:defPPr>
-    <a:lvl1pPr marL="0" algn="l" defTabSz="914400" rtl="0" eaLnBrk="1" latinLnBrk="0" hangingPunct="1">
-      <a:defRPr sz="1800" kern="1200">
+    <a:lvl1pPr algn="l" rtl="0" fontAlgn="base">
+      <a:spcBef>
+        <a:spcPct val="0"/>
+      </a:spcBef>
+      <a:spcAft>
+        <a:spcPct val="0"/>
+      </a:spcAft>
+      <a:defRPr kern="1200">
         <a:solidFill>
           <a:schemeClr val="tx1"/>
         </a:solidFill>
-        <a:latin typeface="+mn-lt"/>
+        <a:latin typeface="Arial" charset="0"/>
         <a:ea typeface="+mn-ea"/>
         <a:cs typeface="+mn-cs"/>
       </a:defRPr>
     </a:lvl1pPr>
-    <a:lvl2pPr marL="457200" algn="l" defTabSz="914400" rtl="0" eaLnBrk="1" latinLnBrk="0" hangingPunct="1">
-      <a:defRPr sz="1800" kern="1200">
+    <a:lvl2pPr marL="457200" algn="l" rtl="0" fontAlgn="base">
+      <a:spcBef>
+        <a:spcPct val="0"/>
+      </a:spcBef>
+      <a:spcAft>
+        <a:spcPct val="0"/>
+      </a:spcAft>
+      <a:defRPr kern="1200">
         <a:solidFill>
           <a:schemeClr val="tx1"/>
         </a:solidFill>
-        <a:latin typeface="+mn-lt"/>
+        <a:latin typeface="Arial" charset="0"/>
         <a:ea typeface="+mn-ea"/>
         <a:cs typeface="+mn-cs"/>
       </a:defRPr>
     </a:lvl2pPr>
-    <a:lvl3pPr marL="914400" algn="l" defTabSz="914400" rtl="0" eaLnBrk="1" latinLnBrk="0" hangingPunct="1">
-      <a:defRPr sz="1800" kern="1200">
+    <a:lvl3pPr marL="914400" algn="l" rtl="0" fontAlgn="base">
+      <a:spcBef>
+        <a:spcPct val="0"/>
+      </a:spcBef>
+      <a:spcAft>
+        <a:spcPct val="0"/>
+      </a:spcAft>
+      <a:defRPr kern="1200">
         <a:solidFill>
           <a:schemeClr val="tx1"/>
         </a:solidFill>
-        <a:latin typeface="+mn-lt"/>
+        <a:latin typeface="Arial" charset="0"/>
         <a:ea typeface="+mn-ea"/>
         <a:cs typeface="+mn-cs"/>
       </a:defRPr>
     </a:lvl3pPr>
-    <a:lvl4pPr marL="1371600" algn="l" defTabSz="914400" rtl="0" eaLnBrk="1" latinLnBrk="0" hangingPunct="1">
-      <a:defRPr sz="1800" kern="1200">
+    <a:lvl4pPr marL="1371600" algn="l" rtl="0" fontAlgn="base">
+      <a:spcBef>
+        <a:spcPct val="0"/>
+      </a:spcBef>
+      <a:spcAft>
+        <a:spcPct val="0"/>
+      </a:spcAft>
+      <a:defRPr kern="1200">
         <a:solidFill>
           <a:schemeClr val="tx1"/>
         </a:solidFill>
-        <a:latin typeface="+mn-lt"/>
+        <a:latin typeface="Arial" charset="0"/>
         <a:ea typeface="+mn-ea"/>
         <a:cs typeface="+mn-cs"/>
       </a:defRPr>
     </a:lvl4pPr>
-    <a:lvl5pPr marL="1828800" algn="l" defTabSz="914400" rtl="0" eaLnBrk="1" latinLnBrk="0" hangingPunct="1">
-      <a:defRPr sz="1800" kern="1200">
+    <a:lvl5pPr marL="1828800" algn="l" rtl="0" fontAlgn="base">
+      <a:spcBef>
+        <a:spcPct val="0"/>
+      </a:spcBef>
+      <a:spcAft>
+        <a:spcPct val="0"/>
+      </a:spcAft>
+      <a:defRPr kern="1200">
         <a:solidFill>
           <a:schemeClr val="tx1"/>
         </a:solidFill>
-        <a:latin typeface="+mn-lt"/>
+        <a:latin typeface="Arial" charset="0"/>
         <a:ea typeface="+mn-ea"/>
         <a:cs typeface="+mn-cs"/>
       </a:defRPr>
     </a:lvl5pPr>
     <a:lvl6pPr marL="2286000" algn="l" defTabSz="914400" rtl="0" eaLnBrk="1" latinLnBrk="0" hangingPunct="1">
-      <a:defRPr sz="1800" kern="1200">
+      <a:defRPr kern="1200">
         <a:solidFill>
           <a:schemeClr val="tx1"/>
         </a:solidFill>
-        <a:latin typeface="+mn-lt"/>
+        <a:latin typeface="Arial" charset="0"/>
         <a:ea typeface="+mn-ea"/>
         <a:cs typeface="+mn-cs"/>
       </a:defRPr>
     </a:lvl6pPr>
     <a:lvl7pPr marL="2743200" algn="l" defTabSz="914400" rtl="0" eaLnBrk="1" latinLnBrk="0" hangingPunct="1">
-      <a:defRPr sz="1800" kern="1200">
+      <a:defRPr kern="1200">
         <a:solidFill>
           <a:schemeClr val="tx1"/>
         </a:solidFill>
-        <a:latin typeface="+mn-lt"/>
+        <a:latin typeface="Arial" charset="0"/>
         <a:ea typeface="+mn-ea"/>
         <a:cs typeface="+mn-cs"/>
       </a:defRPr>
     </a:lvl7pPr>
     <a:lvl8pPr marL="3200400" algn="l" defTabSz="914400" rtl="0" eaLnBrk="1" latinLnBrk="0" hangingPunct="1">
-      <a:defRPr sz="1800" kern="1200">
+      <a:defRPr kern="1200">
         <a:solidFill>
           <a:schemeClr val="tx1"/>
         </a:solidFill>
-        <a:latin typeface="+mn-lt"/>
+        <a:latin typeface="Arial" charset="0"/>
         <a:ea typeface="+mn-ea"/>
         <a:cs typeface="+mn-cs"/>
       </a:defRPr>
     </a:lvl8pPr>
     <a:lvl9pPr marL="3657600" algn="l" defTabSz="914400" rtl="0" eaLnBrk="1" latinLnBrk="0" hangingPunct="1">
-      <a:defRPr sz="1800" kern="1200">
+      <a:defRPr kern="1200">
         <a:solidFill>
           <a:schemeClr val="tx1"/>
         </a:solidFill>
-        <a:latin typeface="+mn-lt"/>
+        <a:latin typeface="Arial" charset="0"/>
         <a:ea typeface="+mn-ea"/>
         <a:cs typeface="+mn-cs"/>
       </a:defRPr>
@@ -142,7 +172,7 @@
       </p:grpSpPr>
       <p:sp>
         <p:nvSpPr>
-          <p:cNvPr id="7" name="Freeform 6"/>
+          <p:cNvPr id="4" name="Freeform 6"/>
           <p:cNvSpPr>
             <a:spLocks/>
           </p:cNvSpPr>
@@ -150,7 +180,7 @@
         </p:nvSpPr>
         <p:spPr bwMode="auto">
           <a:xfrm>
-            <a:off x="0" y="4752126"/>
+            <a:off x="0" y="4751388"/>
             <a:ext cx="9144000" cy="2112962"/>
           </a:xfrm>
           <a:custGeom>
@@ -230,16 +260,27 @@
           </a:effectLst>
         </p:spPr>
         <p:txBody>
-          <a:bodyPr vert="horz" wrap="square" lIns="91440" tIns="45720" rIns="91440" bIns="45720" anchor="t" compatLnSpc="1"/>
+          <a:bodyPr/>
           <a:lstStyle/>
           <a:p>
-            <a:endParaRPr kumimoji="0" lang="en-US"/>
-          </a:p>
-        </p:txBody>
-      </p:sp>
-      <p:sp>
-        <p:nvSpPr>
-          <p:cNvPr id="8" name="Freeform 7"/>
+            <a:pPr fontAlgn="auto">
+              <a:spcBef>
+                <a:spcPts val="0"/>
+              </a:spcBef>
+              <a:spcAft>
+                <a:spcPts val="0"/>
+              </a:spcAft>
+              <a:defRPr/>
+            </a:pPr>
+            <a:endParaRPr lang="en-US">
+              <a:latin typeface="+mn-lt"/>
+            </a:endParaRPr>
+          </a:p>
+        </p:txBody>
+      </p:sp>
+      <p:sp>
+        <p:nvSpPr>
+          <p:cNvPr id="5" name="Freeform 7"/>
           <p:cNvSpPr>
             <a:spLocks/>
           </p:cNvSpPr>
@@ -329,10 +370,21 @@
           </a:effectLst>
         </p:spPr>
         <p:txBody>
-          <a:bodyPr vert="horz" wrap="square" lIns="91440" tIns="45720" rIns="91440" bIns="45720" anchor="t" compatLnSpc="1"/>
+          <a:bodyPr/>
           <a:lstStyle/>
           <a:p>
-            <a:endParaRPr kumimoji="0" lang="en-US"/>
+            <a:pPr fontAlgn="auto">
+              <a:spcBef>
+                <a:spcPts val="0"/>
+              </a:spcBef>
+              <a:spcAft>
+                <a:spcPts val="0"/>
+              </a:spcAft>
+              <a:defRPr/>
+            </a:pPr>
+            <a:endParaRPr lang="en-US">
+              <a:latin typeface="+mn-lt"/>
+            </a:endParaRPr>
           </a:p>
         </p:txBody>
       </p:sp>
@@ -353,7 +405,7 @@
           </a:xfrm>
         </p:spPr>
         <p:txBody>
-          <a:bodyPr rIns="45720" anchor="t"/>
+          <a:bodyPr anchor="t"/>
           <a:lstStyle>
             <a:lvl1pPr algn="r">
               <a:defRPr lang="en-US" b="1" cap="all" baseline="0" dirty="0">
@@ -414,10 +466,10 @@
           </a:lstStyle>
           <a:p>
             <a:r>
-              <a:rPr kumimoji="0" lang="en-US" smtClean="0"/>
+              <a:rPr lang="en-US" smtClean="0"/>
               <a:t>Click to edit Master title style</a:t>
             </a:r>
-            <a:endParaRPr kumimoji="0" lang="en-US"/>
+            <a:endParaRPr lang="en-US"/>
           </a:p>
         </p:txBody>
       </p:sp>
@@ -478,16 +530,16 @@
           </a:lstStyle>
           <a:p>
             <a:r>
-              <a:rPr kumimoji="0" lang="en-US" smtClean="0"/>
+              <a:rPr lang="en-US" smtClean="0"/>
               <a:t>Click to edit Master subtitle style</a:t>
             </a:r>
-            <a:endParaRPr kumimoji="0" lang="en-US"/>
-          </a:p>
-        </p:txBody>
-      </p:sp>
-      <p:sp>
-        <p:nvSpPr>
-          <p:cNvPr id="30" name="Date Placeholder 29"/>
+            <a:endParaRPr lang="en-US"/>
+          </a:p>
+        </p:txBody>
+      </p:sp>
+      <p:sp>
+        <p:nvSpPr>
+          <p:cNvPr id="6" name="Date Placeholder 29"/>
           <p:cNvSpPr>
             <a:spLocks noGrp="1"/>
           </p:cNvSpPr>
@@ -498,11 +550,20 @@
         <p:spPr/>
         <p:txBody>
           <a:bodyPr/>
-          <a:lstStyle/>
-          <a:p>
-            <a:fld id="{1D8BD707-D9CF-40AE-B4C6-C98DA3205C09}" type="datetimeFigureOut">
-              <a:rPr lang="en-US" smtClean="0"/>
-              <a:pPr/>
+          <a:lstStyle>
+            <a:lvl1pPr>
+              <a:defRPr/>
+            </a:lvl1pPr>
+          </a:lstStyle>
+          <a:p>
+            <a:pPr>
+              <a:defRPr/>
+            </a:pPr>
+            <a:fld id="{8B8DA7B7-B8BF-4DAD-BA49-3EAD8555F3DC}" type="datetimeFigureOut">
+              <a:rPr lang="en-US"/>
+              <a:pPr>
+                <a:defRPr/>
+              </a:pPr>
               <a:t>12/18/2009</a:t>
             </a:fld>
             <a:endParaRPr lang="en-US"/>
@@ -511,7 +572,7 @@
       </p:sp>
       <p:sp>
         <p:nvSpPr>
-          <p:cNvPr id="19" name="Footer Placeholder 18"/>
+          <p:cNvPr id="7" name="Footer Placeholder 18"/>
           <p:cNvSpPr>
             <a:spLocks noGrp="1"/>
           </p:cNvSpPr>
@@ -522,15 +583,22 @@
         <p:spPr/>
         <p:txBody>
           <a:bodyPr/>
-          <a:lstStyle/>
-          <a:p>
+          <a:lstStyle>
+            <a:lvl1pPr>
+              <a:defRPr/>
+            </a:lvl1pPr>
+          </a:lstStyle>
+          <a:p>
+            <a:pPr>
+              <a:defRPr/>
+            </a:pPr>
             <a:endParaRPr lang="en-US"/>
           </a:p>
         </p:txBody>
       </p:sp>
       <p:sp>
         <p:nvSpPr>
-          <p:cNvPr id="27" name="Slide Number Placeholder 26"/>
+          <p:cNvPr id="8" name="Slide Number Placeholder 26"/>
           <p:cNvSpPr>
             <a:spLocks noGrp="1"/>
           </p:cNvSpPr>
@@ -541,11 +609,20 @@
         <p:spPr/>
         <p:txBody>
           <a:bodyPr/>
-          <a:lstStyle/>
-          <a:p>
-            <a:fld id="{B6F15528-21DE-4FAA-801E-634DDDAF4B2B}" type="slidenum">
-              <a:rPr lang="en-US" smtClean="0"/>
-              <a:pPr/>
+          <a:lstStyle>
+            <a:lvl1pPr>
+              <a:defRPr/>
+            </a:lvl1pPr>
+          </a:lstStyle>
+          <a:p>
+            <a:pPr>
+              <a:defRPr/>
+            </a:pPr>
+            <a:fld id="{5AFC0F85-674F-437C-B7FD-8F6513334BDE}" type="slidenum">
+              <a:rPr lang="en-US"/>
+              <a:pPr>
+                <a:defRPr/>
+              </a:pPr>
               <a:t>‹#›</a:t>
             </a:fld>
             <a:endParaRPr lang="en-US"/>
@@ -593,10 +670,10 @@
           <a:lstStyle/>
           <a:p>
             <a:r>
-              <a:rPr kumimoji="0" lang="en-US" smtClean="0"/>
+              <a:rPr lang="en-US" smtClean="0"/>
               <a:t>Click to edit Master title style</a:t>
             </a:r>
-            <a:endParaRPr kumimoji="0" lang="en-US"/>
+            <a:endParaRPr lang="en-US"/>
           </a:p>
         </p:txBody>
       </p:sp>
@@ -615,46 +692,46 @@
           <a:bodyPr vert="eaVert"/>
           <a:lstStyle/>
           <a:p>
-            <a:pPr lvl="0" eaLnBrk="1" latinLnBrk="0" hangingPunct="1"/>
+            <a:pPr lvl="0"/>
             <a:r>
               <a:rPr lang="en-US" smtClean="0"/>
               <a:t>Click to edit Master text styles</a:t>
             </a:r>
           </a:p>
           <a:p>
-            <a:pPr lvl="1" eaLnBrk="1" latinLnBrk="0" hangingPunct="1"/>
+            <a:pPr lvl="1"/>
             <a:r>
               <a:rPr lang="en-US" smtClean="0"/>
               <a:t>Second level</a:t>
             </a:r>
           </a:p>
           <a:p>
-            <a:pPr lvl="2" eaLnBrk="1" latinLnBrk="0" hangingPunct="1"/>
+            <a:pPr lvl="2"/>
             <a:r>
               <a:rPr lang="en-US" smtClean="0"/>
               <a:t>Third level</a:t>
             </a:r>
           </a:p>
           <a:p>
-            <a:pPr lvl="3" eaLnBrk="1" latinLnBrk="0" hangingPunct="1"/>
+            <a:pPr lvl="3"/>
             <a:r>
               <a:rPr lang="en-US" smtClean="0"/>
               <a:t>Fourth level</a:t>
             </a:r>
           </a:p>
           <a:p>
-            <a:pPr lvl="4" eaLnBrk="1" latinLnBrk="0" hangingPunct="1"/>
+            <a:pPr lvl="4"/>
             <a:r>
               <a:rPr lang="en-US" smtClean="0"/>
               <a:t>Fifth level</a:t>
             </a:r>
-            <a:endParaRPr kumimoji="0" lang="en-US"/>
-          </a:p>
-        </p:txBody>
-      </p:sp>
-      <p:sp>
-        <p:nvSpPr>
-          <p:cNvPr id="4" name="Date Placeholder 3"/>
+            <a:endParaRPr lang="en-US"/>
+          </a:p>
+        </p:txBody>
+      </p:sp>
+      <p:sp>
+        <p:nvSpPr>
+          <p:cNvPr id="4" name="Date Placeholder 9"/>
           <p:cNvSpPr>
             <a:spLocks noGrp="1"/>
           </p:cNvSpPr>
@@ -665,11 +742,20 @@
         <p:spPr/>
         <p:txBody>
           <a:bodyPr/>
-          <a:lstStyle/>
-          <a:p>
-            <a:fld id="{1D8BD707-D9CF-40AE-B4C6-C98DA3205C09}" type="datetimeFigureOut">
-              <a:rPr lang="en-US" smtClean="0"/>
-              <a:pPr/>
+          <a:lstStyle>
+            <a:lvl1pPr>
+              <a:defRPr/>
+            </a:lvl1pPr>
+          </a:lstStyle>
+          <a:p>
+            <a:pPr>
+              <a:defRPr/>
+            </a:pPr>
+            <a:fld id="{4E871E4A-3E08-4B97-9AA4-FC43492DBD27}" type="datetimeFigureOut">
+              <a:rPr lang="en-US"/>
+              <a:pPr>
+                <a:defRPr/>
+              </a:pPr>
               <a:t>12/18/2009</a:t>
             </a:fld>
             <a:endParaRPr lang="en-US"/>
@@ -678,7 +764,7 @@
       </p:sp>
       <p:sp>
         <p:nvSpPr>
-          <p:cNvPr id="5" name="Footer Placeholder 4"/>
+          <p:cNvPr id="5" name="Footer Placeholder 21"/>
           <p:cNvSpPr>
             <a:spLocks noGrp="1"/>
           </p:cNvSpPr>
@@ -689,15 +775,22 @@
         <p:spPr/>
         <p:txBody>
           <a:bodyPr/>
-          <a:lstStyle/>
-          <a:p>
+          <a:lstStyle>
+            <a:lvl1pPr>
+              <a:defRPr/>
+            </a:lvl1pPr>
+          </a:lstStyle>
+          <a:p>
+            <a:pPr>
+              <a:defRPr/>
+            </a:pPr>
             <a:endParaRPr lang="en-US"/>
           </a:p>
         </p:txBody>
       </p:sp>
       <p:sp>
         <p:nvSpPr>
-          <p:cNvPr id="6" name="Slide Number Placeholder 5"/>
+          <p:cNvPr id="6" name="Slide Number Placeholder 17"/>
           <p:cNvSpPr>
             <a:spLocks noGrp="1"/>
           </p:cNvSpPr>
@@ -708,11 +801,20 @@
         <p:spPr/>
         <p:txBody>
           <a:bodyPr/>
-          <a:lstStyle/>
-          <a:p>
-            <a:fld id="{B6F15528-21DE-4FAA-801E-634DDDAF4B2B}" type="slidenum">
-              <a:rPr lang="en-US" smtClean="0"/>
-              <a:pPr/>
+          <a:lstStyle>
+            <a:lvl1pPr>
+              <a:defRPr/>
+            </a:lvl1pPr>
+          </a:lstStyle>
+          <a:p>
+            <a:pPr>
+              <a:defRPr/>
+            </a:pPr>
+            <a:fld id="{871308C7-F9E3-4367-96E9-B631F3068F90}" type="slidenum">
+              <a:rPr lang="en-US"/>
+              <a:pPr>
+                <a:defRPr/>
+              </a:pPr>
               <a:t>‹#›</a:t>
             </a:fld>
             <a:endParaRPr lang="en-US"/>
@@ -765,10 +867,10 @@
           <a:lstStyle/>
           <a:p>
             <a:r>
-              <a:rPr kumimoji="0" lang="en-US" smtClean="0"/>
+              <a:rPr lang="en-US" smtClean="0"/>
               <a:t>Click to edit Master title style</a:t>
             </a:r>
-            <a:endParaRPr kumimoji="0" lang="en-US"/>
+            <a:endParaRPr lang="en-US"/>
           </a:p>
         </p:txBody>
       </p:sp>
@@ -792,46 +894,46 @@
           <a:bodyPr vert="eaVert"/>
           <a:lstStyle/>
           <a:p>
-            <a:pPr lvl="0" eaLnBrk="1" latinLnBrk="0" hangingPunct="1"/>
+            <a:pPr lvl="0"/>
             <a:r>
               <a:rPr lang="en-US" smtClean="0"/>
               <a:t>Click to edit Master text styles</a:t>
             </a:r>
           </a:p>
           <a:p>
-            <a:pPr lvl="1" eaLnBrk="1" latinLnBrk="0" hangingPunct="1"/>
+            <a:pPr lvl="1"/>
             <a:r>
               <a:rPr lang="en-US" smtClean="0"/>
               <a:t>Second level</a:t>
             </a:r>
           </a:p>
           <a:p>
-            <a:pPr lvl="2" eaLnBrk="1" latinLnBrk="0" hangingPunct="1"/>
+            <a:pPr lvl="2"/>
             <a:r>
               <a:rPr lang="en-US" smtClean="0"/>
               <a:t>Third level</a:t>
             </a:r>
           </a:p>
           <a:p>
-            <a:pPr lvl="3" eaLnBrk="1" latinLnBrk="0" hangingPunct="1"/>
+            <a:pPr lvl="3"/>
             <a:r>
               <a:rPr lang="en-US" smtClean="0"/>
               <a:t>Fourth level</a:t>
             </a:r>
           </a:p>
           <a:p>
-            <a:pPr lvl="4" eaLnBrk="1" latinLnBrk="0" hangingPunct="1"/>
+            <a:pPr lvl="4"/>
             <a:r>
               <a:rPr lang="en-US" smtClean="0"/>
               <a:t>Fifth level</a:t>
             </a:r>
-            <a:endParaRPr kumimoji="0" lang="en-US"/>
-          </a:p>
-        </p:txBody>
-      </p:sp>
-      <p:sp>
-        <p:nvSpPr>
-          <p:cNvPr id="4" name="Date Placeholder 3"/>
+            <a:endParaRPr lang="en-US"/>
+          </a:p>
+        </p:txBody>
+      </p:sp>
+      <p:sp>
+        <p:nvSpPr>
+          <p:cNvPr id="4" name="Date Placeholder 9"/>
           <p:cNvSpPr>
             <a:spLocks noGrp="1"/>
           </p:cNvSpPr>
@@ -842,11 +944,20 @@
         <p:spPr/>
         <p:txBody>
           <a:bodyPr/>
-          <a:lstStyle/>
-          <a:p>
-            <a:fld id="{1D8BD707-D9CF-40AE-B4C6-C98DA3205C09}" type="datetimeFigureOut">
-              <a:rPr lang="en-US" smtClean="0"/>
-              <a:pPr/>
+          <a:lstStyle>
+            <a:lvl1pPr>
+              <a:defRPr/>
+            </a:lvl1pPr>
+          </a:lstStyle>
+          <a:p>
+            <a:pPr>
+              <a:defRPr/>
+            </a:pPr>
+            <a:fld id="{54B85D82-1A48-4742-A924-1032488C7685}" type="datetimeFigureOut">
+              <a:rPr lang="en-US"/>
+              <a:pPr>
+                <a:defRPr/>
+              </a:pPr>
               <a:t>12/18/2009</a:t>
             </a:fld>
             <a:endParaRPr lang="en-US"/>
@@ -855,7 +966,7 @@
       </p:sp>
       <p:sp>
         <p:nvSpPr>
-          <p:cNvPr id="5" name="Footer Placeholder 4"/>
+          <p:cNvPr id="5" name="Footer Placeholder 21"/>
           <p:cNvSpPr>
             <a:spLocks noGrp="1"/>
           </p:cNvSpPr>
@@ -866,15 +977,22 @@
         <p:spPr/>
         <p:txBody>
           <a:bodyPr/>
-          <a:lstStyle/>
-          <a:p>
+          <a:lstStyle>
+            <a:lvl1pPr>
+              <a:defRPr/>
+            </a:lvl1pPr>
+          </a:lstStyle>
+          <a:p>
+            <a:pPr>
+              <a:defRPr/>
+            </a:pPr>
             <a:endParaRPr lang="en-US"/>
           </a:p>
         </p:txBody>
       </p:sp>
       <p:sp>
         <p:nvSpPr>
-          <p:cNvPr id="6" name="Slide Number Placeholder 5"/>
+          <p:cNvPr id="6" name="Slide Number Placeholder 17"/>
           <p:cNvSpPr>
             <a:spLocks noGrp="1"/>
           </p:cNvSpPr>
@@ -885,11 +1003,20 @@
         <p:spPr/>
         <p:txBody>
           <a:bodyPr/>
-          <a:lstStyle/>
-          <a:p>
-            <a:fld id="{B6F15528-21DE-4FAA-801E-634DDDAF4B2B}" type="slidenum">
-              <a:rPr lang="en-US" smtClean="0"/>
-              <a:pPr/>
+          <a:lstStyle>
+            <a:lvl1pPr>
+              <a:defRPr/>
+            </a:lvl1pPr>
+          </a:lstStyle>
+          <a:p>
+            <a:pPr>
+              <a:defRPr/>
+            </a:pPr>
+            <a:fld id="{4DB6F80E-DB6A-4C74-9145-96032225688F}" type="slidenum">
+              <a:rPr lang="en-US"/>
+              <a:pPr>
+                <a:defRPr/>
+              </a:pPr>
               <a:t>‹#›</a:t>
             </a:fld>
             <a:endParaRPr lang="en-US"/>
@@ -941,10 +1068,10 @@
           </a:lstStyle>
           <a:p>
             <a:r>
-              <a:rPr kumimoji="0" lang="en-US" smtClean="0"/>
+              <a:rPr lang="en-US" smtClean="0"/>
               <a:t>Click to edit Master title style</a:t>
             </a:r>
-            <a:endParaRPr kumimoji="0" lang="en-US"/>
+            <a:endParaRPr lang="en-US"/>
           </a:p>
         </p:txBody>
       </p:sp>
@@ -963,46 +1090,46 @@
           <a:bodyPr/>
           <a:lstStyle/>
           <a:p>
-            <a:pPr lvl="0" eaLnBrk="1" latinLnBrk="0" hangingPunct="1"/>
+            <a:pPr lvl="0"/>
             <a:r>
               <a:rPr lang="en-US" smtClean="0"/>
               <a:t>Click to edit Master text styles</a:t>
             </a:r>
           </a:p>
           <a:p>
-            <a:pPr lvl="1" eaLnBrk="1" latinLnBrk="0" hangingPunct="1"/>
+            <a:pPr lvl="1"/>
             <a:r>
               <a:rPr lang="en-US" smtClean="0"/>
               <a:t>Second level</a:t>
             </a:r>
           </a:p>
           <a:p>
-            <a:pPr lvl="2" eaLnBrk="1" latinLnBrk="0" hangingPunct="1"/>
+            <a:pPr lvl="2"/>
             <a:r>
               <a:rPr lang="en-US" smtClean="0"/>
               <a:t>Third level</a:t>
             </a:r>
           </a:p>
           <a:p>
-            <a:pPr lvl="3" eaLnBrk="1" latinLnBrk="0" hangingPunct="1"/>
+            <a:pPr lvl="3"/>
             <a:r>
               <a:rPr lang="en-US" smtClean="0"/>
               <a:t>Fourth level</a:t>
             </a:r>
           </a:p>
           <a:p>
-            <a:pPr lvl="4" eaLnBrk="1" latinLnBrk="0" hangingPunct="1"/>
+            <a:pPr lvl="4"/>
             <a:r>
               <a:rPr lang="en-US" smtClean="0"/>
               <a:t>Fifth level</a:t>
             </a:r>
-            <a:endParaRPr kumimoji="0" lang="en-US"/>
-          </a:p>
-        </p:txBody>
-      </p:sp>
-      <p:sp>
-        <p:nvSpPr>
-          <p:cNvPr id="4" name="Date Placeholder 3"/>
+            <a:endParaRPr lang="en-US"/>
+          </a:p>
+        </p:txBody>
+      </p:sp>
+      <p:sp>
+        <p:nvSpPr>
+          <p:cNvPr id="4" name="Date Placeholder 9"/>
           <p:cNvSpPr>
             <a:spLocks noGrp="1"/>
           </p:cNvSpPr>
@@ -1013,11 +1140,20 @@
         <p:spPr/>
         <p:txBody>
           <a:bodyPr/>
-          <a:lstStyle/>
-          <a:p>
-            <a:fld id="{1D8BD707-D9CF-40AE-B4C6-C98DA3205C09}" type="datetimeFigureOut">
-              <a:rPr lang="en-US" smtClean="0"/>
-              <a:pPr/>
+          <a:lstStyle>
+            <a:lvl1pPr>
+              <a:defRPr/>
+            </a:lvl1pPr>
+          </a:lstStyle>
+          <a:p>
+            <a:pPr>
+              <a:defRPr/>
+            </a:pPr>
+            <a:fld id="{C6C4DBE8-90F3-42E0-BB34-BCFC4A3B6895}" type="datetimeFigureOut">
+              <a:rPr lang="en-US"/>
+              <a:pPr>
+                <a:defRPr/>
+              </a:pPr>
               <a:t>12/18/2009</a:t>
             </a:fld>
             <a:endParaRPr lang="en-US"/>
@@ -1026,7 +1162,7 @@
       </p:sp>
       <p:sp>
         <p:nvSpPr>
-          <p:cNvPr id="5" name="Footer Placeholder 4"/>
+          <p:cNvPr id="5" name="Footer Placeholder 21"/>
           <p:cNvSpPr>
             <a:spLocks noGrp="1"/>
           </p:cNvSpPr>
@@ -1037,15 +1173,22 @@
         <p:spPr/>
         <p:txBody>
           <a:bodyPr/>
-          <a:lstStyle/>
-          <a:p>
+          <a:lstStyle>
+            <a:lvl1pPr>
+              <a:defRPr/>
+            </a:lvl1pPr>
+          </a:lstStyle>
+          <a:p>
+            <a:pPr>
+              <a:defRPr/>
+            </a:pPr>
             <a:endParaRPr lang="en-US"/>
           </a:p>
         </p:txBody>
       </p:sp>
       <p:sp>
         <p:nvSpPr>
-          <p:cNvPr id="6" name="Slide Number Placeholder 5"/>
+          <p:cNvPr id="6" name="Slide Number Placeholder 17"/>
           <p:cNvSpPr>
             <a:spLocks noGrp="1"/>
           </p:cNvSpPr>
@@ -1056,11 +1199,20 @@
         <p:spPr/>
         <p:txBody>
           <a:bodyPr/>
-          <a:lstStyle/>
-          <a:p>
-            <a:fld id="{B6F15528-21DE-4FAA-801E-634DDDAF4B2B}" type="slidenum">
-              <a:rPr lang="en-US" smtClean="0"/>
-              <a:pPr/>
+          <a:lstStyle>
+            <a:lvl1pPr>
+              <a:defRPr/>
+            </a:lvl1pPr>
+          </a:lstStyle>
+          <a:p>
+            <a:pPr>
+              <a:defRPr/>
+            </a:pPr>
+            <a:fld id="{F7C6E2E5-D8F7-4490-A29D-9D767E8902D5}" type="slidenum">
+              <a:rPr lang="en-US"/>
+              <a:pPr>
+                <a:defRPr/>
+              </a:pPr>
               <a:t>‹#›</a:t>
             </a:fld>
             <a:endParaRPr lang="en-US"/>
@@ -1099,7 +1251,7 @@
       </p:grpSpPr>
       <p:sp>
         <p:nvSpPr>
-          <p:cNvPr id="7" name="Freeform 6"/>
+          <p:cNvPr id="4" name="Freeform 6"/>
           <p:cNvSpPr>
             <a:spLocks/>
           </p:cNvSpPr>
@@ -1107,7 +1259,7 @@
         </p:nvSpPr>
         <p:spPr bwMode="auto">
           <a:xfrm>
-            <a:off x="0" y="4752126"/>
+            <a:off x="0" y="4751388"/>
             <a:ext cx="9144000" cy="2112962"/>
           </a:xfrm>
           <a:custGeom>
@@ -1187,16 +1339,27 @@
           </a:effectLst>
         </p:spPr>
         <p:txBody>
-          <a:bodyPr vert="horz" wrap="square" lIns="91440" tIns="45720" rIns="91440" bIns="45720" anchor="t" compatLnSpc="1"/>
+          <a:bodyPr/>
           <a:lstStyle/>
           <a:p>
-            <a:endParaRPr kumimoji="0" lang="en-US"/>
-          </a:p>
-        </p:txBody>
-      </p:sp>
-      <p:sp>
-        <p:nvSpPr>
-          <p:cNvPr id="9" name="Freeform 8"/>
+            <a:pPr fontAlgn="auto">
+              <a:spcBef>
+                <a:spcPts val="0"/>
+              </a:spcBef>
+              <a:spcAft>
+                <a:spcPts val="0"/>
+              </a:spcAft>
+              <a:defRPr/>
+            </a:pPr>
+            <a:endParaRPr lang="en-US">
+              <a:latin typeface="+mn-lt"/>
+            </a:endParaRPr>
+          </a:p>
+        </p:txBody>
+      </p:sp>
+      <p:sp>
+        <p:nvSpPr>
+          <p:cNvPr id="5" name="Freeform 8"/>
           <p:cNvSpPr>
             <a:spLocks/>
           </p:cNvSpPr>
@@ -1286,10 +1449,21 @@
           </a:effectLst>
         </p:spPr>
         <p:txBody>
-          <a:bodyPr vert="horz" wrap="square" lIns="91440" tIns="45720" rIns="91440" bIns="45720" anchor="t" compatLnSpc="1"/>
+          <a:bodyPr/>
           <a:lstStyle/>
           <a:p>
-            <a:endParaRPr kumimoji="0" lang="en-US"/>
+            <a:pPr fontAlgn="auto">
+              <a:spcBef>
+                <a:spcPts val="0"/>
+              </a:spcBef>
+              <a:spcAft>
+                <a:spcPts val="0"/>
+              </a:spcAft>
+              <a:defRPr/>
+            </a:pPr>
+            <a:endParaRPr lang="en-US">
+              <a:latin typeface="+mn-lt"/>
+            </a:endParaRPr>
           </a:p>
         </p:txBody>
       </p:sp>
@@ -1372,10 +1546,10 @@
           </a:lstStyle>
           <a:p>
             <a:r>
-              <a:rPr kumimoji="0" lang="en-US" smtClean="0"/>
+              <a:rPr lang="en-US" smtClean="0"/>
               <a:t>Click to edit Master title style</a:t>
             </a:r>
-            <a:endParaRPr kumimoji="0" lang="en-US"/>
+            <a:endParaRPr lang="en-US"/>
           </a:p>
         </p:txBody>
       </p:sp>
@@ -1449,9 +1623,9 @@
             </a:lvl5pPr>
           </a:lstStyle>
           <a:p>
-            <a:pPr lvl="0" eaLnBrk="1" latinLnBrk="0" hangingPunct="1"/>
-            <a:r>
-              <a:rPr kumimoji="0" lang="en-US" smtClean="0"/>
+            <a:pPr lvl="0"/>
+            <a:r>
+              <a:rPr lang="en-US" smtClean="0"/>
               <a:t>Click to edit Master text styles</a:t>
             </a:r>
           </a:p>
@@ -1459,7 +1633,7 @@
       </p:sp>
       <p:sp>
         <p:nvSpPr>
-          <p:cNvPr id="4" name="Date Placeholder 3"/>
+          <p:cNvPr id="6" name="Date Placeholder 3"/>
           <p:cNvSpPr>
             <a:spLocks noGrp="1"/>
           </p:cNvSpPr>
@@ -1470,11 +1644,20 @@
         <p:spPr/>
         <p:txBody>
           <a:bodyPr/>
-          <a:lstStyle/>
-          <a:p>
-            <a:fld id="{1D8BD707-D9CF-40AE-B4C6-C98DA3205C09}" type="datetimeFigureOut">
-              <a:rPr lang="en-US" smtClean="0"/>
-              <a:pPr/>
+          <a:lstStyle>
+            <a:lvl1pPr>
+              <a:defRPr/>
+            </a:lvl1pPr>
+          </a:lstStyle>
+          <a:p>
+            <a:pPr>
+              <a:defRPr/>
+            </a:pPr>
+            <a:fld id="{CEB1A9AA-3E6F-41B7-A331-C793CF5E98C7}" type="datetimeFigureOut">
+              <a:rPr lang="en-US"/>
+              <a:pPr>
+                <a:defRPr/>
+              </a:pPr>
               <a:t>12/18/2009</a:t>
             </a:fld>
             <a:endParaRPr lang="en-US"/>
@@ -1483,7 +1666,7 @@
       </p:sp>
       <p:sp>
         <p:nvSpPr>
-          <p:cNvPr id="5" name="Footer Placeholder 4"/>
+          <p:cNvPr id="7" name="Footer Placeholder 4"/>
           <p:cNvSpPr>
             <a:spLocks noGrp="1"/>
           </p:cNvSpPr>
@@ -1494,15 +1677,22 @@
         <p:spPr/>
         <p:txBody>
           <a:bodyPr/>
-          <a:lstStyle/>
-          <a:p>
+          <a:lstStyle>
+            <a:lvl1pPr>
+              <a:defRPr/>
+            </a:lvl1pPr>
+          </a:lstStyle>
+          <a:p>
+            <a:pPr>
+              <a:defRPr/>
+            </a:pPr>
             <a:endParaRPr lang="en-US"/>
           </a:p>
         </p:txBody>
       </p:sp>
       <p:sp>
         <p:nvSpPr>
-          <p:cNvPr id="6" name="Slide Number Placeholder 5"/>
+          <p:cNvPr id="8" name="Slide Number Placeholder 5"/>
           <p:cNvSpPr>
             <a:spLocks noGrp="1"/>
           </p:cNvSpPr>
@@ -1513,11 +1703,20 @@
         <p:spPr/>
         <p:txBody>
           <a:bodyPr/>
-          <a:lstStyle/>
-          <a:p>
-            <a:fld id="{B6F15528-21DE-4FAA-801E-634DDDAF4B2B}" type="slidenum">
-              <a:rPr lang="en-US" smtClean="0"/>
-              <a:pPr/>
+          <a:lstStyle>
+            <a:lvl1pPr>
+              <a:defRPr/>
+            </a:lvl1pPr>
+          </a:lstStyle>
+          <a:p>
+            <a:pPr>
+              <a:defRPr/>
+            </a:pPr>
+            <a:fld id="{C5736601-DA66-4425-B6AB-8C2311BAAF66}" type="slidenum">
+              <a:rPr lang="en-US"/>
+              <a:pPr>
+                <a:defRPr/>
+              </a:pPr>
               <a:t>‹#›</a:t>
             </a:fld>
             <a:endParaRPr lang="en-US"/>
@@ -1570,10 +1769,10 @@
           <a:lstStyle/>
           <a:p>
             <a:r>
-              <a:rPr kumimoji="0" lang="en-US" smtClean="0"/>
+              <a:rPr lang="en-US" smtClean="0"/>
               <a:t>Click to edit Master title style</a:t>
             </a:r>
-            <a:endParaRPr kumimoji="0" lang="en-US"/>
+            <a:endParaRPr lang="en-US"/>
           </a:p>
         </p:txBody>
       </p:sp>
@@ -1613,40 +1812,40 @@
             </a:lvl5pPr>
           </a:lstStyle>
           <a:p>
-            <a:pPr lvl="0" eaLnBrk="1" latinLnBrk="0" hangingPunct="1"/>
+            <a:pPr lvl="0"/>
             <a:r>
               <a:rPr lang="en-US" smtClean="0"/>
               <a:t>Click to edit Master text styles</a:t>
             </a:r>
           </a:p>
           <a:p>
-            <a:pPr lvl="1" eaLnBrk="1" latinLnBrk="0" hangingPunct="1"/>
+            <a:pPr lvl="1"/>
             <a:r>
               <a:rPr lang="en-US" smtClean="0"/>
               <a:t>Second level</a:t>
             </a:r>
           </a:p>
           <a:p>
-            <a:pPr lvl="2" eaLnBrk="1" latinLnBrk="0" hangingPunct="1"/>
+            <a:pPr lvl="2"/>
             <a:r>
               <a:rPr lang="en-US" smtClean="0"/>
               <a:t>Third level</a:t>
             </a:r>
           </a:p>
           <a:p>
-            <a:pPr lvl="3" eaLnBrk="1" latinLnBrk="0" hangingPunct="1"/>
+            <a:pPr lvl="3"/>
             <a:r>
               <a:rPr lang="en-US" smtClean="0"/>
               <a:t>Fourth level</a:t>
             </a:r>
           </a:p>
           <a:p>
-            <a:pPr lvl="4" eaLnBrk="1" latinLnBrk="0" hangingPunct="1"/>
+            <a:pPr lvl="4"/>
             <a:r>
               <a:rPr lang="en-US" smtClean="0"/>
               <a:t>Fifth level</a:t>
             </a:r>
-            <a:endParaRPr kumimoji="0" lang="en-US"/>
+            <a:endParaRPr lang="en-US"/>
           </a:p>
         </p:txBody>
       </p:sp>
@@ -1686,46 +1885,46 @@
             </a:lvl5pPr>
           </a:lstStyle>
           <a:p>
-            <a:pPr lvl="0" eaLnBrk="1" latinLnBrk="0" hangingPunct="1"/>
+            <a:pPr lvl="0"/>
             <a:r>
               <a:rPr lang="en-US" smtClean="0"/>
               <a:t>Click to edit Master text styles</a:t>
             </a:r>
           </a:p>
           <a:p>
-            <a:pPr lvl="1" eaLnBrk="1" latinLnBrk="0" hangingPunct="1"/>
+            <a:pPr lvl="1"/>
             <a:r>
               <a:rPr lang="en-US" smtClean="0"/>
               <a:t>Second level</a:t>
             </a:r>
           </a:p>
           <a:p>
-            <a:pPr lvl="2" eaLnBrk="1" latinLnBrk="0" hangingPunct="1"/>
+            <a:pPr lvl="2"/>
             <a:r>
               <a:rPr lang="en-US" smtClean="0"/>
               <a:t>Third level</a:t>
             </a:r>
           </a:p>
           <a:p>
-            <a:pPr lvl="3" eaLnBrk="1" latinLnBrk="0" hangingPunct="1"/>
+            <a:pPr lvl="3"/>
             <a:r>
               <a:rPr lang="en-US" smtClean="0"/>
               <a:t>Fourth level</a:t>
             </a:r>
           </a:p>
           <a:p>
-            <a:pPr lvl="4" eaLnBrk="1" latinLnBrk="0" hangingPunct="1"/>
+            <a:pPr lvl="4"/>
             <a:r>
               <a:rPr lang="en-US" smtClean="0"/>
               <a:t>Fifth level</a:t>
             </a:r>
-            <a:endParaRPr kumimoji="0" lang="en-US"/>
-          </a:p>
-        </p:txBody>
-      </p:sp>
-      <p:sp>
-        <p:nvSpPr>
-          <p:cNvPr id="5" name="Date Placeholder 4"/>
+            <a:endParaRPr lang="en-US"/>
+          </a:p>
+        </p:txBody>
+      </p:sp>
+      <p:sp>
+        <p:nvSpPr>
+          <p:cNvPr id="5" name="Date Placeholder 9"/>
           <p:cNvSpPr>
             <a:spLocks noGrp="1"/>
           </p:cNvSpPr>
@@ -1736,11 +1935,20 @@
         <p:spPr/>
         <p:txBody>
           <a:bodyPr/>
-          <a:lstStyle/>
-          <a:p>
-            <a:fld id="{1D8BD707-D9CF-40AE-B4C6-C98DA3205C09}" type="datetimeFigureOut">
-              <a:rPr lang="en-US" smtClean="0"/>
-              <a:pPr/>
+          <a:lstStyle>
+            <a:lvl1pPr>
+              <a:defRPr/>
+            </a:lvl1pPr>
+          </a:lstStyle>
+          <a:p>
+            <a:pPr>
+              <a:defRPr/>
+            </a:pPr>
+            <a:fld id="{6BFAF294-5FEF-411F-A682-0D5E8D17B20B}" type="datetimeFigureOut">
+              <a:rPr lang="en-US"/>
+              <a:pPr>
+                <a:defRPr/>
+              </a:pPr>
               <a:t>12/18/2009</a:t>
             </a:fld>
             <a:endParaRPr lang="en-US"/>
@@ -1749,7 +1957,7 @@
       </p:sp>
       <p:sp>
         <p:nvSpPr>
-          <p:cNvPr id="6" name="Footer Placeholder 5"/>
+          <p:cNvPr id="6" name="Footer Placeholder 21"/>
           <p:cNvSpPr>
             <a:spLocks noGrp="1"/>
           </p:cNvSpPr>
@@ -1760,15 +1968,22 @@
         <p:spPr/>
         <p:txBody>
           <a:bodyPr/>
-          <a:lstStyle/>
-          <a:p>
+          <a:lstStyle>
+            <a:lvl1pPr>
+              <a:defRPr/>
+            </a:lvl1pPr>
+          </a:lstStyle>
+          <a:p>
+            <a:pPr>
+              <a:defRPr/>
+            </a:pPr>
             <a:endParaRPr lang="en-US"/>
           </a:p>
         </p:txBody>
       </p:sp>
       <p:sp>
         <p:nvSpPr>
-          <p:cNvPr id="7" name="Slide Number Placeholder 6"/>
+          <p:cNvPr id="7" name="Slide Number Placeholder 17"/>
           <p:cNvSpPr>
             <a:spLocks noGrp="1"/>
           </p:cNvSpPr>
@@ -1779,11 +1994,20 @@
         <p:spPr/>
         <p:txBody>
           <a:bodyPr/>
-          <a:lstStyle/>
-          <a:p>
-            <a:fld id="{B6F15528-21DE-4FAA-801E-634DDDAF4B2B}" type="slidenum">
-              <a:rPr lang="en-US" smtClean="0"/>
-              <a:pPr/>
+          <a:lstStyle>
+            <a:lvl1pPr>
+              <a:defRPr/>
+            </a:lvl1pPr>
+          </a:lstStyle>
+          <a:p>
+            <a:pPr>
+              <a:defRPr/>
+            </a:pPr>
+            <a:fld id="{32F469A8-9A78-47F4-8CB2-33B831E7704D}" type="slidenum">
+              <a:rPr lang="en-US"/>
+              <a:pPr>
+                <a:defRPr/>
+              </a:pPr>
               <a:t>‹#›</a:t>
             </a:fld>
             <a:endParaRPr lang="en-US"/>
@@ -1832,7 +2056,7 @@
           </a:xfrm>
         </p:spPr>
         <p:txBody>
-          <a:bodyPr anchor="ctr"/>
+          <a:bodyPr/>
           <a:lstStyle>
             <a:lvl1pPr>
               <a:defRPr/>
@@ -1840,10 +2064,10 @@
           </a:lstStyle>
           <a:p>
             <a:r>
-              <a:rPr kumimoji="0" lang="en-US" smtClean="0"/>
+              <a:rPr lang="en-US" smtClean="0"/>
               <a:t>Click to edit Master title style</a:t>
             </a:r>
-            <a:endParaRPr kumimoji="0" lang="en-US"/>
+            <a:endParaRPr lang="en-US"/>
           </a:p>
         </p:txBody>
       </p:sp>
@@ -1864,7 +2088,7 @@
           </a:xfrm>
         </p:spPr>
         <p:txBody>
-          <a:bodyPr anchor="t"/>
+          <a:bodyPr/>
           <a:lstStyle>
             <a:lvl1pPr marL="0" indent="0">
               <a:buNone/>
@@ -1892,9 +2116,9 @@
             </a:lvl5pPr>
           </a:lstStyle>
           <a:p>
-            <a:pPr lvl="0" eaLnBrk="1" latinLnBrk="0" hangingPunct="1"/>
-            <a:r>
-              <a:rPr kumimoji="0" lang="en-US" smtClean="0"/>
+            <a:pPr lvl="0"/>
+            <a:r>
+              <a:rPr lang="en-US" smtClean="0"/>
               <a:t>Click to edit Master text styles</a:t>
             </a:r>
           </a:p>
@@ -1917,7 +2141,7 @@
           </a:xfrm>
         </p:spPr>
         <p:txBody>
-          <a:bodyPr anchor="t"/>
+          <a:bodyPr/>
           <a:lstStyle>
             <a:lvl1pPr marL="0" indent="0">
               <a:buNone/>
@@ -1945,9 +2169,9 @@
             </a:lvl5pPr>
           </a:lstStyle>
           <a:p>
-            <a:pPr lvl="0" eaLnBrk="1" latinLnBrk="0" hangingPunct="1"/>
-            <a:r>
-              <a:rPr kumimoji="0" lang="en-US" smtClean="0"/>
+            <a:pPr lvl="0"/>
+            <a:r>
+              <a:rPr lang="en-US" smtClean="0"/>
               <a:t>Click to edit Master text styles</a:t>
             </a:r>
           </a:p>
@@ -1989,40 +2213,40 @@
             </a:lvl5pPr>
           </a:lstStyle>
           <a:p>
-            <a:pPr lvl="0" eaLnBrk="1" latinLnBrk="0" hangingPunct="1"/>
+            <a:pPr lvl="0"/>
             <a:r>
               <a:rPr lang="en-US" smtClean="0"/>
               <a:t>Click to edit Master text styles</a:t>
             </a:r>
           </a:p>
           <a:p>
-            <a:pPr lvl="1" eaLnBrk="1" latinLnBrk="0" hangingPunct="1"/>
+            <a:pPr lvl="1"/>
             <a:r>
               <a:rPr lang="en-US" smtClean="0"/>
               <a:t>Second level</a:t>
             </a:r>
           </a:p>
           <a:p>
-            <a:pPr lvl="2" eaLnBrk="1" latinLnBrk="0" hangingPunct="1"/>
+            <a:pPr lvl="2"/>
             <a:r>
               <a:rPr lang="en-US" smtClean="0"/>
               <a:t>Third level</a:t>
             </a:r>
           </a:p>
           <a:p>
-            <a:pPr lvl="3" eaLnBrk="1" latinLnBrk="0" hangingPunct="1"/>
+            <a:pPr lvl="3"/>
             <a:r>
               <a:rPr lang="en-US" smtClean="0"/>
               <a:t>Fourth level</a:t>
             </a:r>
           </a:p>
           <a:p>
-            <a:pPr lvl="4" eaLnBrk="1" latinLnBrk="0" hangingPunct="1"/>
+            <a:pPr lvl="4"/>
             <a:r>
               <a:rPr lang="en-US" smtClean="0"/>
               <a:t>Fifth level</a:t>
             </a:r>
-            <a:endParaRPr kumimoji="0" lang="en-US"/>
+            <a:endParaRPr lang="en-US"/>
           </a:p>
         </p:txBody>
       </p:sp>
@@ -2062,40 +2286,40 @@
             </a:lvl5pPr>
           </a:lstStyle>
           <a:p>
-            <a:pPr lvl="0" eaLnBrk="1" latinLnBrk="0" hangingPunct="1"/>
+            <a:pPr lvl="0"/>
             <a:r>
               <a:rPr lang="en-US" smtClean="0"/>
               <a:t>Click to edit Master text styles</a:t>
             </a:r>
           </a:p>
           <a:p>
-            <a:pPr lvl="1" eaLnBrk="1" latinLnBrk="0" hangingPunct="1"/>
+            <a:pPr lvl="1"/>
             <a:r>
               <a:rPr lang="en-US" smtClean="0"/>
               <a:t>Second level</a:t>
             </a:r>
           </a:p>
           <a:p>
-            <a:pPr lvl="2" eaLnBrk="1" latinLnBrk="0" hangingPunct="1"/>
+            <a:pPr lvl="2"/>
             <a:r>
               <a:rPr lang="en-US" smtClean="0"/>
               <a:t>Third level</a:t>
             </a:r>
           </a:p>
           <a:p>
-            <a:pPr lvl="3" eaLnBrk="1" latinLnBrk="0" hangingPunct="1"/>
+            <a:pPr lvl="3"/>
             <a:r>
               <a:rPr lang="en-US" smtClean="0"/>
               <a:t>Fourth level</a:t>
             </a:r>
           </a:p>
           <a:p>
-            <a:pPr lvl="4" eaLnBrk="1" latinLnBrk="0" hangingPunct="1"/>
+            <a:pPr lvl="4"/>
             <a:r>
               <a:rPr lang="en-US" smtClean="0"/>
               <a:t>Fifth level</a:t>
             </a:r>
-            <a:endParaRPr kumimoji="0" lang="en-US"/>
+            <a:endParaRPr lang="en-US"/>
           </a:p>
         </p:txBody>
       </p:sp>
@@ -2112,11 +2336,20 @@
         <p:spPr/>
         <p:txBody>
           <a:bodyPr/>
-          <a:lstStyle/>
-          <a:p>
-            <a:fld id="{1D8BD707-D9CF-40AE-B4C6-C98DA3205C09}" type="datetimeFigureOut">
-              <a:rPr lang="en-US" smtClean="0"/>
-              <a:pPr/>
+          <a:lstStyle>
+            <a:lvl1pPr>
+              <a:defRPr/>
+            </a:lvl1pPr>
+          </a:lstStyle>
+          <a:p>
+            <a:pPr>
+              <a:defRPr/>
+            </a:pPr>
+            <a:fld id="{1994C517-5B29-407B-B43D-00B38ADD0EDC}" type="datetimeFigureOut">
+              <a:rPr lang="en-US"/>
+              <a:pPr>
+                <a:defRPr/>
+              </a:pPr>
               <a:t>12/18/2009</a:t>
             </a:fld>
             <a:endParaRPr lang="en-US"/>
@@ -2136,8 +2369,15 @@
         <p:spPr/>
         <p:txBody>
           <a:bodyPr/>
-          <a:lstStyle/>
-          <a:p>
+          <a:lstStyle>
+            <a:lvl1pPr>
+              <a:defRPr/>
+            </a:lvl1pPr>
+          </a:lstStyle>
+          <a:p>
+            <a:pPr>
+              <a:defRPr/>
+            </a:pPr>
             <a:endParaRPr lang="en-US"/>
           </a:p>
         </p:txBody>
@@ -2155,11 +2395,20 @@
         <p:spPr/>
         <p:txBody>
           <a:bodyPr/>
-          <a:lstStyle/>
-          <a:p>
-            <a:fld id="{B6F15528-21DE-4FAA-801E-634DDDAF4B2B}" type="slidenum">
-              <a:rPr lang="en-US" smtClean="0"/>
-              <a:pPr/>
+          <a:lstStyle>
+            <a:lvl1pPr>
+              <a:defRPr/>
+            </a:lvl1pPr>
+          </a:lstStyle>
+          <a:p>
+            <a:pPr>
+              <a:defRPr/>
+            </a:pPr>
+            <a:fld id="{A0569977-7FB4-4A11-A4DE-8CB8DA24BA1B}" type="slidenum">
+              <a:rPr lang="en-US"/>
+              <a:pPr>
+                <a:defRPr/>
+              </a:pPr>
               <a:t>‹#›</a:t>
             </a:fld>
             <a:endParaRPr lang="en-US"/>
@@ -2208,7 +2457,7 @@
           </a:xfrm>
         </p:spPr>
         <p:txBody>
-          <a:bodyPr anchor="ctr"/>
+          <a:bodyPr/>
           <a:lstStyle>
             <a:lvl1pPr algn="l">
               <a:defRPr sz="4600"/>
@@ -2216,16 +2465,16 @@
           </a:lstStyle>
           <a:p>
             <a:r>
-              <a:rPr kumimoji="0" lang="en-US" smtClean="0"/>
+              <a:rPr lang="en-US" smtClean="0"/>
               <a:t>Click to edit Master title style</a:t>
             </a:r>
-            <a:endParaRPr kumimoji="0" lang="en-US"/>
-          </a:p>
-        </p:txBody>
-      </p:sp>
-      <p:sp>
-        <p:nvSpPr>
-          <p:cNvPr id="7" name="Date Placeholder 6"/>
+            <a:endParaRPr lang="en-US"/>
+          </a:p>
+        </p:txBody>
+      </p:sp>
+      <p:sp>
+        <p:nvSpPr>
+          <p:cNvPr id="3" name="Date Placeholder 9"/>
           <p:cNvSpPr>
             <a:spLocks noGrp="1"/>
           </p:cNvSpPr>
@@ -2236,11 +2485,20 @@
         <p:spPr/>
         <p:txBody>
           <a:bodyPr/>
-          <a:lstStyle/>
-          <a:p>
-            <a:fld id="{1D8BD707-D9CF-40AE-B4C6-C98DA3205C09}" type="datetimeFigureOut">
-              <a:rPr lang="en-US" smtClean="0"/>
-              <a:pPr/>
+          <a:lstStyle>
+            <a:lvl1pPr>
+              <a:defRPr/>
+            </a:lvl1pPr>
+          </a:lstStyle>
+          <a:p>
+            <a:pPr>
+              <a:defRPr/>
+            </a:pPr>
+            <a:fld id="{3ED410FF-E0B5-49F2-AD3F-1360E6C4E479}" type="datetimeFigureOut">
+              <a:rPr lang="en-US"/>
+              <a:pPr>
+                <a:defRPr/>
+              </a:pPr>
               <a:t>12/18/2009</a:t>
             </a:fld>
             <a:endParaRPr lang="en-US"/>
@@ -2249,43 +2507,59 @@
       </p:sp>
       <p:sp>
         <p:nvSpPr>
-          <p:cNvPr id="8" name="Slide Number Placeholder 7"/>
-          <p:cNvSpPr>
-            <a:spLocks noGrp="1"/>
-          </p:cNvSpPr>
-          <p:nvPr>
-            <p:ph type="sldNum" sz="quarter" idx="11"/>
+          <p:cNvPr id="4" name="Footer Placeholder 21"/>
+          <p:cNvSpPr>
+            <a:spLocks noGrp="1"/>
+          </p:cNvSpPr>
+          <p:nvPr>
+            <p:ph type="ftr" sz="quarter" idx="11"/>
           </p:nvPr>
         </p:nvSpPr>
         <p:spPr/>
         <p:txBody>
           <a:bodyPr/>
-          <a:lstStyle/>
-          <a:p>
-            <a:fld id="{B6F15528-21DE-4FAA-801E-634DDDAF4B2B}" type="slidenum">
-              <a:rPr lang="en-US" smtClean="0"/>
-              <a:pPr/>
+          <a:lstStyle>
+            <a:lvl1pPr>
+              <a:defRPr/>
+            </a:lvl1pPr>
+          </a:lstStyle>
+          <a:p>
+            <a:pPr>
+              <a:defRPr/>
+            </a:pPr>
+            <a:endParaRPr lang="en-US"/>
+          </a:p>
+        </p:txBody>
+      </p:sp>
+      <p:sp>
+        <p:nvSpPr>
+          <p:cNvPr id="5" name="Slide Number Placeholder 17"/>
+          <p:cNvSpPr>
+            <a:spLocks noGrp="1"/>
+          </p:cNvSpPr>
+          <p:nvPr>
+            <p:ph type="sldNum" sz="quarter" idx="12"/>
+          </p:nvPr>
+        </p:nvSpPr>
+        <p:spPr/>
+        <p:txBody>
+          <a:bodyPr/>
+          <a:lstStyle>
+            <a:lvl1pPr>
+              <a:defRPr/>
+            </a:lvl1pPr>
+          </a:lstStyle>
+          <a:p>
+            <a:pPr>
+              <a:defRPr/>
+            </a:pPr>
+            <a:fld id="{67F8884C-B82F-4304-BCE1-9596C7F0C7CE}" type="slidenum">
+              <a:rPr lang="en-US"/>
+              <a:pPr>
+                <a:defRPr/>
+              </a:pPr>
               <a:t>‹#›</a:t>
             </a:fld>
-            <a:endParaRPr lang="en-US"/>
-          </a:p>
-        </p:txBody>
-      </p:sp>
-      <p:sp>
-        <p:nvSpPr>
-          <p:cNvPr id="9" name="Footer Placeholder 8"/>
-          <p:cNvSpPr>
-            <a:spLocks noGrp="1"/>
-          </p:cNvSpPr>
-          <p:nvPr>
-            <p:ph type="ftr" sz="quarter" idx="12"/>
-          </p:nvPr>
-        </p:nvSpPr>
-        <p:spPr/>
-        <p:txBody>
-          <a:bodyPr/>
-          <a:lstStyle/>
-          <a:p>
             <a:endParaRPr lang="en-US"/>
           </a:p>
         </p:txBody>
@@ -2317,7 +2591,7 @@
       </p:grpSpPr>
       <p:sp>
         <p:nvSpPr>
-          <p:cNvPr id="2" name="Date Placeholder 1"/>
+          <p:cNvPr id="2" name="Date Placeholder 9"/>
           <p:cNvSpPr>
             <a:spLocks noGrp="1"/>
           </p:cNvSpPr>
@@ -2328,11 +2602,20 @@
         <p:spPr/>
         <p:txBody>
           <a:bodyPr/>
-          <a:lstStyle/>
-          <a:p>
-            <a:fld id="{1D8BD707-D9CF-40AE-B4C6-C98DA3205C09}" type="datetimeFigureOut">
-              <a:rPr lang="en-US" smtClean="0"/>
-              <a:pPr/>
+          <a:lstStyle>
+            <a:lvl1pPr>
+              <a:defRPr/>
+            </a:lvl1pPr>
+          </a:lstStyle>
+          <a:p>
+            <a:pPr>
+              <a:defRPr/>
+            </a:pPr>
+            <a:fld id="{6E30B6B5-73E4-40C9-A148-00885B6E499A}" type="datetimeFigureOut">
+              <a:rPr lang="en-US"/>
+              <a:pPr>
+                <a:defRPr/>
+              </a:pPr>
               <a:t>12/18/2009</a:t>
             </a:fld>
             <a:endParaRPr lang="en-US"/>
@@ -2341,7 +2624,7 @@
       </p:sp>
       <p:sp>
         <p:nvSpPr>
-          <p:cNvPr id="3" name="Footer Placeholder 2"/>
+          <p:cNvPr id="3" name="Footer Placeholder 21"/>
           <p:cNvSpPr>
             <a:spLocks noGrp="1"/>
           </p:cNvSpPr>
@@ -2352,15 +2635,22 @@
         <p:spPr/>
         <p:txBody>
           <a:bodyPr/>
-          <a:lstStyle/>
-          <a:p>
+          <a:lstStyle>
+            <a:lvl1pPr>
+              <a:defRPr/>
+            </a:lvl1pPr>
+          </a:lstStyle>
+          <a:p>
+            <a:pPr>
+              <a:defRPr/>
+            </a:pPr>
             <a:endParaRPr lang="en-US"/>
           </a:p>
         </p:txBody>
       </p:sp>
       <p:sp>
         <p:nvSpPr>
-          <p:cNvPr id="4" name="Slide Number Placeholder 3"/>
+          <p:cNvPr id="4" name="Slide Number Placeholder 17"/>
           <p:cNvSpPr>
             <a:spLocks noGrp="1"/>
           </p:cNvSpPr>
@@ -2371,11 +2661,20 @@
         <p:spPr/>
         <p:txBody>
           <a:bodyPr/>
-          <a:lstStyle/>
-          <a:p>
-            <a:fld id="{B6F15528-21DE-4FAA-801E-634DDDAF4B2B}" type="slidenum">
-              <a:rPr lang="en-US" smtClean="0"/>
-              <a:pPr/>
+          <a:lstStyle>
+            <a:lvl1pPr>
+              <a:defRPr/>
+            </a:lvl1pPr>
+          </a:lstStyle>
+          <a:p>
+            <a:pPr>
+              <a:defRPr/>
+            </a:pPr>
+            <a:fld id="{A079CFB1-0F11-4BA2-B1A6-6B40A2F3996C}" type="slidenum">
+              <a:rPr lang="en-US"/>
+              <a:pPr>
+                <a:defRPr/>
+              </a:pPr>
               <a:t>‹#›</a:t>
             </a:fld>
             <a:endParaRPr lang="en-US"/>
@@ -2437,10 +2736,10 @@
           </a:lstStyle>
           <a:p>
             <a:r>
-              <a:rPr kumimoji="0" lang="en-US" smtClean="0"/>
+              <a:rPr lang="en-US" smtClean="0"/>
               <a:t>Click to edit Master title style</a:t>
             </a:r>
-            <a:endParaRPr kumimoji="0" lang="en-US"/>
+            <a:endParaRPr lang="en-US"/>
           </a:p>
         </p:txBody>
       </p:sp>
@@ -2485,9 +2784,9 @@
             </a:lvl5pPr>
           </a:lstStyle>
           <a:p>
-            <a:pPr lvl="0" eaLnBrk="1" latinLnBrk="0" hangingPunct="1"/>
-            <a:r>
-              <a:rPr kumimoji="0" lang="en-US" smtClean="0"/>
+            <a:pPr lvl="0"/>
+            <a:r>
+              <a:rPr lang="en-US" smtClean="0"/>
               <a:t>Click to edit Master text styles</a:t>
             </a:r>
           </a:p>
@@ -2529,40 +2828,40 @@
             </a:lvl5pPr>
           </a:lstStyle>
           <a:p>
-            <a:pPr lvl="0" eaLnBrk="1" latinLnBrk="0" hangingPunct="1"/>
+            <a:pPr lvl="0"/>
             <a:r>
               <a:rPr lang="en-US" smtClean="0"/>
               <a:t>Click to edit Master text styles</a:t>
             </a:r>
           </a:p>
           <a:p>
-            <a:pPr lvl="1" eaLnBrk="1" latinLnBrk="0" hangingPunct="1"/>
+            <a:pPr lvl="1"/>
             <a:r>
               <a:rPr lang="en-US" smtClean="0"/>
               <a:t>Second level</a:t>
             </a:r>
           </a:p>
           <a:p>
-            <a:pPr lvl="2" eaLnBrk="1" latinLnBrk="0" hangingPunct="1"/>
+            <a:pPr lvl="2"/>
             <a:r>
               <a:rPr lang="en-US" smtClean="0"/>
               <a:t>Third level</a:t>
             </a:r>
           </a:p>
           <a:p>
-            <a:pPr lvl="3" eaLnBrk="1" latinLnBrk="0" hangingPunct="1"/>
+            <a:pPr lvl="3"/>
             <a:r>
               <a:rPr lang="en-US" smtClean="0"/>
               <a:t>Fourth level</a:t>
             </a:r>
           </a:p>
           <a:p>
-            <a:pPr lvl="4" eaLnBrk="1" latinLnBrk="0" hangingPunct="1"/>
+            <a:pPr lvl="4"/>
             <a:r>
               <a:rPr lang="en-US" smtClean="0"/>
               <a:t>Fifth level</a:t>
             </a:r>
-            <a:endParaRPr kumimoji="0" lang="en-US"/>
+            <a:endParaRPr lang="en-US"/>
           </a:p>
         </p:txBody>
       </p:sp>
@@ -2579,11 +2878,20 @@
         <p:spPr/>
         <p:txBody>
           <a:bodyPr/>
-          <a:lstStyle/>
-          <a:p>
-            <a:fld id="{1D8BD707-D9CF-40AE-B4C6-C98DA3205C09}" type="datetimeFigureOut">
-              <a:rPr lang="en-US" smtClean="0"/>
-              <a:pPr/>
+          <a:lstStyle>
+            <a:lvl1pPr>
+              <a:defRPr/>
+            </a:lvl1pPr>
+          </a:lstStyle>
+          <a:p>
+            <a:pPr>
+              <a:defRPr/>
+            </a:pPr>
+            <a:fld id="{ABAAC417-574F-469C-8DA6-B9F14A1D6242}" type="datetimeFigureOut">
+              <a:rPr lang="en-US"/>
+              <a:pPr>
+                <a:defRPr/>
+              </a:pPr>
               <a:t>12/18/2009</a:t>
             </a:fld>
             <a:endParaRPr lang="en-US"/>
@@ -2603,8 +2911,15 @@
         <p:spPr/>
         <p:txBody>
           <a:bodyPr/>
-          <a:lstStyle/>
-          <a:p>
+          <a:lstStyle>
+            <a:lvl1pPr>
+              <a:defRPr/>
+            </a:lvl1pPr>
+          </a:lstStyle>
+          <a:p>
+            <a:pPr>
+              <a:defRPr/>
+            </a:pPr>
             <a:endParaRPr lang="en-US"/>
           </a:p>
         </p:txBody>
@@ -2621,17 +2936,26 @@
         </p:nvSpPr>
         <p:spPr>
           <a:xfrm>
-            <a:off x="8156448" y="6422064"/>
+            <a:off x="8156575" y="6421438"/>
             <a:ext cx="762000" cy="365125"/>
           </a:xfrm>
         </p:spPr>
         <p:txBody>
           <a:bodyPr/>
-          <a:lstStyle/>
-          <a:p>
-            <a:fld id="{B6F15528-21DE-4FAA-801E-634DDDAF4B2B}" type="slidenum">
-              <a:rPr lang="en-US" smtClean="0"/>
-              <a:pPr/>
+          <a:lstStyle>
+            <a:lvl1pPr>
+              <a:defRPr/>
+            </a:lvl1pPr>
+          </a:lstStyle>
+          <a:p>
+            <a:pPr>
+              <a:defRPr/>
+            </a:pPr>
+            <a:fld id="{B0F9273C-2874-45CD-8674-1B67E7E9908E}" type="slidenum">
+              <a:rPr lang="en-US"/>
+              <a:pPr>
+                <a:defRPr/>
+              </a:pPr>
               <a:t>‹#›</a:t>
             </a:fld>
             <a:endParaRPr lang="en-US"/>
@@ -2693,10 +3017,10 @@
           </a:lstStyle>
           <a:p>
             <a:r>
-              <a:rPr kumimoji="0" lang="en-US" smtClean="0"/>
+              <a:rPr lang="en-US" smtClean="0"/>
               <a:t>Click to edit Master title style</a:t>
             </a:r>
-            <a:endParaRPr kumimoji="0" lang="en-US"/>
+            <a:endParaRPr lang="en-US"/>
           </a:p>
         </p:txBody>
       </p:sp>
@@ -2752,7 +3076,9 @@
           </a:sp3d>
         </p:spPr>
         <p:txBody>
-          <a:bodyPr/>
+          <a:bodyPr>
+            <a:normAutofit/>
+          </a:bodyPr>
           <a:lstStyle>
             <a:lvl1pPr marL="0" indent="0">
               <a:buNone/>
@@ -2760,11 +3086,12 @@
             </a:lvl1pPr>
           </a:lstStyle>
           <a:p>
-            <a:r>
-              <a:rPr kumimoji="0" lang="en-US" smtClean="0"/>
+            <a:pPr lvl="0"/>
+            <a:r>
+              <a:rPr lang="en-US" noProof="0" smtClean="0"/>
               <a:t>Click icon to add picture</a:t>
             </a:r>
-            <a:endParaRPr kumimoji="0" lang="en-US" dirty="0"/>
+            <a:endParaRPr lang="en-US" noProof="0" dirty="0"/>
           </a:p>
         </p:txBody>
       </p:sp>
@@ -2814,9 +3141,9 @@
             </a:lvl5pPr>
           </a:lstStyle>
           <a:p>
-            <a:pPr lvl="0" eaLnBrk="1" latinLnBrk="0" hangingPunct="1"/>
-            <a:r>
-              <a:rPr kumimoji="0" lang="en-US" smtClean="0"/>
+            <a:pPr lvl="0"/>
+            <a:r>
+              <a:rPr lang="en-US" smtClean="0"/>
               <a:t>Click to edit Master text styles</a:t>
             </a:r>
           </a:p>
@@ -2832,19 +3159,23 @@
             <p:ph type="dt" sz="half" idx="10"/>
           </p:nvPr>
         </p:nvSpPr>
-        <p:spPr>
-          <a:xfrm>
-            <a:off x="457200" y="6422064"/>
-            <a:ext cx="2133600" cy="365125"/>
-          </a:xfrm>
-        </p:spPr>
-        <p:txBody>
-          <a:bodyPr/>
-          <a:lstStyle/>
-          <a:p>
-            <a:fld id="{1D8BD707-D9CF-40AE-B4C6-C98DA3205C09}" type="datetimeFigureOut">
-              <a:rPr lang="en-US" smtClean="0"/>
-              <a:pPr/>
+        <p:spPr/>
+        <p:txBody>
+          <a:bodyPr/>
+          <a:lstStyle>
+            <a:lvl1pPr>
+              <a:defRPr/>
+            </a:lvl1pPr>
+          </a:lstStyle>
+          <a:p>
+            <a:pPr>
+              <a:defRPr/>
+            </a:pPr>
+            <a:fld id="{4A1D8942-8B75-4FD9-B28B-EB0C2F6562F7}" type="datetimeFigureOut">
+              <a:rPr lang="en-US"/>
+              <a:pPr>
+                <a:defRPr/>
+              </a:pPr>
               <a:t>12/18/2009</a:t>
             </a:fld>
             <a:endParaRPr lang="en-US"/>
@@ -2864,8 +3195,15 @@
         <p:spPr/>
         <p:txBody>
           <a:bodyPr/>
-          <a:lstStyle/>
-          <a:p>
+          <a:lstStyle>
+            <a:lvl1pPr>
+              <a:defRPr/>
+            </a:lvl1pPr>
+          </a:lstStyle>
+          <a:p>
+            <a:pPr>
+              <a:defRPr/>
+            </a:pPr>
             <a:endParaRPr lang="en-US"/>
           </a:p>
         </p:txBody>
@@ -2883,11 +3221,20 @@
         <p:spPr/>
         <p:txBody>
           <a:bodyPr/>
-          <a:lstStyle/>
-          <a:p>
-            <a:fld id="{B6F15528-21DE-4FAA-801E-634DDDAF4B2B}" type="slidenum">
-              <a:rPr lang="en-US" smtClean="0"/>
-              <a:pPr/>
+          <a:lstStyle>
+            <a:lvl1pPr>
+              <a:defRPr/>
+            </a:lvl1pPr>
+          </a:lstStyle>
+          <a:p>
+            <a:pPr>
+              <a:defRPr/>
+            </a:pPr>
+            <a:fld id="{93129F29-DCFC-40C5-B35D-807DF976BE04}" type="slidenum">
+              <a:rPr lang="en-US"/>
+              <a:pPr>
+                <a:defRPr/>
+              </a:pPr>
               <a:t>‹#›</a:t>
             </a:fld>
             <a:endParaRPr lang="en-US"/>
@@ -2934,7 +3281,7 @@
         </p:nvSpPr>
         <p:spPr bwMode="auto">
           <a:xfrm>
-            <a:off x="0" y="4752126"/>
+            <a:off x="0" y="4751388"/>
             <a:ext cx="9144000" cy="2112962"/>
           </a:xfrm>
           <a:custGeom>
@@ -3014,10 +3361,21 @@
           </a:effectLst>
         </p:spPr>
         <p:txBody>
-          <a:bodyPr vert="horz" wrap="square" lIns="91440" tIns="45720" rIns="91440" bIns="45720" anchor="t" compatLnSpc="1"/>
+          <a:bodyPr/>
           <a:lstStyle/>
           <a:p>
-            <a:endParaRPr kumimoji="0" lang="en-US"/>
+            <a:pPr fontAlgn="auto">
+              <a:spcBef>
+                <a:spcPts val="0"/>
+              </a:spcBef>
+              <a:spcAft>
+                <a:spcPts val="0"/>
+              </a:spcAft>
+              <a:defRPr/>
+            </a:pPr>
+            <a:endParaRPr lang="en-US">
+              <a:latin typeface="+mn-lt"/>
+            </a:endParaRPr>
           </a:p>
         </p:txBody>
       </p:sp>
@@ -3113,16 +3471,27 @@
           </a:effectLst>
         </p:spPr>
         <p:txBody>
-          <a:bodyPr vert="horz" wrap="square" lIns="91440" tIns="45720" rIns="91440" bIns="45720" anchor="t" compatLnSpc="1"/>
+          <a:bodyPr/>
           <a:lstStyle/>
           <a:p>
-            <a:endParaRPr kumimoji="0" lang="en-US"/>
-          </a:p>
-        </p:txBody>
-      </p:sp>
-      <p:sp>
-        <p:nvSpPr>
-          <p:cNvPr id="9" name="Title Placeholder 8"/>
+            <a:pPr fontAlgn="auto">
+              <a:spcBef>
+                <a:spcPts val="0"/>
+              </a:spcBef>
+              <a:spcAft>
+                <a:spcPts val="0"/>
+              </a:spcAft>
+              <a:defRPr/>
+            </a:pPr>
+            <a:endParaRPr lang="en-US">
+              <a:latin typeface="+mn-lt"/>
+            </a:endParaRPr>
+          </a:p>
+        </p:txBody>
+      </p:sp>
+      <p:sp>
+        <p:nvSpPr>
+          <p:cNvPr id="1028" name="Title Placeholder 8"/>
           <p:cNvSpPr>
             <a:spLocks noGrp="1"/>
           </p:cNvSpPr>
@@ -3130,7 +3499,7 @@
             <p:ph type="title"/>
           </p:nvPr>
         </p:nvSpPr>
-        <p:spPr>
+        <p:spPr bwMode="auto">
           <a:xfrm>
             <a:off x="457200" y="274638"/>
             <a:ext cx="7467600" cy="1143000"/>
@@ -3138,24 +3507,33 @@
           <a:prstGeom prst="rect">
             <a:avLst/>
           </a:prstGeom>
+          <a:noFill/>
+          <a:ln w="9525">
+            <a:noFill/>
+            <a:miter lim="800000"/>
+            <a:headEnd/>
+            <a:tailEnd/>
+          </a:ln>
         </p:spPr>
         <p:txBody>
-          <a:bodyPr vert="horz" lIns="45720" rIns="45720" anchor="ctr">
-            <a:normAutofit/>
+          <a:bodyPr vert="horz" wrap="square" lIns="45720" tIns="45720" rIns="45720" bIns="45720" numCol="1" anchor="ctr" anchorCtr="0" compatLnSpc="1">
+            <a:prstTxWarp prst="textNoShape">
+              <a:avLst/>
+            </a:prstTxWarp>
           </a:bodyPr>
           <a:lstStyle/>
           <a:p>
-            <a:r>
-              <a:rPr kumimoji="0" lang="en-US" smtClean="0"/>
+            <a:pPr lvl="0"/>
+            <a:r>
+              <a:rPr lang="en-US" smtClean="0"/>
               <a:t>Click to edit Master title style</a:t>
             </a:r>
-            <a:endParaRPr kumimoji="0" lang="en-US"/>
-          </a:p>
-        </p:txBody>
-      </p:sp>
-      <p:sp>
-        <p:nvSpPr>
-          <p:cNvPr id="30" name="Text Placeholder 29"/>
+          </a:p>
+        </p:txBody>
+      </p:sp>
+      <p:sp>
+        <p:nvSpPr>
+          <p:cNvPr id="1029" name="Text Placeholder 29"/>
           <p:cNvSpPr>
             <a:spLocks noGrp="1"/>
           </p:cNvSpPr>
@@ -3163,7 +3541,7 @@
             <p:ph type="body" idx="1"/>
           </p:nvPr>
         </p:nvSpPr>
-        <p:spPr>
+        <p:spPr bwMode="auto">
           <a:xfrm>
             <a:off x="457200" y="1600200"/>
             <a:ext cx="7467600" cy="4525963"/>
@@ -3171,47 +3549,55 @@
           <a:prstGeom prst="rect">
             <a:avLst/>
           </a:prstGeom>
+          <a:noFill/>
+          <a:ln w="9525">
+            <a:noFill/>
+            <a:miter lim="800000"/>
+            <a:headEnd/>
+            <a:tailEnd/>
+          </a:ln>
         </p:spPr>
         <p:txBody>
-          <a:bodyPr vert="horz">
-            <a:normAutofit/>
+          <a:bodyPr vert="horz" wrap="square" lIns="91440" tIns="45720" rIns="91440" bIns="45720" numCol="1" anchor="t" anchorCtr="0" compatLnSpc="1">
+            <a:prstTxWarp prst="textNoShape">
+              <a:avLst/>
+            </a:prstTxWarp>
           </a:bodyPr>
           <a:lstStyle/>
           <a:p>
-            <a:pPr lvl="0" eaLnBrk="1" latinLnBrk="0" hangingPunct="1"/>
-            <a:r>
-              <a:rPr kumimoji="0" lang="en-US" smtClean="0"/>
+            <a:pPr lvl="0"/>
+            <a:r>
+              <a:rPr lang="en-US" smtClean="0"/>
               <a:t>Click to edit Master text styles</a:t>
             </a:r>
           </a:p>
           <a:p>
-            <a:pPr lvl="1" eaLnBrk="1" latinLnBrk="0" hangingPunct="1"/>
-            <a:r>
-              <a:rPr kumimoji="0" lang="en-US" smtClean="0"/>
+            <a:pPr lvl="1"/>
+            <a:r>
+              <a:rPr lang="en-US" smtClean="0"/>
               <a:t>Second level</a:t>
             </a:r>
           </a:p>
           <a:p>
-            <a:pPr lvl="2" eaLnBrk="1" latinLnBrk="0" hangingPunct="1"/>
-            <a:r>
-              <a:rPr kumimoji="0" lang="en-US" smtClean="0"/>
+            <a:pPr lvl="2"/>
+            <a:r>
+              <a:rPr lang="en-US" smtClean="0"/>
               <a:t>Third level</a:t>
             </a:r>
           </a:p>
           <a:p>
-            <a:pPr lvl="3" eaLnBrk="1" latinLnBrk="0" hangingPunct="1"/>
-            <a:r>
-              <a:rPr kumimoji="0" lang="en-US" smtClean="0"/>
+            <a:pPr lvl="3"/>
+            <a:r>
+              <a:rPr lang="en-US" smtClean="0"/>
               <a:t>Fourth level</a:t>
             </a:r>
           </a:p>
           <a:p>
-            <a:pPr lvl="4" eaLnBrk="1" latinLnBrk="0" hangingPunct="1"/>
-            <a:r>
-              <a:rPr kumimoji="0" lang="en-US" smtClean="0"/>
+            <a:pPr lvl="4"/>
+            <a:r>
+              <a:rPr lang="en-US" smtClean="0"/>
               <a:t>Fifth level</a:t>
             </a:r>
-            <a:endParaRPr kumimoji="0" lang="en-US"/>
           </a:p>
         </p:txBody>
       </p:sp>
@@ -3227,7 +3613,7 @@
         </p:nvSpPr>
         <p:spPr>
           <a:xfrm>
-            <a:off x="457200" y="6422064"/>
+            <a:off x="457200" y="6421438"/>
             <a:ext cx="2133600" cy="365125"/>
           </a:xfrm>
           <a:prstGeom prst="rect">
@@ -3237,76 +3623,98 @@
         <p:txBody>
           <a:bodyPr vert="horz" bIns="0" anchor="b"/>
           <a:lstStyle>
-            <a:lvl1pPr algn="l" eaLnBrk="1" latinLnBrk="0" hangingPunct="1">
+            <a:lvl1pPr algn="l" eaLnBrk="1" fontAlgn="auto" latinLnBrk="0" hangingPunct="1">
+              <a:spcBef>
+                <a:spcPts val="0"/>
+              </a:spcBef>
+              <a:spcAft>
+                <a:spcPts val="0"/>
+              </a:spcAft>
+              <a:defRPr kumimoji="0" sz="1000" smtClean="0">
+                <a:solidFill>
+                  <a:schemeClr val="tx2">
+                    <a:shade val="50000"/>
+                  </a:schemeClr>
+                </a:solidFill>
+                <a:latin typeface="+mn-lt"/>
+              </a:defRPr>
+            </a:lvl1pPr>
+          </a:lstStyle>
+          <a:p>
+            <a:pPr>
+              <a:defRPr/>
+            </a:pPr>
+            <a:fld id="{83A06E1E-2218-42FC-8CBE-B9C30E0536D6}" type="datetimeFigureOut">
+              <a:rPr lang="en-US"/>
+              <a:pPr>
+                <a:defRPr/>
+              </a:pPr>
+              <a:t>12/18/2009</a:t>
+            </a:fld>
+            <a:endParaRPr lang="en-US"/>
+          </a:p>
+        </p:txBody>
+      </p:sp>
+      <p:sp>
+        <p:nvSpPr>
+          <p:cNvPr id="22" name="Footer Placeholder 21"/>
+          <p:cNvSpPr>
+            <a:spLocks noGrp="1"/>
+          </p:cNvSpPr>
+          <p:nvPr>
+            <p:ph type="ftr" sz="quarter" idx="3"/>
+          </p:nvPr>
+        </p:nvSpPr>
+        <p:spPr>
+          <a:xfrm>
+            <a:off x="3124200" y="6421438"/>
+            <a:ext cx="2895600" cy="365125"/>
+          </a:xfrm>
+          <a:prstGeom prst="rect">
+            <a:avLst/>
+          </a:prstGeom>
+        </p:spPr>
+        <p:txBody>
+          <a:bodyPr vert="horz" lIns="0" rIns="0" bIns="0" anchor="b"/>
+          <a:lstStyle>
+            <a:lvl1pPr algn="ctr" eaLnBrk="1" fontAlgn="auto" latinLnBrk="0" hangingPunct="1">
+              <a:spcBef>
+                <a:spcPts val="0"/>
+              </a:spcBef>
+              <a:spcAft>
+                <a:spcPts val="0"/>
+              </a:spcAft>
               <a:defRPr kumimoji="0" sz="1000">
                 <a:solidFill>
                   <a:schemeClr val="tx2">
                     <a:shade val="50000"/>
                   </a:schemeClr>
                 </a:solidFill>
+                <a:latin typeface="+mn-lt"/>
               </a:defRPr>
             </a:lvl1pPr>
           </a:lstStyle>
           <a:p>
-            <a:fld id="{1D8BD707-D9CF-40AE-B4C6-C98DA3205C09}" type="datetimeFigureOut">
-              <a:rPr lang="en-US" smtClean="0"/>
-              <a:pPr/>
-              <a:t>12/18/2009</a:t>
-            </a:fld>
+            <a:pPr>
+              <a:defRPr/>
+            </a:pPr>
             <a:endParaRPr lang="en-US"/>
           </a:p>
         </p:txBody>
       </p:sp>
       <p:sp>
         <p:nvSpPr>
-          <p:cNvPr id="22" name="Footer Placeholder 21"/>
-          <p:cNvSpPr>
-            <a:spLocks noGrp="1"/>
-          </p:cNvSpPr>
-          <p:nvPr>
-            <p:ph type="ftr" sz="quarter" idx="3"/>
+          <p:cNvPr id="18" name="Slide Number Placeholder 17"/>
+          <p:cNvSpPr>
+            <a:spLocks noGrp="1"/>
+          </p:cNvSpPr>
+          <p:nvPr>
+            <p:ph type="sldNum" sz="quarter" idx="4"/>
           </p:nvPr>
         </p:nvSpPr>
         <p:spPr>
           <a:xfrm>
-            <a:off x="3124200" y="6422064"/>
-            <a:ext cx="2895600" cy="365125"/>
-          </a:xfrm>
-          <a:prstGeom prst="rect">
-            <a:avLst/>
-          </a:prstGeom>
-        </p:spPr>
-        <p:txBody>
-          <a:bodyPr vert="horz" lIns="0" rIns="0" bIns="0" anchor="b"/>
-          <a:lstStyle>
-            <a:lvl1pPr algn="ctr" eaLnBrk="1" latinLnBrk="0" hangingPunct="1">
-              <a:defRPr kumimoji="0" sz="1000">
-                <a:solidFill>
-                  <a:schemeClr val="tx2">
-                    <a:shade val="50000"/>
-                  </a:schemeClr>
-                </a:solidFill>
-              </a:defRPr>
-            </a:lvl1pPr>
-          </a:lstStyle>
-          <a:p>
-            <a:endParaRPr lang="en-US"/>
-          </a:p>
-        </p:txBody>
-      </p:sp>
-      <p:sp>
-        <p:nvSpPr>
-          <p:cNvPr id="18" name="Slide Number Placeholder 17"/>
-          <p:cNvSpPr>
-            <a:spLocks noGrp="1"/>
-          </p:cNvSpPr>
-          <p:nvPr>
-            <p:ph type="sldNum" sz="quarter" idx="4"/>
-          </p:nvPr>
-        </p:nvSpPr>
-        <p:spPr>
-          <a:xfrm>
-            <a:off x="8153400" y="6422064"/>
+            <a:off x="8153400" y="6421438"/>
             <a:ext cx="762000" cy="365125"/>
           </a:xfrm>
           <a:prstGeom prst="rect">
@@ -3316,20 +3724,32 @@
         <p:txBody>
           <a:bodyPr vert="horz" lIns="0" tIns="0" rIns="0" bIns="0" anchor="b"/>
           <a:lstStyle>
-            <a:lvl1pPr algn="r" eaLnBrk="1" latinLnBrk="0" hangingPunct="1">
-              <a:defRPr kumimoji="0" sz="1000">
+            <a:lvl1pPr algn="r" eaLnBrk="1" fontAlgn="auto" latinLnBrk="0" hangingPunct="1">
+              <a:spcBef>
+                <a:spcPts val="0"/>
+              </a:spcBef>
+              <a:spcAft>
+                <a:spcPts val="0"/>
+              </a:spcAft>
+              <a:defRPr kumimoji="0" sz="1000" smtClean="0">
                 <a:solidFill>
                   <a:schemeClr val="tx2">
                     <a:shade val="50000"/>
                   </a:schemeClr>
                 </a:solidFill>
+                <a:latin typeface="+mn-lt"/>
               </a:defRPr>
             </a:lvl1pPr>
           </a:lstStyle>
           <a:p>
-            <a:fld id="{B6F15528-21DE-4FAA-801E-634DDDAF4B2B}" type="slidenum">
-              <a:rPr lang="en-US" smtClean="0"/>
-              <a:pPr/>
+            <a:pPr>
+              <a:defRPr/>
+            </a:pPr>
+            <a:fld id="{30B643CB-22D4-45BE-BF54-9C072627CDED}" type="slidenum">
+              <a:rPr lang="en-US"/>
+              <a:pPr>
+                <a:defRPr/>
+              </a:pPr>
               <a:t>‹#›</a:t>
             </a:fld>
             <a:endParaRPr lang="en-US"/>
@@ -3340,26 +3760,28 @@
   </p:cSld>
   <p:clrMap bg1="dk1" tx1="lt1" bg2="dk2" tx2="lt2" accent1="accent1" accent2="accent2" accent3="accent3" accent4="accent4" accent5="accent5" accent6="accent6" hlink="hlink" folHlink="folHlink"/>
   <p:sldLayoutIdLst>
-    <p:sldLayoutId id="2147483793" r:id="rId1"/>
-    <p:sldLayoutId id="2147483794" r:id="rId2"/>
-    <p:sldLayoutId id="2147483795" r:id="rId3"/>
-    <p:sldLayoutId id="2147483796" r:id="rId4"/>
-    <p:sldLayoutId id="2147483797" r:id="rId5"/>
-    <p:sldLayoutId id="2147483798" r:id="rId6"/>
-    <p:sldLayoutId id="2147483799" r:id="rId7"/>
-    <p:sldLayoutId id="2147483800" r:id="rId8"/>
-    <p:sldLayoutId id="2147483801" r:id="rId9"/>
-    <p:sldLayoutId id="2147483802" r:id="rId10"/>
-    <p:sldLayoutId id="2147483803" r:id="rId11"/>
+    <p:sldLayoutId id="2147483804" r:id="rId1"/>
+    <p:sldLayoutId id="2147483803" r:id="rId2"/>
+    <p:sldLayoutId id="2147483805" r:id="rId3"/>
+    <p:sldLayoutId id="2147483802" r:id="rId4"/>
+    <p:sldLayoutId id="2147483806" r:id="rId5"/>
+    <p:sldLayoutId id="2147483801" r:id="rId6"/>
+    <p:sldLayoutId id="2147483800" r:id="rId7"/>
+    <p:sldLayoutId id="2147483807" r:id="rId8"/>
+    <p:sldLayoutId id="2147483808" r:id="rId9"/>
+    <p:sldLayoutId id="2147483799" r:id="rId10"/>
+    <p:sldLayoutId id="2147483798" r:id="rId11"/>
   </p:sldLayoutIdLst>
   <p:txStyles>
     <p:titleStyle>
-      <a:lvl1pPr algn="l" rtl="0" eaLnBrk="1" latinLnBrk="0" hangingPunct="1">
+      <a:lvl1pPr algn="l" rtl="0" fontAlgn="base">
         <a:spcBef>
           <a:spcPct val="0"/>
         </a:spcBef>
-        <a:buNone/>
-        <a:defRPr kumimoji="0" sz="4600" kern="1200">
+        <a:spcAft>
+          <a:spcPct val="0"/>
+        </a:spcAft>
+        <a:defRPr sz="4600" kern="1200">
           <a:solidFill>
             <a:schemeClr val="tx1"/>
           </a:solidFill>
@@ -3368,19 +3790,134 @@
           <a:cs typeface="+mj-cs"/>
         </a:defRPr>
       </a:lvl1pPr>
+      <a:lvl2pPr algn="l" rtl="0" fontAlgn="base">
+        <a:spcBef>
+          <a:spcPct val="0"/>
+        </a:spcBef>
+        <a:spcAft>
+          <a:spcPct val="0"/>
+        </a:spcAft>
+        <a:defRPr sz="4600">
+          <a:solidFill>
+            <a:schemeClr val="tx1"/>
+          </a:solidFill>
+          <a:latin typeface="Franklin Gothic Book" pitchFamily="34" charset="0"/>
+        </a:defRPr>
+      </a:lvl2pPr>
+      <a:lvl3pPr algn="l" rtl="0" fontAlgn="base">
+        <a:spcBef>
+          <a:spcPct val="0"/>
+        </a:spcBef>
+        <a:spcAft>
+          <a:spcPct val="0"/>
+        </a:spcAft>
+        <a:defRPr sz="4600">
+          <a:solidFill>
+            <a:schemeClr val="tx1"/>
+          </a:solidFill>
+          <a:latin typeface="Franklin Gothic Book" pitchFamily="34" charset="0"/>
+        </a:defRPr>
+      </a:lvl3pPr>
+      <a:lvl4pPr algn="l" rtl="0" fontAlgn="base">
+        <a:spcBef>
+          <a:spcPct val="0"/>
+        </a:spcBef>
+        <a:spcAft>
+          <a:spcPct val="0"/>
+        </a:spcAft>
+        <a:defRPr sz="4600">
+          <a:solidFill>
+            <a:schemeClr val="tx1"/>
+          </a:solidFill>
+          <a:latin typeface="Franklin Gothic Book" pitchFamily="34" charset="0"/>
+        </a:defRPr>
+      </a:lvl4pPr>
+      <a:lvl5pPr algn="l" rtl="0" fontAlgn="base">
+        <a:spcBef>
+          <a:spcPct val="0"/>
+        </a:spcBef>
+        <a:spcAft>
+          <a:spcPct val="0"/>
+        </a:spcAft>
+        <a:defRPr sz="4600">
+          <a:solidFill>
+            <a:schemeClr val="tx1"/>
+          </a:solidFill>
+          <a:latin typeface="Franklin Gothic Book" pitchFamily="34" charset="0"/>
+        </a:defRPr>
+      </a:lvl5pPr>
+      <a:lvl6pPr marL="457200" algn="l" rtl="0" fontAlgn="base">
+        <a:spcBef>
+          <a:spcPct val="0"/>
+        </a:spcBef>
+        <a:spcAft>
+          <a:spcPct val="0"/>
+        </a:spcAft>
+        <a:defRPr sz="4600">
+          <a:solidFill>
+            <a:schemeClr val="tx1"/>
+          </a:solidFill>
+          <a:latin typeface="Franklin Gothic Book" pitchFamily="34" charset="0"/>
+        </a:defRPr>
+      </a:lvl6pPr>
+      <a:lvl7pPr marL="914400" algn="l" rtl="0" fontAlgn="base">
+        <a:spcBef>
+          <a:spcPct val="0"/>
+        </a:spcBef>
+        <a:spcAft>
+          <a:spcPct val="0"/>
+        </a:spcAft>
+        <a:defRPr sz="4600">
+          <a:solidFill>
+            <a:schemeClr val="tx1"/>
+          </a:solidFill>
+          <a:latin typeface="Franklin Gothic Book" pitchFamily="34" charset="0"/>
+        </a:defRPr>
+      </a:lvl7pPr>
+      <a:lvl8pPr marL="1371600" algn="l" rtl="0" fontAlgn="base">
+        <a:spcBef>
+          <a:spcPct val="0"/>
+        </a:spcBef>
+        <a:spcAft>
+          <a:spcPct val="0"/>
+        </a:spcAft>
+        <a:defRPr sz="4600">
+          <a:solidFill>
+            <a:schemeClr val="tx1"/>
+          </a:solidFill>
+          <a:latin typeface="Franklin Gothic Book" pitchFamily="34" charset="0"/>
+        </a:defRPr>
+      </a:lvl8pPr>
+      <a:lvl9pPr marL="1828800" algn="l" rtl="0" fontAlgn="base">
+        <a:spcBef>
+          <a:spcPct val="0"/>
+        </a:spcBef>
+        <a:spcAft>
+          <a:spcPct val="0"/>
+        </a:spcAft>
+        <a:defRPr sz="4600">
+          <a:solidFill>
+            <a:schemeClr val="tx1"/>
+          </a:solidFill>
+          <a:latin typeface="Franklin Gothic Book" pitchFamily="34" charset="0"/>
+        </a:defRPr>
+      </a:lvl9pPr>
     </p:titleStyle>
     <p:bodyStyle>
-      <a:lvl1pPr marL="420624" indent="-384048" algn="l" rtl="0" eaLnBrk="1" latinLnBrk="0" hangingPunct="1">
+      <a:lvl1pPr marL="419100" indent="-382588" algn="l" rtl="0" fontAlgn="base">
         <a:spcBef>
           <a:spcPct val="20000"/>
         </a:spcBef>
+        <a:spcAft>
+          <a:spcPct val="0"/>
+        </a:spcAft>
         <a:buClr>
           <a:schemeClr val="accent1"/>
         </a:buClr>
         <a:buSzPct val="80000"/>
-        <a:buFont typeface="Wingdings 2"/>
+        <a:buFont typeface="Wingdings 2" pitchFamily="18" charset="2"/>
         <a:buChar char=""/>
-        <a:defRPr kumimoji="0" sz="3000" kern="1200">
+        <a:defRPr sz="3000" kern="1200">
           <a:solidFill>
             <a:schemeClr val="tx1"/>
           </a:solidFill>
@@ -3389,17 +3926,20 @@
           <a:cs typeface="+mn-cs"/>
         </a:defRPr>
       </a:lvl1pPr>
-      <a:lvl2pPr marL="722376" indent="-274320" algn="l" rtl="0" eaLnBrk="1" latinLnBrk="0" hangingPunct="1">
+      <a:lvl2pPr marL="722313" indent="-273050" algn="l" rtl="0" fontAlgn="base">
         <a:spcBef>
           <a:spcPct val="20000"/>
         </a:spcBef>
+        <a:spcAft>
+          <a:spcPct val="0"/>
+        </a:spcAft>
         <a:buClr>
           <a:schemeClr val="accent1"/>
         </a:buClr>
         <a:buSzPct val="90000"/>
-        <a:buFont typeface="Wingdings 2"/>
+        <a:buFont typeface="Wingdings 2" pitchFamily="18" charset="2"/>
         <a:buChar char=""/>
-        <a:defRPr kumimoji="0" sz="2600" kern="1200">
+        <a:defRPr sz="2600" kern="1200">
           <a:solidFill>
             <a:schemeClr val="tx1"/>
           </a:solidFill>
@@ -3408,17 +3948,20 @@
           <a:cs typeface="+mn-cs"/>
         </a:defRPr>
       </a:lvl2pPr>
-      <a:lvl3pPr marL="1005840" indent="-256032" algn="l" rtl="0" eaLnBrk="1" latinLnBrk="0" hangingPunct="1">
+      <a:lvl3pPr marL="1004888" indent="-255588" algn="l" rtl="0" fontAlgn="base">
         <a:spcBef>
           <a:spcPct val="20000"/>
         </a:spcBef>
+        <a:spcAft>
+          <a:spcPct val="0"/>
+        </a:spcAft>
         <a:buClr>
           <a:schemeClr val="accent2"/>
         </a:buClr>
         <a:buSzPct val="85000"/>
-        <a:buFont typeface="Arial"/>
+        <a:buFont typeface="Arial" charset="0"/>
         <a:buChar char="○"/>
-        <a:defRPr kumimoji="0" sz="2400" kern="1200">
+        <a:defRPr sz="2400" kern="1200">
           <a:solidFill>
             <a:schemeClr val="tx1"/>
           </a:solidFill>
@@ -3427,17 +3970,20 @@
           <a:cs typeface="+mn-cs"/>
         </a:defRPr>
       </a:lvl3pPr>
-      <a:lvl4pPr marL="1280160" indent="-237744" algn="l" rtl="0" eaLnBrk="1" latinLnBrk="0" hangingPunct="1">
+      <a:lvl4pPr marL="1279525" indent="-236538" algn="l" rtl="0" fontAlgn="base">
         <a:spcBef>
           <a:spcPct val="20000"/>
         </a:spcBef>
+        <a:spcAft>
+          <a:spcPct val="0"/>
+        </a:spcAft>
         <a:buClr>
-          <a:schemeClr val="accent3"/>
+          <a:srgbClr val="8D89A4"/>
         </a:buClr>
         <a:buSzPct val="90000"/>
-        <a:buFont typeface="Wingdings 2"/>
+        <a:buFont typeface="Wingdings 2" pitchFamily="18" charset="2"/>
         <a:buChar char=""/>
-        <a:defRPr kumimoji="0" sz="2000" kern="1200">
+        <a:defRPr sz="2000" kern="1200">
           <a:solidFill>
             <a:schemeClr val="tx1"/>
           </a:solidFill>
@@ -3446,17 +3992,20 @@
           <a:cs typeface="+mn-cs"/>
         </a:defRPr>
       </a:lvl4pPr>
-      <a:lvl5pPr marL="1490472" indent="-182880" algn="l" rtl="0" eaLnBrk="1" latinLnBrk="0" hangingPunct="1">
+      <a:lvl5pPr marL="1489075" indent="-182563" algn="l" rtl="0" fontAlgn="base">
         <a:spcBef>
           <a:spcPct val="20000"/>
         </a:spcBef>
+        <a:spcAft>
+          <a:spcPct val="0"/>
+        </a:spcAft>
         <a:buClr>
-          <a:schemeClr val="accent4"/>
+          <a:srgbClr val="748560"/>
         </a:buClr>
         <a:buSzPct val="100000"/>
-        <a:buFont typeface="Arial"/>
+        <a:buFont typeface="Arial" charset="0"/>
         <a:buChar char="-"/>
-        <a:defRPr kumimoji="0" sz="2000" kern="1200">
+        <a:defRPr sz="2000" kern="1200">
           <a:solidFill>
             <a:schemeClr val="tx1"/>
           </a:solidFill>
@@ -3664,20 +4213,28 @@
         </p:nvSpPr>
         <p:spPr/>
         <p:txBody>
-          <a:bodyPr/>
+          <a:bodyPr>
+            <a:normAutofit/>
+          </a:bodyPr>
           <a:lstStyle/>
           <a:p>
-            <a:r>
-              <a:rPr lang="sv-SE" dirty="0" smtClean="0"/>
+            <a:pPr fontAlgn="auto">
+              <a:spcAft>
+                <a:spcPts val="0"/>
+              </a:spcAft>
+              <a:defRPr/>
+            </a:pPr>
+            <a:r>
+              <a:rPr lang="sv-SE" smtClean="0"/>
               <a:t>Group 2</a:t>
             </a:r>
-            <a:endParaRPr lang="sv-SE" dirty="0"/>
-          </a:p>
-        </p:txBody>
-      </p:sp>
-      <p:sp>
-        <p:nvSpPr>
-          <p:cNvPr id="3" name="Subtitle 2"/>
+            <a:endParaRPr lang="sv-SE"/>
+          </a:p>
+        </p:txBody>
+      </p:sp>
+      <p:sp>
+        <p:nvSpPr>
+          <p:cNvPr id="13314" name="Subtitle 2"/>
           <p:cNvSpPr>
             <a:spLocks noGrp="1"/>
           </p:cNvSpPr>
@@ -3685,16 +4242,20 @@
             <p:ph type="subTitle" idx="1"/>
           </p:nvPr>
         </p:nvSpPr>
-        <p:spPr/>
+        <p:spPr>
+          <a:xfrm>
+            <a:off x="433388" y="1544638"/>
+            <a:ext cx="6480175" cy="1752600"/>
+          </a:xfrm>
+        </p:spPr>
         <p:txBody>
           <a:bodyPr/>
           <a:lstStyle/>
           <a:p>
             <a:r>
-              <a:rPr lang="sv-SE" dirty="0" smtClean="0"/>
+              <a:rPr lang="sv-SE" smtClean="0"/>
               <a:t>Mr.roboto VS Ogrezilla 2</a:t>
             </a:r>
-            <a:endParaRPr lang="sv-SE" dirty="0"/>
           </a:p>
         </p:txBody>
       </p:sp>
@@ -3732,7 +4293,7 @@
       </p:grpSpPr>
       <p:sp>
         <p:nvSpPr>
-          <p:cNvPr id="2" name="Title 1"/>
+          <p:cNvPr id="22529" name="Title 1"/>
           <p:cNvSpPr>
             <a:spLocks noGrp="1"/>
           </p:cNvSpPr>
@@ -3746,16 +4307,15 @@
           <a:lstStyle/>
           <a:p>
             <a:r>
-              <a:rPr lang="sv-SE" dirty="0" smtClean="0"/>
+              <a:rPr lang="sv-SE" smtClean="0"/>
               <a:t>Physics</a:t>
             </a:r>
-            <a:endParaRPr lang="sv-SE" dirty="0"/>
-          </a:p>
-        </p:txBody>
-      </p:sp>
-      <p:sp>
-        <p:nvSpPr>
-          <p:cNvPr id="3" name="Content Placeholder 2"/>
+          </a:p>
+        </p:txBody>
+      </p:sp>
+      <p:sp>
+        <p:nvSpPr>
+          <p:cNvPr id="22530" name="Content Placeholder 2"/>
           <p:cNvSpPr>
             <a:spLocks noGrp="1"/>
           </p:cNvSpPr>
@@ -3769,23 +4329,18 @@
           <a:lstStyle/>
           <a:p>
             <a:r>
-              <a:rPr lang="sv-SE" dirty="0" smtClean="0"/>
+              <a:rPr lang="sv-SE" smtClean="0"/>
               <a:t>NxOgre wrapper</a:t>
             </a:r>
           </a:p>
           <a:p>
             <a:r>
-              <a:rPr lang="sv-SE" dirty="0" smtClean="0"/>
-              <a:t>Help </a:t>
-            </a:r>
-            <a:r>
               <a:rPr lang="sv-SE" smtClean="0"/>
-              <a:t>from PhysX </a:t>
-            </a:r>
-            <a:endParaRPr lang="sv-SE" dirty="0" smtClean="0"/>
-          </a:p>
-          <a:p>
-            <a:endParaRPr lang="sv-SE" dirty="0"/>
+              <a:t>Help from PhysX </a:t>
+            </a:r>
+          </a:p>
+          <a:p>
+            <a:endParaRPr lang="sv-SE" smtClean="0"/>
           </a:p>
         </p:txBody>
       </p:sp>
@@ -3816,7 +4371,7 @@
       </p:grpSpPr>
       <p:sp>
         <p:nvSpPr>
-          <p:cNvPr id="2" name="Title 1"/>
+          <p:cNvPr id="23553" name="Title 1"/>
           <p:cNvSpPr>
             <a:spLocks noGrp="1"/>
           </p:cNvSpPr>
@@ -3830,16 +4385,15 @@
           <a:lstStyle/>
           <a:p>
             <a:r>
-              <a:rPr lang="sv-SE" dirty="0" smtClean="0"/>
+              <a:rPr lang="sv-SE" smtClean="0"/>
               <a:t>Bullets and grenades</a:t>
             </a:r>
-            <a:endParaRPr lang="sv-SE" dirty="0"/>
-          </a:p>
-        </p:txBody>
-      </p:sp>
-      <p:sp>
-        <p:nvSpPr>
-          <p:cNvPr id="3" name="Content Placeholder 2"/>
+          </a:p>
+        </p:txBody>
+      </p:sp>
+      <p:sp>
+        <p:nvSpPr>
+          <p:cNvPr id="23554" name="Content Placeholder 2"/>
           <p:cNvSpPr>
             <a:spLocks noGrp="1"/>
           </p:cNvSpPr>
@@ -3853,40 +4407,39 @@
           <a:lstStyle/>
           <a:p>
             <a:r>
-              <a:rPr lang="sv-SE" dirty="0" smtClean="0"/>
+              <a:rPr lang="sv-SE" smtClean="0"/>
               <a:t>Four projectiles </a:t>
             </a:r>
           </a:p>
           <a:p>
             <a:r>
-              <a:rPr lang="sv-SE" dirty="0" smtClean="0"/>
+              <a:rPr lang="sv-SE" smtClean="0"/>
               <a:t>FastShell (raycast a location, spawn explosion)</a:t>
             </a:r>
           </a:p>
           <a:p>
             <a:r>
-              <a:rPr lang="sv-SE" dirty="0" smtClean="0"/>
+              <a:rPr lang="sv-SE" smtClean="0"/>
               <a:t>Shell (spawn explosion, no raycasting)</a:t>
             </a:r>
           </a:p>
           <a:p>
             <a:r>
-              <a:rPr lang="sv-SE" dirty="0" smtClean="0"/>
+              <a:rPr lang="sv-SE" smtClean="0"/>
               <a:t>Bullet (return the hit)</a:t>
             </a:r>
           </a:p>
           <a:p>
             <a:r>
-              <a:rPr lang="sv-SE" dirty="0" smtClean="0"/>
+              <a:rPr lang="sv-SE" smtClean="0"/>
               <a:t>Grenade (explode after a certain amount of time)</a:t>
             </a:r>
           </a:p>
           <a:p>
             <a:r>
-              <a:rPr lang="sv-SE" dirty="0" smtClean="0"/>
+              <a:rPr lang="sv-SE" smtClean="0"/>
               <a:t>A single class, manages all cannons.</a:t>
             </a:r>
-            <a:endParaRPr lang="sv-SE" dirty="0"/>
           </a:p>
         </p:txBody>
       </p:sp>
@@ -3917,7 +4470,7 @@
       </p:grpSpPr>
       <p:sp>
         <p:nvSpPr>
-          <p:cNvPr id="2" name="Title 1"/>
+          <p:cNvPr id="24577" name="Title 1"/>
           <p:cNvSpPr>
             <a:spLocks noGrp="1"/>
           </p:cNvSpPr>
@@ -3931,16 +4484,15 @@
           <a:lstStyle/>
           <a:p>
             <a:r>
-              <a:rPr lang="sv-SE" dirty="0" smtClean="0"/>
+              <a:rPr lang="sv-SE" smtClean="0"/>
               <a:t>Demo</a:t>
             </a:r>
-            <a:endParaRPr lang="sv-SE" dirty="0"/>
-          </a:p>
-        </p:txBody>
-      </p:sp>
-      <p:sp>
-        <p:nvSpPr>
-          <p:cNvPr id="3" name="Content Placeholder 2"/>
+          </a:p>
+        </p:txBody>
+      </p:sp>
+      <p:sp>
+        <p:nvSpPr>
+          <p:cNvPr id="24578" name="Content Placeholder 2"/>
           <p:cNvSpPr>
             <a:spLocks noGrp="1"/>
           </p:cNvSpPr>
@@ -3953,7 +4505,7 @@
           <a:bodyPr/>
           <a:lstStyle/>
           <a:p>
-            <a:endParaRPr lang="sv-SE"/>
+            <a:endParaRPr lang="sv-SE" smtClean="0"/>
           </a:p>
         </p:txBody>
       </p:sp>
@@ -3984,7 +4536,7 @@
       </p:grpSpPr>
       <p:sp>
         <p:nvSpPr>
-          <p:cNvPr id="2" name="Title 1"/>
+          <p:cNvPr id="14337" name="Title 1"/>
           <p:cNvSpPr>
             <a:spLocks noGrp="1"/>
           </p:cNvSpPr>
@@ -3998,16 +4550,15 @@
           <a:lstStyle/>
           <a:p>
             <a:r>
-              <a:rPr lang="sv-SE" dirty="0" smtClean="0"/>
-              <a:t>Software Engineerer</a:t>
-            </a:r>
-            <a:endParaRPr lang="sv-SE" dirty="0"/>
-          </a:p>
-        </p:txBody>
-      </p:sp>
-      <p:sp>
-        <p:nvSpPr>
-          <p:cNvPr id="3" name="Content Placeholder 2"/>
+              <a:rPr lang="sv-SE" smtClean="0"/>
+              <a:t>Software Engineer</a:t>
+            </a:r>
+          </a:p>
+        </p:txBody>
+      </p:sp>
+      <p:sp>
+        <p:nvSpPr>
+          <p:cNvPr id="14338" name="Content Placeholder 2"/>
           <p:cNvSpPr>
             <a:spLocks noGrp="1"/>
           </p:cNvSpPr>
@@ -4021,30 +4572,30 @@
           <a:lstStyle/>
           <a:p>
             <a:r>
-              <a:rPr lang="sv-SE" dirty="0" smtClean="0"/>
+              <a:rPr lang="sv-SE" smtClean="0"/>
               <a:t>Setting up SVN/Enviroment</a:t>
             </a:r>
           </a:p>
           <a:p>
             <a:r>
-              <a:rPr lang="sv-SE" dirty="0" smtClean="0"/>
+              <a:rPr lang="sv-SE" smtClean="0"/>
               <a:t>Battling the Ogre</a:t>
             </a:r>
           </a:p>
           <a:p>
             <a:r>
-              <a:rPr lang="sv-SE" dirty="0" smtClean="0"/>
+              <a:rPr lang="sv-SE" smtClean="0"/>
               <a:t>Creating the framework</a:t>
             </a:r>
           </a:p>
           <a:p>
             <a:r>
-              <a:rPr lang="sv-SE" dirty="0" smtClean="0"/>
+              <a:rPr lang="sv-SE" smtClean="0"/>
               <a:t>Integrating everything into it</a:t>
             </a:r>
           </a:p>
           <a:p>
-            <a:endParaRPr lang="sv-SE" dirty="0" smtClean="0"/>
+            <a:endParaRPr lang="sv-SE" smtClean="0"/>
           </a:p>
         </p:txBody>
       </p:sp>
@@ -4082,7 +4633,7 @@
       </p:grpSpPr>
       <p:sp>
         <p:nvSpPr>
-          <p:cNvPr id="2" name="Title 1"/>
+          <p:cNvPr id="15361" name="Title 1"/>
           <p:cNvSpPr>
             <a:spLocks noGrp="1"/>
           </p:cNvSpPr>
@@ -4096,16 +4647,15 @@
           <a:lstStyle/>
           <a:p>
             <a:r>
-              <a:rPr lang="sv-SE" dirty="0" smtClean="0"/>
+              <a:rPr lang="sv-SE" smtClean="0"/>
               <a:t>The basic structure</a:t>
             </a:r>
-            <a:endParaRPr lang="sv-SE" dirty="0"/>
-          </a:p>
-        </p:txBody>
-      </p:sp>
-      <p:sp>
-        <p:nvSpPr>
-          <p:cNvPr id="3" name="Content Placeholder 2"/>
+          </a:p>
+        </p:txBody>
+      </p:sp>
+      <p:sp>
+        <p:nvSpPr>
+          <p:cNvPr id="15362" name="Content Placeholder 2"/>
           <p:cNvSpPr>
             <a:spLocks noGrp="1"/>
           </p:cNvSpPr>
@@ -4118,20 +4668,20 @@
           <a:bodyPr/>
           <a:lstStyle/>
           <a:p>
-            <a:endParaRPr lang="sv-SE"/>
+            <a:endParaRPr lang="sv-SE" smtClean="0"/>
           </a:p>
         </p:txBody>
       </p:sp>
       <p:pic>
         <p:nvPicPr>
-          <p:cNvPr id="1026" name="Picture 2" descr="C:\Users\Jocke\Desktop\Untitled-1.png"/>
+          <p:cNvPr id="15363" name="Picture 2" descr="C:\Users\Jocke\Desktop\Untitled-1.png"/>
           <p:cNvPicPr>
             <a:picLocks noChangeAspect="1" noChangeArrowheads="1"/>
           </p:cNvPicPr>
           <p:nvPr/>
         </p:nvPicPr>
         <p:blipFill>
-          <a:blip r:embed="rId2" cstate="print"/>
+          <a:blip r:embed="rId2"/>
           <a:srcRect/>
           <a:stretch>
             <a:fillRect/>
@@ -4140,12 +4690,18 @@
         <p:spPr bwMode="auto">
           <a:xfrm>
             <a:off x="1447800" y="1600200"/>
-            <a:ext cx="5405425" cy="4419600"/>
+            <a:ext cx="5405438" cy="4419600"/>
           </a:xfrm>
           <a:prstGeom prst="rect">
             <a:avLst/>
           </a:prstGeom>
           <a:noFill/>
+          <a:ln w="9525">
+            <a:noFill/>
+            <a:miter lim="800000"/>
+            <a:headEnd/>
+            <a:tailEnd/>
+          </a:ln>
         </p:spPr>
       </p:pic>
     </p:spTree>
@@ -4182,7 +4738,7 @@
       </p:grpSpPr>
       <p:sp>
         <p:nvSpPr>
-          <p:cNvPr id="2" name="Title 1"/>
+          <p:cNvPr id="16385" name="Title 1"/>
           <p:cNvSpPr>
             <a:spLocks noGrp="1"/>
           </p:cNvSpPr>
@@ -4196,10 +4752,9 @@
           <a:lstStyle/>
           <a:p>
             <a:r>
-              <a:rPr lang="sv-SE" dirty="0" smtClean="0"/>
+              <a:rPr lang="sv-SE" smtClean="0"/>
               <a:t>Multimedia</a:t>
             </a:r>
-            <a:endParaRPr lang="sv-SE" dirty="0"/>
           </a:p>
         </p:txBody>
       </p:sp>
@@ -4220,20 +4775,42 @@
           </a:bodyPr>
           <a:lstStyle/>
           <a:p>
+            <a:pPr marL="420624" indent="-384048" fontAlgn="auto">
+              <a:spcAft>
+                <a:spcPts val="0"/>
+              </a:spcAft>
+              <a:buFont typeface="Wingdings 2"/>
+              <a:buChar char=""/>
+              <a:defRPr/>
+            </a:pPr>
             <a:r>
               <a:rPr lang="sv-SE" dirty="0" smtClean="0"/>
               <a:t>General</a:t>
             </a:r>
           </a:p>
           <a:p>
-            <a:pPr lvl="1"/>
+            <a:pPr marL="722376" lvl="1" indent="-274320" fontAlgn="auto">
+              <a:spcAft>
+                <a:spcPts val="0"/>
+              </a:spcAft>
+              <a:buFont typeface="Wingdings 2"/>
+              <a:buChar char=""/>
+              <a:defRPr/>
+            </a:pPr>
             <a:r>
               <a:rPr lang="sv-SE" dirty="0" smtClean="0"/>
               <a:t>Sound extension</a:t>
             </a:r>
           </a:p>
           <a:p>
-            <a:pPr lvl="1"/>
+            <a:pPr marL="722376" lvl="1" indent="-274320" fontAlgn="auto">
+              <a:spcAft>
+                <a:spcPts val="0"/>
+              </a:spcAft>
+              <a:buFont typeface="Wingdings 2"/>
+              <a:buChar char=""/>
+              <a:defRPr/>
+            </a:pPr>
             <a:r>
               <a:rPr lang="sv-SE" dirty="0" err="1" smtClean="0"/>
               <a:t>OpenAl</a:t>
@@ -4249,13 +4826,28 @@
             <a:endParaRPr lang="sv-SE" dirty="0" smtClean="0"/>
           </a:p>
           <a:p>
+            <a:pPr marL="420624" indent="-384048" fontAlgn="auto">
+              <a:spcAft>
+                <a:spcPts val="0"/>
+              </a:spcAft>
+              <a:buFont typeface="Wingdings 2"/>
+              <a:buChar char=""/>
+              <a:defRPr/>
+            </a:pPr>
             <a:r>
               <a:rPr lang="sv-SE" dirty="0" smtClean="0"/>
               <a:t>Extension</a:t>
             </a:r>
           </a:p>
           <a:p>
-            <a:pPr lvl="1"/>
+            <a:pPr marL="722376" lvl="1" indent="-274320" fontAlgn="auto">
+              <a:spcAft>
+                <a:spcPts val="0"/>
+              </a:spcAft>
+              <a:buFont typeface="Wingdings 2"/>
+              <a:buChar char=""/>
+              <a:defRPr/>
+            </a:pPr>
             <a:r>
               <a:rPr lang="sv-SE" dirty="0" err="1" smtClean="0"/>
               <a:t>Dynamic</a:t>
@@ -4271,7 +4863,14 @@
             <a:endParaRPr lang="sv-SE" dirty="0" smtClean="0"/>
           </a:p>
           <a:p>
-            <a:pPr lvl="1"/>
+            <a:pPr marL="722376" lvl="1" indent="-274320" fontAlgn="auto">
+              <a:spcAft>
+                <a:spcPts val="0"/>
+              </a:spcAft>
+              <a:buFont typeface="Wingdings 2"/>
+              <a:buChar char=""/>
+              <a:defRPr/>
+            </a:pPr>
             <a:r>
               <a:rPr lang="sv-SE" dirty="0" err="1" smtClean="0"/>
               <a:t>Depends</a:t>
@@ -4287,6 +4886,14 @@
             <a:endParaRPr lang="sv-SE" dirty="0" smtClean="0"/>
           </a:p>
           <a:p>
+            <a:pPr marL="420624" indent="-384048" fontAlgn="auto">
+              <a:spcAft>
+                <a:spcPts val="0"/>
+              </a:spcAft>
+              <a:buFont typeface="Wingdings 2"/>
+              <a:buChar char=""/>
+              <a:defRPr/>
+            </a:pPr>
             <a:r>
               <a:rPr lang="sv-SE" dirty="0" err="1" smtClean="0"/>
               <a:t>Implementation</a:t>
@@ -4294,21 +4901,42 @@
             <a:endParaRPr lang="sv-SE" dirty="0" smtClean="0"/>
           </a:p>
           <a:p>
-            <a:pPr lvl="1"/>
+            <a:pPr marL="722376" lvl="1" indent="-274320" fontAlgn="auto">
+              <a:spcAft>
+                <a:spcPts val="0"/>
+              </a:spcAft>
+              <a:buFont typeface="Wingdings 2"/>
+              <a:buChar char=""/>
+              <a:defRPr/>
+            </a:pPr>
             <a:r>
               <a:rPr lang="sv-SE" dirty="0" smtClean="0"/>
               <a:t>Soundplayer</a:t>
             </a:r>
           </a:p>
           <a:p>
-            <a:pPr lvl="1"/>
+            <a:pPr marL="722376" lvl="1" indent="-274320" fontAlgn="auto">
+              <a:spcAft>
+                <a:spcPts val="0"/>
+              </a:spcAft>
+              <a:buFont typeface="Wingdings 2"/>
+              <a:buChar char=""/>
+              <a:defRPr/>
+            </a:pPr>
             <a:r>
               <a:rPr lang="sv-SE" dirty="0" smtClean="0"/>
               <a:t>Extended soundplayer</a:t>
             </a:r>
           </a:p>
           <a:p>
-            <a:pPr lvl="1"/>
+            <a:pPr marL="722376" lvl="1" indent="-274320" fontAlgn="auto">
+              <a:spcAft>
+                <a:spcPts val="0"/>
+              </a:spcAft>
+              <a:buFont typeface="Wingdings 2"/>
+              <a:buChar char=""/>
+              <a:defRPr/>
+            </a:pPr>
             <a:r>
               <a:rPr lang="sv-SE" dirty="0" err="1" smtClean="0"/>
               <a:t>Echo</a:t>
@@ -4316,12 +4944,36 @@
             <a:endParaRPr lang="sv-SE" dirty="0" smtClean="0"/>
           </a:p>
           <a:p>
+            <a:pPr marL="420624" indent="-384048" fontAlgn="auto">
+              <a:spcAft>
+                <a:spcPts val="0"/>
+              </a:spcAft>
+              <a:buFont typeface="Wingdings 2"/>
+              <a:buChar char=""/>
+              <a:defRPr/>
+            </a:pPr>
             <a:endParaRPr lang="sv-SE" dirty="0" smtClean="0"/>
           </a:p>
           <a:p>
+            <a:pPr marL="420624" indent="-384048" fontAlgn="auto">
+              <a:spcAft>
+                <a:spcPts val="0"/>
+              </a:spcAft>
+              <a:buFont typeface="Wingdings 2"/>
+              <a:buChar char=""/>
+              <a:defRPr/>
+            </a:pPr>
             <a:endParaRPr lang="sv-SE" dirty="0" smtClean="0"/>
           </a:p>
           <a:p>
+            <a:pPr marL="420624" indent="-384048" fontAlgn="auto">
+              <a:spcAft>
+                <a:spcPts val="0"/>
+              </a:spcAft>
+              <a:buFont typeface="Wingdings 2"/>
+              <a:buChar char=""/>
+              <a:defRPr/>
+            </a:pPr>
             <a:endParaRPr lang="sv-SE" dirty="0"/>
           </a:p>
         </p:txBody>
@@ -4360,7 +5012,7 @@
       </p:grpSpPr>
       <p:sp>
         <p:nvSpPr>
-          <p:cNvPr id="2" name="Rubrik 1"/>
+          <p:cNvPr id="17409" name="Rubrik 1"/>
           <p:cNvSpPr>
             <a:spLocks noGrp="1"/>
           </p:cNvSpPr>
@@ -4374,14 +5026,9 @@
           <a:lstStyle/>
           <a:p>
             <a:r>
-              <a:rPr lang="sv-SE" dirty="0" err="1" smtClean="0"/>
-              <a:t>More</a:t>
-            </a:r>
-            <a:r>
-              <a:rPr lang="sv-SE" dirty="0" smtClean="0"/>
-              <a:t> multimedia</a:t>
-            </a:r>
-            <a:endParaRPr lang="sv-SE" dirty="0"/>
+              <a:rPr lang="sv-SE" smtClean="0"/>
+              <a:t>More multimedia</a:t>
+            </a:r>
           </a:p>
         </p:txBody>
       </p:sp>
@@ -4402,6 +5049,14 @@
           </a:bodyPr>
           <a:lstStyle/>
           <a:p>
+            <a:pPr marL="420624" indent="-384048" fontAlgn="auto">
+              <a:spcAft>
+                <a:spcPts val="0"/>
+              </a:spcAft>
+              <a:buFont typeface="Wingdings 2"/>
+              <a:buChar char=""/>
+              <a:defRPr/>
+            </a:pPr>
             <a:r>
               <a:rPr lang="sv-SE" dirty="0" err="1" smtClean="0"/>
               <a:t>Calculation</a:t>
@@ -4409,7 +5064,14 @@
             <a:endParaRPr lang="sv-SE" dirty="0" smtClean="0"/>
           </a:p>
           <a:p>
-            <a:pPr lvl="1"/>
+            <a:pPr marL="722376" lvl="1" indent="-274320" fontAlgn="auto">
+              <a:spcAft>
+                <a:spcPts val="0"/>
+              </a:spcAft>
+              <a:buFont typeface="Wingdings 2"/>
+              <a:buChar char=""/>
+              <a:defRPr/>
+            </a:pPr>
             <a:r>
               <a:rPr lang="sv-SE" dirty="0" smtClean="0"/>
               <a:t>Volume, calculated through surrounding objects’ reflection values, and reduced with </a:t>
@@ -4421,7 +5083,14 @@
             <a:endParaRPr lang="sv-SE" dirty="0" smtClean="0"/>
           </a:p>
           <a:p>
-            <a:pPr lvl="1"/>
+            <a:pPr marL="722376" lvl="1" indent="-274320" fontAlgn="auto">
+              <a:spcAft>
+                <a:spcPts val="0"/>
+              </a:spcAft>
+              <a:buFont typeface="Wingdings 2"/>
+              <a:buChar char=""/>
+              <a:defRPr/>
+            </a:pPr>
             <a:r>
               <a:rPr lang="sv-SE" dirty="0" smtClean="0"/>
               <a:t>Delay, calculated through an approximate distance of surrounding objects, taking weight of values in </a:t>
@@ -4433,6 +5102,14 @@
             <a:endParaRPr lang="sv-SE" dirty="0" smtClean="0"/>
           </a:p>
           <a:p>
+            <a:pPr marL="420624" indent="-384048" fontAlgn="auto">
+              <a:spcAft>
+                <a:spcPts val="0"/>
+              </a:spcAft>
+              <a:buFont typeface="Wingdings 2"/>
+              <a:buChar char=""/>
+              <a:defRPr/>
+            </a:pPr>
             <a:r>
               <a:rPr lang="sv-SE" dirty="0" smtClean="0"/>
               <a:t>The </a:t>
@@ -4452,16 +5129,17 @@
             <a:endParaRPr lang="sv-SE" dirty="0" smtClean="0"/>
           </a:p>
           <a:p>
-            <a:pPr>
+            <a:pPr marL="420624" indent="-384048" fontAlgn="auto">
+              <a:spcAft>
+                <a:spcPts val="0"/>
+              </a:spcAft>
+              <a:buFont typeface="Wingdings 2"/>
               <a:buNone/>
+              <a:defRPr/>
             </a:pPr>
             <a:r>
               <a:rPr lang="sv-SE" dirty="0" smtClean="0"/>
               <a:t>	</a:t>
-            </a:r>
-            <a:r>
-              <a:rPr lang="sv-SE" dirty="0" smtClean="0"/>
-              <a:t/>
             </a:r>
             <a:br>
               <a:rPr lang="sv-SE" dirty="0" smtClean="0"/>
@@ -4469,25 +5147,39 @@
             <a:endParaRPr lang="sv-SE" dirty="0" smtClean="0"/>
           </a:p>
           <a:p>
-            <a:pPr lvl="1"/>
+            <a:pPr marL="722376" lvl="1" indent="-274320" fontAlgn="auto">
+              <a:spcAft>
+                <a:spcPts val="0"/>
+              </a:spcAft>
+              <a:buFont typeface="Wingdings 2"/>
+              <a:buChar char=""/>
+              <a:defRPr/>
+            </a:pPr>
             <a:endParaRPr lang="sv-SE" dirty="0" smtClean="0"/>
           </a:p>
           <a:p>
-            <a:pPr lvl="1"/>
+            <a:pPr marL="722376" lvl="1" indent="-274320" fontAlgn="auto">
+              <a:spcAft>
+                <a:spcPts val="0"/>
+              </a:spcAft>
+              <a:buFont typeface="Wingdings 2"/>
+              <a:buChar char=""/>
+              <a:defRPr/>
+            </a:pPr>
             <a:endParaRPr lang="sv-SE" dirty="0" smtClean="0"/>
           </a:p>
         </p:txBody>
       </p:sp>
       <p:pic>
         <p:nvPicPr>
-          <p:cNvPr id="1028" name="Picture 4"/>
+          <p:cNvPr id="17411" name="Picture 4"/>
           <p:cNvPicPr>
             <a:picLocks noChangeAspect="1" noChangeArrowheads="1"/>
           </p:cNvPicPr>
           <p:nvPr/>
         </p:nvPicPr>
         <p:blipFill>
-          <a:blip r:embed="rId2" cstate="print"/>
+          <a:blip r:embed="rId2"/>
           <a:srcRect/>
           <a:stretch>
             <a:fillRect/>
@@ -4537,7 +5229,7 @@
       </p:grpSpPr>
       <p:sp>
         <p:nvSpPr>
-          <p:cNvPr id="2" name="Title 1"/>
+          <p:cNvPr id="18433" name="Title 1"/>
           <p:cNvSpPr>
             <a:spLocks noGrp="1"/>
           </p:cNvSpPr>
@@ -4551,21 +5243,20 @@
           <a:lstStyle/>
           <a:p>
             <a:r>
-              <a:rPr lang="sv-SE" dirty="0" smtClean="0"/>
+              <a:rPr lang="sv-SE" smtClean="0"/>
               <a:t>Graphics</a:t>
             </a:r>
-            <a:endParaRPr lang="sv-SE" dirty="0"/>
-          </a:p>
-        </p:txBody>
-      </p:sp>
-      <p:sp>
-        <p:nvSpPr>
-          <p:cNvPr id="3" name="Content Placeholder 2"/>
-          <p:cNvSpPr>
-            <a:spLocks noGrp="1"/>
-          </p:cNvSpPr>
-          <p:nvPr>
-            <p:ph idx="1"/>
+          </a:p>
+        </p:txBody>
+      </p:sp>
+      <p:sp>
+        <p:nvSpPr>
+          <p:cNvPr id="3" name="Platshållare för innehåll 2"/>
+          <p:cNvSpPr>
+            <a:spLocks noGrp="1"/>
+          </p:cNvSpPr>
+          <p:nvPr>
+            <p:ph idx="4294967295"/>
           </p:nvPr>
         </p:nvSpPr>
         <p:spPr/>
@@ -4573,7 +5264,52 @@
           <a:bodyPr/>
           <a:lstStyle/>
           <a:p>
-            <a:endParaRPr lang="sv-SE"/>
+            <a:r>
+              <a:rPr lang="sv-SE" smtClean="0"/>
+              <a:t>Cartoon-styled sky and weather effects</a:t>
+            </a:r>
+          </a:p>
+          <a:p>
+            <a:pPr lvl="1"/>
+            <a:r>
+              <a:rPr lang="sv-SE" smtClean="0"/>
+              <a:t>Sky, clouds, sun, snow, rain, wind</a:t>
+            </a:r>
+          </a:p>
+          <a:p>
+            <a:r>
+              <a:rPr lang="sv-SE" smtClean="0"/>
+              <a:t>Textures set on planes far away</a:t>
+            </a:r>
+          </a:p>
+          <a:p>
+            <a:pPr lvl="1"/>
+            <a:r>
+              <a:rPr lang="sv-SE" smtClean="0"/>
+              <a:t>Smiley-faces</a:t>
+            </a:r>
+          </a:p>
+          <a:p>
+            <a:pPr marL="1143000" lvl="2" indent="-228600"/>
+            <a:r>
+              <a:rPr lang="sv-SE" smtClean="0"/>
+              <a:t>Rotation to correctly face the camera</a:t>
+            </a:r>
+          </a:p>
+          <a:p>
+            <a:pPr lvl="1"/>
+            <a:r>
+              <a:rPr lang="sv-SE" smtClean="0"/>
+              <a:t>Whatever I could find or create</a:t>
+            </a:r>
+          </a:p>
+          <a:p>
+            <a:pPr lvl="1">
+              <a:lnSpc>
+                <a:spcPct val="90000"/>
+              </a:lnSpc>
+            </a:pPr>
+            <a:endParaRPr lang="sv-SE" smtClean="0"/>
           </a:p>
         </p:txBody>
       </p:sp>
@@ -4604,7 +5340,7 @@
       </p:grpSpPr>
       <p:sp>
         <p:nvSpPr>
-          <p:cNvPr id="2" name="Title 1"/>
+          <p:cNvPr id="19457" name="Title 1"/>
           <p:cNvSpPr>
             <a:spLocks noGrp="1"/>
           </p:cNvSpPr>
@@ -4618,16 +5354,15 @@
           <a:lstStyle/>
           <a:p>
             <a:r>
-              <a:rPr lang="sv-SE" dirty="0" smtClean="0"/>
-              <a:t>Cartoon filter</a:t>
-            </a:r>
-            <a:endParaRPr lang="sv-SE" dirty="0"/>
-          </a:p>
-        </p:txBody>
-      </p:sp>
-      <p:sp>
-        <p:nvSpPr>
-          <p:cNvPr id="3" name="Content Placeholder 2"/>
+              <a:rPr lang="sv-SE" smtClean="0"/>
+              <a:t>Graphics</a:t>
+            </a:r>
+          </a:p>
+        </p:txBody>
+      </p:sp>
+      <p:sp>
+        <p:nvSpPr>
+          <p:cNvPr id="19458" name="Content Placeholder 2"/>
           <p:cNvSpPr>
             <a:spLocks noGrp="1"/>
           </p:cNvSpPr>
@@ -4640,7 +5375,47 @@
           <a:bodyPr/>
           <a:lstStyle/>
           <a:p>
-            <a:endParaRPr lang="sv-SE"/>
+            <a:r>
+              <a:rPr lang="sv-SE" smtClean="0"/>
+              <a:t>Particle effects</a:t>
+            </a:r>
+          </a:p>
+          <a:p>
+            <a:pPr marL="742950" lvl="1" indent="-285750"/>
+            <a:r>
+              <a:rPr lang="sv-SE" smtClean="0"/>
+              <a:t>Textures with transparency</a:t>
+            </a:r>
+          </a:p>
+          <a:p>
+            <a:pPr marL="742950" lvl="1" indent="-285750"/>
+            <a:r>
+              <a:rPr lang="sv-SE" smtClean="0"/>
+              <a:t>Particle scripts</a:t>
+            </a:r>
+          </a:p>
+          <a:p>
+            <a:pPr marL="1143000" lvl="2" indent="-228600"/>
+            <a:r>
+              <a:rPr lang="sv-SE" smtClean="0"/>
+              <a:t>Affected by wind, different density and velocity settings</a:t>
+            </a:r>
+          </a:p>
+          <a:p>
+            <a:r>
+              <a:rPr lang="sv-SE" smtClean="0"/>
+              <a:t>Skydome</a:t>
+            </a:r>
+          </a:p>
+          <a:p>
+            <a:pPr marL="742950" lvl="1" indent="-285750"/>
+            <a:r>
+              <a:rPr lang="sv-SE" smtClean="0"/>
+              <a:t>Fast when switching between different domes</a:t>
+            </a:r>
+          </a:p>
+          <a:p>
+            <a:endParaRPr lang="sv-SE" smtClean="0"/>
           </a:p>
         </p:txBody>
       </p:sp>
@@ -4671,7 +5446,7 @@
       </p:grpSpPr>
       <p:sp>
         <p:nvSpPr>
-          <p:cNvPr id="2" name="Title 1"/>
+          <p:cNvPr id="20481" name="Title 1"/>
           <p:cNvSpPr>
             <a:spLocks noGrp="1"/>
           </p:cNvSpPr>
@@ -4685,16 +5460,15 @@
           <a:lstStyle/>
           <a:p>
             <a:r>
-              <a:rPr lang="sv-SE" dirty="0" smtClean="0"/>
+              <a:rPr lang="sv-SE" smtClean="0"/>
               <a:t>AI-Astar</a:t>
             </a:r>
-            <a:endParaRPr lang="sv-SE" dirty="0"/>
           </a:p>
         </p:txBody>
       </p:sp>
       <p:pic>
         <p:nvPicPr>
-          <p:cNvPr id="4" name="Picture 2"/>
+          <p:cNvPr id="20482" name="Picture 2"/>
           <p:cNvPicPr>
             <a:picLocks noGrp="1" noChangeAspect="1" noChangeArrowheads="1"/>
           </p:cNvPicPr>
@@ -4703,63 +5477,22 @@
           </p:nvPr>
         </p:nvPicPr>
         <p:blipFill>
-          <a:blip r:embed="rId2" cstate="print">
-            <a:extLst>
-              <a:ext uri="{28A0092B-C50C-407E-A947-70E740481C1C}">
-                <a14:useLocalDpi xmlns="" xmlns:a14="http://schemas.microsoft.com/office/drawing/2010/main" val="0"/>
-              </a:ext>
-            </a:extLst>
-          </a:blip>
+          <a:blip r:embed="rId2"/>
+          <a:srcRect/>
           <a:stretch>
             <a:fillRect/>
           </a:stretch>
         </p:blipFill>
-        <p:spPr bwMode="auto">
+        <p:spPr>
           <a:xfrm>
             <a:off x="4648200" y="914400"/>
-            <a:ext cx="3657600" cy="2614558"/>
+            <a:ext cx="3657600" cy="2614613"/>
           </a:xfrm>
-          <a:prstGeom prst="rect">
-            <a:avLst/>
-          </a:prstGeom>
-          <a:noFill/>
-          <a:ln>
-            <a:noFill/>
-          </a:ln>
-          <a:effectLst/>
-          <a:extLst>
-            <a:ext uri="{909E8E84-426E-40DD-AFC4-6F175D3DCCD1}">
-              <a14:hiddenFill xmlns="" xmlns:a14="http://schemas.microsoft.com/office/drawing/2010/main">
-                <a:solidFill>
-                  <a:schemeClr val="accent1"/>
-                </a:solidFill>
-              </a14:hiddenFill>
-            </a:ext>
-            <a:ext uri="{91240B29-F687-4F45-9708-019B960494DF}">
-              <a14:hiddenLine xmlns="" xmlns:a14="http://schemas.microsoft.com/office/drawing/2010/main" w="9525">
-                <a:solidFill>
-                  <a:schemeClr val="tx1"/>
-                </a:solidFill>
-                <a:miter lim="800000"/>
-                <a:headEnd/>
-                <a:tailEnd/>
-              </a14:hiddenLine>
-            </a:ext>
-            <a:ext uri="{AF507438-7753-43E0-B8FC-AC1667EBCBE1}">
-              <a14:hiddenEffects xmlns="" xmlns:a14="http://schemas.microsoft.com/office/drawing/2010/main">
-                <a:effectLst>
-                  <a:outerShdw dist="35921" dir="2700000" algn="ctr" rotWithShape="0">
-                    <a:schemeClr val="bg2"/>
-                  </a:outerShdw>
-                </a:effectLst>
-              </a14:hiddenEffects>
-            </a:ext>
-          </a:extLst>
         </p:spPr>
       </p:pic>
       <p:sp>
         <p:nvSpPr>
-          <p:cNvPr id="5" name="Content Placeholder 4"/>
+          <p:cNvPr id="20483" name="Content Placeholder 4"/>
           <p:cNvSpPr>
             <a:spLocks noGrp="1"/>
           </p:cNvSpPr>
@@ -4778,48 +5511,48 @@
           <a:lstStyle/>
           <a:p>
             <a:r>
-              <a:rPr lang="sv-SE" dirty="0" smtClean="0"/>
+              <a:rPr lang="sv-SE" smtClean="0"/>
               <a:t>Pathfinding</a:t>
             </a:r>
           </a:p>
           <a:p>
             <a:pPr lvl="1"/>
             <a:r>
-              <a:rPr lang="sv-SE" dirty="0" smtClean="0"/>
+              <a:rPr lang="sv-SE" smtClean="0"/>
               <a:t>Astar</a:t>
             </a:r>
           </a:p>
           <a:p>
             <a:pPr lvl="2"/>
             <a:r>
-              <a:rPr lang="sv-SE" dirty="0" smtClean="0"/>
+              <a:rPr lang="sv-SE" smtClean="0"/>
               <a:t>Combination</a:t>
             </a:r>
           </a:p>
           <a:p>
             <a:pPr lvl="3"/>
             <a:r>
-              <a:rPr lang="sv-SE" dirty="0" smtClean="0"/>
+              <a:rPr lang="sv-SE" smtClean="0"/>
               <a:t>Shortest path</a:t>
             </a:r>
           </a:p>
           <a:p>
             <a:pPr lvl="3"/>
             <a:r>
-              <a:rPr lang="sv-SE" dirty="0" smtClean="0"/>
+              <a:rPr lang="sv-SE" smtClean="0"/>
               <a:t>Heuristic algorithm</a:t>
             </a:r>
           </a:p>
           <a:p>
             <a:pPr lvl="4"/>
             <a:r>
-              <a:rPr lang="sv-SE" dirty="0" smtClean="0"/>
+              <a:rPr lang="sv-SE" smtClean="0"/>
               <a:t>Manhattan</a:t>
             </a:r>
           </a:p>
           <a:p>
             <a:pPr lvl="1"/>
-            <a:endParaRPr lang="sv-SE" dirty="0"/>
+            <a:endParaRPr lang="sv-SE" smtClean="0"/>
           </a:p>
         </p:txBody>
       </p:sp>
@@ -4850,7 +5583,7 @@
       </p:grpSpPr>
       <p:sp>
         <p:nvSpPr>
-          <p:cNvPr id="2" name="Title 1"/>
+          <p:cNvPr id="21505" name="Title 1"/>
           <p:cNvSpPr>
             <a:spLocks noGrp="1"/>
           </p:cNvSpPr>
@@ -4864,16 +5597,15 @@
           <a:lstStyle/>
           <a:p>
             <a:r>
-              <a:rPr lang="sv-SE" dirty="0" smtClean="0"/>
+              <a:rPr lang="sv-SE" smtClean="0"/>
               <a:t>AI-Astar-Extension</a:t>
             </a:r>
-            <a:endParaRPr lang="sv-SE" dirty="0"/>
-          </a:p>
-        </p:txBody>
-      </p:sp>
-      <p:sp>
-        <p:nvSpPr>
-          <p:cNvPr id="3" name="Content Placeholder 2"/>
+          </a:p>
+        </p:txBody>
+      </p:sp>
+      <p:sp>
+        <p:nvSpPr>
+          <p:cNvPr id="21506" name="Content Placeholder 2"/>
           <p:cNvSpPr>
             <a:spLocks noGrp="1"/>
           </p:cNvSpPr>
@@ -4887,22 +5619,21 @@
           <a:lstStyle/>
           <a:p>
             <a:r>
-              <a:rPr lang="sv-SE" dirty="0" smtClean="0"/>
+              <a:rPr lang="sv-SE" smtClean="0"/>
               <a:t>Generate an Astar path</a:t>
             </a:r>
           </a:p>
           <a:p>
             <a:r>
-              <a:rPr lang="sv-SE" dirty="0" smtClean="0"/>
+              <a:rPr lang="sv-SE" smtClean="0"/>
               <a:t>Generate an NxN graph with AstarNodes</a:t>
             </a:r>
           </a:p>
           <a:p>
             <a:r>
-              <a:rPr lang="sv-SE" dirty="0" smtClean="0"/>
+              <a:rPr lang="sv-SE" smtClean="0"/>
               <a:t>Convert Astar node number to ogre coordinates</a:t>
             </a:r>
-            <a:endParaRPr lang="sv-SE" dirty="0"/>
           </a:p>
         </p:txBody>
       </p:sp>

--- a/Presentation.pptx
+++ b/Presentation.pptx
@@ -4349,6 +4349,13 @@
   <p:clrMapOvr>
     <a:masterClrMapping/>
   </p:clrMapOvr>
+  <p:timing>
+    <p:tnLst>
+      <p:par>
+        <p:cTn id="1" dur="indefinite" restart="never" nodeType="tmRoot"/>
+      </p:par>
+    </p:tnLst>
+  </p:timing>
 </p:sld>
 </file>
 
@@ -4448,6 +4455,13 @@
   <p:clrMapOvr>
     <a:masterClrMapping/>
   </p:clrMapOvr>
+  <p:timing>
+    <p:tnLst>
+      <p:par>
+        <p:cTn id="1" dur="indefinite" restart="never" nodeType="tmRoot"/>
+      </p:par>
+    </p:tnLst>
+  </p:timing>
 </p:sld>
 </file>
 
@@ -4514,6 +4528,13 @@
   <p:clrMapOvr>
     <a:masterClrMapping/>
   </p:clrMapOvr>
+  <p:timing>
+    <p:tnLst>
+      <p:par>
+        <p:cTn id="1" dur="indefinite" restart="never" nodeType="tmRoot"/>
+      </p:par>
+    </p:tnLst>
+  </p:timing>
 </p:sld>
 </file>
 
@@ -4572,30 +4593,39 @@
           <a:lstStyle/>
           <a:p>
             <a:r>
+              <a:rPr lang="sv-SE" dirty="0" smtClean="0"/>
+              <a:t>Setting </a:t>
+            </a:r>
+            <a:r>
               <a:rPr lang="sv-SE" smtClean="0"/>
-              <a:t>Setting up SVN/Enviroment</a:t>
-            </a:r>
-          </a:p>
-          <a:p>
+              <a:t>up </a:t>
+            </a:r>
             <a:r>
               <a:rPr lang="sv-SE" smtClean="0"/>
+              <a:t>SVN/Environment</a:t>
+            </a:r>
+            <a:endParaRPr lang="sv-SE" dirty="0" smtClean="0"/>
+          </a:p>
+          <a:p>
+            <a:r>
+              <a:rPr lang="sv-SE" dirty="0" smtClean="0"/>
               <a:t>Battling the Ogre</a:t>
             </a:r>
           </a:p>
           <a:p>
             <a:r>
-              <a:rPr lang="sv-SE" smtClean="0"/>
+              <a:rPr lang="sv-SE" dirty="0" smtClean="0"/>
               <a:t>Creating the framework</a:t>
             </a:r>
           </a:p>
           <a:p>
             <a:r>
-              <a:rPr lang="sv-SE" smtClean="0"/>
+              <a:rPr lang="sv-SE" dirty="0" smtClean="0"/>
               <a:t>Integrating everything into it</a:t>
             </a:r>
           </a:p>
           <a:p>
-            <a:endParaRPr lang="sv-SE" smtClean="0"/>
+            <a:endParaRPr lang="sv-SE" dirty="0" smtClean="0"/>
           </a:p>
         </p:txBody>
       </p:sp>
@@ -4681,7 +4711,7 @@
           <p:nvPr/>
         </p:nvPicPr>
         <p:blipFill>
-          <a:blip r:embed="rId2"/>
+          <a:blip r:embed="rId2" cstate="print"/>
           <a:srcRect/>
           <a:stretch>
             <a:fillRect/>
@@ -5179,7 +5209,7 @@
           <p:nvPr/>
         </p:nvPicPr>
         <p:blipFill>
-          <a:blip r:embed="rId2"/>
+          <a:blip r:embed="rId2" cstate="print"/>
           <a:srcRect/>
           <a:stretch>
             <a:fillRect/>
@@ -5207,6 +5237,13 @@
   <p:clrMapOvr>
     <a:masterClrMapping/>
   </p:clrMapOvr>
+  <p:timing>
+    <p:tnLst>
+      <p:par>
+        <p:cTn id="1" dur="indefinite" restart="never" nodeType="tmRoot"/>
+      </p:par>
+    </p:tnLst>
+  </p:timing>
 </p:sld>
 </file>
 
@@ -5318,6 +5355,13 @@
   <p:clrMapOvr>
     <a:masterClrMapping/>
   </p:clrMapOvr>
+  <p:timing>
+    <p:tnLst>
+      <p:par>
+        <p:cTn id="1" dur="indefinite" restart="never" nodeType="tmRoot"/>
+      </p:par>
+    </p:tnLst>
+  </p:timing>
 </p:sld>
 </file>
 
@@ -5424,6 +5468,13 @@
   <p:clrMapOvr>
     <a:masterClrMapping/>
   </p:clrMapOvr>
+  <p:timing>
+    <p:tnLst>
+      <p:par>
+        <p:cTn id="1" dur="indefinite" restart="never" nodeType="tmRoot"/>
+      </p:par>
+    </p:tnLst>
+  </p:timing>
 </p:sld>
 </file>
 
@@ -5477,7 +5528,7 @@
           </p:nvPr>
         </p:nvPicPr>
         <p:blipFill>
-          <a:blip r:embed="rId2"/>
+          <a:blip r:embed="rId2" cstate="print"/>
           <a:srcRect/>
           <a:stretch>
             <a:fillRect/>
@@ -5561,6 +5612,13 @@
   <p:clrMapOvr>
     <a:masterClrMapping/>
   </p:clrMapOvr>
+  <p:timing>
+    <p:tnLst>
+      <p:par>
+        <p:cTn id="1" dur="indefinite" restart="never" nodeType="tmRoot"/>
+      </p:par>
+    </p:tnLst>
+  </p:timing>
 </p:sld>
 </file>
 
@@ -5642,6 +5700,13 @@
   <p:clrMapOvr>
     <a:masterClrMapping/>
   </p:clrMapOvr>
+  <p:timing>
+    <p:tnLst>
+      <p:par>
+        <p:cTn id="1" dur="indefinite" restart="never" nodeType="tmRoot"/>
+      </p:par>
+    </p:tnLst>
+  </p:timing>
 </p:sld>
 </file>
 
